--- a/20-svg-explode/20.pptx
+++ b/20-svg-explode/20.pptx
@@ -5,22 +5,30 @@
     <p:sldMasterId id="2147483648" r:id="rId1"/>
   </p:sldMasterIdLst>
   <p:notesMasterIdLst>
-    <p:notesMasterId r:id="rId15"/>
+    <p:notesMasterId r:id="rId23"/>
   </p:notesMasterIdLst>
   <p:sldIdLst>
     <p:sldId id="256" r:id="rId2"/>
     <p:sldId id="257" r:id="rId3"/>
-    <p:sldId id="258" r:id="rId4"/>
-    <p:sldId id="396" r:id="rId5"/>
-    <p:sldId id="428" r:id="rId6"/>
-    <p:sldId id="429" r:id="rId7"/>
-    <p:sldId id="430" r:id="rId8"/>
-    <p:sldId id="431" r:id="rId9"/>
-    <p:sldId id="432" r:id="rId10"/>
-    <p:sldId id="433" r:id="rId11"/>
-    <p:sldId id="434" r:id="rId12"/>
-    <p:sldId id="345" r:id="rId13"/>
-    <p:sldId id="427" r:id="rId14"/>
+    <p:sldId id="435" r:id="rId4"/>
+    <p:sldId id="258" r:id="rId5"/>
+    <p:sldId id="396" r:id="rId6"/>
+    <p:sldId id="436" r:id="rId7"/>
+    <p:sldId id="437" r:id="rId8"/>
+    <p:sldId id="429" r:id="rId9"/>
+    <p:sldId id="438" r:id="rId10"/>
+    <p:sldId id="430" r:id="rId11"/>
+    <p:sldId id="439" r:id="rId12"/>
+    <p:sldId id="440" r:id="rId13"/>
+    <p:sldId id="441" r:id="rId14"/>
+    <p:sldId id="442" r:id="rId15"/>
+    <p:sldId id="432" r:id="rId16"/>
+    <p:sldId id="443" r:id="rId17"/>
+    <p:sldId id="433" r:id="rId18"/>
+    <p:sldId id="431" r:id="rId19"/>
+    <p:sldId id="434" r:id="rId20"/>
+    <p:sldId id="345" r:id="rId21"/>
+    <p:sldId id="427" r:id="rId22"/>
   </p:sldIdLst>
   <p:sldSz cx="9144000" cy="6858000" type="screen4x3"/>
   <p:notesSz cx="6858000" cy="9144000"/>
@@ -121,7 +129,7 @@
   </p:defaultTextStyle>
   <p:extLst>
     <p:ext uri="{EFAFB233-063F-42B5-8137-9DF3F51BA10A}">
-      <p15:sldGuideLst xmlns:p15="http://schemas.microsoft.com/office/powerpoint/2012/main">
+      <p15:sldGuideLst xmlns:p15="http://schemas.microsoft.com/office/powerpoint/2012/main" xmlns="">
         <p15:guide id="1" orient="horz" pos="2160">
           <p15:clr>
             <a:srgbClr val="A4A3A4"/>
@@ -220,7 +228,7 @@
           <a:p>
             <a:fld id="{918C987C-5DAD-4601-B625-55A3208473B0}" type="datetimeFigureOut">
               <a:rPr lang="zh-CN" altLang="en-US" smtClean="0"/>
-              <a:t>2018/8/22</a:t>
+              <a:t>2018/8/23</a:t>
             </a:fld>
             <a:endParaRPr lang="zh-CN" altLang="en-US"/>
           </a:p>
@@ -669,7 +677,7 @@
           <a:p>
             <a:fld id="{17C7C8FB-1C37-4023-AA22-09D5A8E13DCF}" type="datetimeFigureOut">
               <a:rPr lang="zh-CN" altLang="en-US" smtClean="0"/>
-              <a:t>2018/8/22</a:t>
+              <a:t>2018/8/23</a:t>
             </a:fld>
             <a:endParaRPr lang="zh-CN" altLang="en-US"/>
           </a:p>
@@ -839,7 +847,7 @@
           <a:p>
             <a:fld id="{17C7C8FB-1C37-4023-AA22-09D5A8E13DCF}" type="datetimeFigureOut">
               <a:rPr lang="zh-CN" altLang="en-US" smtClean="0"/>
-              <a:t>2018/8/22</a:t>
+              <a:t>2018/8/23</a:t>
             </a:fld>
             <a:endParaRPr lang="zh-CN" altLang="en-US"/>
           </a:p>
@@ -1019,7 +1027,7 @@
           <a:p>
             <a:fld id="{17C7C8FB-1C37-4023-AA22-09D5A8E13DCF}" type="datetimeFigureOut">
               <a:rPr lang="zh-CN" altLang="en-US" smtClean="0"/>
-              <a:t>2018/8/22</a:t>
+              <a:t>2018/8/23</a:t>
             </a:fld>
             <a:endParaRPr lang="zh-CN" altLang="en-US"/>
           </a:p>
@@ -1189,7 +1197,7 @@
           <a:p>
             <a:fld id="{17C7C8FB-1C37-4023-AA22-09D5A8E13DCF}" type="datetimeFigureOut">
               <a:rPr lang="zh-CN" altLang="en-US" smtClean="0"/>
-              <a:t>2018/8/22</a:t>
+              <a:t>2018/8/23</a:t>
             </a:fld>
             <a:endParaRPr lang="zh-CN" altLang="en-US"/>
           </a:p>
@@ -1435,7 +1443,7 @@
           <a:p>
             <a:fld id="{17C7C8FB-1C37-4023-AA22-09D5A8E13DCF}" type="datetimeFigureOut">
               <a:rPr lang="zh-CN" altLang="en-US" smtClean="0"/>
-              <a:t>2018/8/22</a:t>
+              <a:t>2018/8/23</a:t>
             </a:fld>
             <a:endParaRPr lang="zh-CN" altLang="en-US"/>
           </a:p>
@@ -1723,7 +1731,7 @@
           <a:p>
             <a:fld id="{17C7C8FB-1C37-4023-AA22-09D5A8E13DCF}" type="datetimeFigureOut">
               <a:rPr lang="zh-CN" altLang="en-US" smtClean="0"/>
-              <a:t>2018/8/22</a:t>
+              <a:t>2018/8/23</a:t>
             </a:fld>
             <a:endParaRPr lang="zh-CN" altLang="en-US"/>
           </a:p>
@@ -2145,7 +2153,7 @@
           <a:p>
             <a:fld id="{17C7C8FB-1C37-4023-AA22-09D5A8E13DCF}" type="datetimeFigureOut">
               <a:rPr lang="zh-CN" altLang="en-US" smtClean="0"/>
-              <a:t>2018/8/22</a:t>
+              <a:t>2018/8/23</a:t>
             </a:fld>
             <a:endParaRPr lang="zh-CN" altLang="en-US"/>
           </a:p>
@@ -2263,7 +2271,7 @@
           <a:p>
             <a:fld id="{17C7C8FB-1C37-4023-AA22-09D5A8E13DCF}" type="datetimeFigureOut">
               <a:rPr lang="zh-CN" altLang="en-US" smtClean="0"/>
-              <a:t>2018/8/22</a:t>
+              <a:t>2018/8/23</a:t>
             </a:fld>
             <a:endParaRPr lang="zh-CN" altLang="en-US"/>
           </a:p>
@@ -2358,7 +2366,7 @@
           <a:p>
             <a:fld id="{17C7C8FB-1C37-4023-AA22-09D5A8E13DCF}" type="datetimeFigureOut">
               <a:rPr lang="zh-CN" altLang="en-US" smtClean="0"/>
-              <a:t>2018/8/22</a:t>
+              <a:t>2018/8/23</a:t>
             </a:fld>
             <a:endParaRPr lang="zh-CN" altLang="en-US"/>
           </a:p>
@@ -2635,7 +2643,7 @@
           <a:p>
             <a:fld id="{17C7C8FB-1C37-4023-AA22-09D5A8E13DCF}" type="datetimeFigureOut">
               <a:rPr lang="zh-CN" altLang="en-US" smtClean="0"/>
-              <a:t>2018/8/22</a:t>
+              <a:t>2018/8/23</a:t>
             </a:fld>
             <a:endParaRPr lang="zh-CN" altLang="en-US"/>
           </a:p>
@@ -2888,7 +2896,7 @@
           <a:p>
             <a:fld id="{17C7C8FB-1C37-4023-AA22-09D5A8E13DCF}" type="datetimeFigureOut">
               <a:rPr lang="zh-CN" altLang="en-US" smtClean="0"/>
-              <a:t>2018/8/22</a:t>
+              <a:t>2018/8/23</a:t>
             </a:fld>
             <a:endParaRPr lang="zh-CN" altLang="en-US"/>
           </a:p>
@@ -3101,7 +3109,7 @@
           <a:p>
             <a:fld id="{17C7C8FB-1C37-4023-AA22-09D5A8E13DCF}" type="datetimeFigureOut">
               <a:rPr lang="zh-CN" altLang="en-US" smtClean="0"/>
-              <a:t>2018/8/22</a:t>
+              <a:t>2018/8/23</a:t>
             </a:fld>
             <a:endParaRPr lang="zh-CN" altLang="en-US"/>
           </a:p>
@@ -3745,14 +3753,14 @@
       </p:grpSpPr>
       <p:sp>
         <p:nvSpPr>
-          <p:cNvPr id="5" name="TextBox 4"/>
+          <p:cNvPr id="4" name="TextBox 3"/>
           <p:cNvSpPr txBox="1"/>
           <p:nvPr/>
         </p:nvSpPr>
         <p:spPr>
           <a:xfrm>
-            <a:off x="684000" y="188640"/>
-            <a:ext cx="7776000" cy="581057"/>
+            <a:off x="684000" y="116632"/>
+            <a:ext cx="7776000" cy="523220"/>
           </a:xfrm>
           <a:prstGeom prst="rect">
             <a:avLst/>
@@ -3765,6 +3773,80 @@
           </a:bodyPr>
           <a:lstStyle/>
           <a:p>
+            <a:r>
+              <a:rPr lang="en-US" altLang="zh-CN" sz="2800" b="1" dirty="0" smtClean="0">
+                <a:solidFill>
+                  <a:schemeClr val="tx1">
+                    <a:lumMod val="75000"/>
+                    <a:lumOff val="25000"/>
+                  </a:schemeClr>
+                </a:solidFill>
+                <a:latin typeface="微软雅黑" pitchFamily="34" charset="-122"/>
+                <a:ea typeface="微软雅黑" pitchFamily="34" charset="-122"/>
+              </a:rPr>
+              <a:t>4.JS</a:t>
+            </a:r>
+            <a:r>
+              <a:rPr lang="zh-CN" altLang="en-US" sz="2800" b="1" dirty="0">
+                <a:solidFill>
+                  <a:schemeClr val="tx1">
+                    <a:lumMod val="75000"/>
+                    <a:lumOff val="25000"/>
+                  </a:schemeClr>
+                </a:solidFill>
+                <a:latin typeface="微软雅黑" pitchFamily="34" charset="-122"/>
+                <a:ea typeface="微软雅黑" pitchFamily="34" charset="-122"/>
+              </a:rPr>
+              <a:t>动画</a:t>
+            </a:r>
+            <a:r>
+              <a:rPr lang="zh-CN" altLang="en-US" sz="2800" b="1" dirty="0" smtClean="0">
+                <a:solidFill>
+                  <a:schemeClr val="tx1">
+                    <a:lumMod val="75000"/>
+                    <a:lumOff val="25000"/>
+                  </a:schemeClr>
+                </a:solidFill>
+                <a:latin typeface="微软雅黑" pitchFamily="34" charset="-122"/>
+                <a:ea typeface="微软雅黑" pitchFamily="34" charset="-122"/>
+              </a:rPr>
+              <a:t> </a:t>
+            </a:r>
+            <a:endParaRPr lang="zh-CN" altLang="en-US" sz="2800" b="1" dirty="0">
+              <a:solidFill>
+                <a:schemeClr val="tx1">
+                  <a:lumMod val="75000"/>
+                  <a:lumOff val="25000"/>
+                </a:schemeClr>
+              </a:solidFill>
+              <a:latin typeface="微软雅黑" pitchFamily="34" charset="-122"/>
+              <a:ea typeface="微软雅黑" pitchFamily="34" charset="-122"/>
+            </a:endParaRPr>
+          </a:p>
+        </p:txBody>
+      </p:sp>
+      <p:sp>
+        <p:nvSpPr>
+          <p:cNvPr id="5" name="TextBox 4"/>
+          <p:cNvSpPr txBox="1"/>
+          <p:nvPr/>
+        </p:nvSpPr>
+        <p:spPr>
+          <a:xfrm>
+            <a:off x="684000" y="620688"/>
+            <a:ext cx="7776000" cy="6186309"/>
+          </a:xfrm>
+          <a:prstGeom prst="rect">
+            <a:avLst/>
+          </a:prstGeom>
+          <a:noFill/>
+        </p:spPr>
+        <p:txBody>
+          <a:bodyPr wrap="square" rtlCol="0">
+            <a:spAutoFit/>
+          </a:bodyPr>
+          <a:lstStyle/>
+          <a:p>
             <a:pPr>
               <a:lnSpc>
                 <a:spcPct val="150000"/>
@@ -3781,7 +3863,7 @@
                 <a:latin typeface="微软雅黑" pitchFamily="34" charset="-122"/>
                 <a:ea typeface="微软雅黑" pitchFamily="34" charset="-122"/>
               </a:rPr>
-              <a:t>4-d </a:t>
+              <a:t>4-a JS</a:t>
             </a:r>
             <a:r>
               <a:rPr lang="zh-CN" altLang="en-US" sz="2400" b="1" dirty="0" smtClean="0">
@@ -3794,20 +3876,7 @@
                 <a:latin typeface="微软雅黑" pitchFamily="34" charset="-122"/>
                 <a:ea typeface="微软雅黑" pitchFamily="34" charset="-122"/>
               </a:rPr>
-              <a:t>临时抱正则表达式的佛脚</a:t>
-            </a:r>
-            <a:r>
-              <a:rPr lang="en-US" altLang="zh-CN" sz="2400" b="1" dirty="0" smtClean="0">
-                <a:solidFill>
-                  <a:schemeClr val="tx1">
-                    <a:lumMod val="75000"/>
-                    <a:lumOff val="25000"/>
-                  </a:schemeClr>
-                </a:solidFill>
-                <a:latin typeface="微软雅黑" pitchFamily="34" charset="-122"/>
-                <a:ea typeface="微软雅黑" pitchFamily="34" charset="-122"/>
-              </a:rPr>
-              <a:t>——</a:t>
+              <a:t>动画</a:t>
             </a:r>
             <a:r>
               <a:rPr lang="zh-CN" altLang="en-US" sz="2400" b="1" dirty="0" smtClean="0">
@@ -3820,7 +3889,7 @@
                 <a:latin typeface="微软雅黑" pitchFamily="34" charset="-122"/>
                 <a:ea typeface="微软雅黑" pitchFamily="34" charset="-122"/>
               </a:rPr>
-              <a:t>获取中心点</a:t>
+              <a:t>概述</a:t>
             </a:r>
             <a:endParaRPr lang="en-US" altLang="zh-CN" sz="2400" b="1" dirty="0" smtClean="0">
               <a:solidFill>
@@ -3833,12 +3902,374 @@
               <a:ea typeface="微软雅黑" pitchFamily="34" charset="-122"/>
             </a:endParaRPr>
           </a:p>
+          <a:p>
+            <a:pPr>
+              <a:lnSpc>
+                <a:spcPct val="150000"/>
+              </a:lnSpc>
+            </a:pPr>
+            <a:r>
+              <a:rPr lang="zh-CN" altLang="en-US" sz="2400" dirty="0" smtClean="0">
+                <a:solidFill>
+                  <a:schemeClr val="tx1">
+                    <a:lumMod val="75000"/>
+                    <a:lumOff val="25000"/>
+                  </a:schemeClr>
+                </a:solidFill>
+                <a:latin typeface="微软雅黑" pitchFamily="34" charset="-122"/>
+                <a:ea typeface="微软雅黑" pitchFamily="34" charset="-122"/>
+              </a:rPr>
+              <a:t>此次我们不再用</a:t>
+            </a:r>
+            <a:r>
+              <a:rPr lang="en-US" altLang="zh-CN" sz="2400" dirty="0" smtClean="0">
+                <a:solidFill>
+                  <a:schemeClr val="tx1">
+                    <a:lumMod val="75000"/>
+                    <a:lumOff val="25000"/>
+                  </a:schemeClr>
+                </a:solidFill>
+                <a:latin typeface="微软雅黑" pitchFamily="34" charset="-122"/>
+                <a:ea typeface="微软雅黑" pitchFamily="34" charset="-122"/>
+              </a:rPr>
+              <a:t>SMIL</a:t>
+            </a:r>
+            <a:r>
+              <a:rPr lang="zh-CN" altLang="en-US" sz="2400" dirty="0" smtClean="0">
+                <a:solidFill>
+                  <a:schemeClr val="tx1">
+                    <a:lumMod val="75000"/>
+                    <a:lumOff val="25000"/>
+                  </a:schemeClr>
+                </a:solidFill>
+                <a:latin typeface="微软雅黑" pitchFamily="34" charset="-122"/>
+                <a:ea typeface="微软雅黑" pitchFamily="34" charset="-122"/>
+              </a:rPr>
+              <a:t>动画，也就是</a:t>
+            </a:r>
+            <a:r>
+              <a:rPr lang="en-US" altLang="zh-CN" sz="2400" dirty="0" smtClean="0">
+                <a:solidFill>
+                  <a:schemeClr val="tx1">
+                    <a:lumMod val="75000"/>
+                    <a:lumOff val="25000"/>
+                  </a:schemeClr>
+                </a:solidFill>
+                <a:latin typeface="微软雅黑" pitchFamily="34" charset="-122"/>
+                <a:ea typeface="微软雅黑" pitchFamily="34" charset="-122"/>
+              </a:rPr>
+              <a:t>&lt;animate&gt;</a:t>
+            </a:r>
+            <a:r>
+              <a:rPr lang="zh-CN" altLang="en-US" sz="2400" dirty="0" smtClean="0">
+                <a:solidFill>
+                  <a:schemeClr val="tx1">
+                    <a:lumMod val="75000"/>
+                    <a:lumOff val="25000"/>
+                  </a:schemeClr>
+                </a:solidFill>
+                <a:latin typeface="微软雅黑" pitchFamily="34" charset="-122"/>
+                <a:ea typeface="微软雅黑" pitchFamily="34" charset="-122"/>
+              </a:rPr>
+              <a:t>一类的标签来制作动画，也不用第三方动画库，而是纯粹自行编写</a:t>
+            </a:r>
+            <a:r>
+              <a:rPr lang="en-US" altLang="zh-CN" sz="2400" dirty="0" smtClean="0">
+                <a:solidFill>
+                  <a:schemeClr val="tx1">
+                    <a:lumMod val="75000"/>
+                    <a:lumOff val="25000"/>
+                  </a:schemeClr>
+                </a:solidFill>
+                <a:latin typeface="微软雅黑" pitchFamily="34" charset="-122"/>
+                <a:ea typeface="微软雅黑" pitchFamily="34" charset="-122"/>
+              </a:rPr>
+              <a:t>JS</a:t>
+            </a:r>
+            <a:r>
+              <a:rPr lang="zh-CN" altLang="en-US" sz="2400" dirty="0" smtClean="0">
+                <a:solidFill>
+                  <a:schemeClr val="tx1">
+                    <a:lumMod val="75000"/>
+                    <a:lumOff val="25000"/>
+                  </a:schemeClr>
+                </a:solidFill>
+                <a:latin typeface="微软雅黑" pitchFamily="34" charset="-122"/>
+                <a:ea typeface="微软雅黑" pitchFamily="34" charset="-122"/>
+              </a:rPr>
+              <a:t>代码，生成动画效果</a:t>
+            </a:r>
+            <a:r>
+              <a:rPr lang="en-US" altLang="zh-CN" sz="2400" dirty="0" smtClean="0">
+                <a:solidFill>
+                  <a:schemeClr val="tx1">
+                    <a:lumMod val="75000"/>
+                    <a:lumOff val="25000"/>
+                  </a:schemeClr>
+                </a:solidFill>
+                <a:latin typeface="微软雅黑" pitchFamily="34" charset="-122"/>
+                <a:ea typeface="微软雅黑" pitchFamily="34" charset="-122"/>
+              </a:rPr>
+              <a:t>. </a:t>
+            </a:r>
+            <a:r>
+              <a:rPr lang="zh-CN" altLang="en-US" sz="2400" dirty="0" smtClean="0">
+                <a:solidFill>
+                  <a:schemeClr val="tx1">
+                    <a:lumMod val="75000"/>
+                    <a:lumOff val="25000"/>
+                  </a:schemeClr>
+                </a:solidFill>
+                <a:latin typeface="微软雅黑" pitchFamily="34" charset="-122"/>
+                <a:ea typeface="微软雅黑" pitchFamily="34" charset="-122"/>
+              </a:rPr>
+              <a:t>这意味着</a:t>
+            </a:r>
+            <a:r>
+              <a:rPr lang="zh-CN" altLang="en-US" sz="2400" dirty="0">
+                <a:solidFill>
+                  <a:schemeClr val="tx1">
+                    <a:lumMod val="75000"/>
+                    <a:lumOff val="25000"/>
+                  </a:schemeClr>
+                </a:solidFill>
+                <a:latin typeface="微软雅黑" pitchFamily="34" charset="-122"/>
+                <a:ea typeface="微软雅黑" pitchFamily="34" charset="-122"/>
+              </a:rPr>
+              <a:t>更</a:t>
+            </a:r>
+            <a:r>
+              <a:rPr lang="zh-CN" altLang="en-US" sz="2400" dirty="0" smtClean="0">
+                <a:solidFill>
+                  <a:schemeClr val="tx1">
+                    <a:lumMod val="75000"/>
+                    <a:lumOff val="25000"/>
+                  </a:schemeClr>
+                </a:solidFill>
+                <a:latin typeface="微软雅黑" pitchFamily="34" charset="-122"/>
+                <a:ea typeface="微软雅黑" pitchFamily="34" charset="-122"/>
+              </a:rPr>
+              <a:t>高的开发难度，但也带来</a:t>
+            </a:r>
+            <a:r>
+              <a:rPr lang="zh-CN" altLang="en-US" sz="2400" b="1" dirty="0" smtClean="0">
+                <a:solidFill>
+                  <a:schemeClr val="tx1">
+                    <a:lumMod val="75000"/>
+                    <a:lumOff val="25000"/>
+                  </a:schemeClr>
+                </a:solidFill>
+                <a:latin typeface="微软雅黑" pitchFamily="34" charset="-122"/>
+                <a:ea typeface="微软雅黑" pitchFamily="34" charset="-122"/>
+              </a:rPr>
+              <a:t>更大的开发自由和更精彩的动画效果</a:t>
+            </a:r>
+            <a:r>
+              <a:rPr lang="zh-CN" altLang="en-US" sz="2400" dirty="0" smtClean="0">
+                <a:solidFill>
+                  <a:schemeClr val="tx1">
+                    <a:lumMod val="75000"/>
+                    <a:lumOff val="25000"/>
+                  </a:schemeClr>
+                </a:solidFill>
+                <a:latin typeface="微软雅黑" pitchFamily="34" charset="-122"/>
+                <a:ea typeface="微软雅黑" pitchFamily="34" charset="-122"/>
+              </a:rPr>
+              <a:t>，同时也意味着可</a:t>
+            </a:r>
+            <a:r>
+              <a:rPr lang="zh-CN" altLang="en-US" sz="2400" b="1" dirty="0" smtClean="0">
+                <a:solidFill>
+                  <a:schemeClr val="tx1">
+                    <a:lumMod val="75000"/>
+                    <a:lumOff val="25000"/>
+                  </a:schemeClr>
+                </a:solidFill>
+                <a:latin typeface="微软雅黑" pitchFamily="34" charset="-122"/>
+                <a:ea typeface="微软雅黑" pitchFamily="34" charset="-122"/>
+              </a:rPr>
+              <a:t>在任何浏览器上兼容运行</a:t>
+            </a:r>
+            <a:r>
+              <a:rPr lang="en-US" altLang="zh-CN" sz="2400" dirty="0" smtClean="0">
+                <a:solidFill>
+                  <a:schemeClr val="tx1">
+                    <a:lumMod val="75000"/>
+                    <a:lumOff val="25000"/>
+                  </a:schemeClr>
+                </a:solidFill>
+                <a:latin typeface="微软雅黑" pitchFamily="34" charset="-122"/>
+                <a:ea typeface="微软雅黑" pitchFamily="34" charset="-122"/>
+              </a:rPr>
+              <a:t>(</a:t>
+            </a:r>
+            <a:r>
+              <a:rPr lang="zh-CN" altLang="en-US" sz="2400" dirty="0" smtClean="0">
+                <a:solidFill>
+                  <a:schemeClr val="tx1">
+                    <a:lumMod val="75000"/>
+                    <a:lumOff val="25000"/>
+                  </a:schemeClr>
+                </a:solidFill>
+                <a:latin typeface="微软雅黑" pitchFamily="34" charset="-122"/>
+                <a:ea typeface="微软雅黑" pitchFamily="34" charset="-122"/>
+              </a:rPr>
+              <a:t>前提是支持</a:t>
+            </a:r>
+            <a:r>
+              <a:rPr lang="en-US" altLang="zh-CN" sz="2400" dirty="0" smtClean="0">
+                <a:solidFill>
+                  <a:schemeClr val="tx1">
+                    <a:lumMod val="75000"/>
+                    <a:lumOff val="25000"/>
+                  </a:schemeClr>
+                </a:solidFill>
+                <a:latin typeface="微软雅黑" pitchFamily="34" charset="-122"/>
+                <a:ea typeface="微软雅黑" pitchFamily="34" charset="-122"/>
+              </a:rPr>
+              <a:t>SVG).</a:t>
+            </a:r>
+          </a:p>
+          <a:p>
+            <a:pPr>
+              <a:lnSpc>
+                <a:spcPct val="150000"/>
+              </a:lnSpc>
+            </a:pPr>
+            <a:r>
+              <a:rPr lang="en-US" altLang="zh-CN" sz="2400" dirty="0" smtClean="0">
+                <a:solidFill>
+                  <a:schemeClr val="tx1">
+                    <a:lumMod val="75000"/>
+                    <a:lumOff val="25000"/>
+                  </a:schemeClr>
+                </a:solidFill>
+                <a:latin typeface="微软雅黑" pitchFamily="34" charset="-122"/>
+                <a:ea typeface="微软雅黑" pitchFamily="34" charset="-122"/>
+              </a:rPr>
+              <a:t>JS</a:t>
+            </a:r>
+            <a:r>
+              <a:rPr lang="zh-CN" altLang="en-US" sz="2400" dirty="0" smtClean="0">
+                <a:solidFill>
+                  <a:schemeClr val="tx1">
+                    <a:lumMod val="75000"/>
+                    <a:lumOff val="25000"/>
+                  </a:schemeClr>
+                </a:solidFill>
+                <a:latin typeface="微软雅黑" pitchFamily="34" charset="-122"/>
+                <a:ea typeface="微软雅黑" pitchFamily="34" charset="-122"/>
+              </a:rPr>
+              <a:t>动画原理，简而言之，就是每秒钟要让画面连续绘制</a:t>
+            </a:r>
+            <a:r>
+              <a:rPr lang="en-US" altLang="zh-CN" sz="2400" dirty="0" smtClean="0">
+                <a:solidFill>
+                  <a:schemeClr val="tx1">
+                    <a:lumMod val="75000"/>
+                    <a:lumOff val="25000"/>
+                  </a:schemeClr>
+                </a:solidFill>
+                <a:latin typeface="微软雅黑" pitchFamily="34" charset="-122"/>
+                <a:ea typeface="微软雅黑" pitchFamily="34" charset="-122"/>
+              </a:rPr>
+              <a:t>30</a:t>
+            </a:r>
+            <a:r>
+              <a:rPr lang="zh-CN" altLang="en-US" sz="2400" dirty="0" smtClean="0">
+                <a:solidFill>
+                  <a:schemeClr val="tx1">
+                    <a:lumMod val="75000"/>
+                    <a:lumOff val="25000"/>
+                  </a:schemeClr>
+                </a:solidFill>
+                <a:latin typeface="微软雅黑" pitchFamily="34" charset="-122"/>
+                <a:ea typeface="微软雅黑" pitchFamily="34" charset="-122"/>
+              </a:rPr>
+              <a:t>次（</a:t>
+            </a:r>
+            <a:r>
+              <a:rPr lang="en-US" altLang="zh-CN" sz="2400" dirty="0" smtClean="0">
+                <a:solidFill>
+                  <a:schemeClr val="tx1">
+                    <a:lumMod val="75000"/>
+                    <a:lumOff val="25000"/>
+                  </a:schemeClr>
+                </a:solidFill>
+                <a:latin typeface="微软雅黑" pitchFamily="34" charset="-122"/>
+                <a:ea typeface="微软雅黑" pitchFamily="34" charset="-122"/>
+              </a:rPr>
+              <a:t>30</a:t>
+            </a:r>
+            <a:r>
+              <a:rPr lang="zh-CN" altLang="en-US" sz="2400" dirty="0" smtClean="0">
+                <a:solidFill>
+                  <a:schemeClr val="tx1">
+                    <a:lumMod val="75000"/>
+                    <a:lumOff val="25000"/>
+                  </a:schemeClr>
+                </a:solidFill>
+                <a:latin typeface="微软雅黑" pitchFamily="34" charset="-122"/>
+                <a:ea typeface="微软雅黑" pitchFamily="34" charset="-122"/>
+              </a:rPr>
+              <a:t>帧），绘制次数太少会表现为卡顿，太多会消耗过多的性能</a:t>
+            </a:r>
+            <a:r>
+              <a:rPr lang="en-US" altLang="zh-CN" sz="2400" dirty="0" smtClean="0">
+                <a:solidFill>
+                  <a:schemeClr val="tx1">
+                    <a:lumMod val="75000"/>
+                    <a:lumOff val="25000"/>
+                  </a:schemeClr>
+                </a:solidFill>
+                <a:latin typeface="微软雅黑" pitchFamily="34" charset="-122"/>
+                <a:ea typeface="微软雅黑" pitchFamily="34" charset="-122"/>
+              </a:rPr>
+              <a:t>. </a:t>
+            </a:r>
+            <a:r>
+              <a:rPr lang="zh-CN" altLang="en-US" sz="2400" dirty="0" smtClean="0">
+                <a:solidFill>
+                  <a:schemeClr val="tx1">
+                    <a:lumMod val="75000"/>
+                    <a:lumOff val="25000"/>
+                  </a:schemeClr>
+                </a:solidFill>
+                <a:latin typeface="微软雅黑" pitchFamily="34" charset="-122"/>
+                <a:ea typeface="微软雅黑" pitchFamily="34" charset="-122"/>
+              </a:rPr>
+              <a:t>具体到本次动画案例，就是每帧修改每个文本碎片的透明度、位置、旋转角度、缩放大小，最终看起来就是连续的动画效果</a:t>
+            </a:r>
+            <a:r>
+              <a:rPr lang="en-US" altLang="zh-CN" sz="2400" dirty="0" smtClean="0">
+                <a:solidFill>
+                  <a:schemeClr val="tx1">
+                    <a:lumMod val="75000"/>
+                    <a:lumOff val="25000"/>
+                  </a:schemeClr>
+                </a:solidFill>
+                <a:latin typeface="微软雅黑" pitchFamily="34" charset="-122"/>
+                <a:ea typeface="微软雅黑" pitchFamily="34" charset="-122"/>
+              </a:rPr>
+              <a:t>.</a:t>
+            </a:r>
+            <a:endParaRPr lang="en-US" altLang="zh-CN" sz="2400" dirty="0" smtClean="0">
+              <a:solidFill>
+                <a:schemeClr val="tx1">
+                  <a:lumMod val="75000"/>
+                  <a:lumOff val="25000"/>
+                </a:schemeClr>
+              </a:solidFill>
+              <a:latin typeface="微软雅黑" pitchFamily="34" charset="-122"/>
+              <a:ea typeface="微软雅黑" pitchFamily="34" charset="-122"/>
+            </a:endParaRPr>
+          </a:p>
         </p:txBody>
       </p:sp>
     </p:spTree>
     <p:extLst>
       <p:ext uri="{BB962C8B-B14F-4D97-AF65-F5344CB8AC3E}">
-        <p14:creationId xmlns:p14="http://schemas.microsoft.com/office/powerpoint/2010/main" val="836022532"/>
+        <p14:creationId xmlns:p14="http://schemas.microsoft.com/office/powerpoint/2010/main" val="2288785341"/>
       </p:ext>
     </p:extLst>
   </p:cSld>
@@ -3874,14 +4305,14 @@
       </p:grpSpPr>
       <p:sp>
         <p:nvSpPr>
-          <p:cNvPr id="4" name="TextBox 3"/>
+          <p:cNvPr id="5" name="TextBox 4"/>
           <p:cNvSpPr txBox="1"/>
           <p:nvPr/>
         </p:nvSpPr>
         <p:spPr>
           <a:xfrm>
-            <a:off x="684000" y="260648"/>
-            <a:ext cx="7776000" cy="523220"/>
+            <a:off x="684000" y="188640"/>
+            <a:ext cx="7776000" cy="3416320"/>
           </a:xfrm>
           <a:prstGeom prst="rect">
             <a:avLst/>
@@ -3894,59 +4325,51 @@
           </a:bodyPr>
           <a:lstStyle/>
           <a:p>
-            <a:r>
-              <a:rPr lang="en-US" altLang="zh-CN" sz="2800" b="1" dirty="0" smtClean="0">
-                <a:solidFill>
-                  <a:schemeClr val="tx1">
-                    <a:lumMod val="75000"/>
-                    <a:lumOff val="25000"/>
-                  </a:schemeClr>
-                </a:solidFill>
-                <a:latin typeface="微软雅黑" pitchFamily="34" charset="-122"/>
-                <a:ea typeface="微软雅黑" pitchFamily="34" charset="-122"/>
-              </a:rPr>
-              <a:t>5.</a:t>
-            </a:r>
-            <a:r>
-              <a:rPr lang="zh-CN" altLang="en-US" sz="2800" b="1" dirty="0">
-                <a:solidFill>
-                  <a:schemeClr val="tx1">
-                    <a:lumMod val="75000"/>
-                    <a:lumOff val="25000"/>
-                  </a:schemeClr>
-                </a:solidFill>
-                <a:latin typeface="微软雅黑" pitchFamily="34" charset="-122"/>
-                <a:ea typeface="微软雅黑" pitchFamily="34" charset="-122"/>
-              </a:rPr>
-              <a:t>动画</a:t>
-            </a:r>
-            <a:r>
-              <a:rPr lang="zh-CN" altLang="en-US" sz="2800" b="1" dirty="0" smtClean="0">
-                <a:solidFill>
-                  <a:schemeClr val="tx1">
-                    <a:lumMod val="75000"/>
-                    <a:lumOff val="25000"/>
-                  </a:schemeClr>
-                </a:solidFill>
-                <a:latin typeface="微软雅黑" pitchFamily="34" charset="-122"/>
-                <a:ea typeface="微软雅黑" pitchFamily="34" charset="-122"/>
-              </a:rPr>
-              <a:t>的控制</a:t>
-            </a:r>
-            <a:r>
-              <a:rPr lang="zh-CN" altLang="en-US" sz="2800" b="1" dirty="0" smtClean="0">
-                <a:solidFill>
-                  <a:schemeClr val="tx1">
-                    <a:lumMod val="75000"/>
-                    <a:lumOff val="25000"/>
-                  </a:schemeClr>
-                </a:solidFill>
-                <a:latin typeface="微软雅黑" pitchFamily="34" charset="-122"/>
-                <a:ea typeface="微软雅黑" pitchFamily="34" charset="-122"/>
-              </a:rPr>
-              <a:t> </a:t>
-            </a:r>
-            <a:endParaRPr lang="zh-CN" altLang="en-US" sz="2800" b="1" dirty="0">
+            <a:pPr>
+              <a:lnSpc>
+                <a:spcPct val="150000"/>
+              </a:lnSpc>
+            </a:pPr>
+            <a:r>
+              <a:rPr lang="en-US" altLang="zh-CN" sz="2400" b="1" dirty="0" smtClean="0">
+                <a:solidFill>
+                  <a:schemeClr val="tx1">
+                    <a:lumMod val="75000"/>
+                    <a:lumOff val="25000"/>
+                  </a:schemeClr>
+                </a:solidFill>
+                <a:latin typeface="微软雅黑" pitchFamily="34" charset="-122"/>
+                <a:ea typeface="微软雅黑" pitchFamily="34" charset="-122"/>
+              </a:rPr>
+              <a:t>4-b </a:t>
+            </a:r>
+            <a:r>
+              <a:rPr lang="zh-CN" altLang="en-US" sz="2400" b="1" dirty="0">
+                <a:solidFill>
+                  <a:schemeClr val="tx1">
+                    <a:lumMod val="75000"/>
+                    <a:lumOff val="25000"/>
+                  </a:schemeClr>
+                </a:solidFill>
+                <a:latin typeface="微软雅黑" pitchFamily="34" charset="-122"/>
+                <a:ea typeface="微软雅黑" pitchFamily="34" charset="-122"/>
+              </a:rPr>
+              <a:t>设置</a:t>
+            </a:r>
+            <a:r>
+              <a:rPr lang="zh-CN" altLang="en-US" sz="2400" b="1" dirty="0" smtClean="0">
+                <a:solidFill>
+                  <a:schemeClr val="tx1">
+                    <a:lumMod val="75000"/>
+                    <a:lumOff val="25000"/>
+                  </a:schemeClr>
+                </a:solidFill>
+                <a:latin typeface="微软雅黑" pitchFamily="34" charset="-122"/>
+                <a:ea typeface="微软雅黑" pitchFamily="34" charset="-122"/>
+              </a:rPr>
+              <a:t>动画信息</a:t>
+            </a:r>
+            <a:endParaRPr lang="en-US" altLang="zh-CN" sz="2400" b="1" dirty="0" smtClean="0">
               <a:solidFill>
                 <a:schemeClr val="tx1">
                   <a:lumMod val="75000"/>
@@ -3957,12 +4380,377 @@
               <a:ea typeface="微软雅黑" pitchFamily="34" charset="-122"/>
             </a:endParaRPr>
           </a:p>
+          <a:p>
+            <a:pPr>
+              <a:lnSpc>
+                <a:spcPct val="150000"/>
+              </a:lnSpc>
+            </a:pPr>
+            <a:r>
+              <a:rPr lang="zh-CN" altLang="en-US" sz="2400" dirty="0" smtClean="0">
+                <a:solidFill>
+                  <a:schemeClr val="tx1">
+                    <a:lumMod val="75000"/>
+                    <a:lumOff val="25000"/>
+                  </a:schemeClr>
+                </a:solidFill>
+                <a:latin typeface="微软雅黑" pitchFamily="34" charset="-122"/>
+                <a:ea typeface="微软雅黑" pitchFamily="34" charset="-122"/>
+              </a:rPr>
+              <a:t>首先，要设置动画的基本信息，有些是公共信息，如动画的帧率，计时器索引，动画状态，碎片数组等；另外，有些个性化信息，比如，每个碎片偏移多少，旋转多少，缩放多少，透明度改变多少，持续时间，延迟时间等，个性的信息，我们存储在</a:t>
+            </a:r>
+            <a:r>
+              <a:rPr lang="zh-CN" altLang="en-US" sz="2400" dirty="0">
+                <a:solidFill>
+                  <a:schemeClr val="tx1">
+                    <a:lumMod val="75000"/>
+                    <a:lumOff val="25000"/>
+                  </a:schemeClr>
+                </a:solidFill>
+                <a:latin typeface="微软雅黑" pitchFamily="34" charset="-122"/>
+                <a:ea typeface="微软雅黑" pitchFamily="34" charset="-122"/>
+              </a:rPr>
+              <a:t>碎片</a:t>
+            </a:r>
+            <a:r>
+              <a:rPr lang="zh-CN" altLang="en-US" sz="2400" dirty="0" smtClean="0">
+                <a:solidFill>
+                  <a:schemeClr val="tx1">
+                    <a:lumMod val="75000"/>
+                    <a:lumOff val="25000"/>
+                  </a:schemeClr>
+                </a:solidFill>
+                <a:latin typeface="微软雅黑" pitchFamily="34" charset="-122"/>
+                <a:ea typeface="微软雅黑" pitchFamily="34" charset="-122"/>
+              </a:rPr>
+              <a:t>的</a:t>
+            </a:r>
+            <a:r>
+              <a:rPr lang="en-US" altLang="zh-CN" sz="2400" dirty="0" err="1" smtClean="0">
+                <a:solidFill>
+                  <a:schemeClr val="tx1">
+                    <a:lumMod val="75000"/>
+                    <a:lumOff val="25000"/>
+                  </a:schemeClr>
+                </a:solidFill>
+                <a:latin typeface="微软雅黑" pitchFamily="34" charset="-122"/>
+                <a:ea typeface="微软雅黑" pitchFamily="34" charset="-122"/>
+              </a:rPr>
+              <a:t>jquery</a:t>
+            </a:r>
+            <a:r>
+              <a:rPr lang="zh-CN" altLang="en-US" sz="2400" dirty="0" smtClean="0">
+                <a:solidFill>
+                  <a:schemeClr val="tx1">
+                    <a:lumMod val="75000"/>
+                    <a:lumOff val="25000"/>
+                  </a:schemeClr>
+                </a:solidFill>
+                <a:latin typeface="微软雅黑" pitchFamily="34" charset="-122"/>
+                <a:ea typeface="微软雅黑" pitchFamily="34" charset="-122"/>
+              </a:rPr>
+              <a:t>对象内</a:t>
+            </a:r>
+            <a:endParaRPr lang="en-US" altLang="zh-CN" sz="2400" b="1" dirty="0" smtClean="0">
+              <a:solidFill>
+                <a:schemeClr val="tx1">
+                  <a:lumMod val="75000"/>
+                  <a:lumOff val="25000"/>
+                </a:schemeClr>
+              </a:solidFill>
+              <a:latin typeface="微软雅黑" pitchFamily="34" charset="-122"/>
+              <a:ea typeface="微软雅黑" pitchFamily="34" charset="-122"/>
+            </a:endParaRPr>
+          </a:p>
+        </p:txBody>
+      </p:sp>
+      <p:pic>
+        <p:nvPicPr>
+          <p:cNvPr id="2" name="图片 1" descr="屏幕剪辑"/>
+          <p:cNvPicPr>
+            <a:picLocks noChangeAspect="1"/>
+          </p:cNvPicPr>
+          <p:nvPr/>
+        </p:nvPicPr>
+        <p:blipFill>
+          <a:blip r:embed="rId2">
+            <a:extLst>
+              <a:ext uri="{28A0092B-C50C-407E-A947-70E740481C1C}">
+                <a14:useLocalDpi xmlns:a14="http://schemas.microsoft.com/office/drawing/2010/main" val="0"/>
+              </a:ext>
+            </a:extLst>
+          </a:blip>
+          <a:stretch>
+            <a:fillRect/>
+          </a:stretch>
+        </p:blipFill>
+        <p:spPr>
+          <a:xfrm>
+            <a:off x="1259632" y="3604960"/>
+            <a:ext cx="5115639" cy="3048425"/>
+          </a:xfrm>
+          <a:prstGeom prst="rect">
+            <a:avLst/>
+          </a:prstGeom>
+          <a:ln>
+            <a:noFill/>
+          </a:ln>
+          <a:effectLst>
+            <a:outerShdw blurRad="292100" dist="139700" dir="2700000" algn="tl" rotWithShape="0">
+              <a:srgbClr val="333333">
+                <a:alpha val="65000"/>
+              </a:srgbClr>
+            </a:outerShdw>
+          </a:effectLst>
+        </p:spPr>
+      </p:pic>
+      <p:sp>
+        <p:nvSpPr>
+          <p:cNvPr id="4" name="圆角矩形标注 3"/>
+          <p:cNvSpPr/>
+          <p:nvPr/>
+        </p:nvSpPr>
+        <p:spPr>
+          <a:xfrm>
+            <a:off x="6488134" y="4265075"/>
+            <a:ext cx="1584176" cy="864097"/>
+          </a:xfrm>
+          <a:prstGeom prst="wedgeRoundRectCallout">
+            <a:avLst>
+              <a:gd name="adj1" fmla="val -66995"/>
+              <a:gd name="adj2" fmla="val 40116"/>
+              <a:gd name="adj3" fmla="val 16667"/>
+            </a:avLst>
+          </a:prstGeom>
+        </p:spPr>
+        <p:style>
+          <a:lnRef idx="2">
+            <a:schemeClr val="accent5"/>
+          </a:lnRef>
+          <a:fillRef idx="1">
+            <a:schemeClr val="lt1"/>
+          </a:fillRef>
+          <a:effectRef idx="0">
+            <a:schemeClr val="accent5"/>
+          </a:effectRef>
+          <a:fontRef idx="minor">
+            <a:schemeClr val="dk1"/>
+          </a:fontRef>
+        </p:style>
+        <p:txBody>
+          <a:bodyPr rtlCol="0" anchor="ctr"/>
+          <a:lstStyle/>
+          <a:p>
+            <a:pPr>
+              <a:lnSpc>
+                <a:spcPct val="150000"/>
+              </a:lnSpc>
+            </a:pPr>
+            <a:r>
+              <a:rPr lang="en-US" altLang="zh-CN" sz="2000" dirty="0" smtClean="0">
+                <a:solidFill>
+                  <a:schemeClr val="tx1">
+                    <a:lumMod val="75000"/>
+                    <a:lumOff val="25000"/>
+                  </a:schemeClr>
+                </a:solidFill>
+                <a:latin typeface="微软雅黑" pitchFamily="34" charset="-122"/>
+                <a:ea typeface="微软雅黑" pitchFamily="34" charset="-122"/>
+              </a:rPr>
+              <a:t>1/</a:t>
+            </a:r>
+            <a:r>
+              <a:rPr lang="zh-CN" altLang="en-US" sz="2000" dirty="0" smtClean="0">
+                <a:solidFill>
+                  <a:schemeClr val="tx1">
+                    <a:lumMod val="75000"/>
+                    <a:lumOff val="25000"/>
+                  </a:schemeClr>
+                </a:solidFill>
+                <a:latin typeface="微软雅黑" pitchFamily="34" charset="-122"/>
+                <a:ea typeface="微软雅黑" pitchFamily="34" charset="-122"/>
+              </a:rPr>
+              <a:t>帧率，每帧间隔时间</a:t>
+            </a:r>
+            <a:endParaRPr lang="en-US" altLang="zh-CN" sz="2000" dirty="0">
+              <a:solidFill>
+                <a:schemeClr val="tx1">
+                  <a:lumMod val="75000"/>
+                  <a:lumOff val="25000"/>
+                </a:schemeClr>
+              </a:solidFill>
+              <a:latin typeface="微软雅黑" pitchFamily="34" charset="-122"/>
+              <a:ea typeface="微软雅黑" pitchFamily="34" charset="-122"/>
+            </a:endParaRPr>
+          </a:p>
+        </p:txBody>
+      </p:sp>
+      <p:sp>
+        <p:nvSpPr>
+          <p:cNvPr id="6" name="圆角矩形标注 5"/>
+          <p:cNvSpPr/>
+          <p:nvPr/>
+        </p:nvSpPr>
+        <p:spPr>
+          <a:xfrm>
+            <a:off x="3491880" y="5373217"/>
+            <a:ext cx="2862054" cy="432048"/>
+          </a:xfrm>
+          <a:prstGeom prst="wedgeRoundRectCallout">
+            <a:avLst>
+              <a:gd name="adj1" fmla="val -55659"/>
+              <a:gd name="adj2" fmla="val -21481"/>
+              <a:gd name="adj3" fmla="val 16667"/>
+            </a:avLst>
+          </a:prstGeom>
+        </p:spPr>
+        <p:style>
+          <a:lnRef idx="2">
+            <a:schemeClr val="accent5"/>
+          </a:lnRef>
+          <a:fillRef idx="1">
+            <a:schemeClr val="lt1"/>
+          </a:fillRef>
+          <a:effectRef idx="0">
+            <a:schemeClr val="accent5"/>
+          </a:effectRef>
+          <a:fontRef idx="minor">
+            <a:schemeClr val="dk1"/>
+          </a:fontRef>
+        </p:style>
+        <p:txBody>
+          <a:bodyPr rtlCol="0" anchor="ctr"/>
+          <a:lstStyle/>
+          <a:p>
+            <a:pPr>
+              <a:lnSpc>
+                <a:spcPct val="150000"/>
+              </a:lnSpc>
+            </a:pPr>
+            <a:r>
+              <a:rPr lang="zh-CN" altLang="en-US" sz="2000" dirty="0" smtClean="0">
+                <a:solidFill>
+                  <a:schemeClr val="tx1">
+                    <a:lumMod val="75000"/>
+                    <a:lumOff val="25000"/>
+                  </a:schemeClr>
+                </a:solidFill>
+                <a:latin typeface="微软雅黑" pitchFamily="34" charset="-122"/>
+                <a:ea typeface="微软雅黑" pitchFamily="34" charset="-122"/>
+              </a:rPr>
+              <a:t>存放碎片的</a:t>
+            </a:r>
+            <a:r>
+              <a:rPr lang="en-US" altLang="zh-CN" sz="2000" dirty="0" err="1" smtClean="0">
+                <a:solidFill>
+                  <a:schemeClr val="tx1">
+                    <a:lumMod val="75000"/>
+                    <a:lumOff val="25000"/>
+                  </a:schemeClr>
+                </a:solidFill>
+                <a:latin typeface="微软雅黑" pitchFamily="34" charset="-122"/>
+                <a:ea typeface="微软雅黑" pitchFamily="34" charset="-122"/>
+              </a:rPr>
+              <a:t>jquery</a:t>
+            </a:r>
+            <a:r>
+              <a:rPr lang="zh-CN" altLang="en-US" sz="2000" dirty="0" smtClean="0">
+                <a:solidFill>
+                  <a:schemeClr val="tx1">
+                    <a:lumMod val="75000"/>
+                    <a:lumOff val="25000"/>
+                  </a:schemeClr>
+                </a:solidFill>
+                <a:latin typeface="微软雅黑" pitchFamily="34" charset="-122"/>
+                <a:ea typeface="微软雅黑" pitchFamily="34" charset="-122"/>
+              </a:rPr>
+              <a:t>对象</a:t>
+            </a:r>
+            <a:endParaRPr lang="en-US" altLang="zh-CN" sz="2000" dirty="0">
+              <a:solidFill>
+                <a:schemeClr val="tx1">
+                  <a:lumMod val="75000"/>
+                  <a:lumOff val="25000"/>
+                </a:schemeClr>
+              </a:solidFill>
+              <a:latin typeface="微软雅黑" pitchFamily="34" charset="-122"/>
+              <a:ea typeface="微软雅黑" pitchFamily="34" charset="-122"/>
+            </a:endParaRPr>
+          </a:p>
+        </p:txBody>
+      </p:sp>
+      <p:sp>
+        <p:nvSpPr>
+          <p:cNvPr id="7" name="圆角矩形标注 6"/>
+          <p:cNvSpPr/>
+          <p:nvPr/>
+        </p:nvSpPr>
+        <p:spPr>
+          <a:xfrm>
+            <a:off x="3491880" y="5877272"/>
+            <a:ext cx="3672408" cy="432048"/>
+          </a:xfrm>
+          <a:prstGeom prst="wedgeRoundRectCallout">
+            <a:avLst>
+              <a:gd name="adj1" fmla="val -55120"/>
+              <a:gd name="adj2" fmla="val -30958"/>
+              <a:gd name="adj3" fmla="val 16667"/>
+            </a:avLst>
+          </a:prstGeom>
+        </p:spPr>
+        <p:style>
+          <a:lnRef idx="2">
+            <a:schemeClr val="accent5"/>
+          </a:lnRef>
+          <a:fillRef idx="1">
+            <a:schemeClr val="lt1"/>
+          </a:fillRef>
+          <a:effectRef idx="0">
+            <a:schemeClr val="accent5"/>
+          </a:effectRef>
+          <a:fontRef idx="minor">
+            <a:schemeClr val="dk1"/>
+          </a:fontRef>
+        </p:style>
+        <p:txBody>
+          <a:bodyPr rtlCol="0" anchor="ctr"/>
+          <a:lstStyle/>
+          <a:p>
+            <a:pPr>
+              <a:lnSpc>
+                <a:spcPct val="150000"/>
+              </a:lnSpc>
+            </a:pPr>
+            <a:r>
+              <a:rPr lang="zh-CN" altLang="en-US" sz="2000" dirty="0" smtClean="0">
+                <a:solidFill>
+                  <a:schemeClr val="tx1">
+                    <a:lumMod val="75000"/>
+                    <a:lumOff val="25000"/>
+                  </a:schemeClr>
+                </a:solidFill>
+                <a:latin typeface="微软雅黑" pitchFamily="34" charset="-122"/>
+                <a:ea typeface="微软雅黑" pitchFamily="34" charset="-122"/>
+              </a:rPr>
+              <a:t>动画计数器，统计动画的结束</a:t>
+            </a:r>
+            <a:endParaRPr lang="en-US" altLang="zh-CN" sz="2000" dirty="0">
+              <a:solidFill>
+                <a:schemeClr val="tx1">
+                  <a:lumMod val="75000"/>
+                  <a:lumOff val="25000"/>
+                </a:schemeClr>
+              </a:solidFill>
+              <a:latin typeface="微软雅黑" pitchFamily="34" charset="-122"/>
+              <a:ea typeface="微软雅黑" pitchFamily="34" charset="-122"/>
+            </a:endParaRPr>
+          </a:p>
         </p:txBody>
       </p:sp>
     </p:spTree>
     <p:extLst>
       <p:ext uri="{BB962C8B-B14F-4D97-AF65-F5344CB8AC3E}">
-        <p14:creationId xmlns:p14="http://schemas.microsoft.com/office/powerpoint/2010/main" val="4092007957"/>
+        <p14:creationId xmlns:p14="http://schemas.microsoft.com/office/powerpoint/2010/main" val="1076846695"/>
       </p:ext>
     </p:extLst>
   </p:cSld>
@@ -3996,68 +4784,232 @@
           <a:chExt cx="0" cy="0"/>
         </a:xfrm>
       </p:grpSpPr>
-      <p:sp>
-        <p:nvSpPr>
-          <p:cNvPr id="4" name="TextBox 3"/>
-          <p:cNvSpPr txBox="1"/>
+      <p:pic>
+        <p:nvPicPr>
+          <p:cNvPr id="2" name="图片 1" descr="屏幕剪辑"/>
+          <p:cNvPicPr>
+            <a:picLocks noChangeAspect="1"/>
+          </p:cNvPicPr>
           <p:nvPr/>
-        </p:nvSpPr>
+        </p:nvPicPr>
+        <p:blipFill>
+          <a:blip r:embed="rId2">
+            <a:extLst>
+              <a:ext uri="{28A0092B-C50C-407E-A947-70E740481C1C}">
+                <a14:useLocalDpi xmlns:a14="http://schemas.microsoft.com/office/drawing/2010/main" val="0"/>
+              </a:ext>
+            </a:extLst>
+          </a:blip>
+          <a:stretch>
+            <a:fillRect/>
+          </a:stretch>
+        </p:blipFill>
         <p:spPr>
           <a:xfrm>
-            <a:off x="467544" y="476672"/>
-            <a:ext cx="7776864" cy="523220"/>
+            <a:off x="1331640" y="692696"/>
+            <a:ext cx="5106113" cy="3781953"/>
           </a:xfrm>
           <a:prstGeom prst="rect">
             <a:avLst/>
           </a:prstGeom>
-          <a:noFill/>
+          <a:ln>
+            <a:noFill/>
+          </a:ln>
+          <a:effectLst>
+            <a:outerShdw blurRad="292100" dist="139700" dir="2700000" algn="tl" rotWithShape="0">
+              <a:srgbClr val="333333">
+                <a:alpha val="65000"/>
+              </a:srgbClr>
+            </a:outerShdw>
+          </a:effectLst>
         </p:spPr>
-        <p:txBody>
-          <a:bodyPr wrap="square" rtlCol="0">
-            <a:spAutoFit/>
-          </a:bodyPr>
+      </p:pic>
+      <p:sp>
+        <p:nvSpPr>
+          <p:cNvPr id="3" name="圆角矩形标注 2"/>
+          <p:cNvSpPr/>
+          <p:nvPr/>
+        </p:nvSpPr>
+        <p:spPr>
+          <a:xfrm>
+            <a:off x="1907704" y="3645024"/>
+            <a:ext cx="5187804" cy="1296144"/>
+          </a:xfrm>
+          <a:prstGeom prst="wedgeRoundRectCallout">
+            <a:avLst>
+              <a:gd name="adj1" fmla="val -29192"/>
+              <a:gd name="adj2" fmla="val -64652"/>
+              <a:gd name="adj3" fmla="val 16667"/>
+            </a:avLst>
+          </a:prstGeom>
+        </p:spPr>
+        <p:style>
+          <a:lnRef idx="2">
+            <a:schemeClr val="accent5"/>
+          </a:lnRef>
+          <a:fillRef idx="1">
+            <a:schemeClr val="lt1"/>
+          </a:fillRef>
+          <a:effectRef idx="0">
+            <a:schemeClr val="accent5"/>
+          </a:effectRef>
+          <a:fontRef idx="minor">
+            <a:schemeClr val="dk1"/>
+          </a:fontRef>
+        </p:style>
+        <p:txBody>
+          <a:bodyPr rtlCol="0" anchor="ctr"/>
           <a:lstStyle/>
           <a:p>
-            <a:r>
-              <a:rPr lang="en-US" altLang="zh-CN" sz="2800" b="1" dirty="0">
-                <a:solidFill>
-                  <a:schemeClr val="tx1">
-                    <a:lumMod val="75000"/>
-                    <a:lumOff val="25000"/>
-                  </a:schemeClr>
-                </a:solidFill>
-                <a:latin typeface="微软雅黑" pitchFamily="34" charset="-122"/>
-                <a:ea typeface="微软雅黑" pitchFamily="34" charset="-122"/>
-              </a:rPr>
-              <a:t>7</a:t>
-            </a:r>
-            <a:r>
-              <a:rPr lang="en-US" altLang="zh-CN" sz="2800" b="1" dirty="0" smtClean="0">
-                <a:solidFill>
-                  <a:schemeClr val="tx1">
-                    <a:lumMod val="75000"/>
-                    <a:lumOff val="25000"/>
-                  </a:schemeClr>
-                </a:solidFill>
-                <a:latin typeface="微软雅黑" pitchFamily="34" charset="-122"/>
-                <a:ea typeface="微软雅黑" pitchFamily="34" charset="-122"/>
-              </a:rPr>
-              <a:t>.</a:t>
-            </a:r>
-            <a:r>
-              <a:rPr lang="zh-CN" altLang="en-US" sz="2800" b="1" dirty="0" smtClean="0">
-                <a:solidFill>
-                  <a:schemeClr val="tx1">
-                    <a:lumMod val="75000"/>
-                    <a:lumOff val="25000"/>
-                  </a:schemeClr>
-                </a:solidFill>
-                <a:latin typeface="微软雅黑" pitchFamily="34" charset="-122"/>
-                <a:ea typeface="微软雅黑" pitchFamily="34" charset="-122"/>
-              </a:rPr>
-              <a:t>更多思考</a:t>
-            </a:r>
-            <a:endParaRPr lang="zh-CN" altLang="en-US" sz="2800" b="1" dirty="0">
+            <a:pPr>
+              <a:lnSpc>
+                <a:spcPct val="150000"/>
+              </a:lnSpc>
+            </a:pPr>
+            <a:r>
+              <a:rPr lang="en-US" altLang="zh-CN" sz="2000" dirty="0">
+                <a:solidFill>
+                  <a:schemeClr val="tx1">
+                    <a:lumMod val="75000"/>
+                    <a:lumOff val="25000"/>
+                  </a:schemeClr>
+                </a:solidFill>
+                <a:latin typeface="微软雅黑" pitchFamily="34" charset="-122"/>
+                <a:ea typeface="微软雅黑" pitchFamily="34" charset="-122"/>
+              </a:rPr>
+              <a:t>p</a:t>
+            </a:r>
+            <a:r>
+              <a:rPr lang="en-US" altLang="zh-CN" sz="2000" dirty="0" smtClean="0">
+                <a:solidFill>
+                  <a:schemeClr val="tx1">
+                    <a:lumMod val="75000"/>
+                    <a:lumOff val="25000"/>
+                  </a:schemeClr>
+                </a:solidFill>
+                <a:latin typeface="微软雅黑" pitchFamily="34" charset="-122"/>
+                <a:ea typeface="微软雅黑" pitchFamily="34" charset="-122"/>
+              </a:rPr>
+              <a:t>ieces</a:t>
+            </a:r>
+            <a:r>
+              <a:rPr lang="zh-CN" altLang="en-US" sz="2000" dirty="0">
+                <a:solidFill>
+                  <a:schemeClr val="tx1">
+                    <a:lumMod val="75000"/>
+                    <a:lumOff val="25000"/>
+                  </a:schemeClr>
+                </a:solidFill>
+                <a:latin typeface="微软雅黑" pitchFamily="34" charset="-122"/>
+                <a:ea typeface="微软雅黑" pitchFamily="34" charset="-122"/>
+              </a:rPr>
+              <a:t>保存</a:t>
+            </a:r>
+            <a:r>
+              <a:rPr lang="zh-CN" altLang="en-US" sz="2000" dirty="0" smtClean="0">
+                <a:solidFill>
+                  <a:schemeClr val="tx1">
+                    <a:lumMod val="75000"/>
+                    <a:lumOff val="25000"/>
+                  </a:schemeClr>
+                </a:solidFill>
+                <a:latin typeface="微软雅黑" pitchFamily="34" charset="-122"/>
+                <a:ea typeface="微软雅黑" pitchFamily="34" charset="-122"/>
+              </a:rPr>
+              <a:t>所有碎片的</a:t>
+            </a:r>
+            <a:r>
+              <a:rPr lang="en-US" altLang="zh-CN" sz="2000" dirty="0" err="1" smtClean="0">
+                <a:solidFill>
+                  <a:schemeClr val="tx1">
+                    <a:lumMod val="75000"/>
+                    <a:lumOff val="25000"/>
+                  </a:schemeClr>
+                </a:solidFill>
+                <a:latin typeface="微软雅黑" pitchFamily="34" charset="-122"/>
+                <a:ea typeface="微软雅黑" pitchFamily="34" charset="-122"/>
+              </a:rPr>
+              <a:t>jquery</a:t>
+            </a:r>
+            <a:r>
+              <a:rPr lang="zh-CN" altLang="en-US" sz="2000" dirty="0" smtClean="0">
+                <a:solidFill>
+                  <a:schemeClr val="tx1">
+                    <a:lumMod val="75000"/>
+                    <a:lumOff val="25000"/>
+                  </a:schemeClr>
+                </a:solidFill>
+                <a:latin typeface="微软雅黑" pitchFamily="34" charset="-122"/>
+                <a:ea typeface="微软雅黑" pitchFamily="34" charset="-122"/>
+              </a:rPr>
+              <a:t>对象，且是</a:t>
+            </a:r>
+            <a:r>
+              <a:rPr lang="zh-CN" altLang="en-US" sz="2000" b="1" dirty="0" smtClean="0">
+                <a:solidFill>
+                  <a:schemeClr val="tx1">
+                    <a:lumMod val="75000"/>
+                    <a:lumOff val="25000"/>
+                  </a:schemeClr>
+                </a:solidFill>
+                <a:latin typeface="微软雅黑" pitchFamily="34" charset="-122"/>
+                <a:ea typeface="微软雅黑" pitchFamily="34" charset="-122"/>
+              </a:rPr>
+              <a:t>二位数组</a:t>
+            </a:r>
+            <a:r>
+              <a:rPr lang="zh-CN" altLang="en-US" sz="2000" dirty="0" smtClean="0">
+                <a:solidFill>
+                  <a:schemeClr val="tx1">
+                    <a:lumMod val="75000"/>
+                    <a:lumOff val="25000"/>
+                  </a:schemeClr>
+                </a:solidFill>
+                <a:latin typeface="微软雅黑" pitchFamily="34" charset="-122"/>
+                <a:ea typeface="微软雅黑" pitchFamily="34" charset="-122"/>
+              </a:rPr>
+              <a:t>，第一维是字母</a:t>
+            </a:r>
+            <a:r>
+              <a:rPr lang="zh-CN" altLang="en-US" sz="2000" b="1" dirty="0" smtClean="0">
+                <a:solidFill>
+                  <a:schemeClr val="tx1">
+                    <a:lumMod val="75000"/>
+                    <a:lumOff val="25000"/>
+                  </a:schemeClr>
+                </a:solidFill>
+                <a:latin typeface="微软雅黑" pitchFamily="34" charset="-122"/>
+                <a:ea typeface="微软雅黑" pitchFamily="34" charset="-122"/>
+              </a:rPr>
+              <a:t>碎片组</a:t>
+            </a:r>
+            <a:r>
+              <a:rPr lang="zh-CN" altLang="en-US" sz="2000" dirty="0" smtClean="0">
+                <a:solidFill>
+                  <a:schemeClr val="tx1">
+                    <a:lumMod val="75000"/>
+                    <a:lumOff val="25000"/>
+                  </a:schemeClr>
+                </a:solidFill>
+                <a:latin typeface="微软雅黑" pitchFamily="34" charset="-122"/>
+                <a:ea typeface="微软雅黑" pitchFamily="34" charset="-122"/>
+              </a:rPr>
+              <a:t>，第二维是字母的</a:t>
+            </a:r>
+            <a:r>
+              <a:rPr lang="zh-CN" altLang="en-US" sz="2000" b="1" dirty="0" smtClean="0">
+                <a:solidFill>
+                  <a:schemeClr val="tx1">
+                    <a:lumMod val="75000"/>
+                    <a:lumOff val="25000"/>
+                  </a:schemeClr>
+                </a:solidFill>
+                <a:latin typeface="微软雅黑" pitchFamily="34" charset="-122"/>
+                <a:ea typeface="微软雅黑" pitchFamily="34" charset="-122"/>
+              </a:rPr>
+              <a:t>碎片</a:t>
+            </a:r>
+            <a:endParaRPr lang="en-US" altLang="zh-CN" sz="2000" b="1" dirty="0">
               <a:solidFill>
                 <a:schemeClr val="tx1">
                   <a:lumMod val="75000"/>
@@ -4072,53 +5024,86 @@
       </p:sp>
       <p:sp>
         <p:nvSpPr>
-          <p:cNvPr id="9" name="TextBox 8"/>
-          <p:cNvSpPr txBox="1"/>
+          <p:cNvPr id="4" name="圆角矩形标注 3"/>
+          <p:cNvSpPr/>
           <p:nvPr/>
         </p:nvSpPr>
         <p:spPr>
           <a:xfrm>
-            <a:off x="611560" y="3628181"/>
-            <a:ext cx="7776864" cy="1384995"/>
+            <a:off x="2339752" y="64382"/>
+            <a:ext cx="2689426" cy="556306"/>
           </a:xfrm>
-          <a:prstGeom prst="rect">
-            <a:avLst/>
+          <a:prstGeom prst="wedgeRoundRectCallout">
+            <a:avLst>
+              <a:gd name="adj1" fmla="val -23813"/>
+              <a:gd name="adj2" fmla="val 62861"/>
+              <a:gd name="adj3" fmla="val 16667"/>
+            </a:avLst>
           </a:prstGeom>
-          <a:noFill/>
         </p:spPr>
-        <p:txBody>
-          <a:bodyPr wrap="square" rtlCol="0">
-            <a:spAutoFit/>
-          </a:bodyPr>
+        <p:style>
+          <a:lnRef idx="2">
+            <a:schemeClr val="accent6"/>
+          </a:lnRef>
+          <a:fillRef idx="1">
+            <a:schemeClr val="lt1"/>
+          </a:fillRef>
+          <a:effectRef idx="0">
+            <a:schemeClr val="accent6"/>
+          </a:effectRef>
+          <a:fontRef idx="minor">
+            <a:schemeClr val="dk1"/>
+          </a:fontRef>
+        </p:style>
+        <p:txBody>
+          <a:bodyPr rtlCol="0" anchor="ctr"/>
           <a:lstStyle/>
           <a:p>
-            <a:r>
-              <a:rPr lang="en-US" altLang="zh-CN" sz="2800" b="1" dirty="0" smtClean="0">
-                <a:solidFill>
-                  <a:schemeClr val="tx1">
-                    <a:lumMod val="75000"/>
-                    <a:lumOff val="25000"/>
-                  </a:schemeClr>
-                </a:solidFill>
-                <a:latin typeface="微软雅黑" pitchFamily="34" charset="-122"/>
-                <a:ea typeface="微软雅黑" pitchFamily="34" charset="-122"/>
-              </a:rPr>
-              <a:t>	</a:t>
-            </a:r>
-            <a:r>
-              <a:rPr lang="zh-CN" altLang="en-US" sz="2800" b="1" dirty="0" smtClean="0">
-                <a:solidFill>
-                  <a:schemeClr val="tx1">
-                    <a:lumMod val="75000"/>
-                    <a:lumOff val="25000"/>
-                  </a:schemeClr>
-                </a:solidFill>
-                <a:latin typeface="微软雅黑" pitchFamily="34" charset="-122"/>
-                <a:ea typeface="微软雅黑" pitchFamily="34" charset="-122"/>
-              </a:rPr>
-              <a:t>本期内容就讲到这里，谢谢大家！</a:t>
-            </a:r>
-            <a:endParaRPr lang="en-US" altLang="zh-CN" sz="2800" b="1" dirty="0" smtClean="0">
+            <a:pPr>
+              <a:lnSpc>
+                <a:spcPct val="150000"/>
+              </a:lnSpc>
+            </a:pPr>
+            <a:r>
+              <a:rPr lang="zh-CN" altLang="en-US" sz="2000" b="1" dirty="0" smtClean="0">
+                <a:solidFill>
+                  <a:schemeClr val="tx1">
+                    <a:lumMod val="75000"/>
+                    <a:lumOff val="25000"/>
+                  </a:schemeClr>
+                </a:solidFill>
+                <a:latin typeface="微软雅黑" pitchFamily="34" charset="-122"/>
+                <a:ea typeface="微软雅黑" pitchFamily="34" charset="-122"/>
+              </a:rPr>
+              <a:t>保存碎片</a:t>
+            </a:r>
+            <a:r>
+              <a:rPr lang="en-US" altLang="zh-CN" sz="2000" b="1" dirty="0" err="1" smtClean="0">
+                <a:solidFill>
+                  <a:schemeClr val="tx1">
+                    <a:lumMod val="75000"/>
+                    <a:lumOff val="25000"/>
+                  </a:schemeClr>
+                </a:solidFill>
+                <a:latin typeface="微软雅黑" pitchFamily="34" charset="-122"/>
+                <a:ea typeface="微软雅黑" pitchFamily="34" charset="-122"/>
+              </a:rPr>
+              <a:t>jquery</a:t>
+            </a:r>
+            <a:r>
+              <a:rPr lang="zh-CN" altLang="en-US" sz="2000" b="1" dirty="0" smtClean="0">
+                <a:solidFill>
+                  <a:schemeClr val="tx1">
+                    <a:lumMod val="75000"/>
+                    <a:lumOff val="25000"/>
+                  </a:schemeClr>
+                </a:solidFill>
+                <a:latin typeface="微软雅黑" pitchFamily="34" charset="-122"/>
+                <a:ea typeface="微软雅黑" pitchFamily="34" charset="-122"/>
+              </a:rPr>
+              <a:t>对象</a:t>
+            </a:r>
+            <a:endParaRPr lang="en-US" altLang="zh-CN" sz="2000" b="1" dirty="0">
               <a:solidFill>
                 <a:schemeClr val="tx1">
                   <a:lumMod val="75000"/>
@@ -4129,149 +5114,12 @@
               <a:ea typeface="微软雅黑" pitchFamily="34" charset="-122"/>
             </a:endParaRPr>
           </a:p>
-          <a:p>
-            <a:endParaRPr lang="en-US" altLang="zh-CN" sz="2800" b="1" dirty="0" smtClean="0">
-              <a:solidFill>
-                <a:schemeClr val="tx1">
-                  <a:lumMod val="75000"/>
-                  <a:lumOff val="25000"/>
-                </a:schemeClr>
-              </a:solidFill>
-              <a:latin typeface="微软雅黑" pitchFamily="34" charset="-122"/>
-              <a:ea typeface="微软雅黑" pitchFamily="34" charset="-122"/>
-            </a:endParaRPr>
-          </a:p>
-          <a:p>
-            <a:r>
-              <a:rPr lang="en-US" altLang="zh-CN" sz="2800" b="1" dirty="0">
-                <a:solidFill>
-                  <a:schemeClr val="tx1">
-                    <a:lumMod val="75000"/>
-                    <a:lumOff val="25000"/>
-                  </a:schemeClr>
-                </a:solidFill>
-                <a:latin typeface="微软雅黑" pitchFamily="34" charset="-122"/>
-                <a:ea typeface="微软雅黑" pitchFamily="34" charset="-122"/>
-              </a:rPr>
-              <a:t>	</a:t>
-            </a:r>
-            <a:r>
-              <a:rPr lang="en-US" altLang="zh-CN" sz="2800" b="1" dirty="0" smtClean="0">
-                <a:solidFill>
-                  <a:schemeClr val="tx1">
-                    <a:lumMod val="75000"/>
-                    <a:lumOff val="25000"/>
-                  </a:schemeClr>
-                </a:solidFill>
-                <a:latin typeface="微软雅黑" pitchFamily="34" charset="-122"/>
-                <a:ea typeface="微软雅黑" pitchFamily="34" charset="-122"/>
-              </a:rPr>
-              <a:t>	</a:t>
-            </a:r>
-            <a:endParaRPr lang="zh-CN" altLang="en-US" sz="2800" b="1" dirty="0">
-              <a:solidFill>
-                <a:schemeClr val="tx1">
-                  <a:lumMod val="75000"/>
-                  <a:lumOff val="25000"/>
-                </a:schemeClr>
-              </a:solidFill>
-              <a:latin typeface="微软雅黑" pitchFamily="34" charset="-122"/>
-              <a:ea typeface="微软雅黑" pitchFamily="34" charset="-122"/>
-            </a:endParaRPr>
-          </a:p>
-        </p:txBody>
-      </p:sp>
-      <p:sp>
-        <p:nvSpPr>
-          <p:cNvPr id="5" name="TextBox 4"/>
-          <p:cNvSpPr txBox="1"/>
-          <p:nvPr/>
-        </p:nvSpPr>
-        <p:spPr>
-          <a:xfrm>
-            <a:off x="467544" y="1268760"/>
-            <a:ext cx="7632848" cy="1754326"/>
-          </a:xfrm>
-          <a:prstGeom prst="rect">
-            <a:avLst/>
-          </a:prstGeom>
-          <a:noFill/>
-        </p:spPr>
-        <p:txBody>
-          <a:bodyPr wrap="square" rtlCol="0">
-            <a:spAutoFit/>
-          </a:bodyPr>
-          <a:lstStyle/>
-          <a:p>
-            <a:pPr marL="342900" indent="-342900">
-              <a:lnSpc>
-                <a:spcPct val="150000"/>
-              </a:lnSpc>
-              <a:buFont typeface="Arial" pitchFamily="34" charset="0"/>
-              <a:buChar char="•"/>
-            </a:pPr>
-            <a:r>
-              <a:rPr lang="zh-CN" altLang="en-US" sz="2400" dirty="0" smtClean="0">
-                <a:solidFill>
-                  <a:schemeClr val="tx1">
-                    <a:lumMod val="75000"/>
-                    <a:lumOff val="25000"/>
-                  </a:schemeClr>
-                </a:solidFill>
-                <a:latin typeface="微软雅黑" pitchFamily="34" charset="-122"/>
-                <a:ea typeface="微软雅黑" pitchFamily="34" charset="-122"/>
-              </a:rPr>
-              <a:t>如何在爆炸过程中，实现非线性插值呢？</a:t>
-            </a:r>
-            <a:endParaRPr lang="en-US" altLang="zh-CN" sz="2400" dirty="0" smtClean="0">
-              <a:solidFill>
-                <a:schemeClr val="tx1">
-                  <a:lumMod val="75000"/>
-                  <a:lumOff val="25000"/>
-                </a:schemeClr>
-              </a:solidFill>
-              <a:latin typeface="微软雅黑" pitchFamily="34" charset="-122"/>
-              <a:ea typeface="微软雅黑" pitchFamily="34" charset="-122"/>
-            </a:endParaRPr>
-          </a:p>
-          <a:p>
-            <a:pPr marL="342900" indent="-342900">
-              <a:lnSpc>
-                <a:spcPct val="150000"/>
-              </a:lnSpc>
-              <a:buFont typeface="Arial" pitchFamily="34" charset="0"/>
-              <a:buChar char="•"/>
-            </a:pPr>
-            <a:r>
-              <a:rPr lang="zh-CN" altLang="en-US" sz="2400" dirty="0" smtClean="0">
-                <a:solidFill>
-                  <a:schemeClr val="tx1">
-                    <a:lumMod val="75000"/>
-                    <a:lumOff val="25000"/>
-                  </a:schemeClr>
-                </a:solidFill>
-                <a:latin typeface="微软雅黑" pitchFamily="34" charset="-122"/>
-                <a:ea typeface="微软雅黑" pitchFamily="34" charset="-122"/>
-              </a:rPr>
-              <a:t>爆炸过程中，能否先制作一个碎片爆裂的动画，也就是碎片边缘的描边先变色，然后再突然炸开的效果呢？</a:t>
-            </a:r>
-            <a:endParaRPr lang="en-US" altLang="zh-CN" sz="2400" dirty="0" smtClean="0">
-              <a:solidFill>
-                <a:schemeClr val="tx1">
-                  <a:lumMod val="75000"/>
-                  <a:lumOff val="25000"/>
-                </a:schemeClr>
-              </a:solidFill>
-              <a:latin typeface="微软雅黑" pitchFamily="34" charset="-122"/>
-              <a:ea typeface="微软雅黑" pitchFamily="34" charset="-122"/>
-            </a:endParaRPr>
-          </a:p>
         </p:txBody>
       </p:sp>
     </p:spTree>
     <p:extLst>
       <p:ext uri="{BB962C8B-B14F-4D97-AF65-F5344CB8AC3E}">
-        <p14:creationId xmlns:p14="http://schemas.microsoft.com/office/powerpoint/2010/main" val="2328121375"/>
+        <p14:creationId xmlns:p14="http://schemas.microsoft.com/office/powerpoint/2010/main" val="3034320595"/>
       </p:ext>
     </p:extLst>
   </p:cSld>
@@ -4307,7 +5155,7 @@
           <p:nvPr/>
         </p:nvPicPr>
         <p:blipFill>
-          <a:blip r:embed="rId2" cstate="print">
+          <a:blip r:embed="rId2">
             <a:extLst>
               <a:ext uri="{28A0092B-C50C-407E-A947-70E740481C1C}">
                 <a14:useLocalDpi xmlns:a14="http://schemas.microsoft.com/office/drawing/2010/main" val="0"/>
@@ -4320,12 +5168,22 @@
         </p:blipFill>
         <p:spPr>
           <a:xfrm>
-            <a:off x="1907704" y="576803"/>
-            <a:ext cx="4355976" cy="1182873"/>
+            <a:off x="1403648" y="260648"/>
+            <a:ext cx="4772691" cy="5868219"/>
           </a:xfrm>
           <a:prstGeom prst="rect">
             <a:avLst/>
           </a:prstGeom>
+          <a:ln>
+            <a:noFill/>
+          </a:ln>
+          <a:effectLst>
+            <a:outerShdw blurRad="292100" dist="139700" dir="2700000" algn="tl" rotWithShape="0">
+              <a:srgbClr val="333333">
+                <a:alpha val="65000"/>
+              </a:srgbClr>
+            </a:outerShdw>
+          </a:effectLst>
         </p:spPr>
       </p:pic>
       <p:sp>
@@ -4336,13 +5194,81 @@
         </p:nvSpPr>
         <p:spPr>
           <a:xfrm>
-            <a:off x="3635896" y="1844824"/>
-            <a:ext cx="2232248" cy="432048"/>
+            <a:off x="5796136" y="193276"/>
+            <a:ext cx="1924054" cy="998840"/>
           </a:xfrm>
           <a:prstGeom prst="wedgeRoundRectCallout">
             <a:avLst>
-              <a:gd name="adj1" fmla="val -22108"/>
-              <a:gd name="adj2" fmla="val -92973"/>
+              <a:gd name="adj1" fmla="val -82248"/>
+              <a:gd name="adj2" fmla="val -19971"/>
+              <a:gd name="adj3" fmla="val 16667"/>
+            </a:avLst>
+          </a:prstGeom>
+        </p:spPr>
+        <p:style>
+          <a:lnRef idx="2">
+            <a:schemeClr val="accent6"/>
+          </a:lnRef>
+          <a:fillRef idx="1">
+            <a:schemeClr val="lt1"/>
+          </a:fillRef>
+          <a:effectRef idx="0">
+            <a:schemeClr val="accent6"/>
+          </a:effectRef>
+          <a:fontRef idx="minor">
+            <a:schemeClr val="dk1"/>
+          </a:fontRef>
+        </p:style>
+        <p:txBody>
+          <a:bodyPr rtlCol="0" anchor="ctr"/>
+          <a:lstStyle/>
+          <a:p>
+            <a:pPr>
+              <a:lnSpc>
+                <a:spcPct val="150000"/>
+              </a:lnSpc>
+            </a:pPr>
+            <a:r>
+              <a:rPr lang="zh-CN" altLang="en-US" sz="2000" b="1" dirty="0" smtClean="0">
+                <a:solidFill>
+                  <a:schemeClr val="tx1">
+                    <a:lumMod val="75000"/>
+                    <a:lumOff val="25000"/>
+                  </a:schemeClr>
+                </a:solidFill>
+                <a:latin typeface="微软雅黑" pitchFamily="34" charset="-122"/>
+                <a:ea typeface="微软雅黑" pitchFamily="34" charset="-122"/>
+              </a:rPr>
+              <a:t>为每个碎片设置个性化信息</a:t>
+            </a:r>
+            <a:endParaRPr lang="en-US" altLang="zh-CN" sz="2000" b="1" dirty="0">
+              <a:solidFill>
+                <a:schemeClr val="tx1">
+                  <a:lumMod val="75000"/>
+                  <a:lumOff val="25000"/>
+                </a:schemeClr>
+              </a:solidFill>
+              <a:latin typeface="微软雅黑" pitchFamily="34" charset="-122"/>
+              <a:ea typeface="微软雅黑" pitchFamily="34" charset="-122"/>
+            </a:endParaRPr>
+          </a:p>
+        </p:txBody>
+      </p:sp>
+      <p:sp>
+        <p:nvSpPr>
+          <p:cNvPr id="4" name="圆角矩形标注 3"/>
+          <p:cNvSpPr/>
+          <p:nvPr/>
+        </p:nvSpPr>
+        <p:spPr>
+          <a:xfrm>
+            <a:off x="5796136" y="1772815"/>
+            <a:ext cx="2088232" cy="1421941"/>
+          </a:xfrm>
+          <a:prstGeom prst="wedgeRoundRectCallout">
+            <a:avLst>
+              <a:gd name="adj1" fmla="val -60459"/>
+              <a:gd name="adj2" fmla="val 20446"/>
               <a:gd name="adj3" fmla="val 16667"/>
             </a:avLst>
           </a:prstGeom>
@@ -4381,7 +5307,7 @@
                 <a:latin typeface="微软雅黑" pitchFamily="34" charset="-122"/>
                 <a:ea typeface="微软雅黑" pitchFamily="34" charset="-122"/>
               </a:rPr>
-              <a:t>未缩放时的位置</a:t>
+              <a:t>设置偏移，旋转角度，延迟和持续时间</a:t>
             </a:r>
             <a:endParaRPr lang="en-US" altLang="zh-CN" sz="2000" dirty="0">
               <a:solidFill>
@@ -4396,131 +5322,21 @@
           </a:p>
         </p:txBody>
       </p:sp>
-      <p:pic>
-        <p:nvPicPr>
-          <p:cNvPr id="4" name="图片 3" descr="屏幕剪辑"/>
-          <p:cNvPicPr>
-            <a:picLocks noChangeAspect="1"/>
-          </p:cNvPicPr>
+      <p:sp>
+        <p:nvSpPr>
+          <p:cNvPr id="5" name="圆角矩形标注 4"/>
+          <p:cNvSpPr/>
           <p:nvPr/>
-        </p:nvPicPr>
-        <p:blipFill>
-          <a:blip r:embed="rId3">
-            <a:extLst>
-              <a:ext uri="{28A0092B-C50C-407E-A947-70E740481C1C}">
-                <a14:useLocalDpi xmlns:a14="http://schemas.microsoft.com/office/drawing/2010/main" val="0"/>
-              </a:ext>
-            </a:extLst>
-          </a:blip>
-          <a:stretch>
-            <a:fillRect/>
-          </a:stretch>
-        </p:blipFill>
+        </p:nvSpPr>
         <p:spPr>
           <a:xfrm>
-            <a:off x="1686103" y="2564904"/>
-            <a:ext cx="5839640" cy="685896"/>
-          </a:xfrm>
-          <a:prstGeom prst="rect">
-            <a:avLst/>
-          </a:prstGeom>
-          <a:ln>
-            <a:noFill/>
-          </a:ln>
-          <a:effectLst>
-            <a:outerShdw blurRad="292100" dist="139700" dir="2700000" algn="tl" rotWithShape="0">
-              <a:srgbClr val="333333">
-                <a:alpha val="65000"/>
-              </a:srgbClr>
-            </a:outerShdw>
-          </a:effectLst>
-        </p:spPr>
-      </p:pic>
-      <p:pic>
-        <p:nvPicPr>
-          <p:cNvPr id="5" name="图片 4" descr="屏幕剪辑"/>
-          <p:cNvPicPr>
-            <a:picLocks noChangeAspect="1"/>
-          </p:cNvPicPr>
-          <p:nvPr/>
-        </p:nvPicPr>
-        <p:blipFill>
-          <a:blip r:embed="rId4" cstate="print">
-            <a:extLst>
-              <a:ext uri="{28A0092B-C50C-407E-A947-70E740481C1C}">
-                <a14:useLocalDpi xmlns:a14="http://schemas.microsoft.com/office/drawing/2010/main" val="0"/>
-              </a:ext>
-            </a:extLst>
-          </a:blip>
-          <a:stretch>
-            <a:fillRect/>
-          </a:stretch>
-        </p:blipFill>
-        <p:spPr>
-          <a:xfrm>
-            <a:off x="1907704" y="3665312"/>
-            <a:ext cx="4355976" cy="2211960"/>
-          </a:xfrm>
-          <a:prstGeom prst="rect">
-            <a:avLst/>
-          </a:prstGeom>
-        </p:spPr>
-      </p:pic>
-      <p:pic>
-        <p:nvPicPr>
-          <p:cNvPr id="6" name="图片 5" descr="屏幕剪辑"/>
-          <p:cNvPicPr>
-            <a:picLocks noChangeAspect="1"/>
-          </p:cNvPicPr>
-          <p:nvPr/>
-        </p:nvPicPr>
-        <p:blipFill>
-          <a:blip r:embed="rId5">
-            <a:extLst>
-              <a:ext uri="{28A0092B-C50C-407E-A947-70E740481C1C}">
-                <a14:useLocalDpi xmlns:a14="http://schemas.microsoft.com/office/drawing/2010/main" val="0"/>
-              </a:ext>
-            </a:extLst>
-          </a:blip>
-          <a:stretch>
-            <a:fillRect/>
-          </a:stretch>
-        </p:blipFill>
-        <p:spPr>
-          <a:xfrm>
-            <a:off x="1712487" y="5877272"/>
-            <a:ext cx="5801535" cy="714475"/>
-          </a:xfrm>
-          <a:prstGeom prst="rect">
-            <a:avLst/>
-          </a:prstGeom>
-          <a:ln>
-            <a:noFill/>
-          </a:ln>
-          <a:effectLst>
-            <a:outerShdw blurRad="292100" dist="139700" dir="2700000" algn="tl" rotWithShape="0">
-              <a:srgbClr val="333333">
-                <a:alpha val="65000"/>
-              </a:srgbClr>
-            </a:outerShdw>
-          </a:effectLst>
-        </p:spPr>
-      </p:pic>
-      <p:sp>
-        <p:nvSpPr>
-          <p:cNvPr id="7" name="圆角矩形标注 6"/>
-          <p:cNvSpPr/>
-          <p:nvPr/>
-        </p:nvSpPr>
-        <p:spPr>
-          <a:xfrm>
-            <a:off x="6660232" y="4437112"/>
-            <a:ext cx="1357846" cy="868937"/>
+            <a:off x="5436096" y="4077072"/>
+            <a:ext cx="2808312" cy="2736304"/>
           </a:xfrm>
           <a:prstGeom prst="wedgeRoundRectCallout">
             <a:avLst>
-              <a:gd name="adj1" fmla="val -67421"/>
-              <a:gd name="adj2" fmla="val 24520"/>
+              <a:gd name="adj1" fmla="val -56571"/>
+              <a:gd name="adj2" fmla="val -32922"/>
               <a:gd name="adj3" fmla="val 16667"/>
             </a:avLst>
           </a:prstGeom>
@@ -4559,7 +5375,192 @@
                 <a:latin typeface="微软雅黑" pitchFamily="34" charset="-122"/>
                 <a:ea typeface="微软雅黑" pitchFamily="34" charset="-122"/>
               </a:rPr>
-              <a:t>放大两倍时的位置</a:t>
+              <a:t>每个属性都是一个变化的范围，放在</a:t>
+            </a:r>
+            <a:r>
+              <a:rPr lang="zh-CN" altLang="en-US" sz="2000" b="1" dirty="0" smtClean="0">
+                <a:solidFill>
+                  <a:schemeClr val="tx1">
+                    <a:lumMod val="75000"/>
+                    <a:lumOff val="25000"/>
+                  </a:schemeClr>
+                </a:solidFill>
+                <a:latin typeface="微软雅黑" pitchFamily="34" charset="-122"/>
+                <a:ea typeface="微软雅黑" pitchFamily="34" charset="-122"/>
+              </a:rPr>
+              <a:t>数组</a:t>
+            </a:r>
+            <a:r>
+              <a:rPr lang="zh-CN" altLang="en-US" sz="2000" dirty="0" smtClean="0">
+                <a:solidFill>
+                  <a:schemeClr val="tx1">
+                    <a:lumMod val="75000"/>
+                    <a:lumOff val="25000"/>
+                  </a:schemeClr>
+                </a:solidFill>
+                <a:latin typeface="微软雅黑" pitchFamily="34" charset="-122"/>
+                <a:ea typeface="微软雅黑" pitchFamily="34" charset="-122"/>
+              </a:rPr>
+              <a:t>中，结合一个</a:t>
+            </a:r>
+            <a:r>
+              <a:rPr lang="zh-CN" altLang="en-US" sz="2000" b="1" dirty="0" smtClean="0">
+                <a:solidFill>
+                  <a:schemeClr val="tx1">
+                    <a:lumMod val="75000"/>
+                    <a:lumOff val="25000"/>
+                  </a:schemeClr>
+                </a:solidFill>
+                <a:latin typeface="微软雅黑" pitchFamily="34" charset="-122"/>
+                <a:ea typeface="微软雅黑" pitchFamily="34" charset="-122"/>
+              </a:rPr>
+              <a:t>自定义属性名</a:t>
+            </a:r>
+            <a:r>
+              <a:rPr lang="zh-CN" altLang="en-US" sz="2000" dirty="0" smtClean="0">
+                <a:solidFill>
+                  <a:schemeClr val="tx1">
+                    <a:lumMod val="75000"/>
+                    <a:lumOff val="25000"/>
+                  </a:schemeClr>
+                </a:solidFill>
+                <a:latin typeface="微软雅黑" pitchFamily="34" charset="-122"/>
+                <a:ea typeface="微软雅黑" pitchFamily="34" charset="-122"/>
+              </a:rPr>
+              <a:t>，放在</a:t>
+            </a:r>
+            <a:r>
+              <a:rPr lang="zh-CN" altLang="en-US" sz="2000" b="1" dirty="0" smtClean="0">
+                <a:solidFill>
+                  <a:schemeClr val="tx1">
+                    <a:lumMod val="75000"/>
+                    <a:lumOff val="25000"/>
+                  </a:schemeClr>
+                </a:solidFill>
+                <a:latin typeface="微软雅黑" pitchFamily="34" charset="-122"/>
+                <a:ea typeface="微软雅黑" pitchFamily="34" charset="-122"/>
+              </a:rPr>
+              <a:t>二维数组中</a:t>
+            </a:r>
+            <a:r>
+              <a:rPr lang="zh-CN" altLang="en-US" sz="2000" dirty="0" smtClean="0">
+                <a:solidFill>
+                  <a:schemeClr val="tx1">
+                    <a:lumMod val="75000"/>
+                    <a:lumOff val="25000"/>
+                  </a:schemeClr>
+                </a:solidFill>
+                <a:latin typeface="微软雅黑" pitchFamily="34" charset="-122"/>
+                <a:ea typeface="微软雅黑" pitchFamily="34" charset="-122"/>
+              </a:rPr>
+              <a:t>，传递给另外的函数，</a:t>
+            </a:r>
+            <a:r>
+              <a:rPr lang="zh-CN" altLang="en-US" sz="2000" b="1" dirty="0" smtClean="0">
+                <a:solidFill>
+                  <a:schemeClr val="tx1">
+                    <a:lumMod val="75000"/>
+                    <a:lumOff val="25000"/>
+                  </a:schemeClr>
+                </a:solidFill>
+                <a:latin typeface="微软雅黑" pitchFamily="34" charset="-122"/>
+                <a:ea typeface="微软雅黑" pitchFamily="34" charset="-122"/>
+              </a:rPr>
+              <a:t>保存到对象中</a:t>
+            </a:r>
+            <a:endParaRPr lang="en-US" altLang="zh-CN" sz="2000" b="1" dirty="0">
+              <a:solidFill>
+                <a:schemeClr val="tx1">
+                  <a:lumMod val="75000"/>
+                  <a:lumOff val="25000"/>
+                </a:schemeClr>
+              </a:solidFill>
+              <a:latin typeface="微软雅黑" pitchFamily="34" charset="-122"/>
+              <a:ea typeface="微软雅黑" pitchFamily="34" charset="-122"/>
+            </a:endParaRPr>
+          </a:p>
+        </p:txBody>
+      </p:sp>
+      <p:sp>
+        <p:nvSpPr>
+          <p:cNvPr id="6" name="圆角矩形标注 5"/>
+          <p:cNvSpPr/>
+          <p:nvPr/>
+        </p:nvSpPr>
+        <p:spPr>
+          <a:xfrm>
+            <a:off x="1043608" y="3933056"/>
+            <a:ext cx="1332656" cy="2520280"/>
+          </a:xfrm>
+          <a:prstGeom prst="wedgeRoundRectCallout">
+            <a:avLst>
+              <a:gd name="adj1" fmla="val 61473"/>
+              <a:gd name="adj2" fmla="val -31655"/>
+              <a:gd name="adj3" fmla="val 16667"/>
+            </a:avLst>
+          </a:prstGeom>
+        </p:spPr>
+        <p:style>
+          <a:lnRef idx="2">
+            <a:schemeClr val="accent5"/>
+          </a:lnRef>
+          <a:fillRef idx="1">
+            <a:schemeClr val="lt1"/>
+          </a:fillRef>
+          <a:effectRef idx="0">
+            <a:schemeClr val="accent5"/>
+          </a:effectRef>
+          <a:fontRef idx="minor">
+            <a:schemeClr val="dk1"/>
+          </a:fontRef>
+        </p:style>
+        <p:txBody>
+          <a:bodyPr rtlCol="0" anchor="ctr"/>
+          <a:lstStyle/>
+          <a:p>
+            <a:pPr>
+              <a:lnSpc>
+                <a:spcPct val="150000"/>
+              </a:lnSpc>
+            </a:pPr>
+            <a:r>
+              <a:rPr lang="zh-CN" altLang="en-US" sz="2000" dirty="0" smtClean="0">
+                <a:solidFill>
+                  <a:schemeClr val="tx1">
+                    <a:lumMod val="75000"/>
+                    <a:lumOff val="25000"/>
+                  </a:schemeClr>
+                </a:solidFill>
+                <a:latin typeface="微软雅黑" pitchFamily="34" charset="-122"/>
+                <a:ea typeface="微软雅黑" pitchFamily="34" charset="-122"/>
+              </a:rPr>
+              <a:t>所有属性配置放在</a:t>
+            </a:r>
+            <a:r>
+              <a:rPr lang="zh-CN" altLang="en-US" sz="2000" b="1" dirty="0" smtClean="0">
+                <a:solidFill>
+                  <a:schemeClr val="tx1">
+                    <a:lumMod val="75000"/>
+                    <a:lumOff val="25000"/>
+                  </a:schemeClr>
+                </a:solidFill>
+                <a:latin typeface="微软雅黑" pitchFamily="34" charset="-122"/>
+                <a:ea typeface="微软雅黑" pitchFamily="34" charset="-122"/>
+              </a:rPr>
+              <a:t>三维数组中</a:t>
+            </a:r>
+            <a:r>
+              <a:rPr lang="zh-CN" altLang="en-US" sz="2000" dirty="0" smtClean="0">
+                <a:solidFill>
+                  <a:schemeClr val="tx1">
+                    <a:lumMod val="75000"/>
+                    <a:lumOff val="25000"/>
+                  </a:schemeClr>
+                </a:solidFill>
+                <a:latin typeface="微软雅黑" pitchFamily="34" charset="-122"/>
+                <a:ea typeface="微软雅黑" pitchFamily="34" charset="-122"/>
+              </a:rPr>
+              <a:t>作为函数参数</a:t>
             </a:r>
             <a:endParaRPr lang="en-US" altLang="zh-CN" sz="2000" dirty="0">
               <a:solidFill>
@@ -4574,56 +5575,10 @@
           </a:p>
         </p:txBody>
       </p:sp>
-      <p:sp>
-        <p:nvSpPr>
-          <p:cNvPr id="8" name="矩形 7"/>
-          <p:cNvSpPr/>
-          <p:nvPr/>
-        </p:nvSpPr>
-        <p:spPr>
-          <a:xfrm>
-            <a:off x="3603526" y="6234510"/>
-            <a:ext cx="2408633" cy="318332"/>
-          </a:xfrm>
-          <a:prstGeom prst="rect">
-            <a:avLst/>
-          </a:prstGeom>
-          <a:noFill/>
-          <a:ln w="38100">
-            <a:solidFill>
-              <a:srgbClr val="FFFF00"/>
-            </a:solidFill>
-          </a:ln>
-        </p:spPr>
-        <p:style>
-          <a:lnRef idx="2">
-            <a:schemeClr val="accent1">
-              <a:shade val="50000"/>
-            </a:schemeClr>
-          </a:lnRef>
-          <a:fillRef idx="1">
-            <a:schemeClr val="accent1"/>
-          </a:fillRef>
-          <a:effectRef idx="0">
-            <a:schemeClr val="accent1"/>
-          </a:effectRef>
-          <a:fontRef idx="minor">
-            <a:schemeClr val="lt1"/>
-          </a:fontRef>
-        </p:style>
-        <p:txBody>
-          <a:bodyPr rtlCol="0" anchor="ctr"/>
-          <a:lstStyle/>
-          <a:p>
-            <a:pPr algn="ctr"/>
-            <a:endParaRPr lang="zh-CN" altLang="en-US"/>
-          </a:p>
-        </p:txBody>
-      </p:sp>
     </p:spTree>
     <p:extLst>
       <p:ext uri="{BB962C8B-B14F-4D97-AF65-F5344CB8AC3E}">
-        <p14:creationId xmlns:p14="http://schemas.microsoft.com/office/powerpoint/2010/main" val="926438638"/>
+        <p14:creationId xmlns:p14="http://schemas.microsoft.com/office/powerpoint/2010/main" val="393425953"/>
       </p:ext>
     </p:extLst>
   </p:cSld>
@@ -4633,7 +5588,7 @@
 </p:sld>
 </file>
 
-<file path=ppt/slides/slide2.xml><?xml version="1.0" encoding="utf-8"?>
+<file path=ppt/slides/slide14.xml><?xml version="1.0" encoding="utf-8"?>
 <p:sld xmlns:a="http://schemas.openxmlformats.org/drawingml/2006/main" xmlns:r="http://schemas.openxmlformats.org/officeDocument/2006/relationships" xmlns:p="http://schemas.openxmlformats.org/presentationml/2006/main">
   <p:cSld>
     <p:spTree>
@@ -4650,159 +5605,102 @@
           <a:chExt cx="0" cy="0"/>
         </a:xfrm>
       </p:grpSpPr>
-      <p:sp>
-        <p:nvSpPr>
-          <p:cNvPr id="4" name="TextBox 3"/>
-          <p:cNvSpPr txBox="1"/>
+      <p:pic>
+        <p:nvPicPr>
+          <p:cNvPr id="2" name="图片 1" descr="屏幕剪辑"/>
+          <p:cNvPicPr>
+            <a:picLocks noChangeAspect="1"/>
+          </p:cNvPicPr>
           <p:nvPr/>
-        </p:nvSpPr>
+        </p:nvPicPr>
+        <p:blipFill>
+          <a:blip r:embed="rId2">
+            <a:extLst>
+              <a:ext uri="{28A0092B-C50C-407E-A947-70E740481C1C}">
+                <a14:useLocalDpi xmlns:a14="http://schemas.microsoft.com/office/drawing/2010/main" val="0"/>
+              </a:ext>
+            </a:extLst>
+          </a:blip>
+          <a:stretch>
+            <a:fillRect/>
+          </a:stretch>
+        </p:blipFill>
         <p:spPr>
           <a:xfrm>
-            <a:off x="684000" y="453173"/>
-            <a:ext cx="7776000" cy="523220"/>
+            <a:off x="1115616" y="835320"/>
+            <a:ext cx="5811061" cy="4105848"/>
           </a:xfrm>
           <a:prstGeom prst="rect">
             <a:avLst/>
           </a:prstGeom>
-          <a:noFill/>
+          <a:ln>
+            <a:noFill/>
+          </a:ln>
+          <a:effectLst>
+            <a:outerShdw blurRad="292100" dist="139700" dir="2700000" algn="tl" rotWithShape="0">
+              <a:srgbClr val="333333">
+                <a:alpha val="65000"/>
+              </a:srgbClr>
+            </a:outerShdw>
+          </a:effectLst>
         </p:spPr>
-        <p:txBody>
-          <a:bodyPr wrap="square" rtlCol="0">
-            <a:spAutoFit/>
-          </a:bodyPr>
+      </p:pic>
+      <p:sp>
+        <p:nvSpPr>
+          <p:cNvPr id="3" name="圆角矩形标注 2"/>
+          <p:cNvSpPr/>
+          <p:nvPr/>
+        </p:nvSpPr>
+        <p:spPr>
+          <a:xfrm>
+            <a:off x="3851920" y="2595097"/>
+            <a:ext cx="1872208" cy="1421941"/>
+          </a:xfrm>
+          <a:prstGeom prst="wedgeRoundRectCallout">
+            <a:avLst>
+              <a:gd name="adj1" fmla="val -60459"/>
+              <a:gd name="adj2" fmla="val 20446"/>
+              <a:gd name="adj3" fmla="val 16667"/>
+            </a:avLst>
+          </a:prstGeom>
+        </p:spPr>
+        <p:style>
+          <a:lnRef idx="2">
+            <a:schemeClr val="accent5"/>
+          </a:lnRef>
+          <a:fillRef idx="1">
+            <a:schemeClr val="lt1"/>
+          </a:fillRef>
+          <a:effectRef idx="0">
+            <a:schemeClr val="accent5"/>
+          </a:effectRef>
+          <a:fontRef idx="minor">
+            <a:schemeClr val="dk1"/>
+          </a:fontRef>
+        </p:style>
+        <p:txBody>
+          <a:bodyPr rtlCol="0" anchor="ctr"/>
           <a:lstStyle/>
           <a:p>
-            <a:r>
-              <a:rPr lang="en-US" altLang="zh-CN" sz="2800" b="1" dirty="0" smtClean="0">
-                <a:solidFill>
-                  <a:schemeClr val="tx1">
-                    <a:lumMod val="75000"/>
-                    <a:lumOff val="25000"/>
-                  </a:schemeClr>
-                </a:solidFill>
-                <a:latin typeface="微软雅黑" pitchFamily="34" charset="-122"/>
-                <a:ea typeface="微软雅黑" pitchFamily="34" charset="-122"/>
-              </a:rPr>
-              <a:t>1.</a:t>
-            </a:r>
-            <a:r>
-              <a:rPr lang="zh-CN" altLang="en-US" sz="2800" b="1" dirty="0">
-                <a:solidFill>
-                  <a:schemeClr val="tx1">
-                    <a:lumMod val="75000"/>
-                    <a:lumOff val="25000"/>
-                  </a:schemeClr>
-                </a:solidFill>
-                <a:latin typeface="微软雅黑" pitchFamily="34" charset="-122"/>
-                <a:ea typeface="微软雅黑" pitchFamily="34" charset="-122"/>
-              </a:rPr>
-              <a:t>目标</a:t>
-            </a:r>
-            <a:r>
-              <a:rPr lang="en-US" altLang="zh-CN" sz="2800" b="1" dirty="0" smtClean="0">
-                <a:solidFill>
-                  <a:schemeClr val="tx1">
-                    <a:lumMod val="75000"/>
-                    <a:lumOff val="25000"/>
-                  </a:schemeClr>
-                </a:solidFill>
-                <a:latin typeface="微软雅黑" pitchFamily="34" charset="-122"/>
-                <a:ea typeface="微软雅黑" pitchFamily="34" charset="-122"/>
-              </a:rPr>
-              <a:t>——</a:t>
-            </a:r>
-            <a:r>
-              <a:rPr lang="zh-CN" altLang="en-US" sz="2800" b="1" dirty="0" smtClean="0">
-                <a:solidFill>
-                  <a:schemeClr val="tx1">
-                    <a:lumMod val="75000"/>
-                    <a:lumOff val="25000"/>
-                  </a:schemeClr>
-                </a:solidFill>
-                <a:latin typeface="微软雅黑" pitchFamily="34" charset="-122"/>
-                <a:ea typeface="微软雅黑" pitchFamily="34" charset="-122"/>
-              </a:rPr>
-              <a:t>文字爆炸</a:t>
-            </a:r>
-            <a:r>
-              <a:rPr lang="zh-CN" altLang="en-US" sz="2800" b="1" dirty="0" smtClean="0">
-                <a:solidFill>
-                  <a:schemeClr val="tx1">
-                    <a:lumMod val="75000"/>
-                    <a:lumOff val="25000"/>
-                  </a:schemeClr>
-                </a:solidFill>
-                <a:latin typeface="微软雅黑" pitchFamily="34" charset="-122"/>
-                <a:ea typeface="微软雅黑" pitchFamily="34" charset="-122"/>
-              </a:rPr>
-              <a:t>（</a:t>
-            </a:r>
-            <a:r>
-              <a:rPr lang="zh-CN" altLang="en-US" sz="2800" b="1" dirty="0" smtClean="0">
-                <a:solidFill>
-                  <a:schemeClr val="tx1">
-                    <a:lumMod val="75000"/>
-                    <a:lumOff val="25000"/>
-                  </a:schemeClr>
-                </a:solidFill>
-                <a:latin typeface="微软雅黑" pitchFamily="34" charset="-122"/>
-                <a:ea typeface="微软雅黑" pitchFamily="34" charset="-122"/>
-              </a:rPr>
-              <a:t>难度</a:t>
-            </a:r>
-            <a:r>
-              <a:rPr lang="zh-CN" altLang="en-US" sz="2800" b="1" dirty="0" smtClean="0">
-                <a:solidFill>
-                  <a:schemeClr val="tx1">
-                    <a:lumMod val="75000"/>
-                    <a:lumOff val="25000"/>
-                  </a:schemeClr>
-                </a:solidFill>
-                <a:latin typeface="微软雅黑" pitchFamily="34" charset="-122"/>
-                <a:ea typeface="微软雅黑" pitchFamily="34" charset="-122"/>
-              </a:rPr>
-              <a:t>：</a:t>
-            </a:r>
-            <a:r>
-              <a:rPr lang="en-US" altLang="zh-CN" sz="2800" b="1" dirty="0">
-                <a:solidFill>
-                  <a:schemeClr val="tx1">
-                    <a:lumMod val="75000"/>
-                    <a:lumOff val="25000"/>
-                  </a:schemeClr>
-                </a:solidFill>
-                <a:latin typeface="微软雅黑" pitchFamily="34" charset="-122"/>
-                <a:ea typeface="微软雅黑" pitchFamily="34" charset="-122"/>
-              </a:rPr>
-              <a:t>4</a:t>
-            </a:r>
-            <a:r>
-              <a:rPr lang="en-US" altLang="zh-CN" sz="2800" b="1" dirty="0" smtClean="0">
-                <a:solidFill>
-                  <a:schemeClr val="tx1">
-                    <a:lumMod val="75000"/>
-                    <a:lumOff val="25000"/>
-                  </a:schemeClr>
-                </a:solidFill>
-                <a:latin typeface="微软雅黑" pitchFamily="34" charset="-122"/>
-                <a:ea typeface="微软雅黑" pitchFamily="34" charset="-122"/>
-              </a:rPr>
-              <a:t>.0</a:t>
-            </a:r>
-            <a:r>
-              <a:rPr lang="zh-CN" altLang="en-US" sz="2800" b="1" dirty="0" smtClean="0">
-                <a:solidFill>
-                  <a:schemeClr val="tx1">
-                    <a:lumMod val="75000"/>
-                    <a:lumOff val="25000"/>
-                  </a:schemeClr>
-                </a:solidFill>
-                <a:latin typeface="微软雅黑" pitchFamily="34" charset="-122"/>
-                <a:ea typeface="微软雅黑" pitchFamily="34" charset="-122"/>
-              </a:rPr>
-              <a:t>）</a:t>
-            </a:r>
-            <a:endParaRPr lang="zh-CN" altLang="en-US" sz="2800" b="1" dirty="0">
+            <a:pPr>
+              <a:lnSpc>
+                <a:spcPct val="150000"/>
+              </a:lnSpc>
+            </a:pPr>
+            <a:r>
+              <a:rPr lang="zh-CN" altLang="en-US" sz="2000" dirty="0" smtClean="0">
+                <a:solidFill>
+                  <a:schemeClr val="tx1">
+                    <a:lumMod val="75000"/>
+                    <a:lumOff val="25000"/>
+                  </a:schemeClr>
+                </a:solidFill>
+                <a:latin typeface="微软雅黑" pitchFamily="34" charset="-122"/>
+                <a:ea typeface="微软雅黑" pitchFamily="34" charset="-122"/>
+              </a:rPr>
+              <a:t>将配置保存在对象的自定义属性中</a:t>
+            </a:r>
+            <a:endParaRPr lang="en-US" altLang="zh-CN" sz="2000" dirty="0">
               <a:solidFill>
                 <a:schemeClr val="tx1">
                   <a:lumMod val="75000"/>
@@ -4817,14 +5715,248 @@
       </p:sp>
       <p:sp>
         <p:nvSpPr>
-          <p:cNvPr id="2" name="TextBox 1"/>
+          <p:cNvPr id="4" name="圆角矩形标注 3"/>
+          <p:cNvSpPr/>
+          <p:nvPr/>
+        </p:nvSpPr>
+        <p:spPr>
+          <a:xfrm>
+            <a:off x="5990573" y="2779536"/>
+            <a:ext cx="1872208" cy="1421941"/>
+          </a:xfrm>
+          <a:prstGeom prst="wedgeRoundRectCallout">
+            <a:avLst>
+              <a:gd name="adj1" fmla="val -25469"/>
+              <a:gd name="adj2" fmla="val 64597"/>
+              <a:gd name="adj3" fmla="val 16667"/>
+            </a:avLst>
+          </a:prstGeom>
+        </p:spPr>
+        <p:style>
+          <a:lnRef idx="2">
+            <a:schemeClr val="accent5"/>
+          </a:lnRef>
+          <a:fillRef idx="1">
+            <a:schemeClr val="lt1"/>
+          </a:fillRef>
+          <a:effectRef idx="0">
+            <a:schemeClr val="accent5"/>
+          </a:effectRef>
+          <a:fontRef idx="minor">
+            <a:schemeClr val="dk1"/>
+          </a:fontRef>
+        </p:style>
+        <p:txBody>
+          <a:bodyPr rtlCol="0" anchor="ctr"/>
+          <a:lstStyle/>
+          <a:p>
+            <a:pPr>
+              <a:lnSpc>
+                <a:spcPct val="150000"/>
+              </a:lnSpc>
+            </a:pPr>
+            <a:r>
+              <a:rPr lang="zh-CN" altLang="en-US" sz="2000" dirty="0" smtClean="0">
+                <a:solidFill>
+                  <a:schemeClr val="tx1">
+                    <a:lumMod val="75000"/>
+                    <a:lumOff val="25000"/>
+                  </a:schemeClr>
+                </a:solidFill>
+                <a:latin typeface="微软雅黑" pitchFamily="34" charset="-122"/>
+                <a:ea typeface="微软雅黑" pitchFamily="34" charset="-122"/>
+              </a:rPr>
+              <a:t>将区间（开始结束）配置数组逐个保存</a:t>
+            </a:r>
+            <a:endParaRPr lang="en-US" altLang="zh-CN" sz="2000" dirty="0">
+              <a:solidFill>
+                <a:schemeClr val="tx1">
+                  <a:lumMod val="75000"/>
+                  <a:lumOff val="25000"/>
+                </a:schemeClr>
+              </a:solidFill>
+              <a:latin typeface="微软雅黑" pitchFamily="34" charset="-122"/>
+              <a:ea typeface="微软雅黑" pitchFamily="34" charset="-122"/>
+            </a:endParaRPr>
+          </a:p>
+        </p:txBody>
+      </p:sp>
+      <p:sp>
+        <p:nvSpPr>
+          <p:cNvPr id="6" name="圆角矩形标注 5"/>
+          <p:cNvSpPr/>
+          <p:nvPr/>
+        </p:nvSpPr>
+        <p:spPr>
+          <a:xfrm>
+            <a:off x="4791917" y="1411383"/>
+            <a:ext cx="2444379" cy="864097"/>
+          </a:xfrm>
+          <a:prstGeom prst="wedgeRoundRectCallout">
+            <a:avLst>
+              <a:gd name="adj1" fmla="val -66133"/>
+              <a:gd name="adj2" fmla="val 6948"/>
+              <a:gd name="adj3" fmla="val 16667"/>
+            </a:avLst>
+          </a:prstGeom>
+        </p:spPr>
+        <p:style>
+          <a:lnRef idx="2">
+            <a:schemeClr val="accent5"/>
+          </a:lnRef>
+          <a:fillRef idx="1">
+            <a:schemeClr val="lt1"/>
+          </a:fillRef>
+          <a:effectRef idx="0">
+            <a:schemeClr val="accent5"/>
+          </a:effectRef>
+          <a:fontRef idx="minor">
+            <a:schemeClr val="dk1"/>
+          </a:fontRef>
+        </p:style>
+        <p:txBody>
+          <a:bodyPr rtlCol="0" anchor="ctr"/>
+          <a:lstStyle/>
+          <a:p>
+            <a:pPr>
+              <a:lnSpc>
+                <a:spcPct val="150000"/>
+              </a:lnSpc>
+            </a:pPr>
+            <a:r>
+              <a:rPr lang="zh-CN" altLang="en-US" sz="2000" dirty="0" smtClean="0">
+                <a:solidFill>
+                  <a:schemeClr val="tx1">
+                    <a:lumMod val="75000"/>
+                    <a:lumOff val="25000"/>
+                  </a:schemeClr>
+                </a:solidFill>
+                <a:latin typeface="微软雅黑" pitchFamily="34" charset="-122"/>
+                <a:ea typeface="微软雅黑" pitchFamily="34" charset="-122"/>
+              </a:rPr>
+              <a:t>获取元素中心点并保存，稍后说到</a:t>
+            </a:r>
+            <a:endParaRPr lang="en-US" altLang="zh-CN" sz="2000" dirty="0">
+              <a:solidFill>
+                <a:schemeClr val="tx1">
+                  <a:lumMod val="75000"/>
+                  <a:lumOff val="25000"/>
+                </a:schemeClr>
+              </a:solidFill>
+              <a:latin typeface="微软雅黑" pitchFamily="34" charset="-122"/>
+              <a:ea typeface="微软雅黑" pitchFamily="34" charset="-122"/>
+            </a:endParaRPr>
+          </a:p>
+        </p:txBody>
+      </p:sp>
+      <p:sp>
+        <p:nvSpPr>
+          <p:cNvPr id="7" name="圆角矩形标注 6"/>
+          <p:cNvSpPr/>
+          <p:nvPr/>
+        </p:nvSpPr>
+        <p:spPr>
+          <a:xfrm>
+            <a:off x="2821422" y="136390"/>
+            <a:ext cx="2399448" cy="556306"/>
+          </a:xfrm>
+          <a:prstGeom prst="wedgeRoundRectCallout">
+            <a:avLst>
+              <a:gd name="adj1" fmla="val -33455"/>
+              <a:gd name="adj2" fmla="val 82488"/>
+              <a:gd name="adj3" fmla="val 16667"/>
+            </a:avLst>
+          </a:prstGeom>
+        </p:spPr>
+        <p:style>
+          <a:lnRef idx="2">
+            <a:schemeClr val="accent6"/>
+          </a:lnRef>
+          <a:fillRef idx="1">
+            <a:schemeClr val="lt1"/>
+          </a:fillRef>
+          <a:effectRef idx="0">
+            <a:schemeClr val="accent6"/>
+          </a:effectRef>
+          <a:fontRef idx="minor">
+            <a:schemeClr val="dk1"/>
+          </a:fontRef>
+        </p:style>
+        <p:txBody>
+          <a:bodyPr rtlCol="0" anchor="ctr"/>
+          <a:lstStyle/>
+          <a:p>
+            <a:pPr>
+              <a:lnSpc>
+                <a:spcPct val="150000"/>
+              </a:lnSpc>
+            </a:pPr>
+            <a:r>
+              <a:rPr lang="zh-CN" altLang="en-US" sz="2000" b="1" dirty="0" smtClean="0">
+                <a:solidFill>
+                  <a:schemeClr val="tx1">
+                    <a:lumMod val="75000"/>
+                    <a:lumOff val="25000"/>
+                  </a:schemeClr>
+                </a:solidFill>
+                <a:latin typeface="微软雅黑" pitchFamily="34" charset="-122"/>
+                <a:ea typeface="微软雅黑" pitchFamily="34" charset="-122"/>
+              </a:rPr>
+              <a:t>保存动画配置信息</a:t>
+            </a:r>
+            <a:endParaRPr lang="en-US" altLang="zh-CN" sz="2000" b="1" dirty="0">
+              <a:solidFill>
+                <a:schemeClr val="tx1">
+                  <a:lumMod val="75000"/>
+                  <a:lumOff val="25000"/>
+                </a:schemeClr>
+              </a:solidFill>
+              <a:latin typeface="微软雅黑" pitchFamily="34" charset="-122"/>
+              <a:ea typeface="微软雅黑" pitchFamily="34" charset="-122"/>
+            </a:endParaRPr>
+          </a:p>
+        </p:txBody>
+      </p:sp>
+    </p:spTree>
+    <p:extLst>
+      <p:ext uri="{BB962C8B-B14F-4D97-AF65-F5344CB8AC3E}">
+        <p14:creationId xmlns:p14="http://schemas.microsoft.com/office/powerpoint/2010/main" val="2509992458"/>
+      </p:ext>
+    </p:extLst>
+  </p:cSld>
+  <p:clrMapOvr>
+    <a:masterClrMapping/>
+  </p:clrMapOvr>
+</p:sld>
+</file>
+
+<file path=ppt/slides/slide15.xml><?xml version="1.0" encoding="utf-8"?>
+<p:sld xmlns:a="http://schemas.openxmlformats.org/drawingml/2006/main" xmlns:r="http://schemas.openxmlformats.org/officeDocument/2006/relationships" xmlns:p="http://schemas.openxmlformats.org/presentationml/2006/main">
+  <p:cSld>
+    <p:spTree>
+      <p:nvGrpSpPr>
+        <p:cNvPr id="1" name=""/>
+        <p:cNvGrpSpPr/>
+        <p:nvPr/>
+      </p:nvGrpSpPr>
+      <p:grpSpPr>
+        <a:xfrm>
+          <a:off x="0" y="0"/>
+          <a:ext cx="0" cy="0"/>
+          <a:chOff x="0" y="0"/>
+          <a:chExt cx="0" cy="0"/>
+        </a:xfrm>
+      </p:grpSpPr>
+      <p:sp>
+        <p:nvSpPr>
+          <p:cNvPr id="5" name="TextBox 4"/>
           <p:cNvSpPr txBox="1"/>
           <p:nvPr/>
         </p:nvSpPr>
         <p:spPr>
           <a:xfrm>
-            <a:off x="684000" y="1134480"/>
-            <a:ext cx="7776000" cy="1754326"/>
+            <a:off x="684000" y="188640"/>
+            <a:ext cx="7776000" cy="581057"/>
           </a:xfrm>
           <a:prstGeom prst="rect">
             <a:avLst/>
@@ -4843,58 +5975,32 @@
               </a:lnSpc>
             </a:pPr>
             <a:r>
-              <a:rPr lang="zh-CN" altLang="en-US" sz="2400" dirty="0" smtClean="0">
-                <a:solidFill>
-                  <a:schemeClr val="tx1">
-                    <a:lumMod val="75000"/>
-                    <a:lumOff val="25000"/>
-                  </a:schemeClr>
-                </a:solidFill>
-                <a:latin typeface="微软雅黑" pitchFamily="34" charset="-122"/>
-                <a:ea typeface="微软雅黑" pitchFamily="34" charset="-122"/>
-              </a:rPr>
-              <a:t>本期我们的目标</a:t>
-            </a:r>
-            <a:r>
-              <a:rPr lang="zh-CN" altLang="en-US" sz="2400" dirty="0" smtClean="0">
-                <a:solidFill>
-                  <a:schemeClr val="tx1">
-                    <a:lumMod val="75000"/>
-                    <a:lumOff val="25000"/>
-                  </a:schemeClr>
-                </a:solidFill>
-                <a:latin typeface="微软雅黑" pitchFamily="34" charset="-122"/>
-                <a:ea typeface="微软雅黑" pitchFamily="34" charset="-122"/>
-              </a:rPr>
-              <a:t>是使用</a:t>
-            </a:r>
-            <a:r>
-              <a:rPr lang="zh-CN" altLang="en-US" sz="2400" dirty="0" smtClean="0">
-                <a:solidFill>
-                  <a:schemeClr val="tx1">
-                    <a:lumMod val="75000"/>
-                    <a:lumOff val="25000"/>
-                  </a:schemeClr>
-                </a:solidFill>
-                <a:latin typeface="微软雅黑" pitchFamily="34" charset="-122"/>
-                <a:ea typeface="微软雅黑" pitchFamily="34" charset="-122"/>
-              </a:rPr>
-              <a:t>制作文字逐个炸裂成碎片，然后再从碎片还原成文字的动画！碎片会随机乱飞，旋转，变成透明，然后再还原</a:t>
-            </a:r>
-            <a:r>
-              <a:rPr lang="en-US" altLang="zh-CN" sz="2400" dirty="0" smtClean="0">
-                <a:solidFill>
-                  <a:schemeClr val="tx1">
-                    <a:lumMod val="75000"/>
-                    <a:lumOff val="25000"/>
-                  </a:schemeClr>
-                </a:solidFill>
-                <a:latin typeface="微软雅黑" pitchFamily="34" charset="-122"/>
-                <a:ea typeface="微软雅黑" pitchFamily="34" charset="-122"/>
-              </a:rPr>
-              <a:t>.</a:t>
-            </a:r>
-            <a:endParaRPr lang="en-US" altLang="zh-CN" sz="2400" dirty="0" smtClean="0">
+              <a:rPr lang="en-US" altLang="zh-CN" sz="2400" b="1" dirty="0" smtClean="0">
+                <a:solidFill>
+                  <a:schemeClr val="tx1">
+                    <a:lumMod val="75000"/>
+                    <a:lumOff val="25000"/>
+                  </a:schemeClr>
+                </a:solidFill>
+                <a:latin typeface="微软雅黑" pitchFamily="34" charset="-122"/>
+                <a:ea typeface="微软雅黑" pitchFamily="34" charset="-122"/>
+              </a:rPr>
+              <a:t>4-c </a:t>
+            </a:r>
+            <a:r>
+              <a:rPr lang="zh-CN" altLang="en-US" sz="2400" b="1" dirty="0" smtClean="0">
+                <a:solidFill>
+                  <a:schemeClr val="tx1">
+                    <a:lumMod val="75000"/>
+                    <a:lumOff val="25000"/>
+                  </a:schemeClr>
+                </a:solidFill>
+                <a:latin typeface="微软雅黑" pitchFamily="34" charset="-122"/>
+                <a:ea typeface="微软雅黑" pitchFamily="34" charset="-122"/>
+              </a:rPr>
+              <a:t>动画刷新</a:t>
+            </a:r>
+            <a:endParaRPr lang="en-US" altLang="zh-CN" sz="2400" b="1" dirty="0" smtClean="0">
               <a:solidFill>
                 <a:schemeClr val="tx1">
                   <a:lumMod val="75000"/>
@@ -4929,8 +6035,719 @@
         </p:blipFill>
         <p:spPr>
           <a:xfrm>
-            <a:off x="1763688" y="3046893"/>
-            <a:ext cx="5616624" cy="3228211"/>
+            <a:off x="1115616" y="1124744"/>
+            <a:ext cx="5144218" cy="2743583"/>
+          </a:xfrm>
+          <a:prstGeom prst="rect">
+            <a:avLst/>
+          </a:prstGeom>
+          <a:ln>
+            <a:noFill/>
+          </a:ln>
+          <a:effectLst>
+            <a:outerShdw blurRad="292100" dist="139700" dir="2700000" algn="tl" rotWithShape="0">
+              <a:srgbClr val="333333">
+                <a:alpha val="65000"/>
+              </a:srgbClr>
+            </a:outerShdw>
+          </a:effectLst>
+        </p:spPr>
+      </p:pic>
+    </p:spTree>
+    <p:extLst>
+      <p:ext uri="{BB962C8B-B14F-4D97-AF65-F5344CB8AC3E}">
+        <p14:creationId xmlns:p14="http://schemas.microsoft.com/office/powerpoint/2010/main" val="2506553414"/>
+      </p:ext>
+    </p:extLst>
+  </p:cSld>
+  <p:clrMapOvr>
+    <a:masterClrMapping/>
+  </p:clrMapOvr>
+  <p:timing>
+    <p:tnLst>
+      <p:par>
+        <p:cTn id="1" dur="indefinite" restart="never" nodeType="tmRoot"/>
+      </p:par>
+    </p:tnLst>
+  </p:timing>
+</p:sld>
+</file>
+
+<file path=ppt/slides/slide16.xml><?xml version="1.0" encoding="utf-8"?>
+<p:sld xmlns:a="http://schemas.openxmlformats.org/drawingml/2006/main" xmlns:r="http://schemas.openxmlformats.org/officeDocument/2006/relationships" xmlns:p="http://schemas.openxmlformats.org/presentationml/2006/main">
+  <p:cSld>
+    <p:spTree>
+      <p:nvGrpSpPr>
+        <p:cNvPr id="1" name=""/>
+        <p:cNvGrpSpPr/>
+        <p:nvPr/>
+      </p:nvGrpSpPr>
+      <p:grpSpPr>
+        <a:xfrm>
+          <a:off x="0" y="0"/>
+          <a:ext cx="0" cy="0"/>
+          <a:chOff x="0" y="0"/>
+          <a:chExt cx="0" cy="0"/>
+        </a:xfrm>
+      </p:grpSpPr>
+      <p:sp>
+        <p:nvSpPr>
+          <p:cNvPr id="5" name="TextBox 4"/>
+          <p:cNvSpPr txBox="1"/>
+          <p:nvPr/>
+        </p:nvSpPr>
+        <p:spPr>
+          <a:xfrm>
+            <a:off x="684000" y="188640"/>
+            <a:ext cx="7776000" cy="581057"/>
+          </a:xfrm>
+          <a:prstGeom prst="rect">
+            <a:avLst/>
+          </a:prstGeom>
+          <a:noFill/>
+        </p:spPr>
+        <p:txBody>
+          <a:bodyPr wrap="square" rtlCol="0">
+            <a:spAutoFit/>
+          </a:bodyPr>
+          <a:lstStyle/>
+          <a:p>
+            <a:pPr>
+              <a:lnSpc>
+                <a:spcPct val="150000"/>
+              </a:lnSpc>
+            </a:pPr>
+            <a:r>
+              <a:rPr lang="en-US" altLang="zh-CN" sz="2400" b="1" dirty="0" smtClean="0">
+                <a:solidFill>
+                  <a:schemeClr val="tx1">
+                    <a:lumMod val="75000"/>
+                    <a:lumOff val="25000"/>
+                  </a:schemeClr>
+                </a:solidFill>
+                <a:latin typeface="微软雅黑" pitchFamily="34" charset="-122"/>
+                <a:ea typeface="微软雅黑" pitchFamily="34" charset="-122"/>
+              </a:rPr>
+              <a:t>4-c </a:t>
+            </a:r>
+            <a:r>
+              <a:rPr lang="zh-CN" altLang="en-US" sz="2400" b="1" dirty="0" smtClean="0">
+                <a:solidFill>
+                  <a:schemeClr val="tx1">
+                    <a:lumMod val="75000"/>
+                    <a:lumOff val="25000"/>
+                  </a:schemeClr>
+                </a:solidFill>
+                <a:latin typeface="微软雅黑" pitchFamily="34" charset="-122"/>
+                <a:ea typeface="微软雅黑" pitchFamily="34" charset="-122"/>
+              </a:rPr>
+              <a:t>围绕中心的旋转和缩放</a:t>
+            </a:r>
+            <a:r>
+              <a:rPr lang="en-US" altLang="zh-CN" sz="2400" b="1" dirty="0" smtClean="0">
+                <a:solidFill>
+                  <a:schemeClr val="tx1">
+                    <a:lumMod val="75000"/>
+                    <a:lumOff val="25000"/>
+                  </a:schemeClr>
+                </a:solidFill>
+                <a:latin typeface="微软雅黑" pitchFamily="34" charset="-122"/>
+                <a:ea typeface="微软雅黑" pitchFamily="34" charset="-122"/>
+              </a:rPr>
+              <a:t> </a:t>
+            </a:r>
+          </a:p>
+        </p:txBody>
+      </p:sp>
+    </p:spTree>
+    <p:extLst>
+      <p:ext uri="{BB962C8B-B14F-4D97-AF65-F5344CB8AC3E}">
+        <p14:creationId xmlns:p14="http://schemas.microsoft.com/office/powerpoint/2010/main" val="755870374"/>
+      </p:ext>
+    </p:extLst>
+  </p:cSld>
+  <p:clrMapOvr>
+    <a:masterClrMapping/>
+  </p:clrMapOvr>
+  <p:timing>
+    <p:tnLst>
+      <p:par>
+        <p:cTn id="1" dur="indefinite" restart="never" nodeType="tmRoot"/>
+      </p:par>
+    </p:tnLst>
+  </p:timing>
+</p:sld>
+</file>
+
+<file path=ppt/slides/slide17.xml><?xml version="1.0" encoding="utf-8"?>
+<p:sld xmlns:a="http://schemas.openxmlformats.org/drawingml/2006/main" xmlns:r="http://schemas.openxmlformats.org/officeDocument/2006/relationships" xmlns:p="http://schemas.openxmlformats.org/presentationml/2006/main">
+  <p:cSld>
+    <p:spTree>
+      <p:nvGrpSpPr>
+        <p:cNvPr id="1" name=""/>
+        <p:cNvGrpSpPr/>
+        <p:nvPr/>
+      </p:nvGrpSpPr>
+      <p:grpSpPr>
+        <a:xfrm>
+          <a:off x="0" y="0"/>
+          <a:ext cx="0" cy="0"/>
+          <a:chOff x="0" y="0"/>
+          <a:chExt cx="0" cy="0"/>
+        </a:xfrm>
+      </p:grpSpPr>
+      <p:sp>
+        <p:nvSpPr>
+          <p:cNvPr id="5" name="TextBox 4"/>
+          <p:cNvSpPr txBox="1"/>
+          <p:nvPr/>
+        </p:nvSpPr>
+        <p:spPr>
+          <a:xfrm>
+            <a:off x="684000" y="188640"/>
+            <a:ext cx="7776000" cy="646331"/>
+          </a:xfrm>
+          <a:prstGeom prst="rect">
+            <a:avLst/>
+          </a:prstGeom>
+          <a:noFill/>
+        </p:spPr>
+        <p:txBody>
+          <a:bodyPr wrap="square" rtlCol="0">
+            <a:spAutoFit/>
+          </a:bodyPr>
+          <a:lstStyle/>
+          <a:p>
+            <a:pPr>
+              <a:lnSpc>
+                <a:spcPct val="150000"/>
+              </a:lnSpc>
+            </a:pPr>
+            <a:r>
+              <a:rPr lang="en-US" altLang="zh-CN" sz="2400" b="1" dirty="0" smtClean="0">
+                <a:solidFill>
+                  <a:schemeClr val="tx1">
+                    <a:lumMod val="75000"/>
+                    <a:lumOff val="25000"/>
+                  </a:schemeClr>
+                </a:solidFill>
+                <a:latin typeface="微软雅黑" pitchFamily="34" charset="-122"/>
+                <a:ea typeface="微软雅黑" pitchFamily="34" charset="-122"/>
+              </a:rPr>
+              <a:t>4-c </a:t>
+            </a:r>
+            <a:r>
+              <a:rPr lang="zh-CN" altLang="en-US" sz="2400" b="1" dirty="0" smtClean="0">
+                <a:solidFill>
+                  <a:schemeClr val="tx1">
+                    <a:lumMod val="75000"/>
+                    <a:lumOff val="25000"/>
+                  </a:schemeClr>
+                </a:solidFill>
+                <a:latin typeface="微软雅黑" pitchFamily="34" charset="-122"/>
+                <a:ea typeface="微软雅黑" pitchFamily="34" charset="-122"/>
+              </a:rPr>
+              <a:t>临时抱正则表达式的佛脚</a:t>
+            </a:r>
+            <a:r>
+              <a:rPr lang="en-US" altLang="zh-CN" sz="2400" b="1" dirty="0" smtClean="0">
+                <a:solidFill>
+                  <a:schemeClr val="tx1">
+                    <a:lumMod val="75000"/>
+                    <a:lumOff val="25000"/>
+                  </a:schemeClr>
+                </a:solidFill>
+                <a:latin typeface="微软雅黑" pitchFamily="34" charset="-122"/>
+                <a:ea typeface="微软雅黑" pitchFamily="34" charset="-122"/>
+              </a:rPr>
+              <a:t>——</a:t>
+            </a:r>
+            <a:r>
+              <a:rPr lang="zh-CN" altLang="en-US" sz="2400" b="1" dirty="0" smtClean="0">
+                <a:solidFill>
+                  <a:schemeClr val="tx1">
+                    <a:lumMod val="75000"/>
+                    <a:lumOff val="25000"/>
+                  </a:schemeClr>
+                </a:solidFill>
+                <a:latin typeface="微软雅黑" pitchFamily="34" charset="-122"/>
+                <a:ea typeface="微软雅黑" pitchFamily="34" charset="-122"/>
+              </a:rPr>
+              <a:t>获取中心点</a:t>
+            </a:r>
+            <a:endParaRPr lang="en-US" altLang="zh-CN" sz="2400" b="1" dirty="0" smtClean="0">
+              <a:solidFill>
+                <a:schemeClr val="tx1">
+                  <a:lumMod val="75000"/>
+                  <a:lumOff val="25000"/>
+                </a:schemeClr>
+              </a:solidFill>
+              <a:latin typeface="微软雅黑" pitchFamily="34" charset="-122"/>
+              <a:ea typeface="微软雅黑" pitchFamily="34" charset="-122"/>
+            </a:endParaRPr>
+          </a:p>
+        </p:txBody>
+      </p:sp>
+    </p:spTree>
+    <p:extLst>
+      <p:ext uri="{BB962C8B-B14F-4D97-AF65-F5344CB8AC3E}">
+        <p14:creationId xmlns:p14="http://schemas.microsoft.com/office/powerpoint/2010/main" val="836022532"/>
+      </p:ext>
+    </p:extLst>
+  </p:cSld>
+  <p:clrMapOvr>
+    <a:masterClrMapping/>
+  </p:clrMapOvr>
+  <p:timing>
+    <p:tnLst>
+      <p:par>
+        <p:cTn id="1" dur="indefinite" restart="never" nodeType="tmRoot"/>
+      </p:par>
+    </p:tnLst>
+  </p:timing>
+</p:sld>
+</file>
+
+<file path=ppt/slides/slide18.xml><?xml version="1.0" encoding="utf-8"?>
+<p:sld xmlns:a="http://schemas.openxmlformats.org/drawingml/2006/main" xmlns:r="http://schemas.openxmlformats.org/officeDocument/2006/relationships" xmlns:p="http://schemas.openxmlformats.org/presentationml/2006/main">
+  <p:cSld>
+    <p:spTree>
+      <p:nvGrpSpPr>
+        <p:cNvPr id="1" name=""/>
+        <p:cNvGrpSpPr/>
+        <p:nvPr/>
+      </p:nvGrpSpPr>
+      <p:grpSpPr>
+        <a:xfrm>
+          <a:off x="0" y="0"/>
+          <a:ext cx="0" cy="0"/>
+          <a:chOff x="0" y="0"/>
+          <a:chExt cx="0" cy="0"/>
+        </a:xfrm>
+      </p:grpSpPr>
+      <p:sp>
+        <p:nvSpPr>
+          <p:cNvPr id="5" name="TextBox 4"/>
+          <p:cNvSpPr txBox="1"/>
+          <p:nvPr/>
+        </p:nvSpPr>
+        <p:spPr>
+          <a:xfrm>
+            <a:off x="684000" y="188640"/>
+            <a:ext cx="7776000" cy="581057"/>
+          </a:xfrm>
+          <a:prstGeom prst="rect">
+            <a:avLst/>
+          </a:prstGeom>
+          <a:noFill/>
+        </p:spPr>
+        <p:txBody>
+          <a:bodyPr wrap="square" rtlCol="0">
+            <a:spAutoFit/>
+          </a:bodyPr>
+          <a:lstStyle/>
+          <a:p>
+            <a:pPr>
+              <a:lnSpc>
+                <a:spcPct val="150000"/>
+              </a:lnSpc>
+            </a:pPr>
+            <a:r>
+              <a:rPr lang="en-US" altLang="zh-CN" sz="2400" b="1" dirty="0" smtClean="0">
+                <a:solidFill>
+                  <a:schemeClr val="tx1">
+                    <a:lumMod val="75000"/>
+                    <a:lumOff val="25000"/>
+                  </a:schemeClr>
+                </a:solidFill>
+                <a:latin typeface="微软雅黑" pitchFamily="34" charset="-122"/>
+                <a:ea typeface="微软雅黑" pitchFamily="34" charset="-122"/>
+              </a:rPr>
+              <a:t>4-b </a:t>
+            </a:r>
+            <a:r>
+              <a:rPr lang="zh-CN" altLang="en-US" sz="2400" b="1" dirty="0" smtClean="0">
+                <a:solidFill>
+                  <a:schemeClr val="tx1">
+                    <a:lumMod val="75000"/>
+                    <a:lumOff val="25000"/>
+                  </a:schemeClr>
+                </a:solidFill>
+                <a:latin typeface="微软雅黑" pitchFamily="34" charset="-122"/>
+                <a:ea typeface="微软雅黑" pitchFamily="34" charset="-122"/>
+              </a:rPr>
+              <a:t>动画插值</a:t>
+            </a:r>
+            <a:r>
+              <a:rPr lang="en-US" altLang="zh-CN" sz="2400" b="1" dirty="0" smtClean="0">
+                <a:solidFill>
+                  <a:schemeClr val="tx1">
+                    <a:lumMod val="75000"/>
+                    <a:lumOff val="25000"/>
+                  </a:schemeClr>
+                </a:solidFill>
+                <a:latin typeface="微软雅黑" pitchFamily="34" charset="-122"/>
+                <a:ea typeface="微软雅黑" pitchFamily="34" charset="-122"/>
+              </a:rPr>
+              <a:t> </a:t>
+            </a:r>
+          </a:p>
+        </p:txBody>
+      </p:sp>
+    </p:spTree>
+    <p:extLst>
+      <p:ext uri="{BB962C8B-B14F-4D97-AF65-F5344CB8AC3E}">
+        <p14:creationId xmlns:p14="http://schemas.microsoft.com/office/powerpoint/2010/main" val="1161135762"/>
+      </p:ext>
+    </p:extLst>
+  </p:cSld>
+  <p:clrMapOvr>
+    <a:masterClrMapping/>
+  </p:clrMapOvr>
+  <p:timing>
+    <p:tnLst>
+      <p:par>
+        <p:cTn id="1" dur="indefinite" restart="never" nodeType="tmRoot"/>
+      </p:par>
+    </p:tnLst>
+  </p:timing>
+</p:sld>
+</file>
+
+<file path=ppt/slides/slide19.xml><?xml version="1.0" encoding="utf-8"?>
+<p:sld xmlns:a="http://schemas.openxmlformats.org/drawingml/2006/main" xmlns:r="http://schemas.openxmlformats.org/officeDocument/2006/relationships" xmlns:p="http://schemas.openxmlformats.org/presentationml/2006/main">
+  <p:cSld>
+    <p:spTree>
+      <p:nvGrpSpPr>
+        <p:cNvPr id="1" name=""/>
+        <p:cNvGrpSpPr/>
+        <p:nvPr/>
+      </p:nvGrpSpPr>
+      <p:grpSpPr>
+        <a:xfrm>
+          <a:off x="0" y="0"/>
+          <a:ext cx="0" cy="0"/>
+          <a:chOff x="0" y="0"/>
+          <a:chExt cx="0" cy="0"/>
+        </a:xfrm>
+      </p:grpSpPr>
+      <p:sp>
+        <p:nvSpPr>
+          <p:cNvPr id="4" name="TextBox 3"/>
+          <p:cNvSpPr txBox="1"/>
+          <p:nvPr/>
+        </p:nvSpPr>
+        <p:spPr>
+          <a:xfrm>
+            <a:off x="684000" y="260648"/>
+            <a:ext cx="7776000" cy="523220"/>
+          </a:xfrm>
+          <a:prstGeom prst="rect">
+            <a:avLst/>
+          </a:prstGeom>
+          <a:noFill/>
+        </p:spPr>
+        <p:txBody>
+          <a:bodyPr wrap="square" rtlCol="0">
+            <a:spAutoFit/>
+          </a:bodyPr>
+          <a:lstStyle/>
+          <a:p>
+            <a:r>
+              <a:rPr lang="en-US" altLang="zh-CN" sz="2800" b="1" dirty="0" smtClean="0">
+                <a:solidFill>
+                  <a:schemeClr val="tx1">
+                    <a:lumMod val="75000"/>
+                    <a:lumOff val="25000"/>
+                  </a:schemeClr>
+                </a:solidFill>
+                <a:latin typeface="微软雅黑" pitchFamily="34" charset="-122"/>
+                <a:ea typeface="微软雅黑" pitchFamily="34" charset="-122"/>
+              </a:rPr>
+              <a:t>5.</a:t>
+            </a:r>
+            <a:r>
+              <a:rPr lang="zh-CN" altLang="en-US" sz="2800" b="1" dirty="0">
+                <a:solidFill>
+                  <a:schemeClr val="tx1">
+                    <a:lumMod val="75000"/>
+                    <a:lumOff val="25000"/>
+                  </a:schemeClr>
+                </a:solidFill>
+                <a:latin typeface="微软雅黑" pitchFamily="34" charset="-122"/>
+                <a:ea typeface="微软雅黑" pitchFamily="34" charset="-122"/>
+              </a:rPr>
+              <a:t>动画</a:t>
+            </a:r>
+            <a:r>
+              <a:rPr lang="zh-CN" altLang="en-US" sz="2800" b="1" dirty="0" smtClean="0">
+                <a:solidFill>
+                  <a:schemeClr val="tx1">
+                    <a:lumMod val="75000"/>
+                    <a:lumOff val="25000"/>
+                  </a:schemeClr>
+                </a:solidFill>
+                <a:latin typeface="微软雅黑" pitchFamily="34" charset="-122"/>
+                <a:ea typeface="微软雅黑" pitchFamily="34" charset="-122"/>
+              </a:rPr>
+              <a:t>的控制 </a:t>
+            </a:r>
+            <a:endParaRPr lang="zh-CN" altLang="en-US" sz="2800" b="1" dirty="0">
+              <a:solidFill>
+                <a:schemeClr val="tx1">
+                  <a:lumMod val="75000"/>
+                  <a:lumOff val="25000"/>
+                </a:schemeClr>
+              </a:solidFill>
+              <a:latin typeface="微软雅黑" pitchFamily="34" charset="-122"/>
+              <a:ea typeface="微软雅黑" pitchFamily="34" charset="-122"/>
+            </a:endParaRPr>
+          </a:p>
+        </p:txBody>
+      </p:sp>
+    </p:spTree>
+    <p:extLst>
+      <p:ext uri="{BB962C8B-B14F-4D97-AF65-F5344CB8AC3E}">
+        <p14:creationId xmlns:p14="http://schemas.microsoft.com/office/powerpoint/2010/main" val="4092007957"/>
+      </p:ext>
+    </p:extLst>
+  </p:cSld>
+  <p:clrMapOvr>
+    <a:masterClrMapping/>
+  </p:clrMapOvr>
+  <p:timing>
+    <p:tnLst>
+      <p:par>
+        <p:cTn id="1" dur="indefinite" restart="never" nodeType="tmRoot"/>
+      </p:par>
+    </p:tnLst>
+  </p:timing>
+</p:sld>
+</file>
+
+<file path=ppt/slides/slide2.xml><?xml version="1.0" encoding="utf-8"?>
+<p:sld xmlns:a="http://schemas.openxmlformats.org/drawingml/2006/main" xmlns:r="http://schemas.openxmlformats.org/officeDocument/2006/relationships" xmlns:p="http://schemas.openxmlformats.org/presentationml/2006/main">
+  <p:cSld>
+    <p:spTree>
+      <p:nvGrpSpPr>
+        <p:cNvPr id="1" name=""/>
+        <p:cNvGrpSpPr/>
+        <p:nvPr/>
+      </p:nvGrpSpPr>
+      <p:grpSpPr>
+        <a:xfrm>
+          <a:off x="0" y="0"/>
+          <a:ext cx="0" cy="0"/>
+          <a:chOff x="0" y="0"/>
+          <a:chExt cx="0" cy="0"/>
+        </a:xfrm>
+      </p:grpSpPr>
+      <p:sp>
+        <p:nvSpPr>
+          <p:cNvPr id="4" name="TextBox 3"/>
+          <p:cNvSpPr txBox="1"/>
+          <p:nvPr/>
+        </p:nvSpPr>
+        <p:spPr>
+          <a:xfrm>
+            <a:off x="684000" y="453173"/>
+            <a:ext cx="7776000" cy="523220"/>
+          </a:xfrm>
+          <a:prstGeom prst="rect">
+            <a:avLst/>
+          </a:prstGeom>
+          <a:noFill/>
+        </p:spPr>
+        <p:txBody>
+          <a:bodyPr wrap="square" rtlCol="0">
+            <a:spAutoFit/>
+          </a:bodyPr>
+          <a:lstStyle/>
+          <a:p>
+            <a:r>
+              <a:rPr lang="en-US" altLang="zh-CN" sz="2800" b="1" dirty="0" smtClean="0">
+                <a:solidFill>
+                  <a:schemeClr val="tx1">
+                    <a:lumMod val="75000"/>
+                    <a:lumOff val="25000"/>
+                  </a:schemeClr>
+                </a:solidFill>
+                <a:latin typeface="微软雅黑" pitchFamily="34" charset="-122"/>
+                <a:ea typeface="微软雅黑" pitchFamily="34" charset="-122"/>
+              </a:rPr>
+              <a:t>1.</a:t>
+            </a:r>
+            <a:r>
+              <a:rPr lang="zh-CN" altLang="en-US" sz="2800" b="1" dirty="0">
+                <a:solidFill>
+                  <a:schemeClr val="tx1">
+                    <a:lumMod val="75000"/>
+                    <a:lumOff val="25000"/>
+                  </a:schemeClr>
+                </a:solidFill>
+                <a:latin typeface="微软雅黑" pitchFamily="34" charset="-122"/>
+                <a:ea typeface="微软雅黑" pitchFamily="34" charset="-122"/>
+              </a:rPr>
+              <a:t>目标</a:t>
+            </a:r>
+            <a:r>
+              <a:rPr lang="en-US" altLang="zh-CN" sz="2800" b="1" dirty="0" smtClean="0">
+                <a:solidFill>
+                  <a:schemeClr val="tx1">
+                    <a:lumMod val="75000"/>
+                    <a:lumOff val="25000"/>
+                  </a:schemeClr>
+                </a:solidFill>
+                <a:latin typeface="微软雅黑" pitchFamily="34" charset="-122"/>
+                <a:ea typeface="微软雅黑" pitchFamily="34" charset="-122"/>
+              </a:rPr>
+              <a:t>——</a:t>
+            </a:r>
+            <a:r>
+              <a:rPr lang="zh-CN" altLang="en-US" sz="2800" b="1" dirty="0" smtClean="0">
+                <a:solidFill>
+                  <a:schemeClr val="tx1">
+                    <a:lumMod val="75000"/>
+                    <a:lumOff val="25000"/>
+                  </a:schemeClr>
+                </a:solidFill>
+                <a:latin typeface="微软雅黑" pitchFamily="34" charset="-122"/>
+                <a:ea typeface="微软雅黑" pitchFamily="34" charset="-122"/>
+              </a:rPr>
+              <a:t>文字爆炸（难度：</a:t>
+            </a:r>
+            <a:r>
+              <a:rPr lang="en-US" altLang="zh-CN" sz="2800" b="1" dirty="0">
+                <a:solidFill>
+                  <a:schemeClr val="tx1">
+                    <a:lumMod val="75000"/>
+                    <a:lumOff val="25000"/>
+                  </a:schemeClr>
+                </a:solidFill>
+                <a:latin typeface="微软雅黑" pitchFamily="34" charset="-122"/>
+                <a:ea typeface="微软雅黑" pitchFamily="34" charset="-122"/>
+              </a:rPr>
+              <a:t>4</a:t>
+            </a:r>
+            <a:r>
+              <a:rPr lang="en-US" altLang="zh-CN" sz="2800" b="1" dirty="0" smtClean="0">
+                <a:solidFill>
+                  <a:schemeClr val="tx1">
+                    <a:lumMod val="75000"/>
+                    <a:lumOff val="25000"/>
+                  </a:schemeClr>
+                </a:solidFill>
+                <a:latin typeface="微软雅黑" pitchFamily="34" charset="-122"/>
+                <a:ea typeface="微软雅黑" pitchFamily="34" charset="-122"/>
+              </a:rPr>
+              <a:t>.0</a:t>
+            </a:r>
+            <a:r>
+              <a:rPr lang="zh-CN" altLang="en-US" sz="2800" b="1" dirty="0" smtClean="0">
+                <a:solidFill>
+                  <a:schemeClr val="tx1">
+                    <a:lumMod val="75000"/>
+                    <a:lumOff val="25000"/>
+                  </a:schemeClr>
+                </a:solidFill>
+                <a:latin typeface="微软雅黑" pitchFamily="34" charset="-122"/>
+                <a:ea typeface="微软雅黑" pitchFamily="34" charset="-122"/>
+              </a:rPr>
+              <a:t>）</a:t>
+            </a:r>
+            <a:endParaRPr lang="zh-CN" altLang="en-US" sz="2800" b="1" dirty="0">
+              <a:solidFill>
+                <a:schemeClr val="tx1">
+                  <a:lumMod val="75000"/>
+                  <a:lumOff val="25000"/>
+                </a:schemeClr>
+              </a:solidFill>
+              <a:latin typeface="微软雅黑" pitchFamily="34" charset="-122"/>
+              <a:ea typeface="微软雅黑" pitchFamily="34" charset="-122"/>
+            </a:endParaRPr>
+          </a:p>
+        </p:txBody>
+      </p:sp>
+      <p:sp>
+        <p:nvSpPr>
+          <p:cNvPr id="2" name="TextBox 1"/>
+          <p:cNvSpPr txBox="1"/>
+          <p:nvPr/>
+        </p:nvSpPr>
+        <p:spPr>
+          <a:xfrm>
+            <a:off x="684000" y="1134480"/>
+            <a:ext cx="7776000" cy="1754326"/>
+          </a:xfrm>
+          <a:prstGeom prst="rect">
+            <a:avLst/>
+          </a:prstGeom>
+          <a:noFill/>
+        </p:spPr>
+        <p:txBody>
+          <a:bodyPr wrap="square" rtlCol="0">
+            <a:spAutoFit/>
+          </a:bodyPr>
+          <a:lstStyle/>
+          <a:p>
+            <a:pPr>
+              <a:lnSpc>
+                <a:spcPct val="150000"/>
+              </a:lnSpc>
+            </a:pPr>
+            <a:r>
+              <a:rPr lang="zh-CN" altLang="en-US" sz="2400" dirty="0" smtClean="0">
+                <a:solidFill>
+                  <a:schemeClr val="tx1">
+                    <a:lumMod val="75000"/>
+                    <a:lumOff val="25000"/>
+                  </a:schemeClr>
+                </a:solidFill>
+                <a:latin typeface="微软雅黑" pitchFamily="34" charset="-122"/>
+                <a:ea typeface="微软雅黑" pitchFamily="34" charset="-122"/>
+              </a:rPr>
+              <a:t>本期我们的目标是使用制作文字逐个炸裂成碎片，然后再从碎片还原成文字的动画！碎片会随机乱飞，旋转，变成透明，然后再还原</a:t>
+            </a:r>
+            <a:r>
+              <a:rPr lang="en-US" altLang="zh-CN" sz="2400" dirty="0" smtClean="0">
+                <a:solidFill>
+                  <a:schemeClr val="tx1">
+                    <a:lumMod val="75000"/>
+                    <a:lumOff val="25000"/>
+                  </a:schemeClr>
+                </a:solidFill>
+                <a:latin typeface="微软雅黑" pitchFamily="34" charset="-122"/>
+                <a:ea typeface="微软雅黑" pitchFamily="34" charset="-122"/>
+              </a:rPr>
+              <a:t>.</a:t>
+            </a:r>
+          </a:p>
+        </p:txBody>
+      </p:sp>
+      <p:pic>
+        <p:nvPicPr>
+          <p:cNvPr id="5" name="图片 4" descr="屏幕剪辑"/>
+          <p:cNvPicPr>
+            <a:picLocks noChangeAspect="1"/>
+          </p:cNvPicPr>
+          <p:nvPr/>
+        </p:nvPicPr>
+        <p:blipFill>
+          <a:blip r:embed="rId2">
+            <a:extLst>
+              <a:ext uri="{28A0092B-C50C-407E-A947-70E740481C1C}">
+                <a14:useLocalDpi xmlns:a14="http://schemas.microsoft.com/office/drawing/2010/main" val="0"/>
+              </a:ext>
+            </a:extLst>
+          </a:blip>
+          <a:stretch>
+            <a:fillRect/>
+          </a:stretch>
+        </p:blipFill>
+        <p:spPr>
+          <a:xfrm>
+            <a:off x="1764000" y="3068960"/>
+            <a:ext cx="5616000" cy="2219424"/>
           </a:xfrm>
           <a:prstGeom prst="rect">
             <a:avLst/>
@@ -4963,6 +6780,520 @@
 </p:sld>
 </file>
 
+<file path=ppt/slides/slide20.xml><?xml version="1.0" encoding="utf-8"?>
+<p:sld xmlns:a="http://schemas.openxmlformats.org/drawingml/2006/main" xmlns:r="http://schemas.openxmlformats.org/officeDocument/2006/relationships" xmlns:p="http://schemas.openxmlformats.org/presentationml/2006/main">
+  <p:cSld>
+    <p:spTree>
+      <p:nvGrpSpPr>
+        <p:cNvPr id="1" name=""/>
+        <p:cNvGrpSpPr/>
+        <p:nvPr/>
+      </p:nvGrpSpPr>
+      <p:grpSpPr>
+        <a:xfrm>
+          <a:off x="0" y="0"/>
+          <a:ext cx="0" cy="0"/>
+          <a:chOff x="0" y="0"/>
+          <a:chExt cx="0" cy="0"/>
+        </a:xfrm>
+      </p:grpSpPr>
+      <p:sp>
+        <p:nvSpPr>
+          <p:cNvPr id="4" name="TextBox 3"/>
+          <p:cNvSpPr txBox="1"/>
+          <p:nvPr/>
+        </p:nvSpPr>
+        <p:spPr>
+          <a:xfrm>
+            <a:off x="467544" y="476672"/>
+            <a:ext cx="7776864" cy="523220"/>
+          </a:xfrm>
+          <a:prstGeom prst="rect">
+            <a:avLst/>
+          </a:prstGeom>
+          <a:noFill/>
+        </p:spPr>
+        <p:txBody>
+          <a:bodyPr wrap="square" rtlCol="0">
+            <a:spAutoFit/>
+          </a:bodyPr>
+          <a:lstStyle/>
+          <a:p>
+            <a:r>
+              <a:rPr lang="en-US" altLang="zh-CN" sz="2800" b="1" dirty="0">
+                <a:solidFill>
+                  <a:schemeClr val="tx1">
+                    <a:lumMod val="75000"/>
+                    <a:lumOff val="25000"/>
+                  </a:schemeClr>
+                </a:solidFill>
+                <a:latin typeface="微软雅黑" pitchFamily="34" charset="-122"/>
+                <a:ea typeface="微软雅黑" pitchFamily="34" charset="-122"/>
+              </a:rPr>
+              <a:t>7</a:t>
+            </a:r>
+            <a:r>
+              <a:rPr lang="en-US" altLang="zh-CN" sz="2800" b="1" dirty="0" smtClean="0">
+                <a:solidFill>
+                  <a:schemeClr val="tx1">
+                    <a:lumMod val="75000"/>
+                    <a:lumOff val="25000"/>
+                  </a:schemeClr>
+                </a:solidFill>
+                <a:latin typeface="微软雅黑" pitchFamily="34" charset="-122"/>
+                <a:ea typeface="微软雅黑" pitchFamily="34" charset="-122"/>
+              </a:rPr>
+              <a:t>.</a:t>
+            </a:r>
+            <a:r>
+              <a:rPr lang="zh-CN" altLang="en-US" sz="2800" b="1" dirty="0" smtClean="0">
+                <a:solidFill>
+                  <a:schemeClr val="tx1">
+                    <a:lumMod val="75000"/>
+                    <a:lumOff val="25000"/>
+                  </a:schemeClr>
+                </a:solidFill>
+                <a:latin typeface="微软雅黑" pitchFamily="34" charset="-122"/>
+                <a:ea typeface="微软雅黑" pitchFamily="34" charset="-122"/>
+              </a:rPr>
+              <a:t>更多思考</a:t>
+            </a:r>
+            <a:endParaRPr lang="zh-CN" altLang="en-US" sz="2800" b="1" dirty="0">
+              <a:solidFill>
+                <a:schemeClr val="tx1">
+                  <a:lumMod val="75000"/>
+                  <a:lumOff val="25000"/>
+                </a:schemeClr>
+              </a:solidFill>
+              <a:latin typeface="微软雅黑" pitchFamily="34" charset="-122"/>
+              <a:ea typeface="微软雅黑" pitchFamily="34" charset="-122"/>
+            </a:endParaRPr>
+          </a:p>
+        </p:txBody>
+      </p:sp>
+      <p:sp>
+        <p:nvSpPr>
+          <p:cNvPr id="9" name="TextBox 8"/>
+          <p:cNvSpPr txBox="1"/>
+          <p:nvPr/>
+        </p:nvSpPr>
+        <p:spPr>
+          <a:xfrm>
+            <a:off x="611560" y="3628181"/>
+            <a:ext cx="7776864" cy="1384995"/>
+          </a:xfrm>
+          <a:prstGeom prst="rect">
+            <a:avLst/>
+          </a:prstGeom>
+          <a:noFill/>
+        </p:spPr>
+        <p:txBody>
+          <a:bodyPr wrap="square" rtlCol="0">
+            <a:spAutoFit/>
+          </a:bodyPr>
+          <a:lstStyle/>
+          <a:p>
+            <a:r>
+              <a:rPr lang="en-US" altLang="zh-CN" sz="2800" b="1" dirty="0" smtClean="0">
+                <a:solidFill>
+                  <a:schemeClr val="tx1">
+                    <a:lumMod val="75000"/>
+                    <a:lumOff val="25000"/>
+                  </a:schemeClr>
+                </a:solidFill>
+                <a:latin typeface="微软雅黑" pitchFamily="34" charset="-122"/>
+                <a:ea typeface="微软雅黑" pitchFamily="34" charset="-122"/>
+              </a:rPr>
+              <a:t>	</a:t>
+            </a:r>
+            <a:r>
+              <a:rPr lang="zh-CN" altLang="en-US" sz="2800" b="1" dirty="0" smtClean="0">
+                <a:solidFill>
+                  <a:schemeClr val="tx1">
+                    <a:lumMod val="75000"/>
+                    <a:lumOff val="25000"/>
+                  </a:schemeClr>
+                </a:solidFill>
+                <a:latin typeface="微软雅黑" pitchFamily="34" charset="-122"/>
+                <a:ea typeface="微软雅黑" pitchFamily="34" charset="-122"/>
+              </a:rPr>
+              <a:t>本期内容就讲到这里，谢谢大家！</a:t>
+            </a:r>
+            <a:endParaRPr lang="en-US" altLang="zh-CN" sz="2800" b="1" dirty="0" smtClean="0">
+              <a:solidFill>
+                <a:schemeClr val="tx1">
+                  <a:lumMod val="75000"/>
+                  <a:lumOff val="25000"/>
+                </a:schemeClr>
+              </a:solidFill>
+              <a:latin typeface="微软雅黑" pitchFamily="34" charset="-122"/>
+              <a:ea typeface="微软雅黑" pitchFamily="34" charset="-122"/>
+            </a:endParaRPr>
+          </a:p>
+          <a:p>
+            <a:endParaRPr lang="en-US" altLang="zh-CN" sz="2800" b="1" dirty="0" smtClean="0">
+              <a:solidFill>
+                <a:schemeClr val="tx1">
+                  <a:lumMod val="75000"/>
+                  <a:lumOff val="25000"/>
+                </a:schemeClr>
+              </a:solidFill>
+              <a:latin typeface="微软雅黑" pitchFamily="34" charset="-122"/>
+              <a:ea typeface="微软雅黑" pitchFamily="34" charset="-122"/>
+            </a:endParaRPr>
+          </a:p>
+          <a:p>
+            <a:r>
+              <a:rPr lang="en-US" altLang="zh-CN" sz="2800" b="1" dirty="0">
+                <a:solidFill>
+                  <a:schemeClr val="tx1">
+                    <a:lumMod val="75000"/>
+                    <a:lumOff val="25000"/>
+                  </a:schemeClr>
+                </a:solidFill>
+                <a:latin typeface="微软雅黑" pitchFamily="34" charset="-122"/>
+                <a:ea typeface="微软雅黑" pitchFamily="34" charset="-122"/>
+              </a:rPr>
+              <a:t>	</a:t>
+            </a:r>
+            <a:r>
+              <a:rPr lang="en-US" altLang="zh-CN" sz="2800" b="1" dirty="0" smtClean="0">
+                <a:solidFill>
+                  <a:schemeClr val="tx1">
+                    <a:lumMod val="75000"/>
+                    <a:lumOff val="25000"/>
+                  </a:schemeClr>
+                </a:solidFill>
+                <a:latin typeface="微软雅黑" pitchFamily="34" charset="-122"/>
+                <a:ea typeface="微软雅黑" pitchFamily="34" charset="-122"/>
+              </a:rPr>
+              <a:t>	</a:t>
+            </a:r>
+            <a:endParaRPr lang="zh-CN" altLang="en-US" sz="2800" b="1" dirty="0">
+              <a:solidFill>
+                <a:schemeClr val="tx1">
+                  <a:lumMod val="75000"/>
+                  <a:lumOff val="25000"/>
+                </a:schemeClr>
+              </a:solidFill>
+              <a:latin typeface="微软雅黑" pitchFamily="34" charset="-122"/>
+              <a:ea typeface="微软雅黑" pitchFamily="34" charset="-122"/>
+            </a:endParaRPr>
+          </a:p>
+        </p:txBody>
+      </p:sp>
+      <p:sp>
+        <p:nvSpPr>
+          <p:cNvPr id="5" name="TextBox 4"/>
+          <p:cNvSpPr txBox="1"/>
+          <p:nvPr/>
+        </p:nvSpPr>
+        <p:spPr>
+          <a:xfrm>
+            <a:off x="467544" y="1268760"/>
+            <a:ext cx="7632848" cy="1754326"/>
+          </a:xfrm>
+          <a:prstGeom prst="rect">
+            <a:avLst/>
+          </a:prstGeom>
+          <a:noFill/>
+        </p:spPr>
+        <p:txBody>
+          <a:bodyPr wrap="square" rtlCol="0">
+            <a:spAutoFit/>
+          </a:bodyPr>
+          <a:lstStyle/>
+          <a:p>
+            <a:pPr marL="342900" indent="-342900">
+              <a:lnSpc>
+                <a:spcPct val="150000"/>
+              </a:lnSpc>
+              <a:buFont typeface="Arial" pitchFamily="34" charset="0"/>
+              <a:buChar char="•"/>
+            </a:pPr>
+            <a:r>
+              <a:rPr lang="zh-CN" altLang="en-US" sz="2400" dirty="0" smtClean="0">
+                <a:solidFill>
+                  <a:schemeClr val="tx1">
+                    <a:lumMod val="75000"/>
+                    <a:lumOff val="25000"/>
+                  </a:schemeClr>
+                </a:solidFill>
+                <a:latin typeface="微软雅黑" pitchFamily="34" charset="-122"/>
+                <a:ea typeface="微软雅黑" pitchFamily="34" charset="-122"/>
+              </a:rPr>
+              <a:t>如何在爆炸过程中，实现非线性插值呢？</a:t>
+            </a:r>
+            <a:endParaRPr lang="en-US" altLang="zh-CN" sz="2400" dirty="0" smtClean="0">
+              <a:solidFill>
+                <a:schemeClr val="tx1">
+                  <a:lumMod val="75000"/>
+                  <a:lumOff val="25000"/>
+                </a:schemeClr>
+              </a:solidFill>
+              <a:latin typeface="微软雅黑" pitchFamily="34" charset="-122"/>
+              <a:ea typeface="微软雅黑" pitchFamily="34" charset="-122"/>
+            </a:endParaRPr>
+          </a:p>
+          <a:p>
+            <a:pPr marL="342900" indent="-342900">
+              <a:lnSpc>
+                <a:spcPct val="150000"/>
+              </a:lnSpc>
+              <a:buFont typeface="Arial" pitchFamily="34" charset="0"/>
+              <a:buChar char="•"/>
+            </a:pPr>
+            <a:r>
+              <a:rPr lang="zh-CN" altLang="en-US" sz="2400" dirty="0" smtClean="0">
+                <a:solidFill>
+                  <a:schemeClr val="tx1">
+                    <a:lumMod val="75000"/>
+                    <a:lumOff val="25000"/>
+                  </a:schemeClr>
+                </a:solidFill>
+                <a:latin typeface="微软雅黑" pitchFamily="34" charset="-122"/>
+                <a:ea typeface="微软雅黑" pitchFamily="34" charset="-122"/>
+              </a:rPr>
+              <a:t>爆炸过程中，能否先制作一个碎片爆裂的动画，也就是碎片边缘的描边先变色，然后再突然炸开的效果呢？</a:t>
+            </a:r>
+            <a:endParaRPr lang="en-US" altLang="zh-CN" sz="2400" dirty="0" smtClean="0">
+              <a:solidFill>
+                <a:schemeClr val="tx1">
+                  <a:lumMod val="75000"/>
+                  <a:lumOff val="25000"/>
+                </a:schemeClr>
+              </a:solidFill>
+              <a:latin typeface="微软雅黑" pitchFamily="34" charset="-122"/>
+              <a:ea typeface="微软雅黑" pitchFamily="34" charset="-122"/>
+            </a:endParaRPr>
+          </a:p>
+        </p:txBody>
+      </p:sp>
+    </p:spTree>
+    <p:extLst>
+      <p:ext uri="{BB962C8B-B14F-4D97-AF65-F5344CB8AC3E}">
+        <p14:creationId xmlns:p14="http://schemas.microsoft.com/office/powerpoint/2010/main" val="2328121375"/>
+      </p:ext>
+    </p:extLst>
+  </p:cSld>
+  <p:clrMapOvr>
+    <a:masterClrMapping/>
+  </p:clrMapOvr>
+</p:sld>
+</file>
+
+<file path=ppt/slides/slide21.xml><?xml version="1.0" encoding="utf-8"?>
+<p:sld xmlns:a="http://schemas.openxmlformats.org/drawingml/2006/main" xmlns:r="http://schemas.openxmlformats.org/officeDocument/2006/relationships" xmlns:p="http://schemas.openxmlformats.org/presentationml/2006/main">
+  <p:cSld>
+    <p:spTree>
+      <p:nvGrpSpPr>
+        <p:cNvPr id="1" name=""/>
+        <p:cNvGrpSpPr/>
+        <p:nvPr/>
+      </p:nvGrpSpPr>
+      <p:grpSpPr>
+        <a:xfrm>
+          <a:off x="0" y="0"/>
+          <a:ext cx="0" cy="0"/>
+          <a:chOff x="0" y="0"/>
+          <a:chExt cx="0" cy="0"/>
+        </a:xfrm>
+      </p:grpSpPr>
+      <p:sp>
+        <p:nvSpPr>
+          <p:cNvPr id="3" name="圆角矩形标注 2"/>
+          <p:cNvSpPr/>
+          <p:nvPr/>
+        </p:nvSpPr>
+        <p:spPr>
+          <a:xfrm>
+            <a:off x="3635896" y="1844824"/>
+            <a:ext cx="2232248" cy="432048"/>
+          </a:xfrm>
+          <a:prstGeom prst="wedgeRoundRectCallout">
+            <a:avLst>
+              <a:gd name="adj1" fmla="val -22108"/>
+              <a:gd name="adj2" fmla="val -92973"/>
+              <a:gd name="adj3" fmla="val 16667"/>
+            </a:avLst>
+          </a:prstGeom>
+        </p:spPr>
+        <p:style>
+          <a:lnRef idx="2">
+            <a:schemeClr val="accent5"/>
+          </a:lnRef>
+          <a:fillRef idx="1">
+            <a:schemeClr val="lt1"/>
+          </a:fillRef>
+          <a:effectRef idx="0">
+            <a:schemeClr val="accent5"/>
+          </a:effectRef>
+          <a:fontRef idx="minor">
+            <a:schemeClr val="dk1"/>
+          </a:fontRef>
+        </p:style>
+        <p:txBody>
+          <a:bodyPr rtlCol="0" anchor="ctr"/>
+          <a:lstStyle/>
+          <a:p>
+            <a:pPr>
+              <a:lnSpc>
+                <a:spcPct val="150000"/>
+              </a:lnSpc>
+            </a:pPr>
+            <a:r>
+              <a:rPr lang="zh-CN" altLang="en-US" sz="2000" dirty="0" smtClean="0">
+                <a:solidFill>
+                  <a:schemeClr val="tx1">
+                    <a:lumMod val="75000"/>
+                    <a:lumOff val="25000"/>
+                  </a:schemeClr>
+                </a:solidFill>
+                <a:latin typeface="微软雅黑" pitchFamily="34" charset="-122"/>
+                <a:ea typeface="微软雅黑" pitchFamily="34" charset="-122"/>
+              </a:rPr>
+              <a:t>未缩放时的位置</a:t>
+            </a:r>
+            <a:endParaRPr lang="en-US" altLang="zh-CN" sz="2000" dirty="0">
+              <a:solidFill>
+                <a:schemeClr val="tx1">
+                  <a:lumMod val="75000"/>
+                  <a:lumOff val="25000"/>
+                </a:schemeClr>
+              </a:solidFill>
+              <a:latin typeface="微软雅黑" pitchFamily="34" charset="-122"/>
+              <a:ea typeface="微软雅黑" pitchFamily="34" charset="-122"/>
+            </a:endParaRPr>
+          </a:p>
+        </p:txBody>
+      </p:sp>
+      <p:sp>
+        <p:nvSpPr>
+          <p:cNvPr id="7" name="圆角矩形标注 6"/>
+          <p:cNvSpPr/>
+          <p:nvPr/>
+        </p:nvSpPr>
+        <p:spPr>
+          <a:xfrm>
+            <a:off x="6660232" y="4437112"/>
+            <a:ext cx="1357846" cy="868937"/>
+          </a:xfrm>
+          <a:prstGeom prst="wedgeRoundRectCallout">
+            <a:avLst>
+              <a:gd name="adj1" fmla="val -67421"/>
+              <a:gd name="adj2" fmla="val 24520"/>
+              <a:gd name="adj3" fmla="val 16667"/>
+            </a:avLst>
+          </a:prstGeom>
+        </p:spPr>
+        <p:style>
+          <a:lnRef idx="2">
+            <a:schemeClr val="accent5"/>
+          </a:lnRef>
+          <a:fillRef idx="1">
+            <a:schemeClr val="lt1"/>
+          </a:fillRef>
+          <a:effectRef idx="0">
+            <a:schemeClr val="accent5"/>
+          </a:effectRef>
+          <a:fontRef idx="minor">
+            <a:schemeClr val="dk1"/>
+          </a:fontRef>
+        </p:style>
+        <p:txBody>
+          <a:bodyPr rtlCol="0" anchor="ctr"/>
+          <a:lstStyle/>
+          <a:p>
+            <a:pPr>
+              <a:lnSpc>
+                <a:spcPct val="150000"/>
+              </a:lnSpc>
+            </a:pPr>
+            <a:r>
+              <a:rPr lang="zh-CN" altLang="en-US" sz="2000" dirty="0" smtClean="0">
+                <a:solidFill>
+                  <a:schemeClr val="tx1">
+                    <a:lumMod val="75000"/>
+                    <a:lumOff val="25000"/>
+                  </a:schemeClr>
+                </a:solidFill>
+                <a:latin typeface="微软雅黑" pitchFamily="34" charset="-122"/>
+                <a:ea typeface="微软雅黑" pitchFamily="34" charset="-122"/>
+              </a:rPr>
+              <a:t>放大两倍时的位置</a:t>
+            </a:r>
+            <a:endParaRPr lang="en-US" altLang="zh-CN" sz="2000" dirty="0">
+              <a:solidFill>
+                <a:schemeClr val="tx1">
+                  <a:lumMod val="75000"/>
+                  <a:lumOff val="25000"/>
+                </a:schemeClr>
+              </a:solidFill>
+              <a:latin typeface="微软雅黑" pitchFamily="34" charset="-122"/>
+              <a:ea typeface="微软雅黑" pitchFamily="34" charset="-122"/>
+            </a:endParaRPr>
+          </a:p>
+        </p:txBody>
+      </p:sp>
+      <p:sp>
+        <p:nvSpPr>
+          <p:cNvPr id="8" name="矩形 7"/>
+          <p:cNvSpPr/>
+          <p:nvPr/>
+        </p:nvSpPr>
+        <p:spPr>
+          <a:xfrm>
+            <a:off x="3603526" y="6234510"/>
+            <a:ext cx="2408633" cy="318332"/>
+          </a:xfrm>
+          <a:prstGeom prst="rect">
+            <a:avLst/>
+          </a:prstGeom>
+          <a:noFill/>
+          <a:ln w="38100">
+            <a:solidFill>
+              <a:srgbClr val="FFFF00"/>
+            </a:solidFill>
+          </a:ln>
+        </p:spPr>
+        <p:style>
+          <a:lnRef idx="2">
+            <a:schemeClr val="accent1">
+              <a:shade val="50000"/>
+            </a:schemeClr>
+          </a:lnRef>
+          <a:fillRef idx="1">
+            <a:schemeClr val="accent1"/>
+          </a:fillRef>
+          <a:effectRef idx="0">
+            <a:schemeClr val="accent1"/>
+          </a:effectRef>
+          <a:fontRef idx="minor">
+            <a:schemeClr val="lt1"/>
+          </a:fontRef>
+        </p:style>
+        <p:txBody>
+          <a:bodyPr rtlCol="0" anchor="ctr"/>
+          <a:lstStyle/>
+          <a:p>
+            <a:pPr algn="ctr"/>
+            <a:endParaRPr lang="zh-CN" altLang="en-US"/>
+          </a:p>
+        </p:txBody>
+      </p:sp>
+    </p:spTree>
+    <p:extLst>
+      <p:ext uri="{BB962C8B-B14F-4D97-AF65-F5344CB8AC3E}">
+        <p14:creationId xmlns:p14="http://schemas.microsoft.com/office/powerpoint/2010/main" val="926438638"/>
+      </p:ext>
+    </p:extLst>
+  </p:cSld>
+  <p:clrMapOvr>
+    <a:masterClrMapping/>
+  </p:clrMapOvr>
+</p:sld>
+</file>
+
 <file path=ppt/slides/slide3.xml><?xml version="1.0" encoding="utf-8"?>
 <p:sld xmlns:a="http://schemas.openxmlformats.org/drawingml/2006/main" xmlns:r="http://schemas.openxmlformats.org/officeDocument/2006/relationships" xmlns:p="http://schemas.openxmlformats.org/presentationml/2006/main">
   <p:cSld>
@@ -4980,644 +7311,88 @@
           <a:chExt cx="0" cy="0"/>
         </a:xfrm>
       </p:grpSpPr>
-      <p:sp>
-        <p:nvSpPr>
-          <p:cNvPr id="4" name="TextBox 3"/>
-          <p:cNvSpPr txBox="1"/>
+      <p:pic>
+        <p:nvPicPr>
+          <p:cNvPr id="3" name="图片 2" descr="屏幕剪辑"/>
+          <p:cNvPicPr>
+            <a:picLocks noChangeAspect="1"/>
+          </p:cNvPicPr>
           <p:nvPr/>
-        </p:nvSpPr>
+        </p:nvPicPr>
+        <p:blipFill>
+          <a:blip r:embed="rId2">
+            <a:extLst>
+              <a:ext uri="{28A0092B-C50C-407E-A947-70E740481C1C}">
+                <a14:useLocalDpi xmlns:a14="http://schemas.microsoft.com/office/drawing/2010/main" val="0"/>
+              </a:ext>
+            </a:extLst>
+          </a:blip>
+          <a:stretch>
+            <a:fillRect/>
+          </a:stretch>
+        </p:blipFill>
         <p:spPr>
           <a:xfrm>
-            <a:off x="684000" y="97468"/>
-            <a:ext cx="7776000" cy="523220"/>
+            <a:off x="1750434" y="272797"/>
+            <a:ext cx="5616624" cy="3228211"/>
           </a:xfrm>
           <a:prstGeom prst="rect">
             <a:avLst/>
           </a:prstGeom>
-          <a:noFill/>
+          <a:ln>
+            <a:noFill/>
+          </a:ln>
+          <a:effectLst>
+            <a:softEdge rad="112500"/>
+          </a:effectLst>
         </p:spPr>
-        <p:txBody>
-          <a:bodyPr wrap="square" rtlCol="0">
-            <a:spAutoFit/>
-          </a:bodyPr>
-          <a:lstStyle/>
-          <a:p>
-            <a:r>
-              <a:rPr lang="en-US" altLang="zh-CN" sz="2800" b="1" dirty="0" smtClean="0">
-                <a:solidFill>
-                  <a:schemeClr val="tx1">
-                    <a:lumMod val="75000"/>
-                    <a:lumOff val="25000"/>
-                  </a:schemeClr>
-                </a:solidFill>
-                <a:latin typeface="微软雅黑" pitchFamily="34" charset="-122"/>
-                <a:ea typeface="微软雅黑" pitchFamily="34" charset="-122"/>
-              </a:rPr>
-              <a:t>2.</a:t>
-            </a:r>
-            <a:r>
-              <a:rPr lang="zh-CN" altLang="en-US" sz="2800" b="1" dirty="0" smtClean="0">
-                <a:solidFill>
-                  <a:schemeClr val="tx1">
-                    <a:lumMod val="75000"/>
-                    <a:lumOff val="25000"/>
-                  </a:schemeClr>
-                </a:solidFill>
-                <a:latin typeface="微软雅黑" pitchFamily="34" charset="-122"/>
-                <a:ea typeface="微软雅黑" pitchFamily="34" charset="-122"/>
-              </a:rPr>
-              <a:t>分析需求</a:t>
-            </a:r>
-            <a:r>
-              <a:rPr lang="en-US" altLang="zh-CN" sz="2800" b="1" dirty="0" smtClean="0">
-                <a:solidFill>
-                  <a:schemeClr val="tx1">
-                    <a:lumMod val="75000"/>
-                    <a:lumOff val="25000"/>
-                  </a:schemeClr>
-                </a:solidFill>
-                <a:latin typeface="微软雅黑" pitchFamily="34" charset="-122"/>
-                <a:ea typeface="微软雅黑" pitchFamily="34" charset="-122"/>
-              </a:rPr>
-              <a:t>——</a:t>
-            </a:r>
-            <a:r>
-              <a:rPr lang="zh-CN" altLang="en-US" sz="2800" b="1" dirty="0" smtClean="0">
-                <a:solidFill>
-                  <a:schemeClr val="tx1">
-                    <a:lumMod val="75000"/>
-                    <a:lumOff val="25000"/>
-                  </a:schemeClr>
-                </a:solidFill>
-                <a:latin typeface="微软雅黑" pitchFamily="34" charset="-122"/>
-                <a:ea typeface="微软雅黑" pitchFamily="34" charset="-122"/>
-              </a:rPr>
-              <a:t>庖丁解牛</a:t>
-            </a:r>
-            <a:endParaRPr lang="zh-CN" altLang="en-US" sz="2800" b="1" dirty="0">
-              <a:solidFill>
-                <a:schemeClr val="tx1">
-                  <a:lumMod val="75000"/>
-                  <a:lumOff val="25000"/>
-                </a:schemeClr>
-              </a:solidFill>
-              <a:latin typeface="微软雅黑" pitchFamily="34" charset="-122"/>
-              <a:ea typeface="微软雅黑" pitchFamily="34" charset="-122"/>
-            </a:endParaRPr>
-          </a:p>
-        </p:txBody>
-      </p:sp>
-      <p:sp>
-        <p:nvSpPr>
-          <p:cNvPr id="5" name="TextBox 4"/>
-          <p:cNvSpPr txBox="1"/>
+      </p:pic>
+      <p:pic>
+        <p:nvPicPr>
+          <p:cNvPr id="4" name="图片 3" descr="屏幕剪辑"/>
+          <p:cNvPicPr>
+            <a:picLocks noChangeAspect="1"/>
+          </p:cNvPicPr>
           <p:nvPr/>
-        </p:nvSpPr>
+        </p:nvPicPr>
+        <p:blipFill>
+          <a:blip r:embed="rId3">
+            <a:extLst>
+              <a:ext uri="{28A0092B-C50C-407E-A947-70E740481C1C}">
+                <a14:useLocalDpi xmlns:a14="http://schemas.microsoft.com/office/drawing/2010/main" val="0"/>
+              </a:ext>
+            </a:extLst>
+          </a:blip>
+          <a:stretch>
+            <a:fillRect/>
+          </a:stretch>
+        </p:blipFill>
         <p:spPr>
           <a:xfrm>
-            <a:off x="684000" y="548680"/>
-            <a:ext cx="7776000" cy="6186309"/>
+            <a:off x="1750434" y="3573016"/>
+            <a:ext cx="5616000" cy="2741750"/>
           </a:xfrm>
           <a:prstGeom prst="rect">
             <a:avLst/>
           </a:prstGeom>
-          <a:noFill/>
+          <a:ln>
+            <a:noFill/>
+          </a:ln>
+          <a:effectLst>
+            <a:softEdge rad="112500"/>
+          </a:effectLst>
         </p:spPr>
-        <p:txBody>
-          <a:bodyPr wrap="square" rtlCol="0">
-            <a:spAutoFit/>
-          </a:bodyPr>
-          <a:lstStyle/>
-          <a:p>
-            <a:pPr marL="457200" indent="-457200">
-              <a:lnSpc>
-                <a:spcPct val="150000"/>
-              </a:lnSpc>
-              <a:buFont typeface="+mj-lt"/>
-              <a:buAutoNum type="arabicPeriod"/>
-            </a:pPr>
-            <a:r>
-              <a:rPr lang="zh-CN" altLang="en-US" sz="2400" dirty="0" smtClean="0">
-                <a:solidFill>
-                  <a:schemeClr val="tx1">
-                    <a:lumMod val="75000"/>
-                    <a:lumOff val="25000"/>
-                  </a:schemeClr>
-                </a:solidFill>
-                <a:latin typeface="微软雅黑" pitchFamily="34" charset="-122"/>
-                <a:ea typeface="微软雅黑" pitchFamily="34" charset="-122"/>
-              </a:rPr>
-              <a:t>首先是图片如何变成碎片的，其实是用</a:t>
-            </a:r>
-            <a:r>
-              <a:rPr lang="en-US" altLang="zh-CN" sz="2400" b="1" dirty="0" smtClean="0">
-                <a:solidFill>
-                  <a:schemeClr val="tx1">
-                    <a:lumMod val="75000"/>
-                    <a:lumOff val="25000"/>
-                  </a:schemeClr>
-                </a:solidFill>
-                <a:latin typeface="微软雅黑" pitchFamily="34" charset="-122"/>
-                <a:ea typeface="微软雅黑" pitchFamily="34" charset="-122"/>
-              </a:rPr>
-              <a:t>AI</a:t>
-            </a:r>
-            <a:r>
-              <a:rPr lang="zh-CN" altLang="en-US" sz="2400" b="1" dirty="0" smtClean="0">
-                <a:solidFill>
-                  <a:schemeClr val="tx1">
-                    <a:lumMod val="75000"/>
-                    <a:lumOff val="25000"/>
-                  </a:schemeClr>
-                </a:solidFill>
-                <a:latin typeface="微软雅黑" pitchFamily="34" charset="-122"/>
-                <a:ea typeface="微软雅黑" pitchFamily="34" charset="-122"/>
-              </a:rPr>
-              <a:t>将文本切割成碎片</a:t>
-            </a:r>
-            <a:r>
-              <a:rPr lang="zh-CN" altLang="en-US" sz="2400" dirty="0" smtClean="0">
-                <a:solidFill>
-                  <a:schemeClr val="tx1">
-                    <a:lumMod val="75000"/>
-                    <a:lumOff val="25000"/>
-                  </a:schemeClr>
-                </a:solidFill>
-                <a:latin typeface="微软雅黑" pitchFamily="34" charset="-122"/>
-                <a:ea typeface="微软雅黑" pitchFamily="34" charset="-122"/>
-              </a:rPr>
-              <a:t>，然后把</a:t>
-            </a:r>
-            <a:r>
-              <a:rPr lang="en-US" altLang="zh-CN" sz="2400" dirty="0" smtClean="0">
-                <a:solidFill>
-                  <a:schemeClr val="tx1">
-                    <a:lumMod val="75000"/>
-                    <a:lumOff val="25000"/>
-                  </a:schemeClr>
-                </a:solidFill>
-                <a:latin typeface="微软雅黑" pitchFamily="34" charset="-122"/>
-                <a:ea typeface="微软雅黑" pitchFamily="34" charset="-122"/>
-              </a:rPr>
-              <a:t>SVG</a:t>
-            </a:r>
-            <a:r>
-              <a:rPr lang="zh-CN" altLang="en-US" sz="2400" dirty="0" smtClean="0">
-                <a:solidFill>
-                  <a:schemeClr val="tx1">
-                    <a:lumMod val="75000"/>
-                    <a:lumOff val="25000"/>
-                  </a:schemeClr>
-                </a:solidFill>
-                <a:latin typeface="微软雅黑" pitchFamily="34" charset="-122"/>
-                <a:ea typeface="微软雅黑" pitchFamily="34" charset="-122"/>
-              </a:rPr>
-              <a:t>数据导入到</a:t>
-            </a:r>
-            <a:r>
-              <a:rPr lang="en-US" altLang="zh-CN" sz="2400" dirty="0" smtClean="0">
-                <a:solidFill>
-                  <a:schemeClr val="tx1">
-                    <a:lumMod val="75000"/>
-                    <a:lumOff val="25000"/>
-                  </a:schemeClr>
-                </a:solidFill>
-                <a:latin typeface="微软雅黑" pitchFamily="34" charset="-122"/>
-                <a:ea typeface="微软雅黑" pitchFamily="34" charset="-122"/>
-              </a:rPr>
-              <a:t>HTML</a:t>
-            </a:r>
-            <a:r>
-              <a:rPr lang="zh-CN" altLang="en-US" sz="2400" dirty="0" smtClean="0">
-                <a:solidFill>
-                  <a:schemeClr val="tx1">
-                    <a:lumMod val="75000"/>
-                    <a:lumOff val="25000"/>
-                  </a:schemeClr>
-                </a:solidFill>
-                <a:latin typeface="微软雅黑" pitchFamily="34" charset="-122"/>
-                <a:ea typeface="微软雅黑" pitchFamily="34" charset="-122"/>
-              </a:rPr>
-              <a:t>文件中使用</a:t>
-            </a:r>
-            <a:endParaRPr lang="en-US" altLang="zh-CN" sz="2400" dirty="0" smtClean="0">
-              <a:solidFill>
-                <a:schemeClr val="tx1">
-                  <a:lumMod val="75000"/>
-                  <a:lumOff val="25000"/>
-                </a:schemeClr>
-              </a:solidFill>
-              <a:latin typeface="微软雅黑" pitchFamily="34" charset="-122"/>
-              <a:ea typeface="微软雅黑" pitchFamily="34" charset="-122"/>
-            </a:endParaRPr>
-          </a:p>
-          <a:p>
-            <a:pPr marL="457200" indent="-457200">
-              <a:lnSpc>
-                <a:spcPct val="150000"/>
-              </a:lnSpc>
-              <a:buFont typeface="+mj-lt"/>
-              <a:buAutoNum type="arabicPeriod"/>
-            </a:pPr>
-            <a:r>
-              <a:rPr lang="zh-CN" altLang="en-US" sz="2400" dirty="0" smtClean="0">
-                <a:solidFill>
-                  <a:schemeClr val="tx1">
-                    <a:lumMod val="75000"/>
-                    <a:lumOff val="25000"/>
-                  </a:schemeClr>
-                </a:solidFill>
-                <a:latin typeface="微软雅黑" pitchFamily="34" charset="-122"/>
-                <a:ea typeface="微软雅黑" pitchFamily="34" charset="-122"/>
-              </a:rPr>
-              <a:t>碎片的爆炸过程，就是碎片向四处进行平移的过程，平移中碎片逐渐变成透明</a:t>
-            </a:r>
-            <a:endParaRPr lang="en-US" altLang="zh-CN" sz="2400" dirty="0" smtClean="0">
-              <a:solidFill>
-                <a:schemeClr val="tx1">
-                  <a:lumMod val="75000"/>
-                  <a:lumOff val="25000"/>
-                </a:schemeClr>
-              </a:solidFill>
-              <a:latin typeface="微软雅黑" pitchFamily="34" charset="-122"/>
-              <a:ea typeface="微软雅黑" pitchFamily="34" charset="-122"/>
-            </a:endParaRPr>
-          </a:p>
-          <a:p>
-            <a:pPr marL="457200" indent="-457200">
-              <a:lnSpc>
-                <a:spcPct val="150000"/>
-              </a:lnSpc>
-              <a:buFont typeface="+mj-lt"/>
-              <a:buAutoNum type="arabicPeriod"/>
-            </a:pPr>
-            <a:r>
-              <a:rPr lang="zh-CN" altLang="en-US" sz="2400" dirty="0" smtClean="0">
-                <a:solidFill>
-                  <a:schemeClr val="tx1">
-                    <a:lumMod val="75000"/>
-                    <a:lumOff val="25000"/>
-                  </a:schemeClr>
-                </a:solidFill>
-                <a:latin typeface="微软雅黑" pitchFamily="34" charset="-122"/>
-                <a:ea typeface="微软雅黑" pitchFamily="34" charset="-122"/>
-              </a:rPr>
-              <a:t>碎片的旋转和缩放是个严峻的问题，因为</a:t>
-            </a:r>
-            <a:r>
-              <a:rPr lang="en-US" altLang="zh-CN" sz="2400" dirty="0" smtClean="0">
-                <a:solidFill>
-                  <a:schemeClr val="tx1">
-                    <a:lumMod val="75000"/>
-                    <a:lumOff val="25000"/>
-                  </a:schemeClr>
-                </a:solidFill>
-                <a:latin typeface="微软雅黑" pitchFamily="34" charset="-122"/>
-                <a:ea typeface="微软雅黑" pitchFamily="34" charset="-122"/>
-              </a:rPr>
-              <a:t>SVG</a:t>
-            </a:r>
-            <a:r>
-              <a:rPr lang="zh-CN" altLang="en-US" sz="2400" dirty="0" smtClean="0">
-                <a:solidFill>
-                  <a:schemeClr val="tx1">
-                    <a:lumMod val="75000"/>
-                    <a:lumOff val="25000"/>
-                  </a:schemeClr>
-                </a:solidFill>
-                <a:latin typeface="微软雅黑" pitchFamily="34" charset="-122"/>
-                <a:ea typeface="微软雅黑" pitchFamily="34" charset="-122"/>
-              </a:rPr>
-              <a:t>的旋转缩放都是以</a:t>
-            </a:r>
-            <a:r>
-              <a:rPr lang="en-US" altLang="zh-CN" sz="2400" dirty="0" smtClean="0">
-                <a:solidFill>
-                  <a:schemeClr val="tx1">
-                    <a:lumMod val="75000"/>
-                    <a:lumOff val="25000"/>
-                  </a:schemeClr>
-                </a:solidFill>
-                <a:latin typeface="微软雅黑" pitchFamily="34" charset="-122"/>
-                <a:ea typeface="微软雅黑" pitchFamily="34" charset="-122"/>
-              </a:rPr>
-              <a:t>SVG</a:t>
-            </a:r>
-            <a:r>
-              <a:rPr lang="zh-CN" altLang="en-US" sz="2400" dirty="0" smtClean="0">
-                <a:solidFill>
-                  <a:schemeClr val="tx1">
-                    <a:lumMod val="75000"/>
-                    <a:lumOff val="25000"/>
-                  </a:schemeClr>
-                </a:solidFill>
-                <a:latin typeface="微软雅黑" pitchFamily="34" charset="-122"/>
-                <a:ea typeface="微软雅黑" pitchFamily="34" charset="-122"/>
-              </a:rPr>
-              <a:t>画布（</a:t>
-            </a:r>
-            <a:r>
-              <a:rPr lang="en-US" altLang="zh-CN" sz="2400" dirty="0" smtClean="0">
-                <a:solidFill>
-                  <a:schemeClr val="tx1">
-                    <a:lumMod val="75000"/>
-                    <a:lumOff val="25000"/>
-                  </a:schemeClr>
-                </a:solidFill>
-                <a:latin typeface="微软雅黑" pitchFamily="34" charset="-122"/>
-                <a:ea typeface="微软雅黑" pitchFamily="34" charset="-122"/>
-              </a:rPr>
-              <a:t>0</a:t>
-            </a:r>
-            <a:r>
-              <a:rPr lang="zh-CN" altLang="en-US" sz="2400" dirty="0" smtClean="0">
-                <a:solidFill>
-                  <a:schemeClr val="tx1">
-                    <a:lumMod val="75000"/>
-                    <a:lumOff val="25000"/>
-                  </a:schemeClr>
-                </a:solidFill>
-                <a:latin typeface="微软雅黑" pitchFamily="34" charset="-122"/>
-                <a:ea typeface="微软雅黑" pitchFamily="34" charset="-122"/>
-              </a:rPr>
-              <a:t>，</a:t>
-            </a:r>
-            <a:r>
-              <a:rPr lang="en-US" altLang="zh-CN" sz="2400" dirty="0" smtClean="0">
-                <a:solidFill>
-                  <a:schemeClr val="tx1">
-                    <a:lumMod val="75000"/>
-                    <a:lumOff val="25000"/>
-                  </a:schemeClr>
-                </a:solidFill>
-                <a:latin typeface="微软雅黑" pitchFamily="34" charset="-122"/>
-                <a:ea typeface="微软雅黑" pitchFamily="34" charset="-122"/>
-              </a:rPr>
-              <a:t>0</a:t>
-            </a:r>
-            <a:r>
-              <a:rPr lang="zh-CN" altLang="en-US" sz="2400" dirty="0" smtClean="0">
-                <a:solidFill>
-                  <a:schemeClr val="tx1">
-                    <a:lumMod val="75000"/>
-                    <a:lumOff val="25000"/>
-                  </a:schemeClr>
-                </a:solidFill>
-                <a:latin typeface="微软雅黑" pitchFamily="34" charset="-122"/>
-                <a:ea typeface="微软雅黑" pitchFamily="34" charset="-122"/>
-              </a:rPr>
-              <a:t>）坐标点为中心的，需要</a:t>
-            </a:r>
-            <a:r>
-              <a:rPr lang="zh-CN" altLang="en-US" sz="2400" b="1" dirty="0" smtClean="0">
-                <a:solidFill>
-                  <a:schemeClr val="tx1">
-                    <a:lumMod val="75000"/>
-                    <a:lumOff val="25000"/>
-                  </a:schemeClr>
-                </a:solidFill>
-                <a:latin typeface="微软雅黑" pitchFamily="34" charset="-122"/>
-                <a:ea typeface="微软雅黑" pitchFamily="34" charset="-122"/>
-              </a:rPr>
-              <a:t>配合平移，</a:t>
-            </a:r>
-            <a:r>
-              <a:rPr lang="zh-CN" altLang="en-US" sz="2400" dirty="0" smtClean="0">
-                <a:solidFill>
-                  <a:schemeClr val="tx1">
-                    <a:lumMod val="75000"/>
-                    <a:lumOff val="25000"/>
-                  </a:schemeClr>
-                </a:solidFill>
-                <a:latin typeface="微软雅黑" pitchFamily="34" charset="-122"/>
-                <a:ea typeface="微软雅黑" pitchFamily="34" charset="-122"/>
-              </a:rPr>
-              <a:t>来实现</a:t>
-            </a:r>
-            <a:r>
-              <a:rPr lang="zh-CN" altLang="en-US" sz="2400" b="1" dirty="0" smtClean="0">
-                <a:solidFill>
-                  <a:schemeClr val="tx1">
-                    <a:lumMod val="75000"/>
-                    <a:lumOff val="25000"/>
-                  </a:schemeClr>
-                </a:solidFill>
-                <a:latin typeface="微软雅黑" pitchFamily="34" charset="-122"/>
-                <a:ea typeface="微软雅黑" pitchFamily="34" charset="-122"/>
-              </a:rPr>
-              <a:t>围绕中心的旋转和缩放</a:t>
-            </a:r>
-            <a:endParaRPr lang="en-US" altLang="zh-CN" sz="2400" b="1" dirty="0">
-              <a:solidFill>
-                <a:schemeClr val="tx1">
-                  <a:lumMod val="75000"/>
-                  <a:lumOff val="25000"/>
-                </a:schemeClr>
-              </a:solidFill>
-              <a:latin typeface="微软雅黑" pitchFamily="34" charset="-122"/>
-              <a:ea typeface="微软雅黑" pitchFamily="34" charset="-122"/>
-            </a:endParaRPr>
-          </a:p>
-          <a:p>
-            <a:pPr marL="457200" indent="-457200">
-              <a:lnSpc>
-                <a:spcPct val="150000"/>
-              </a:lnSpc>
-              <a:buFont typeface="+mj-lt"/>
-              <a:buAutoNum type="arabicPeriod"/>
-            </a:pPr>
-            <a:r>
-              <a:rPr lang="zh-CN" altLang="en-US" sz="2400" dirty="0" smtClean="0">
-                <a:solidFill>
-                  <a:schemeClr val="tx1">
-                    <a:lumMod val="75000"/>
-                    <a:lumOff val="25000"/>
-                  </a:schemeClr>
-                </a:solidFill>
-                <a:latin typeface="微软雅黑" pitchFamily="34" charset="-122"/>
-                <a:ea typeface="微软雅黑" pitchFamily="34" charset="-122"/>
-              </a:rPr>
-              <a:t>旋转和缩放需要计算碎片的中心，需要从</a:t>
-            </a:r>
-            <a:r>
-              <a:rPr lang="en-US" altLang="zh-CN" sz="2400" dirty="0">
-                <a:solidFill>
-                  <a:schemeClr val="tx1">
-                    <a:lumMod val="75000"/>
-                    <a:lumOff val="25000"/>
-                  </a:schemeClr>
-                </a:solidFill>
-                <a:latin typeface="微软雅黑" pitchFamily="34" charset="-122"/>
-                <a:ea typeface="微软雅黑" pitchFamily="34" charset="-122"/>
-              </a:rPr>
-              <a:t>&lt;</a:t>
-            </a:r>
-            <a:r>
-              <a:rPr lang="en-US" altLang="zh-CN" sz="2400" dirty="0" smtClean="0">
-                <a:solidFill>
-                  <a:schemeClr val="tx1">
-                    <a:lumMod val="75000"/>
-                    <a:lumOff val="25000"/>
-                  </a:schemeClr>
-                </a:solidFill>
-                <a:latin typeface="微软雅黑" pitchFamily="34" charset="-122"/>
-                <a:ea typeface="微软雅黑" pitchFamily="34" charset="-122"/>
-              </a:rPr>
-              <a:t>path&gt;</a:t>
-            </a:r>
-            <a:r>
-              <a:rPr lang="zh-CN" altLang="en-US" sz="2400" dirty="0" smtClean="0">
-                <a:solidFill>
-                  <a:schemeClr val="tx1">
-                    <a:lumMod val="75000"/>
-                    <a:lumOff val="25000"/>
-                  </a:schemeClr>
-                </a:solidFill>
-                <a:latin typeface="微软雅黑" pitchFamily="34" charset="-122"/>
-                <a:ea typeface="微软雅黑" pitchFamily="34" charset="-122"/>
-              </a:rPr>
-              <a:t>标签的参数中提取坐标并计算，用到正则表达式</a:t>
-            </a:r>
-            <a:endParaRPr lang="en-US" altLang="zh-CN" sz="2400" dirty="0" smtClean="0">
-              <a:solidFill>
-                <a:schemeClr val="tx1">
-                  <a:lumMod val="75000"/>
-                  <a:lumOff val="25000"/>
-                </a:schemeClr>
-              </a:solidFill>
-              <a:latin typeface="微软雅黑" pitchFamily="34" charset="-122"/>
-              <a:ea typeface="微软雅黑" pitchFamily="34" charset="-122"/>
-            </a:endParaRPr>
-          </a:p>
-          <a:p>
-            <a:pPr marL="457200" indent="-457200">
-              <a:lnSpc>
-                <a:spcPct val="150000"/>
-              </a:lnSpc>
-              <a:buFont typeface="+mj-lt"/>
-              <a:buAutoNum type="arabicPeriod"/>
-            </a:pPr>
-            <a:r>
-              <a:rPr lang="zh-CN" altLang="en-US" sz="2400" dirty="0" smtClean="0">
-                <a:solidFill>
-                  <a:schemeClr val="tx1">
-                    <a:lumMod val="75000"/>
-                    <a:lumOff val="25000"/>
-                  </a:schemeClr>
-                </a:solidFill>
-                <a:latin typeface="微软雅黑" pitchFamily="34" charset="-122"/>
-                <a:ea typeface="微软雅黑" pitchFamily="34" charset="-122"/>
-              </a:rPr>
-              <a:t>此次不再用</a:t>
-            </a:r>
-            <a:r>
-              <a:rPr lang="en-US" altLang="zh-CN" sz="2400" dirty="0" smtClean="0">
-                <a:solidFill>
-                  <a:schemeClr val="tx1">
-                    <a:lumMod val="75000"/>
-                    <a:lumOff val="25000"/>
-                  </a:schemeClr>
-                </a:solidFill>
-                <a:latin typeface="微软雅黑" pitchFamily="34" charset="-122"/>
-                <a:ea typeface="微软雅黑" pitchFamily="34" charset="-122"/>
-              </a:rPr>
-              <a:t>SMIL</a:t>
-            </a:r>
-            <a:r>
-              <a:rPr lang="zh-CN" altLang="en-US" sz="2400" dirty="0" smtClean="0">
-                <a:solidFill>
-                  <a:schemeClr val="tx1">
-                    <a:lumMod val="75000"/>
-                    <a:lumOff val="25000"/>
-                  </a:schemeClr>
-                </a:solidFill>
-                <a:latin typeface="微软雅黑" pitchFamily="34" charset="-122"/>
-                <a:ea typeface="微软雅黑" pitchFamily="34" charset="-122"/>
-              </a:rPr>
-              <a:t>动画，而是通过</a:t>
-            </a:r>
-            <a:r>
-              <a:rPr lang="en-US" altLang="zh-CN" sz="2400" b="1" dirty="0" smtClean="0">
-                <a:solidFill>
-                  <a:schemeClr val="tx1">
-                    <a:lumMod val="75000"/>
-                    <a:lumOff val="25000"/>
-                  </a:schemeClr>
-                </a:solidFill>
-                <a:latin typeface="微软雅黑" pitchFamily="34" charset="-122"/>
-                <a:ea typeface="微软雅黑" pitchFamily="34" charset="-122"/>
-              </a:rPr>
-              <a:t>JS</a:t>
-            </a:r>
-            <a:r>
-              <a:rPr lang="zh-CN" altLang="en-US" sz="2400" b="1" dirty="0" smtClean="0">
-                <a:solidFill>
-                  <a:schemeClr val="tx1">
-                    <a:lumMod val="75000"/>
-                    <a:lumOff val="25000"/>
-                  </a:schemeClr>
-                </a:solidFill>
-                <a:latin typeface="微软雅黑" pitchFamily="34" charset="-122"/>
-                <a:ea typeface="微软雅黑" pitchFamily="34" charset="-122"/>
-              </a:rPr>
-              <a:t>实时逐帧刷新</a:t>
-            </a:r>
-            <a:r>
-              <a:rPr lang="zh-CN" altLang="en-US" sz="2400" dirty="0" smtClean="0">
-                <a:solidFill>
-                  <a:schemeClr val="tx1">
-                    <a:lumMod val="75000"/>
-                    <a:lumOff val="25000"/>
-                  </a:schemeClr>
-                </a:solidFill>
-                <a:latin typeface="微软雅黑" pitchFamily="34" charset="-122"/>
-                <a:ea typeface="微软雅黑" pitchFamily="34" charset="-122"/>
-              </a:rPr>
-              <a:t>，这个过程比较复杂，但能获得</a:t>
-            </a:r>
-            <a:r>
-              <a:rPr lang="zh-CN" altLang="en-US" sz="2400" b="1" dirty="0" smtClean="0">
-                <a:solidFill>
-                  <a:schemeClr val="tx1">
-                    <a:lumMod val="75000"/>
-                    <a:lumOff val="25000"/>
-                  </a:schemeClr>
-                </a:solidFill>
-                <a:latin typeface="微软雅黑" pitchFamily="34" charset="-122"/>
-                <a:ea typeface="微软雅黑" pitchFamily="34" charset="-122"/>
-              </a:rPr>
-              <a:t>良好的浏览器兼容</a:t>
-            </a:r>
-            <a:endParaRPr lang="en-US" altLang="zh-CN" sz="2400" dirty="0" smtClean="0">
-              <a:solidFill>
-                <a:schemeClr val="tx1">
-                  <a:lumMod val="75000"/>
-                  <a:lumOff val="25000"/>
-                </a:schemeClr>
-              </a:solidFill>
-              <a:latin typeface="微软雅黑" pitchFamily="34" charset="-122"/>
-              <a:ea typeface="微软雅黑" pitchFamily="34" charset="-122"/>
-            </a:endParaRPr>
-          </a:p>
-        </p:txBody>
-      </p:sp>
+      </p:pic>
     </p:spTree>
     <p:extLst>
       <p:ext uri="{BB962C8B-B14F-4D97-AF65-F5344CB8AC3E}">
-        <p14:creationId xmlns:p14="http://schemas.microsoft.com/office/powerpoint/2010/main" val="114279826"/>
+        <p14:creationId xmlns:p14="http://schemas.microsoft.com/office/powerpoint/2010/main" val="3707333631"/>
       </p:ext>
     </p:extLst>
   </p:cSld>
   <p:clrMapOvr>
     <a:masterClrMapping/>
   </p:clrMapOvr>
-  <p:timing>
-    <p:tnLst>
-      <p:par>
-        <p:cTn id="1" dur="indefinite" restart="never" nodeType="tmRoot"/>
-      </p:par>
-    </p:tnLst>
-  </p:timing>
 </p:sld>
 </file>
 
@@ -5646,7 +7421,7 @@
         </p:nvSpPr>
         <p:spPr>
           <a:xfrm>
-            <a:off x="684000" y="260648"/>
+            <a:off x="684000" y="97468"/>
             <a:ext cx="7776000" cy="523220"/>
           </a:xfrm>
           <a:prstGeom prst="rect">
@@ -5671,7 +7446,7 @@
                 <a:latin typeface="微软雅黑" pitchFamily="34" charset="-122"/>
                 <a:ea typeface="微软雅黑" pitchFamily="34" charset="-122"/>
               </a:rPr>
-              <a:t>3.</a:t>
+              <a:t>2.</a:t>
             </a:r>
             <a:r>
               <a:rPr lang="zh-CN" altLang="en-US" sz="2800" b="1" dirty="0" smtClean="0">
@@ -5684,7 +7459,20 @@
                 <a:latin typeface="微软雅黑" pitchFamily="34" charset="-122"/>
                 <a:ea typeface="微软雅黑" pitchFamily="34" charset="-122"/>
               </a:rPr>
-              <a:t> </a:t>
+              <a:t>分析需求</a:t>
+            </a:r>
+            <a:r>
+              <a:rPr lang="en-US" altLang="zh-CN" sz="2800" b="1" dirty="0" smtClean="0">
+                <a:solidFill>
+                  <a:schemeClr val="tx1">
+                    <a:lumMod val="75000"/>
+                    <a:lumOff val="25000"/>
+                  </a:schemeClr>
+                </a:solidFill>
+                <a:latin typeface="微软雅黑" pitchFamily="34" charset="-122"/>
+                <a:ea typeface="微软雅黑" pitchFamily="34" charset="-122"/>
+              </a:rPr>
+              <a:t>——</a:t>
             </a:r>
             <a:r>
               <a:rPr lang="zh-CN" altLang="en-US" sz="2800" b="1" dirty="0" smtClean="0">
@@ -5697,7 +7485,7 @@
                 <a:latin typeface="微软雅黑" pitchFamily="34" charset="-122"/>
                 <a:ea typeface="微软雅黑" pitchFamily="34" charset="-122"/>
               </a:rPr>
-              <a:t>制作文本碎片</a:t>
+              <a:t>庖丁解牛</a:t>
             </a:r>
             <a:endParaRPr lang="zh-CN" altLang="en-US" sz="2800" b="1" dirty="0">
               <a:solidFill>
@@ -5720,8 +7508,8 @@
         </p:nvSpPr>
         <p:spPr>
           <a:xfrm>
-            <a:off x="684000" y="836712"/>
-            <a:ext cx="7776000" cy="646331"/>
+            <a:off x="684000" y="548680"/>
+            <a:ext cx="7776000" cy="6186309"/>
           </a:xfrm>
           <a:prstGeom prst="rect">
             <a:avLst/>
@@ -5734,12 +7522,27 @@
           </a:bodyPr>
           <a:lstStyle/>
           <a:p>
-            <a:pPr>
+            <a:pPr marL="457200" indent="-457200">
               <a:lnSpc>
                 <a:spcPct val="150000"/>
               </a:lnSpc>
+              <a:buFont typeface="+mj-lt"/>
+              <a:buAutoNum type="arabicPeriod"/>
             </a:pPr>
             <a:r>
+              <a:rPr lang="zh-CN" altLang="en-US" sz="2400" dirty="0" smtClean="0">
+                <a:solidFill>
+                  <a:schemeClr val="tx1">
+                    <a:lumMod val="75000"/>
+                    <a:lumOff val="25000"/>
+                  </a:schemeClr>
+                </a:solidFill>
+                <a:latin typeface="微软雅黑" pitchFamily="34" charset="-122"/>
+                <a:ea typeface="微软雅黑" pitchFamily="34" charset="-122"/>
+              </a:rPr>
+              <a:t>首先是图片如何变成碎片的，其实是用</a:t>
+            </a:r>
+            <a:r>
               <a:rPr lang="en-US" altLang="zh-CN" sz="2400" b="1" dirty="0" smtClean="0">
                 <a:solidFill>
                   <a:schemeClr val="tx1">
@@ -5750,19 +7553,6 @@
                 <a:latin typeface="微软雅黑" pitchFamily="34" charset="-122"/>
                 <a:ea typeface="微软雅黑" pitchFamily="34" charset="-122"/>
               </a:rPr>
-              <a:t>3-a </a:t>
-            </a:r>
-            <a:r>
-              <a:rPr lang="en-US" altLang="zh-CN" sz="2400" b="1" dirty="0" smtClean="0">
-                <a:solidFill>
-                  <a:schemeClr val="tx1">
-                    <a:lumMod val="75000"/>
-                    <a:lumOff val="25000"/>
-                  </a:schemeClr>
-                </a:solidFill>
-                <a:latin typeface="微软雅黑" pitchFamily="34" charset="-122"/>
-                <a:ea typeface="微软雅黑" pitchFamily="34" charset="-122"/>
-              </a:rPr>
               <a:t>AI</a:t>
             </a:r>
             <a:r>
@@ -5776,9 +7566,74 @@
                 <a:latin typeface="微软雅黑" pitchFamily="34" charset="-122"/>
                 <a:ea typeface="微软雅黑" pitchFamily="34" charset="-122"/>
               </a:rPr>
-              <a:t>制作文本路径</a:t>
-            </a:r>
-            <a:endParaRPr lang="en-US" altLang="zh-CN" sz="2400" b="1" dirty="0" smtClean="0">
+              <a:t>将文本切割成碎片</a:t>
+            </a:r>
+            <a:r>
+              <a:rPr lang="zh-CN" altLang="en-US" sz="2400" dirty="0" smtClean="0">
+                <a:solidFill>
+                  <a:schemeClr val="tx1">
+                    <a:lumMod val="75000"/>
+                    <a:lumOff val="25000"/>
+                  </a:schemeClr>
+                </a:solidFill>
+                <a:latin typeface="微软雅黑" pitchFamily="34" charset="-122"/>
+                <a:ea typeface="微软雅黑" pitchFamily="34" charset="-122"/>
+              </a:rPr>
+              <a:t>，然后把</a:t>
+            </a:r>
+            <a:r>
+              <a:rPr lang="en-US" altLang="zh-CN" sz="2400" dirty="0" smtClean="0">
+                <a:solidFill>
+                  <a:schemeClr val="tx1">
+                    <a:lumMod val="75000"/>
+                    <a:lumOff val="25000"/>
+                  </a:schemeClr>
+                </a:solidFill>
+                <a:latin typeface="微软雅黑" pitchFamily="34" charset="-122"/>
+                <a:ea typeface="微软雅黑" pitchFamily="34" charset="-122"/>
+              </a:rPr>
+              <a:t>SVG</a:t>
+            </a:r>
+            <a:r>
+              <a:rPr lang="zh-CN" altLang="en-US" sz="2400" dirty="0" smtClean="0">
+                <a:solidFill>
+                  <a:schemeClr val="tx1">
+                    <a:lumMod val="75000"/>
+                    <a:lumOff val="25000"/>
+                  </a:schemeClr>
+                </a:solidFill>
+                <a:latin typeface="微软雅黑" pitchFamily="34" charset="-122"/>
+                <a:ea typeface="微软雅黑" pitchFamily="34" charset="-122"/>
+              </a:rPr>
+              <a:t>数据导入到</a:t>
+            </a:r>
+            <a:r>
+              <a:rPr lang="en-US" altLang="zh-CN" sz="2400" dirty="0" smtClean="0">
+                <a:solidFill>
+                  <a:schemeClr val="tx1">
+                    <a:lumMod val="75000"/>
+                    <a:lumOff val="25000"/>
+                  </a:schemeClr>
+                </a:solidFill>
+                <a:latin typeface="微软雅黑" pitchFamily="34" charset="-122"/>
+                <a:ea typeface="微软雅黑" pitchFamily="34" charset="-122"/>
+              </a:rPr>
+              <a:t>HTML</a:t>
+            </a:r>
+            <a:r>
+              <a:rPr lang="zh-CN" altLang="en-US" sz="2400" dirty="0" smtClean="0">
+                <a:solidFill>
+                  <a:schemeClr val="tx1">
+                    <a:lumMod val="75000"/>
+                    <a:lumOff val="25000"/>
+                  </a:schemeClr>
+                </a:solidFill>
+                <a:latin typeface="微软雅黑" pitchFamily="34" charset="-122"/>
+                <a:ea typeface="微软雅黑" pitchFamily="34" charset="-122"/>
+              </a:rPr>
+              <a:t>文件中使用</a:t>
+            </a:r>
+            <a:endParaRPr lang="en-US" altLang="zh-CN" sz="2400" dirty="0" smtClean="0">
               <a:solidFill>
                 <a:schemeClr val="tx1">
                   <a:lumMod val="75000"/>
@@ -5789,12 +7644,400 @@
               <a:ea typeface="微软雅黑" pitchFamily="34" charset="-122"/>
             </a:endParaRPr>
           </a:p>
+          <a:p>
+            <a:pPr marL="457200" indent="-457200">
+              <a:lnSpc>
+                <a:spcPct val="150000"/>
+              </a:lnSpc>
+              <a:buFont typeface="+mj-lt"/>
+              <a:buAutoNum type="arabicPeriod"/>
+            </a:pPr>
+            <a:r>
+              <a:rPr lang="zh-CN" altLang="en-US" sz="2400" dirty="0" smtClean="0">
+                <a:solidFill>
+                  <a:schemeClr val="tx1">
+                    <a:lumMod val="75000"/>
+                    <a:lumOff val="25000"/>
+                  </a:schemeClr>
+                </a:solidFill>
+                <a:latin typeface="微软雅黑" pitchFamily="34" charset="-122"/>
+                <a:ea typeface="微软雅黑" pitchFamily="34" charset="-122"/>
+              </a:rPr>
+              <a:t>碎片的爆炸过程，就是碎片向四处进行平移的过程，平移中碎片逐渐变成透明</a:t>
+            </a:r>
+            <a:endParaRPr lang="en-US" altLang="zh-CN" sz="2400" dirty="0" smtClean="0">
+              <a:solidFill>
+                <a:schemeClr val="tx1">
+                  <a:lumMod val="75000"/>
+                  <a:lumOff val="25000"/>
+                </a:schemeClr>
+              </a:solidFill>
+              <a:latin typeface="微软雅黑" pitchFamily="34" charset="-122"/>
+              <a:ea typeface="微软雅黑" pitchFamily="34" charset="-122"/>
+            </a:endParaRPr>
+          </a:p>
+          <a:p>
+            <a:pPr marL="457200" indent="-457200">
+              <a:lnSpc>
+                <a:spcPct val="150000"/>
+              </a:lnSpc>
+              <a:buFont typeface="+mj-lt"/>
+              <a:buAutoNum type="arabicPeriod"/>
+            </a:pPr>
+            <a:r>
+              <a:rPr lang="zh-CN" altLang="en-US" sz="2400" dirty="0" smtClean="0">
+                <a:solidFill>
+                  <a:schemeClr val="tx1">
+                    <a:lumMod val="75000"/>
+                    <a:lumOff val="25000"/>
+                  </a:schemeClr>
+                </a:solidFill>
+                <a:latin typeface="微软雅黑" pitchFamily="34" charset="-122"/>
+                <a:ea typeface="微软雅黑" pitchFamily="34" charset="-122"/>
+              </a:rPr>
+              <a:t>碎片的旋转和缩放是个严峻的问题，因为</a:t>
+            </a:r>
+            <a:r>
+              <a:rPr lang="en-US" altLang="zh-CN" sz="2400" dirty="0" smtClean="0">
+                <a:solidFill>
+                  <a:schemeClr val="tx1">
+                    <a:lumMod val="75000"/>
+                    <a:lumOff val="25000"/>
+                  </a:schemeClr>
+                </a:solidFill>
+                <a:latin typeface="微软雅黑" pitchFamily="34" charset="-122"/>
+                <a:ea typeface="微软雅黑" pitchFamily="34" charset="-122"/>
+              </a:rPr>
+              <a:t>SVG</a:t>
+            </a:r>
+            <a:r>
+              <a:rPr lang="zh-CN" altLang="en-US" sz="2400" dirty="0" smtClean="0">
+                <a:solidFill>
+                  <a:schemeClr val="tx1">
+                    <a:lumMod val="75000"/>
+                    <a:lumOff val="25000"/>
+                  </a:schemeClr>
+                </a:solidFill>
+                <a:latin typeface="微软雅黑" pitchFamily="34" charset="-122"/>
+                <a:ea typeface="微软雅黑" pitchFamily="34" charset="-122"/>
+              </a:rPr>
+              <a:t>的旋转缩放都是以</a:t>
+            </a:r>
+            <a:r>
+              <a:rPr lang="en-US" altLang="zh-CN" sz="2400" dirty="0" smtClean="0">
+                <a:solidFill>
+                  <a:schemeClr val="tx1">
+                    <a:lumMod val="75000"/>
+                    <a:lumOff val="25000"/>
+                  </a:schemeClr>
+                </a:solidFill>
+                <a:latin typeface="微软雅黑" pitchFamily="34" charset="-122"/>
+                <a:ea typeface="微软雅黑" pitchFamily="34" charset="-122"/>
+              </a:rPr>
+              <a:t>SVG</a:t>
+            </a:r>
+            <a:r>
+              <a:rPr lang="zh-CN" altLang="en-US" sz="2400" dirty="0" smtClean="0">
+                <a:solidFill>
+                  <a:schemeClr val="tx1">
+                    <a:lumMod val="75000"/>
+                    <a:lumOff val="25000"/>
+                  </a:schemeClr>
+                </a:solidFill>
+                <a:latin typeface="微软雅黑" pitchFamily="34" charset="-122"/>
+                <a:ea typeface="微软雅黑" pitchFamily="34" charset="-122"/>
+              </a:rPr>
+              <a:t>画布（</a:t>
+            </a:r>
+            <a:r>
+              <a:rPr lang="en-US" altLang="zh-CN" sz="2400" dirty="0" smtClean="0">
+                <a:solidFill>
+                  <a:schemeClr val="tx1">
+                    <a:lumMod val="75000"/>
+                    <a:lumOff val="25000"/>
+                  </a:schemeClr>
+                </a:solidFill>
+                <a:latin typeface="微软雅黑" pitchFamily="34" charset="-122"/>
+                <a:ea typeface="微软雅黑" pitchFamily="34" charset="-122"/>
+              </a:rPr>
+              <a:t>0</a:t>
+            </a:r>
+            <a:r>
+              <a:rPr lang="zh-CN" altLang="en-US" sz="2400" dirty="0" smtClean="0">
+                <a:solidFill>
+                  <a:schemeClr val="tx1">
+                    <a:lumMod val="75000"/>
+                    <a:lumOff val="25000"/>
+                  </a:schemeClr>
+                </a:solidFill>
+                <a:latin typeface="微软雅黑" pitchFamily="34" charset="-122"/>
+                <a:ea typeface="微软雅黑" pitchFamily="34" charset="-122"/>
+              </a:rPr>
+              <a:t>，</a:t>
+            </a:r>
+            <a:r>
+              <a:rPr lang="en-US" altLang="zh-CN" sz="2400" dirty="0" smtClean="0">
+                <a:solidFill>
+                  <a:schemeClr val="tx1">
+                    <a:lumMod val="75000"/>
+                    <a:lumOff val="25000"/>
+                  </a:schemeClr>
+                </a:solidFill>
+                <a:latin typeface="微软雅黑" pitchFamily="34" charset="-122"/>
+                <a:ea typeface="微软雅黑" pitchFamily="34" charset="-122"/>
+              </a:rPr>
+              <a:t>0</a:t>
+            </a:r>
+            <a:r>
+              <a:rPr lang="zh-CN" altLang="en-US" sz="2400" dirty="0" smtClean="0">
+                <a:solidFill>
+                  <a:schemeClr val="tx1">
+                    <a:lumMod val="75000"/>
+                    <a:lumOff val="25000"/>
+                  </a:schemeClr>
+                </a:solidFill>
+                <a:latin typeface="微软雅黑" pitchFamily="34" charset="-122"/>
+                <a:ea typeface="微软雅黑" pitchFamily="34" charset="-122"/>
+              </a:rPr>
+              <a:t>）坐标点为中心的，需要</a:t>
+            </a:r>
+            <a:r>
+              <a:rPr lang="zh-CN" altLang="en-US" sz="2400" b="1" dirty="0" smtClean="0">
+                <a:solidFill>
+                  <a:schemeClr val="tx1">
+                    <a:lumMod val="75000"/>
+                    <a:lumOff val="25000"/>
+                  </a:schemeClr>
+                </a:solidFill>
+                <a:latin typeface="微软雅黑" pitchFamily="34" charset="-122"/>
+                <a:ea typeface="微软雅黑" pitchFamily="34" charset="-122"/>
+              </a:rPr>
+              <a:t>配合平移，</a:t>
+            </a:r>
+            <a:r>
+              <a:rPr lang="zh-CN" altLang="en-US" sz="2400" dirty="0" smtClean="0">
+                <a:solidFill>
+                  <a:schemeClr val="tx1">
+                    <a:lumMod val="75000"/>
+                    <a:lumOff val="25000"/>
+                  </a:schemeClr>
+                </a:solidFill>
+                <a:latin typeface="微软雅黑" pitchFamily="34" charset="-122"/>
+                <a:ea typeface="微软雅黑" pitchFamily="34" charset="-122"/>
+              </a:rPr>
+              <a:t>来实现</a:t>
+            </a:r>
+            <a:r>
+              <a:rPr lang="zh-CN" altLang="en-US" sz="2400" b="1" dirty="0" smtClean="0">
+                <a:solidFill>
+                  <a:schemeClr val="tx1">
+                    <a:lumMod val="75000"/>
+                    <a:lumOff val="25000"/>
+                  </a:schemeClr>
+                </a:solidFill>
+                <a:latin typeface="微软雅黑" pitchFamily="34" charset="-122"/>
+                <a:ea typeface="微软雅黑" pitchFamily="34" charset="-122"/>
+              </a:rPr>
+              <a:t>围绕中心的旋转和缩放</a:t>
+            </a:r>
+            <a:endParaRPr lang="en-US" altLang="zh-CN" sz="2400" b="1" dirty="0">
+              <a:solidFill>
+                <a:schemeClr val="tx1">
+                  <a:lumMod val="75000"/>
+                  <a:lumOff val="25000"/>
+                </a:schemeClr>
+              </a:solidFill>
+              <a:latin typeface="微软雅黑" pitchFamily="34" charset="-122"/>
+              <a:ea typeface="微软雅黑" pitchFamily="34" charset="-122"/>
+            </a:endParaRPr>
+          </a:p>
+          <a:p>
+            <a:pPr marL="457200" indent="-457200">
+              <a:lnSpc>
+                <a:spcPct val="150000"/>
+              </a:lnSpc>
+              <a:buFont typeface="+mj-lt"/>
+              <a:buAutoNum type="arabicPeriod"/>
+            </a:pPr>
+            <a:r>
+              <a:rPr lang="zh-CN" altLang="en-US" sz="2400" dirty="0" smtClean="0">
+                <a:solidFill>
+                  <a:schemeClr val="tx1">
+                    <a:lumMod val="75000"/>
+                    <a:lumOff val="25000"/>
+                  </a:schemeClr>
+                </a:solidFill>
+                <a:latin typeface="微软雅黑" pitchFamily="34" charset="-122"/>
+                <a:ea typeface="微软雅黑" pitchFamily="34" charset="-122"/>
+              </a:rPr>
+              <a:t>旋转和缩放需要计算碎片的中心，需要从</a:t>
+            </a:r>
+            <a:r>
+              <a:rPr lang="en-US" altLang="zh-CN" sz="2400" dirty="0">
+                <a:solidFill>
+                  <a:schemeClr val="tx1">
+                    <a:lumMod val="75000"/>
+                    <a:lumOff val="25000"/>
+                  </a:schemeClr>
+                </a:solidFill>
+                <a:latin typeface="微软雅黑" pitchFamily="34" charset="-122"/>
+                <a:ea typeface="微软雅黑" pitchFamily="34" charset="-122"/>
+              </a:rPr>
+              <a:t>&lt;</a:t>
+            </a:r>
+            <a:r>
+              <a:rPr lang="en-US" altLang="zh-CN" sz="2400" dirty="0" smtClean="0">
+                <a:solidFill>
+                  <a:schemeClr val="tx1">
+                    <a:lumMod val="75000"/>
+                    <a:lumOff val="25000"/>
+                  </a:schemeClr>
+                </a:solidFill>
+                <a:latin typeface="微软雅黑" pitchFamily="34" charset="-122"/>
+                <a:ea typeface="微软雅黑" pitchFamily="34" charset="-122"/>
+              </a:rPr>
+              <a:t>path&gt;</a:t>
+            </a:r>
+            <a:r>
+              <a:rPr lang="zh-CN" altLang="en-US" sz="2400" dirty="0" smtClean="0">
+                <a:solidFill>
+                  <a:schemeClr val="tx1">
+                    <a:lumMod val="75000"/>
+                    <a:lumOff val="25000"/>
+                  </a:schemeClr>
+                </a:solidFill>
+                <a:latin typeface="微软雅黑" pitchFamily="34" charset="-122"/>
+                <a:ea typeface="微软雅黑" pitchFamily="34" charset="-122"/>
+              </a:rPr>
+              <a:t>标签的参数中提取坐标并计算，用到正则表达式</a:t>
+            </a:r>
+            <a:endParaRPr lang="en-US" altLang="zh-CN" sz="2400" dirty="0" smtClean="0">
+              <a:solidFill>
+                <a:schemeClr val="tx1">
+                  <a:lumMod val="75000"/>
+                  <a:lumOff val="25000"/>
+                </a:schemeClr>
+              </a:solidFill>
+              <a:latin typeface="微软雅黑" pitchFamily="34" charset="-122"/>
+              <a:ea typeface="微软雅黑" pitchFamily="34" charset="-122"/>
+            </a:endParaRPr>
+          </a:p>
+          <a:p>
+            <a:pPr marL="457200" indent="-457200">
+              <a:lnSpc>
+                <a:spcPct val="150000"/>
+              </a:lnSpc>
+              <a:buFont typeface="+mj-lt"/>
+              <a:buAutoNum type="arabicPeriod"/>
+            </a:pPr>
+            <a:r>
+              <a:rPr lang="zh-CN" altLang="en-US" sz="2400" dirty="0" smtClean="0">
+                <a:solidFill>
+                  <a:schemeClr val="tx1">
+                    <a:lumMod val="75000"/>
+                    <a:lumOff val="25000"/>
+                  </a:schemeClr>
+                </a:solidFill>
+                <a:latin typeface="微软雅黑" pitchFamily="34" charset="-122"/>
+                <a:ea typeface="微软雅黑" pitchFamily="34" charset="-122"/>
+              </a:rPr>
+              <a:t>此次不再用</a:t>
+            </a:r>
+            <a:r>
+              <a:rPr lang="en-US" altLang="zh-CN" sz="2400" dirty="0" smtClean="0">
+                <a:solidFill>
+                  <a:schemeClr val="tx1">
+                    <a:lumMod val="75000"/>
+                    <a:lumOff val="25000"/>
+                  </a:schemeClr>
+                </a:solidFill>
+                <a:latin typeface="微软雅黑" pitchFamily="34" charset="-122"/>
+                <a:ea typeface="微软雅黑" pitchFamily="34" charset="-122"/>
+              </a:rPr>
+              <a:t>SMIL</a:t>
+            </a:r>
+            <a:r>
+              <a:rPr lang="zh-CN" altLang="en-US" sz="2400" dirty="0" smtClean="0">
+                <a:solidFill>
+                  <a:schemeClr val="tx1">
+                    <a:lumMod val="75000"/>
+                    <a:lumOff val="25000"/>
+                  </a:schemeClr>
+                </a:solidFill>
+                <a:latin typeface="微软雅黑" pitchFamily="34" charset="-122"/>
+                <a:ea typeface="微软雅黑" pitchFamily="34" charset="-122"/>
+              </a:rPr>
+              <a:t>动画，而是通过</a:t>
+            </a:r>
+            <a:r>
+              <a:rPr lang="en-US" altLang="zh-CN" sz="2400" b="1" dirty="0" smtClean="0">
+                <a:solidFill>
+                  <a:schemeClr val="tx1">
+                    <a:lumMod val="75000"/>
+                    <a:lumOff val="25000"/>
+                  </a:schemeClr>
+                </a:solidFill>
+                <a:latin typeface="微软雅黑" pitchFamily="34" charset="-122"/>
+                <a:ea typeface="微软雅黑" pitchFamily="34" charset="-122"/>
+              </a:rPr>
+              <a:t>JS</a:t>
+            </a:r>
+            <a:r>
+              <a:rPr lang="zh-CN" altLang="en-US" sz="2400" b="1" dirty="0" smtClean="0">
+                <a:solidFill>
+                  <a:schemeClr val="tx1">
+                    <a:lumMod val="75000"/>
+                    <a:lumOff val="25000"/>
+                  </a:schemeClr>
+                </a:solidFill>
+                <a:latin typeface="微软雅黑" pitchFamily="34" charset="-122"/>
+                <a:ea typeface="微软雅黑" pitchFamily="34" charset="-122"/>
+              </a:rPr>
+              <a:t>实时逐帧刷新</a:t>
+            </a:r>
+            <a:r>
+              <a:rPr lang="zh-CN" altLang="en-US" sz="2400" dirty="0" smtClean="0">
+                <a:solidFill>
+                  <a:schemeClr val="tx1">
+                    <a:lumMod val="75000"/>
+                    <a:lumOff val="25000"/>
+                  </a:schemeClr>
+                </a:solidFill>
+                <a:latin typeface="微软雅黑" pitchFamily="34" charset="-122"/>
+                <a:ea typeface="微软雅黑" pitchFamily="34" charset="-122"/>
+              </a:rPr>
+              <a:t>，这个过程比较复杂，但能获得</a:t>
+            </a:r>
+            <a:r>
+              <a:rPr lang="zh-CN" altLang="en-US" sz="2400" b="1" dirty="0" smtClean="0">
+                <a:solidFill>
+                  <a:schemeClr val="tx1">
+                    <a:lumMod val="75000"/>
+                    <a:lumOff val="25000"/>
+                  </a:schemeClr>
+                </a:solidFill>
+                <a:latin typeface="微软雅黑" pitchFamily="34" charset="-122"/>
+                <a:ea typeface="微软雅黑" pitchFamily="34" charset="-122"/>
+              </a:rPr>
+              <a:t>良好的浏览器兼容</a:t>
+            </a:r>
+            <a:endParaRPr lang="en-US" altLang="zh-CN" sz="2400" dirty="0" smtClean="0">
+              <a:solidFill>
+                <a:schemeClr val="tx1">
+                  <a:lumMod val="75000"/>
+                  <a:lumOff val="25000"/>
+                </a:schemeClr>
+              </a:solidFill>
+              <a:latin typeface="微软雅黑" pitchFamily="34" charset="-122"/>
+              <a:ea typeface="微软雅黑" pitchFamily="34" charset="-122"/>
+            </a:endParaRPr>
+          </a:p>
         </p:txBody>
       </p:sp>
     </p:spTree>
     <p:extLst>
       <p:ext uri="{BB962C8B-B14F-4D97-AF65-F5344CB8AC3E}">
-        <p14:creationId xmlns:p14="http://schemas.microsoft.com/office/powerpoint/2010/main" val="3163929320"/>
+        <p14:creationId xmlns:p14="http://schemas.microsoft.com/office/powerpoint/2010/main" val="114279826"/>
       </p:ext>
     </p:extLst>
   </p:cSld>
@@ -5830,14 +8073,14 @@
       </p:grpSpPr>
       <p:sp>
         <p:nvSpPr>
-          <p:cNvPr id="5" name="TextBox 4"/>
+          <p:cNvPr id="4" name="TextBox 3"/>
           <p:cNvSpPr txBox="1"/>
           <p:nvPr/>
         </p:nvSpPr>
         <p:spPr>
           <a:xfrm>
-            <a:off x="684000" y="188640"/>
-            <a:ext cx="7776000" cy="581057"/>
+            <a:off x="684000" y="260648"/>
+            <a:ext cx="7776000" cy="523220"/>
           </a:xfrm>
           <a:prstGeom prst="rect">
             <a:avLst/>
@@ -5850,6 +8093,67 @@
           </a:bodyPr>
           <a:lstStyle/>
           <a:p>
+            <a:r>
+              <a:rPr lang="en-US" altLang="zh-CN" sz="2800" b="1" dirty="0" smtClean="0">
+                <a:solidFill>
+                  <a:schemeClr val="tx1">
+                    <a:lumMod val="75000"/>
+                    <a:lumOff val="25000"/>
+                  </a:schemeClr>
+                </a:solidFill>
+                <a:latin typeface="微软雅黑" pitchFamily="34" charset="-122"/>
+                <a:ea typeface="微软雅黑" pitchFamily="34" charset="-122"/>
+              </a:rPr>
+              <a:t>3.</a:t>
+            </a:r>
+            <a:r>
+              <a:rPr lang="zh-CN" altLang="en-US" sz="2800" b="1" dirty="0" smtClean="0">
+                <a:solidFill>
+                  <a:schemeClr val="tx1">
+                    <a:lumMod val="75000"/>
+                    <a:lumOff val="25000"/>
+                  </a:schemeClr>
+                </a:solidFill>
+                <a:latin typeface="微软雅黑" pitchFamily="34" charset="-122"/>
+                <a:ea typeface="微软雅黑" pitchFamily="34" charset="-122"/>
+              </a:rPr>
+              <a:t> 制作文本碎片</a:t>
+            </a:r>
+            <a:endParaRPr lang="zh-CN" altLang="en-US" sz="2800" b="1" dirty="0">
+              <a:solidFill>
+                <a:schemeClr val="tx1">
+                  <a:lumMod val="75000"/>
+                  <a:lumOff val="25000"/>
+                </a:schemeClr>
+              </a:solidFill>
+              <a:latin typeface="微软雅黑" pitchFamily="34" charset="-122"/>
+              <a:ea typeface="微软雅黑" pitchFamily="34" charset="-122"/>
+            </a:endParaRPr>
+          </a:p>
+        </p:txBody>
+      </p:sp>
+      <p:sp>
+        <p:nvSpPr>
+          <p:cNvPr id="5" name="TextBox 4"/>
+          <p:cNvSpPr txBox="1"/>
+          <p:nvPr/>
+        </p:nvSpPr>
+        <p:spPr>
+          <a:xfrm>
+            <a:off x="684000" y="836712"/>
+            <a:ext cx="7776000" cy="2862322"/>
+          </a:xfrm>
+          <a:prstGeom prst="rect">
+            <a:avLst/>
+          </a:prstGeom>
+          <a:noFill/>
+        </p:spPr>
+        <p:txBody>
+          <a:bodyPr wrap="square" rtlCol="0">
+            <a:spAutoFit/>
+          </a:bodyPr>
+          <a:lstStyle/>
+          <a:p>
             <a:pPr>
               <a:lnSpc>
                 <a:spcPct val="150000"/>
@@ -5866,7 +8170,7 @@
                 <a:latin typeface="微软雅黑" pitchFamily="34" charset="-122"/>
                 <a:ea typeface="微软雅黑" pitchFamily="34" charset="-122"/>
               </a:rPr>
-              <a:t>3-b </a:t>
+              <a:t>3-a AI</a:t>
             </a:r>
             <a:r>
               <a:rPr lang="zh-CN" altLang="en-US" sz="2400" b="1" dirty="0" smtClean="0">
@@ -5879,7 +8183,33 @@
                 <a:latin typeface="微软雅黑" pitchFamily="34" charset="-122"/>
                 <a:ea typeface="微软雅黑" pitchFamily="34" charset="-122"/>
               </a:rPr>
-              <a:t>切割文本路径</a:t>
+              <a:t>制作</a:t>
+            </a:r>
+            <a:r>
+              <a:rPr lang="zh-CN" altLang="en-US" sz="2400" b="1" dirty="0" smtClean="0">
+                <a:solidFill>
+                  <a:schemeClr val="tx1">
+                    <a:lumMod val="75000"/>
+                    <a:lumOff val="25000"/>
+                  </a:schemeClr>
+                </a:solidFill>
+                <a:latin typeface="微软雅黑" pitchFamily="34" charset="-122"/>
+                <a:ea typeface="微软雅黑" pitchFamily="34" charset="-122"/>
+              </a:rPr>
+              <a:t>文本</a:t>
+            </a:r>
+            <a:r>
+              <a:rPr lang="zh-CN" altLang="en-US" sz="2400" b="1" dirty="0" smtClean="0">
+                <a:solidFill>
+                  <a:schemeClr val="tx1">
+                    <a:lumMod val="75000"/>
+                    <a:lumOff val="25000"/>
+                  </a:schemeClr>
+                </a:solidFill>
+                <a:latin typeface="微软雅黑" pitchFamily="34" charset="-122"/>
+                <a:ea typeface="微软雅黑" pitchFamily="34" charset="-122"/>
+              </a:rPr>
+              <a:t>碎片</a:t>
             </a:r>
             <a:endParaRPr lang="en-US" altLang="zh-CN" sz="2400" b="1" dirty="0" smtClean="0">
               <a:solidFill>
@@ -5892,12 +8222,488 @@
               <a:ea typeface="微软雅黑" pitchFamily="34" charset="-122"/>
             </a:endParaRPr>
           </a:p>
+          <a:p>
+            <a:pPr>
+              <a:lnSpc>
+                <a:spcPct val="150000"/>
+              </a:lnSpc>
+            </a:pPr>
+            <a:r>
+              <a:rPr lang="zh-CN" altLang="en-US" sz="2400" dirty="0" smtClean="0">
+                <a:solidFill>
+                  <a:schemeClr val="tx1">
+                    <a:lumMod val="75000"/>
+                    <a:lumOff val="25000"/>
+                  </a:schemeClr>
+                </a:solidFill>
+                <a:latin typeface="微软雅黑" pitchFamily="34" charset="-122"/>
+                <a:ea typeface="微软雅黑" pitchFamily="34" charset="-122"/>
+              </a:rPr>
+              <a:t>首先创建一个空白文件，这个文件的尺寸最好和将要在</a:t>
+            </a:r>
+            <a:r>
+              <a:rPr lang="en-US" altLang="zh-CN" sz="2400" dirty="0" smtClean="0">
+                <a:solidFill>
+                  <a:schemeClr val="tx1">
+                    <a:lumMod val="75000"/>
+                    <a:lumOff val="25000"/>
+                  </a:schemeClr>
+                </a:solidFill>
+                <a:latin typeface="微软雅黑" pitchFamily="34" charset="-122"/>
+                <a:ea typeface="微软雅黑" pitchFamily="34" charset="-122"/>
+              </a:rPr>
+              <a:t>HTML</a:t>
+            </a:r>
+            <a:r>
+              <a:rPr lang="zh-CN" altLang="en-US" sz="2400" dirty="0" smtClean="0">
+                <a:solidFill>
+                  <a:schemeClr val="tx1">
+                    <a:lumMod val="75000"/>
+                    <a:lumOff val="25000"/>
+                  </a:schemeClr>
+                </a:solidFill>
+                <a:latin typeface="微软雅黑" pitchFamily="34" charset="-122"/>
+                <a:ea typeface="微软雅黑" pitchFamily="34" charset="-122"/>
+              </a:rPr>
+              <a:t>文档中创建的</a:t>
+            </a:r>
+            <a:r>
+              <a:rPr lang="en-US" altLang="zh-CN" sz="2400" dirty="0" smtClean="0">
+                <a:solidFill>
+                  <a:schemeClr val="tx1">
+                    <a:lumMod val="75000"/>
+                    <a:lumOff val="25000"/>
+                  </a:schemeClr>
+                </a:solidFill>
+                <a:latin typeface="微软雅黑" pitchFamily="34" charset="-122"/>
+                <a:ea typeface="微软雅黑" pitchFamily="34" charset="-122"/>
+              </a:rPr>
+              <a:t>SVG</a:t>
+            </a:r>
+            <a:r>
+              <a:rPr lang="zh-CN" altLang="en-US" sz="2400" dirty="0" smtClean="0">
+                <a:solidFill>
+                  <a:schemeClr val="tx1">
+                    <a:lumMod val="75000"/>
+                    <a:lumOff val="25000"/>
+                  </a:schemeClr>
+                </a:solidFill>
+                <a:latin typeface="微软雅黑" pitchFamily="34" charset="-122"/>
+                <a:ea typeface="微软雅黑" pitchFamily="34" charset="-122"/>
+              </a:rPr>
+              <a:t>的</a:t>
+            </a:r>
+            <a:r>
+              <a:rPr lang="en-US" altLang="zh-CN" sz="2400" dirty="0" err="1" smtClean="0">
+                <a:solidFill>
+                  <a:schemeClr val="tx1">
+                    <a:lumMod val="75000"/>
+                    <a:lumOff val="25000"/>
+                  </a:schemeClr>
+                </a:solidFill>
+                <a:latin typeface="微软雅黑" pitchFamily="34" charset="-122"/>
+                <a:ea typeface="微软雅黑" pitchFamily="34" charset="-122"/>
+              </a:rPr>
+              <a:t>viewBox</a:t>
+            </a:r>
+            <a:r>
+              <a:rPr lang="zh-CN" altLang="en-US" sz="2400" dirty="0" smtClean="0">
+                <a:solidFill>
+                  <a:schemeClr val="tx1">
+                    <a:lumMod val="75000"/>
+                    <a:lumOff val="25000"/>
+                  </a:schemeClr>
+                </a:solidFill>
+                <a:latin typeface="微软雅黑" pitchFamily="34" charset="-122"/>
+                <a:ea typeface="微软雅黑" pitchFamily="34" charset="-122"/>
+              </a:rPr>
+              <a:t>尺寸一致，否则会造成不必要的麻烦</a:t>
+            </a:r>
+            <a:r>
+              <a:rPr lang="en-US" altLang="zh-CN" sz="2400" dirty="0" smtClean="0">
+                <a:solidFill>
+                  <a:schemeClr val="tx1">
+                    <a:lumMod val="75000"/>
+                    <a:lumOff val="25000"/>
+                  </a:schemeClr>
+                </a:solidFill>
+                <a:latin typeface="微软雅黑" pitchFamily="34" charset="-122"/>
+                <a:ea typeface="微软雅黑" pitchFamily="34" charset="-122"/>
+              </a:rPr>
+              <a:t>.</a:t>
+            </a:r>
+            <a:r>
+              <a:rPr lang="zh-CN" altLang="en-US" sz="2400" dirty="0" smtClean="0">
+                <a:solidFill>
+                  <a:schemeClr val="tx1">
+                    <a:lumMod val="75000"/>
+                    <a:lumOff val="25000"/>
+                  </a:schemeClr>
+                </a:solidFill>
+                <a:latin typeface="微软雅黑" pitchFamily="34" charset="-122"/>
+                <a:ea typeface="微软雅黑" pitchFamily="34" charset="-122"/>
+              </a:rPr>
+              <a:t>然后用文本工具</a:t>
+            </a:r>
+            <a:r>
+              <a:rPr lang="zh-CN" altLang="en-US" sz="2400" b="1" dirty="0" smtClean="0">
+                <a:solidFill>
+                  <a:schemeClr val="tx1">
+                    <a:lumMod val="75000"/>
+                    <a:lumOff val="25000"/>
+                  </a:schemeClr>
+                </a:solidFill>
+                <a:latin typeface="微软雅黑" pitchFamily="34" charset="-122"/>
+                <a:ea typeface="微软雅黑" pitchFamily="34" charset="-122"/>
+              </a:rPr>
+              <a:t>创建文本</a:t>
+            </a:r>
+            <a:r>
+              <a:rPr lang="en-US" altLang="zh-CN" sz="2400" b="1" dirty="0" smtClean="0">
+                <a:solidFill>
+                  <a:schemeClr val="tx1">
+                    <a:lumMod val="75000"/>
+                    <a:lumOff val="25000"/>
+                  </a:schemeClr>
+                </a:solidFill>
+                <a:latin typeface="微软雅黑" pitchFamily="34" charset="-122"/>
+                <a:ea typeface="微软雅黑" pitchFamily="34" charset="-122"/>
+              </a:rPr>
+              <a:t>,</a:t>
+            </a:r>
+            <a:r>
+              <a:rPr lang="zh-CN" altLang="en-US" sz="2400" b="1" dirty="0" smtClean="0">
+                <a:solidFill>
+                  <a:schemeClr val="tx1">
+                    <a:lumMod val="75000"/>
+                    <a:lumOff val="25000"/>
+                  </a:schemeClr>
+                </a:solidFill>
+                <a:latin typeface="微软雅黑" pitchFamily="34" charset="-122"/>
+                <a:ea typeface="微软雅黑" pitchFamily="34" charset="-122"/>
+              </a:rPr>
+              <a:t>建立文字轮廓，用刻刀工具分割轮廓，最后保存为</a:t>
+            </a:r>
+            <a:r>
+              <a:rPr lang="en-US" altLang="zh-CN" sz="2400" b="1" dirty="0" smtClean="0">
+                <a:solidFill>
+                  <a:schemeClr val="tx1">
+                    <a:lumMod val="75000"/>
+                    <a:lumOff val="25000"/>
+                  </a:schemeClr>
+                </a:solidFill>
+                <a:latin typeface="微软雅黑" pitchFamily="34" charset="-122"/>
+                <a:ea typeface="微软雅黑" pitchFamily="34" charset="-122"/>
+              </a:rPr>
+              <a:t>SVG</a:t>
+            </a:r>
+            <a:r>
+              <a:rPr lang="zh-CN" altLang="en-US" sz="2400" b="1" dirty="0" smtClean="0">
+                <a:solidFill>
+                  <a:schemeClr val="tx1">
+                    <a:lumMod val="75000"/>
+                    <a:lumOff val="25000"/>
+                  </a:schemeClr>
+                </a:solidFill>
+                <a:latin typeface="微软雅黑" pitchFamily="34" charset="-122"/>
+                <a:ea typeface="微软雅黑" pitchFamily="34" charset="-122"/>
+              </a:rPr>
+              <a:t>文件</a:t>
+            </a:r>
+            <a:endParaRPr lang="en-US" altLang="zh-CN" sz="2400" b="1" dirty="0" smtClean="0">
+              <a:solidFill>
+                <a:schemeClr val="tx1">
+                  <a:lumMod val="75000"/>
+                  <a:lumOff val="25000"/>
+                </a:schemeClr>
+              </a:solidFill>
+              <a:latin typeface="微软雅黑" pitchFamily="34" charset="-122"/>
+              <a:ea typeface="微软雅黑" pitchFamily="34" charset="-122"/>
+            </a:endParaRPr>
+          </a:p>
+        </p:txBody>
+      </p:sp>
+      <p:grpSp>
+        <p:nvGrpSpPr>
+          <p:cNvPr id="11" name="组合 10"/>
+          <p:cNvGrpSpPr/>
+          <p:nvPr/>
+        </p:nvGrpSpPr>
+        <p:grpSpPr>
+          <a:xfrm>
+            <a:off x="1007202" y="4073433"/>
+            <a:ext cx="2376263" cy="1371791"/>
+            <a:chOff x="1401701" y="3429000"/>
+            <a:chExt cx="2376263" cy="1371791"/>
+          </a:xfrm>
+        </p:grpSpPr>
+        <p:pic>
+          <p:nvPicPr>
+            <p:cNvPr id="3" name="图片 2" descr="屏幕剪辑"/>
+            <p:cNvPicPr>
+              <a:picLocks noChangeAspect="1"/>
+            </p:cNvPicPr>
+            <p:nvPr/>
+          </p:nvPicPr>
+          <p:blipFill>
+            <a:blip r:embed="rId2">
+              <a:extLst>
+                <a:ext uri="{28A0092B-C50C-407E-A947-70E740481C1C}">
+                  <a14:useLocalDpi xmlns:a14="http://schemas.microsoft.com/office/drawing/2010/main" val="0"/>
+                </a:ext>
+              </a:extLst>
+            </a:blip>
+            <a:stretch>
+              <a:fillRect/>
+            </a:stretch>
+          </p:blipFill>
+          <p:spPr>
+            <a:xfrm>
+              <a:off x="1401701" y="3429000"/>
+              <a:ext cx="714475" cy="1371791"/>
+            </a:xfrm>
+            <a:prstGeom prst="rect">
+              <a:avLst/>
+            </a:prstGeom>
+            <a:ln>
+              <a:noFill/>
+            </a:ln>
+            <a:effectLst>
+              <a:outerShdw blurRad="292100" dist="139700" dir="2700000" algn="tl" rotWithShape="0">
+                <a:srgbClr val="333333">
+                  <a:alpha val="65000"/>
+                </a:srgbClr>
+              </a:outerShdw>
+            </a:effectLst>
+          </p:spPr>
+        </p:pic>
+        <p:sp>
+          <p:nvSpPr>
+            <p:cNvPr id="6" name="矩形 5"/>
+            <p:cNvSpPr/>
+            <p:nvPr/>
+          </p:nvSpPr>
+          <p:spPr>
+            <a:xfrm>
+              <a:off x="1422369" y="4114895"/>
+              <a:ext cx="336569" cy="318332"/>
+            </a:xfrm>
+            <a:prstGeom prst="rect">
+              <a:avLst/>
+            </a:prstGeom>
+            <a:noFill/>
+            <a:ln w="38100">
+              <a:solidFill>
+                <a:srgbClr val="FFFF00"/>
+              </a:solidFill>
+            </a:ln>
+          </p:spPr>
+          <p:style>
+            <a:lnRef idx="2">
+              <a:schemeClr val="accent1">
+                <a:shade val="50000"/>
+              </a:schemeClr>
+            </a:lnRef>
+            <a:fillRef idx="1">
+              <a:schemeClr val="accent1"/>
+            </a:fillRef>
+            <a:effectRef idx="0">
+              <a:schemeClr val="accent1"/>
+            </a:effectRef>
+            <a:fontRef idx="minor">
+              <a:schemeClr val="lt1"/>
+            </a:fontRef>
+          </p:style>
+          <p:txBody>
+            <a:bodyPr rtlCol="0" anchor="ctr"/>
+            <a:lstStyle/>
+            <a:p>
+              <a:pPr algn="ctr"/>
+              <a:endParaRPr lang="zh-CN" altLang="en-US"/>
+            </a:p>
+          </p:txBody>
+        </p:sp>
+        <p:sp>
+          <p:nvSpPr>
+            <p:cNvPr id="7" name="圆角矩形标注 6"/>
+            <p:cNvSpPr/>
+            <p:nvPr/>
+          </p:nvSpPr>
+          <p:spPr>
+            <a:xfrm>
+              <a:off x="2116175" y="3564290"/>
+              <a:ext cx="1661789" cy="868937"/>
+            </a:xfrm>
+            <a:prstGeom prst="wedgeRoundRectCallout">
+              <a:avLst>
+                <a:gd name="adj1" fmla="val -67421"/>
+                <a:gd name="adj2" fmla="val 24520"/>
+                <a:gd name="adj3" fmla="val 16667"/>
+              </a:avLst>
+            </a:prstGeom>
+          </p:spPr>
+          <p:style>
+            <a:lnRef idx="2">
+              <a:schemeClr val="accent5"/>
+            </a:lnRef>
+            <a:fillRef idx="1">
+              <a:schemeClr val="lt1"/>
+            </a:fillRef>
+            <a:effectRef idx="0">
+              <a:schemeClr val="accent5"/>
+            </a:effectRef>
+            <a:fontRef idx="minor">
+              <a:schemeClr val="dk1"/>
+            </a:fontRef>
+          </p:style>
+          <p:txBody>
+            <a:bodyPr rtlCol="0" anchor="ctr"/>
+            <a:lstStyle/>
+            <a:p>
+              <a:pPr>
+                <a:lnSpc>
+                  <a:spcPct val="150000"/>
+                </a:lnSpc>
+              </a:pPr>
+              <a:r>
+                <a:rPr lang="zh-CN" altLang="en-US" sz="2000" dirty="0" smtClean="0">
+                  <a:solidFill>
+                    <a:schemeClr val="tx1">
+                      <a:lumMod val="75000"/>
+                      <a:lumOff val="25000"/>
+                    </a:schemeClr>
+                  </a:solidFill>
+                  <a:latin typeface="微软雅黑" pitchFamily="34" charset="-122"/>
+                  <a:ea typeface="微软雅黑" pitchFamily="34" charset="-122"/>
+                </a:rPr>
+                <a:t>工具栏选择文本工具</a:t>
+              </a:r>
+              <a:endParaRPr lang="en-US" altLang="zh-CN" sz="2000" dirty="0">
+                <a:solidFill>
+                  <a:schemeClr val="tx1">
+                    <a:lumMod val="75000"/>
+                    <a:lumOff val="25000"/>
+                  </a:schemeClr>
+                </a:solidFill>
+                <a:latin typeface="微软雅黑" pitchFamily="34" charset="-122"/>
+                <a:ea typeface="微软雅黑" pitchFamily="34" charset="-122"/>
+              </a:endParaRPr>
+            </a:p>
+          </p:txBody>
+        </p:sp>
+      </p:grpSp>
+      <p:pic>
+        <p:nvPicPr>
+          <p:cNvPr id="9" name="图片 8" descr="屏幕剪辑"/>
+          <p:cNvPicPr>
+            <a:picLocks noChangeAspect="1"/>
+          </p:cNvPicPr>
+          <p:nvPr/>
+        </p:nvPicPr>
+        <p:blipFill>
+          <a:blip r:embed="rId3">
+            <a:extLst>
+              <a:ext uri="{28A0092B-C50C-407E-A947-70E740481C1C}">
+                <a14:useLocalDpi xmlns:a14="http://schemas.microsoft.com/office/drawing/2010/main" val="0"/>
+              </a:ext>
+            </a:extLst>
+          </a:blip>
+          <a:stretch>
+            <a:fillRect/>
+          </a:stretch>
+        </p:blipFill>
+        <p:spPr>
+          <a:xfrm>
+            <a:off x="3698668" y="4105814"/>
+            <a:ext cx="4329716" cy="1481344"/>
+          </a:xfrm>
+          <a:prstGeom prst="rect">
+            <a:avLst/>
+          </a:prstGeom>
+          <a:ln>
+            <a:noFill/>
+          </a:ln>
+          <a:effectLst>
+            <a:outerShdw blurRad="292100" dist="139700" dir="2700000" algn="tl" rotWithShape="0">
+              <a:srgbClr val="333333">
+                <a:alpha val="65000"/>
+              </a:srgbClr>
+            </a:outerShdw>
+          </a:effectLst>
+        </p:spPr>
+      </p:pic>
+      <p:sp>
+        <p:nvSpPr>
+          <p:cNvPr id="10" name="圆角矩形标注 9"/>
+          <p:cNvSpPr/>
+          <p:nvPr/>
+        </p:nvSpPr>
+        <p:spPr>
+          <a:xfrm>
+            <a:off x="6407772" y="3669492"/>
+            <a:ext cx="1368152" cy="576064"/>
+          </a:xfrm>
+          <a:prstGeom prst="wedgeRoundRectCallout">
+            <a:avLst>
+              <a:gd name="adj1" fmla="val -26522"/>
+              <a:gd name="adj2" fmla="val 76641"/>
+              <a:gd name="adj3" fmla="val 16667"/>
+            </a:avLst>
+          </a:prstGeom>
+        </p:spPr>
+        <p:style>
+          <a:lnRef idx="2">
+            <a:schemeClr val="accent5"/>
+          </a:lnRef>
+          <a:fillRef idx="1">
+            <a:schemeClr val="lt1"/>
+          </a:fillRef>
+          <a:effectRef idx="0">
+            <a:schemeClr val="accent5"/>
+          </a:effectRef>
+          <a:fontRef idx="minor">
+            <a:schemeClr val="dk1"/>
+          </a:fontRef>
+        </p:style>
+        <p:txBody>
+          <a:bodyPr rtlCol="0" anchor="ctr"/>
+          <a:lstStyle/>
+          <a:p>
+            <a:pPr>
+              <a:lnSpc>
+                <a:spcPct val="150000"/>
+              </a:lnSpc>
+            </a:pPr>
+            <a:r>
+              <a:rPr lang="zh-CN" altLang="en-US" sz="2000" dirty="0" smtClean="0">
+                <a:solidFill>
+                  <a:schemeClr val="tx1">
+                    <a:lumMod val="75000"/>
+                    <a:lumOff val="25000"/>
+                  </a:schemeClr>
+                </a:solidFill>
+                <a:latin typeface="微软雅黑" pitchFamily="34" charset="-122"/>
+                <a:ea typeface="微软雅黑" pitchFamily="34" charset="-122"/>
+              </a:rPr>
+              <a:t>创建文本</a:t>
+            </a:r>
+            <a:endParaRPr lang="en-US" altLang="zh-CN" sz="2000" dirty="0">
+              <a:solidFill>
+                <a:schemeClr val="tx1">
+                  <a:lumMod val="75000"/>
+                  <a:lumOff val="25000"/>
+                </a:schemeClr>
+              </a:solidFill>
+              <a:latin typeface="微软雅黑" pitchFamily="34" charset="-122"/>
+              <a:ea typeface="微软雅黑" pitchFamily="34" charset="-122"/>
+            </a:endParaRPr>
+          </a:p>
         </p:txBody>
       </p:sp>
     </p:spTree>
     <p:extLst>
       <p:ext uri="{BB962C8B-B14F-4D97-AF65-F5344CB8AC3E}">
-        <p14:creationId xmlns:p14="http://schemas.microsoft.com/office/powerpoint/2010/main" val="3465320974"/>
+        <p14:creationId xmlns:p14="http://schemas.microsoft.com/office/powerpoint/2010/main" val="3163929320"/>
       </p:ext>
     </p:extLst>
   </p:cSld>
@@ -5931,26 +8737,108 @@
           <a:chExt cx="0" cy="0"/>
         </a:xfrm>
       </p:grpSpPr>
-      <p:sp>
-        <p:nvSpPr>
-          <p:cNvPr id="5" name="TextBox 4"/>
-          <p:cNvSpPr txBox="1"/>
+      <p:pic>
+        <p:nvPicPr>
+          <p:cNvPr id="1026" name="Picture 2"/>
+          <p:cNvPicPr>
+            <a:picLocks noChangeAspect="1" noChangeArrowheads="1"/>
+          </p:cNvPicPr>
           <p:nvPr/>
-        </p:nvSpPr>
-        <p:spPr>
+        </p:nvPicPr>
+        <p:blipFill rotWithShape="1">
+          <a:blip r:embed="rId2">
+            <a:extLst>
+              <a:ext uri="{28A0092B-C50C-407E-A947-70E740481C1C}">
+                <a14:useLocalDpi xmlns:a14="http://schemas.microsoft.com/office/drawing/2010/main" val="0"/>
+              </a:ext>
+            </a:extLst>
+          </a:blip>
+          <a:srcRect l="31141" t="16502" r="30953" b="28361"/>
+          <a:stretch/>
+        </p:blipFill>
+        <p:spPr bwMode="auto">
           <a:xfrm>
-            <a:off x="684000" y="188640"/>
-            <a:ext cx="7776000" cy="581057"/>
+            <a:off x="1403648" y="332656"/>
+            <a:ext cx="4871519" cy="3985789"/>
           </a:xfrm>
           <a:prstGeom prst="rect">
             <a:avLst/>
           </a:prstGeom>
-          <a:noFill/>
+          <a:ln>
+            <a:noFill/>
+          </a:ln>
+          <a:effectLst>
+            <a:outerShdw blurRad="292100" dist="139700" dir="2700000" algn="tl" rotWithShape="0">
+              <a:srgbClr val="333333">
+                <a:alpha val="65000"/>
+              </a:srgbClr>
+            </a:outerShdw>
+          </a:effectLst>
+          <a:extLst>
+            <a:ext uri="{909E8E84-426E-40DD-AFC4-6F175D3DCCD1}">
+              <a14:hiddenFill xmlns:a14="http://schemas.microsoft.com/office/drawing/2010/main">
+                <a:solidFill>
+                  <a:schemeClr val="accent1"/>
+                </a:solidFill>
+              </a14:hiddenFill>
+            </a:ext>
+            <a:ext uri="{91240B29-F687-4F45-9708-019B960494DF}">
+              <a14:hiddenLine xmlns:a14="http://schemas.microsoft.com/office/drawing/2010/main" w="9525">
+                <a:solidFill>
+                  <a:schemeClr val="tx1"/>
+                </a:solidFill>
+                <a:miter lim="800000"/>
+                <a:headEnd/>
+                <a:tailEnd/>
+              </a14:hiddenLine>
+            </a:ext>
+            <a:ext uri="{AF507438-7753-43E0-B8FC-AC1667EBCBE1}">
+              <a14:hiddenEffects xmlns:a14="http://schemas.microsoft.com/office/drawing/2010/main">
+                <a:effectLst>
+                  <a:outerShdw dist="35921" dir="2700000" algn="ctr" rotWithShape="0">
+                    <a:schemeClr val="bg2"/>
+                  </a:outerShdw>
+                </a:effectLst>
+              </a14:hiddenEffects>
+            </a:ext>
+          </a:extLst>
         </p:spPr>
-        <p:txBody>
-          <a:bodyPr wrap="square" rtlCol="0">
-            <a:spAutoFit/>
-          </a:bodyPr>
+      </p:pic>
+      <p:sp>
+        <p:nvSpPr>
+          <p:cNvPr id="5" name="圆角矩形标注 4"/>
+          <p:cNvSpPr/>
+          <p:nvPr/>
+        </p:nvSpPr>
+        <p:spPr>
+          <a:xfrm>
+            <a:off x="3995934" y="1522474"/>
+            <a:ext cx="2376265" cy="1062738"/>
+          </a:xfrm>
+          <a:prstGeom prst="wedgeRoundRectCallout">
+            <a:avLst>
+              <a:gd name="adj1" fmla="val -43873"/>
+              <a:gd name="adj2" fmla="val 100288"/>
+              <a:gd name="adj3" fmla="val 16667"/>
+            </a:avLst>
+          </a:prstGeom>
+        </p:spPr>
+        <p:style>
+          <a:lnRef idx="2">
+            <a:schemeClr val="accent5"/>
+          </a:lnRef>
+          <a:fillRef idx="1">
+            <a:schemeClr val="lt1"/>
+          </a:fillRef>
+          <a:effectRef idx="0">
+            <a:schemeClr val="accent5"/>
+          </a:effectRef>
+          <a:fontRef idx="minor">
+            <a:schemeClr val="dk1"/>
+          </a:fontRef>
+        </p:style>
+        <p:txBody>
+          <a:bodyPr rtlCol="0" anchor="ctr"/>
           <a:lstStyle/>
           <a:p>
             <a:pPr>
@@ -5959,71 +8847,19 @@
               </a:lnSpc>
             </a:pPr>
             <a:r>
-              <a:rPr lang="en-US" altLang="zh-CN" sz="2400" b="1" dirty="0" smtClean="0">
-                <a:solidFill>
-                  <a:schemeClr val="tx1">
-                    <a:lumMod val="75000"/>
-                    <a:lumOff val="25000"/>
-                  </a:schemeClr>
-                </a:solidFill>
-                <a:latin typeface="微软雅黑" pitchFamily="34" charset="-122"/>
-                <a:ea typeface="微软雅黑" pitchFamily="34" charset="-122"/>
-              </a:rPr>
-              <a:t>3-c </a:t>
-            </a:r>
-            <a:r>
-              <a:rPr lang="zh-CN" altLang="en-US" sz="2400" b="1" dirty="0" smtClean="0">
-                <a:solidFill>
-                  <a:schemeClr val="tx1">
-                    <a:lumMod val="75000"/>
-                    <a:lumOff val="25000"/>
-                  </a:schemeClr>
-                </a:solidFill>
-                <a:latin typeface="微软雅黑" pitchFamily="34" charset="-122"/>
-                <a:ea typeface="微软雅黑" pitchFamily="34" charset="-122"/>
-              </a:rPr>
-              <a:t>将</a:t>
-            </a:r>
-            <a:r>
-              <a:rPr lang="en-US" altLang="zh-CN" sz="2400" b="1" dirty="0" smtClean="0">
-                <a:solidFill>
-                  <a:schemeClr val="tx1">
-                    <a:lumMod val="75000"/>
-                    <a:lumOff val="25000"/>
-                  </a:schemeClr>
-                </a:solidFill>
-                <a:latin typeface="微软雅黑" pitchFamily="34" charset="-122"/>
-                <a:ea typeface="微软雅黑" pitchFamily="34" charset="-122"/>
-              </a:rPr>
-              <a:t>SVG</a:t>
-            </a:r>
-            <a:r>
-              <a:rPr lang="zh-CN" altLang="en-US" sz="2400" b="1" dirty="0" smtClean="0">
-                <a:solidFill>
-                  <a:schemeClr val="tx1">
-                    <a:lumMod val="75000"/>
-                    <a:lumOff val="25000"/>
-                  </a:schemeClr>
-                </a:solidFill>
-                <a:latin typeface="微软雅黑" pitchFamily="34" charset="-122"/>
-                <a:ea typeface="微软雅黑" pitchFamily="34" charset="-122"/>
-              </a:rPr>
-              <a:t>数据导入</a:t>
-            </a:r>
-            <a:r>
-              <a:rPr lang="en-US" altLang="zh-CN" sz="2400" b="1" dirty="0" smtClean="0">
-                <a:solidFill>
-                  <a:schemeClr val="tx1">
-                    <a:lumMod val="75000"/>
-                    <a:lumOff val="25000"/>
-                  </a:schemeClr>
-                </a:solidFill>
-                <a:latin typeface="微软雅黑" pitchFamily="34" charset="-122"/>
-                <a:ea typeface="微软雅黑" pitchFamily="34" charset="-122"/>
-              </a:rPr>
-              <a:t>HTML</a:t>
-            </a:r>
-            <a:endParaRPr lang="en-US" altLang="zh-CN" sz="2400" b="1" dirty="0" smtClean="0">
+              <a:rPr lang="zh-CN" altLang="en-US" sz="2000" dirty="0" smtClean="0">
+                <a:solidFill>
+                  <a:schemeClr val="tx1">
+                    <a:lumMod val="75000"/>
+                    <a:lumOff val="25000"/>
+                  </a:schemeClr>
+                </a:solidFill>
+                <a:latin typeface="微软雅黑" pitchFamily="34" charset="-122"/>
+                <a:ea typeface="微软雅黑" pitchFamily="34" charset="-122"/>
+              </a:rPr>
+              <a:t>用选择工具选中文本，然后创建轮廓</a:t>
+            </a:r>
+            <a:endParaRPr lang="en-US" altLang="zh-CN" sz="2000" dirty="0">
               <a:solidFill>
                 <a:schemeClr val="tx1">
                   <a:lumMod val="75000"/>
@@ -6036,23 +8872,225 @@
           </a:p>
         </p:txBody>
       </p:sp>
+      <p:pic>
+        <p:nvPicPr>
+          <p:cNvPr id="6" name="图片 5" descr="屏幕剪辑"/>
+          <p:cNvPicPr>
+            <a:picLocks noChangeAspect="1"/>
+          </p:cNvPicPr>
+          <p:nvPr/>
+        </p:nvPicPr>
+        <p:blipFill>
+          <a:blip r:embed="rId3">
+            <a:extLst>
+              <a:ext uri="{28A0092B-C50C-407E-A947-70E740481C1C}">
+                <a14:useLocalDpi xmlns:a14="http://schemas.microsoft.com/office/drawing/2010/main" val="0"/>
+              </a:ext>
+            </a:extLst>
+          </a:blip>
+          <a:stretch>
+            <a:fillRect/>
+          </a:stretch>
+        </p:blipFill>
+        <p:spPr>
+          <a:xfrm>
+            <a:off x="1403648" y="4509120"/>
+            <a:ext cx="5753903" cy="1943371"/>
+          </a:xfrm>
+          <a:prstGeom prst="rect">
+            <a:avLst/>
+          </a:prstGeom>
+          <a:ln>
+            <a:noFill/>
+          </a:ln>
+          <a:effectLst>
+            <a:outerShdw blurRad="292100" dist="139700" dir="2700000" algn="tl" rotWithShape="0">
+              <a:srgbClr val="333333">
+                <a:alpha val="65000"/>
+              </a:srgbClr>
+            </a:outerShdw>
+          </a:effectLst>
+        </p:spPr>
+      </p:pic>
+      <p:sp>
+        <p:nvSpPr>
+          <p:cNvPr id="7" name="圆角矩形标注 6"/>
+          <p:cNvSpPr/>
+          <p:nvPr/>
+        </p:nvSpPr>
+        <p:spPr>
+          <a:xfrm>
+            <a:off x="6536225" y="3899179"/>
+            <a:ext cx="1368152" cy="576064"/>
+          </a:xfrm>
+          <a:prstGeom prst="wedgeRoundRectCallout">
+            <a:avLst>
+              <a:gd name="adj1" fmla="val -35500"/>
+              <a:gd name="adj2" fmla="val 86118"/>
+              <a:gd name="adj3" fmla="val 16667"/>
+            </a:avLst>
+          </a:prstGeom>
+        </p:spPr>
+        <p:style>
+          <a:lnRef idx="2">
+            <a:schemeClr val="accent5"/>
+          </a:lnRef>
+          <a:fillRef idx="1">
+            <a:schemeClr val="lt1"/>
+          </a:fillRef>
+          <a:effectRef idx="0">
+            <a:schemeClr val="accent5"/>
+          </a:effectRef>
+          <a:fontRef idx="minor">
+            <a:schemeClr val="dk1"/>
+          </a:fontRef>
+        </p:style>
+        <p:txBody>
+          <a:bodyPr rtlCol="0" anchor="ctr"/>
+          <a:lstStyle/>
+          <a:p>
+            <a:pPr>
+              <a:lnSpc>
+                <a:spcPct val="150000"/>
+              </a:lnSpc>
+            </a:pPr>
+            <a:r>
+              <a:rPr lang="zh-CN" altLang="en-US" sz="2000" dirty="0" smtClean="0">
+                <a:solidFill>
+                  <a:schemeClr val="tx1">
+                    <a:lumMod val="75000"/>
+                    <a:lumOff val="25000"/>
+                  </a:schemeClr>
+                </a:solidFill>
+                <a:latin typeface="微软雅黑" pitchFamily="34" charset="-122"/>
+                <a:ea typeface="微软雅黑" pitchFamily="34" charset="-122"/>
+              </a:rPr>
+              <a:t>文本轮廓</a:t>
+            </a:r>
+            <a:endParaRPr lang="en-US" altLang="zh-CN" sz="2000" dirty="0">
+              <a:solidFill>
+                <a:schemeClr val="tx1">
+                  <a:lumMod val="75000"/>
+                  <a:lumOff val="25000"/>
+                </a:schemeClr>
+              </a:solidFill>
+              <a:latin typeface="微软雅黑" pitchFamily="34" charset="-122"/>
+              <a:ea typeface="微软雅黑" pitchFamily="34" charset="-122"/>
+            </a:endParaRPr>
+          </a:p>
+        </p:txBody>
+      </p:sp>
+      <p:grpSp>
+        <p:nvGrpSpPr>
+          <p:cNvPr id="4" name="组合 3"/>
+          <p:cNvGrpSpPr/>
+          <p:nvPr/>
+        </p:nvGrpSpPr>
+        <p:grpSpPr>
+          <a:xfrm>
+            <a:off x="6536225" y="2132856"/>
+            <a:ext cx="714475" cy="962159"/>
+            <a:chOff x="6536225" y="2132856"/>
+            <a:chExt cx="714475" cy="962159"/>
+          </a:xfrm>
+        </p:grpSpPr>
+        <p:pic>
+          <p:nvPicPr>
+            <p:cNvPr id="3" name="图片 2" descr="屏幕剪辑"/>
+            <p:cNvPicPr>
+              <a:picLocks noChangeAspect="1"/>
+            </p:cNvPicPr>
+            <p:nvPr/>
+          </p:nvPicPr>
+          <p:blipFill>
+            <a:blip r:embed="rId4">
+              <a:extLst>
+                <a:ext uri="{28A0092B-C50C-407E-A947-70E740481C1C}">
+                  <a14:useLocalDpi xmlns:a14="http://schemas.microsoft.com/office/drawing/2010/main" val="0"/>
+                </a:ext>
+              </a:extLst>
+            </a:blip>
+            <a:stretch>
+              <a:fillRect/>
+            </a:stretch>
+          </p:blipFill>
+          <p:spPr>
+            <a:xfrm>
+              <a:off x="6536225" y="2132856"/>
+              <a:ext cx="714475" cy="962159"/>
+            </a:xfrm>
+            <a:prstGeom prst="rect">
+              <a:avLst/>
+            </a:prstGeom>
+            <a:ln>
+              <a:noFill/>
+            </a:ln>
+            <a:effectLst>
+              <a:outerShdw blurRad="292100" dist="139700" dir="2700000" algn="tl" rotWithShape="0">
+                <a:srgbClr val="333333">
+                  <a:alpha val="65000"/>
+                </a:srgbClr>
+              </a:outerShdw>
+            </a:effectLst>
+          </p:spPr>
+        </p:pic>
+        <p:sp>
+          <p:nvSpPr>
+            <p:cNvPr id="8" name="矩形 7"/>
+            <p:cNvSpPr/>
+            <p:nvPr/>
+          </p:nvSpPr>
+          <p:spPr>
+            <a:xfrm>
+              <a:off x="6588224" y="2204864"/>
+              <a:ext cx="336569" cy="318332"/>
+            </a:xfrm>
+            <a:prstGeom prst="rect">
+              <a:avLst/>
+            </a:prstGeom>
+            <a:noFill/>
+            <a:ln w="38100">
+              <a:solidFill>
+                <a:srgbClr val="FFFF00"/>
+              </a:solidFill>
+            </a:ln>
+          </p:spPr>
+          <p:style>
+            <a:lnRef idx="2">
+              <a:schemeClr val="accent1">
+                <a:shade val="50000"/>
+              </a:schemeClr>
+            </a:lnRef>
+            <a:fillRef idx="1">
+              <a:schemeClr val="accent1"/>
+            </a:fillRef>
+            <a:effectRef idx="0">
+              <a:schemeClr val="accent1"/>
+            </a:effectRef>
+            <a:fontRef idx="minor">
+              <a:schemeClr val="lt1"/>
+            </a:fontRef>
+          </p:style>
+          <p:txBody>
+            <a:bodyPr rtlCol="0" anchor="ctr"/>
+            <a:lstStyle/>
+            <a:p>
+              <a:pPr algn="ctr"/>
+              <a:endParaRPr lang="zh-CN" altLang="en-US"/>
+            </a:p>
+          </p:txBody>
+        </p:sp>
+      </p:grpSp>
     </p:spTree>
     <p:extLst>
       <p:ext uri="{BB962C8B-B14F-4D97-AF65-F5344CB8AC3E}">
-        <p14:creationId xmlns:p14="http://schemas.microsoft.com/office/powerpoint/2010/main" val="449658180"/>
+        <p14:creationId xmlns:p14="http://schemas.microsoft.com/office/powerpoint/2010/main" val="1177530050"/>
       </p:ext>
     </p:extLst>
   </p:cSld>
   <p:clrMapOvr>
     <a:masterClrMapping/>
   </p:clrMapOvr>
-  <p:timing>
-    <p:tnLst>
-      <p:par>
-        <p:cTn id="1" dur="indefinite" restart="never" nodeType="tmRoot"/>
-      </p:par>
-    </p:tnLst>
-  </p:timing>
 </p:sld>
 </file>
 
@@ -6073,94 +9111,243 @@
           <a:chExt cx="0" cy="0"/>
         </a:xfrm>
       </p:grpSpPr>
-      <p:sp>
-        <p:nvSpPr>
-          <p:cNvPr id="4" name="TextBox 3"/>
-          <p:cNvSpPr txBox="1"/>
+      <p:pic>
+        <p:nvPicPr>
+          <p:cNvPr id="2" name="图片 1" descr="屏幕剪辑"/>
+          <p:cNvPicPr>
+            <a:picLocks noChangeAspect="1"/>
+          </p:cNvPicPr>
           <p:nvPr/>
-        </p:nvSpPr>
+        </p:nvPicPr>
+        <p:blipFill>
+          <a:blip r:embed="rId2">
+            <a:extLst>
+              <a:ext uri="{28A0092B-C50C-407E-A947-70E740481C1C}">
+                <a14:useLocalDpi xmlns:a14="http://schemas.microsoft.com/office/drawing/2010/main" val="0"/>
+              </a:ext>
+            </a:extLst>
+          </a:blip>
+          <a:stretch>
+            <a:fillRect/>
+          </a:stretch>
+        </p:blipFill>
         <p:spPr>
           <a:xfrm>
-            <a:off x="684000" y="260648"/>
-            <a:ext cx="7776000" cy="523220"/>
+            <a:off x="1259632" y="3325622"/>
+            <a:ext cx="5580000" cy="1836000"/>
           </a:xfrm>
           <a:prstGeom prst="rect">
             <a:avLst/>
           </a:prstGeom>
-          <a:noFill/>
+          <a:ln>
+            <a:noFill/>
+          </a:ln>
+          <a:effectLst>
+            <a:outerShdw blurRad="292100" dist="139700" dir="2700000" algn="tl" rotWithShape="0">
+              <a:srgbClr val="333333">
+                <a:alpha val="65000"/>
+              </a:srgbClr>
+            </a:outerShdw>
+          </a:effectLst>
         </p:spPr>
-        <p:txBody>
-          <a:bodyPr wrap="square" rtlCol="0">
-            <a:spAutoFit/>
-          </a:bodyPr>
+      </p:pic>
+      <p:grpSp>
+        <p:nvGrpSpPr>
+          <p:cNvPr id="6" name="组合 5"/>
+          <p:cNvGrpSpPr/>
+          <p:nvPr/>
+        </p:nvGrpSpPr>
+        <p:grpSpPr>
+          <a:xfrm>
+            <a:off x="1259632" y="332656"/>
+            <a:ext cx="752580" cy="1514686"/>
+            <a:chOff x="1259632" y="332656"/>
+            <a:chExt cx="752580" cy="1514686"/>
+          </a:xfrm>
+        </p:grpSpPr>
+        <p:pic>
+          <p:nvPicPr>
+            <p:cNvPr id="4" name="图片 3" descr="屏幕剪辑"/>
+            <p:cNvPicPr>
+              <a:picLocks noChangeAspect="1"/>
+            </p:cNvPicPr>
+            <p:nvPr/>
+          </p:nvPicPr>
+          <p:blipFill>
+            <a:blip r:embed="rId3">
+              <a:extLst>
+                <a:ext uri="{28A0092B-C50C-407E-A947-70E740481C1C}">
+                  <a14:useLocalDpi xmlns:a14="http://schemas.microsoft.com/office/drawing/2010/main" val="0"/>
+                </a:ext>
+              </a:extLst>
+            </a:blip>
+            <a:stretch>
+              <a:fillRect/>
+            </a:stretch>
+          </p:blipFill>
+          <p:spPr>
+            <a:xfrm>
+              <a:off x="1259632" y="332656"/>
+              <a:ext cx="752580" cy="1514686"/>
+            </a:xfrm>
+            <a:prstGeom prst="rect">
+              <a:avLst/>
+            </a:prstGeom>
+            <a:ln>
+              <a:noFill/>
+            </a:ln>
+            <a:effectLst>
+              <a:outerShdw blurRad="292100" dist="139700" dir="2700000" algn="tl" rotWithShape="0">
+                <a:srgbClr val="333333">
+                  <a:alpha val="65000"/>
+                </a:srgbClr>
+              </a:outerShdw>
+            </a:effectLst>
+          </p:spPr>
+        </p:pic>
+        <p:sp>
+          <p:nvSpPr>
+            <p:cNvPr id="5" name="矩形 4"/>
+            <p:cNvSpPr/>
+            <p:nvPr/>
+          </p:nvSpPr>
+          <p:spPr>
+            <a:xfrm>
+              <a:off x="1590653" y="1412776"/>
+              <a:ext cx="336569" cy="318332"/>
+            </a:xfrm>
+            <a:prstGeom prst="rect">
+              <a:avLst/>
+            </a:prstGeom>
+            <a:noFill/>
+            <a:ln w="38100">
+              <a:solidFill>
+                <a:srgbClr val="FFFF00"/>
+              </a:solidFill>
+            </a:ln>
+          </p:spPr>
+          <p:style>
+            <a:lnRef idx="2">
+              <a:schemeClr val="accent1">
+                <a:shade val="50000"/>
+              </a:schemeClr>
+            </a:lnRef>
+            <a:fillRef idx="1">
+              <a:schemeClr val="accent1"/>
+            </a:fillRef>
+            <a:effectRef idx="0">
+              <a:schemeClr val="accent1"/>
+            </a:effectRef>
+            <a:fontRef idx="minor">
+              <a:schemeClr val="lt1"/>
+            </a:fontRef>
+          </p:style>
+          <p:txBody>
+            <a:bodyPr rtlCol="0" anchor="ctr"/>
+            <a:lstStyle/>
+            <a:p>
+              <a:pPr algn="ctr"/>
+              <a:endParaRPr lang="zh-CN" altLang="en-US"/>
+            </a:p>
+          </p:txBody>
+        </p:sp>
+      </p:grpSp>
+      <p:pic>
+        <p:nvPicPr>
+          <p:cNvPr id="7" name="图片 6" descr="屏幕剪辑"/>
+          <p:cNvPicPr>
+            <a:picLocks noChangeAspect="1"/>
+          </p:cNvPicPr>
+          <p:nvPr/>
+        </p:nvPicPr>
+        <p:blipFill>
+          <a:blip r:embed="rId4">
+            <a:extLst>
+              <a:ext uri="{28A0092B-C50C-407E-A947-70E740481C1C}">
+                <a14:useLocalDpi xmlns:a14="http://schemas.microsoft.com/office/drawing/2010/main" val="0"/>
+              </a:ext>
+            </a:extLst>
+          </a:blip>
+          <a:stretch>
+            <a:fillRect/>
+          </a:stretch>
+        </p:blipFill>
+        <p:spPr>
+          <a:xfrm>
+            <a:off x="2267744" y="332656"/>
+            <a:ext cx="5582429" cy="1790950"/>
+          </a:xfrm>
+          <a:prstGeom prst="rect">
+            <a:avLst/>
+          </a:prstGeom>
+          <a:ln>
+            <a:noFill/>
+          </a:ln>
+          <a:effectLst>
+            <a:outerShdw blurRad="292100" dist="139700" dir="2700000" algn="tl" rotWithShape="0">
+              <a:srgbClr val="333333">
+                <a:alpha val="65000"/>
+              </a:srgbClr>
+            </a:outerShdw>
+          </a:effectLst>
+        </p:spPr>
+      </p:pic>
+      <p:sp>
+        <p:nvSpPr>
+          <p:cNvPr id="8" name="圆角矩形标注 7"/>
+          <p:cNvSpPr/>
+          <p:nvPr/>
+        </p:nvSpPr>
+        <p:spPr>
+          <a:xfrm>
+            <a:off x="2610076" y="2002782"/>
+            <a:ext cx="2879112" cy="922161"/>
+          </a:xfrm>
+          <a:prstGeom prst="wedgeRoundRectCallout">
+            <a:avLst>
+              <a:gd name="adj1" fmla="val -30611"/>
+              <a:gd name="adj2" fmla="val -75198"/>
+              <a:gd name="adj3" fmla="val 16667"/>
+            </a:avLst>
+          </a:prstGeom>
+        </p:spPr>
+        <p:style>
+          <a:lnRef idx="2">
+            <a:schemeClr val="accent5"/>
+          </a:lnRef>
+          <a:fillRef idx="1">
+            <a:schemeClr val="lt1"/>
+          </a:fillRef>
+          <a:effectRef idx="0">
+            <a:schemeClr val="accent5"/>
+          </a:effectRef>
+          <a:fontRef idx="minor">
+            <a:schemeClr val="dk1"/>
+          </a:fontRef>
+        </p:style>
+        <p:txBody>
+          <a:bodyPr rtlCol="0" anchor="ctr"/>
           <a:lstStyle/>
           <a:p>
-            <a:r>
-              <a:rPr lang="en-US" altLang="zh-CN" sz="2800" b="1" dirty="0" smtClean="0">
-                <a:solidFill>
-                  <a:schemeClr val="tx1">
-                    <a:lumMod val="75000"/>
-                    <a:lumOff val="25000"/>
-                  </a:schemeClr>
-                </a:solidFill>
-                <a:latin typeface="微软雅黑" pitchFamily="34" charset="-122"/>
-                <a:ea typeface="微软雅黑" pitchFamily="34" charset="-122"/>
-              </a:rPr>
-              <a:t>4</a:t>
-            </a:r>
-            <a:r>
-              <a:rPr lang="en-US" altLang="zh-CN" sz="2800" b="1" dirty="0" smtClean="0">
-                <a:solidFill>
-                  <a:schemeClr val="tx1">
-                    <a:lumMod val="75000"/>
-                    <a:lumOff val="25000"/>
-                  </a:schemeClr>
-                </a:solidFill>
-                <a:latin typeface="微软雅黑" pitchFamily="34" charset="-122"/>
-                <a:ea typeface="微软雅黑" pitchFamily="34" charset="-122"/>
-              </a:rPr>
-              <a:t>.</a:t>
-            </a:r>
-            <a:r>
-              <a:rPr lang="en-US" altLang="zh-CN" sz="2800" b="1" dirty="0" smtClean="0">
-                <a:solidFill>
-                  <a:schemeClr val="tx1">
-                    <a:lumMod val="75000"/>
-                    <a:lumOff val="25000"/>
-                  </a:schemeClr>
-                </a:solidFill>
-                <a:latin typeface="微软雅黑" pitchFamily="34" charset="-122"/>
-                <a:ea typeface="微软雅黑" pitchFamily="34" charset="-122"/>
-              </a:rPr>
-              <a:t>JS</a:t>
-            </a:r>
-            <a:r>
-              <a:rPr lang="zh-CN" altLang="en-US" sz="2800" b="1" dirty="0">
-                <a:solidFill>
-                  <a:schemeClr val="tx1">
-                    <a:lumMod val="75000"/>
-                    <a:lumOff val="25000"/>
-                  </a:schemeClr>
-                </a:solidFill>
-                <a:latin typeface="微软雅黑" pitchFamily="34" charset="-122"/>
-                <a:ea typeface="微软雅黑" pitchFamily="34" charset="-122"/>
-              </a:rPr>
-              <a:t>动画</a:t>
-            </a:r>
-            <a:r>
-              <a:rPr lang="zh-CN" altLang="en-US" sz="2800" b="1" dirty="0" smtClean="0">
-                <a:solidFill>
-                  <a:schemeClr val="tx1">
-                    <a:lumMod val="75000"/>
-                    <a:lumOff val="25000"/>
-                  </a:schemeClr>
-                </a:solidFill>
-                <a:latin typeface="微软雅黑" pitchFamily="34" charset="-122"/>
-                <a:ea typeface="微软雅黑" pitchFamily="34" charset="-122"/>
-              </a:rPr>
-              <a:t> </a:t>
-            </a:r>
-            <a:endParaRPr lang="zh-CN" altLang="en-US" sz="2800" b="1" dirty="0">
+            <a:pPr>
+              <a:lnSpc>
+                <a:spcPct val="150000"/>
+              </a:lnSpc>
+            </a:pPr>
+            <a:r>
+              <a:rPr lang="zh-CN" altLang="en-US" sz="2000" dirty="0" smtClean="0">
+                <a:solidFill>
+                  <a:schemeClr val="tx1">
+                    <a:lumMod val="75000"/>
+                    <a:lumOff val="25000"/>
+                  </a:schemeClr>
+                </a:solidFill>
+                <a:latin typeface="微软雅黑" pitchFamily="34" charset="-122"/>
+                <a:ea typeface="微软雅黑" pitchFamily="34" charset="-122"/>
+              </a:rPr>
+              <a:t>用刻刀工具在轮廓上直接滑动，切割路径</a:t>
+            </a:r>
+            <a:endParaRPr lang="en-US" altLang="zh-CN" sz="2000" dirty="0">
               <a:solidFill>
                 <a:schemeClr val="tx1">
                   <a:lumMod val="75000"/>
@@ -6175,24 +9362,39 @@
       </p:sp>
       <p:sp>
         <p:nvSpPr>
-          <p:cNvPr id="5" name="TextBox 4"/>
-          <p:cNvSpPr txBox="1"/>
+          <p:cNvPr id="9" name="圆角矩形标注 8"/>
+          <p:cNvSpPr/>
           <p:nvPr/>
         </p:nvSpPr>
         <p:spPr>
           <a:xfrm>
-            <a:off x="684000" y="836712"/>
-            <a:ext cx="7776000" cy="581057"/>
+            <a:off x="6516216" y="2924942"/>
+            <a:ext cx="1838013" cy="576065"/>
           </a:xfrm>
-          <a:prstGeom prst="rect">
-            <a:avLst/>
+          <a:prstGeom prst="wedgeRoundRectCallout">
+            <a:avLst>
+              <a:gd name="adj1" fmla="val -41006"/>
+              <a:gd name="adj2" fmla="val 89079"/>
+              <a:gd name="adj3" fmla="val 16667"/>
+            </a:avLst>
           </a:prstGeom>
-          <a:noFill/>
         </p:spPr>
-        <p:txBody>
-          <a:bodyPr wrap="square" rtlCol="0">
-            <a:spAutoFit/>
-          </a:bodyPr>
+        <p:style>
+          <a:lnRef idx="2">
+            <a:schemeClr val="accent5"/>
+          </a:lnRef>
+          <a:fillRef idx="1">
+            <a:schemeClr val="lt1"/>
+          </a:fillRef>
+          <a:effectRef idx="0">
+            <a:schemeClr val="accent5"/>
+          </a:effectRef>
+          <a:fontRef idx="minor">
+            <a:schemeClr val="dk1"/>
+          </a:fontRef>
+        </p:style>
+        <p:txBody>
+          <a:bodyPr rtlCol="0" anchor="ctr"/>
           <a:lstStyle/>
           <a:p>
             <a:pPr>
@@ -6201,45 +9403,19 @@
               </a:lnSpc>
             </a:pPr>
             <a:r>
-              <a:rPr lang="en-US" altLang="zh-CN" sz="2400" b="1" dirty="0" smtClean="0">
-                <a:solidFill>
-                  <a:schemeClr val="tx1">
-                    <a:lumMod val="75000"/>
-                    <a:lumOff val="25000"/>
-                  </a:schemeClr>
-                </a:solidFill>
-                <a:latin typeface="微软雅黑" pitchFamily="34" charset="-122"/>
-                <a:ea typeface="微软雅黑" pitchFamily="34" charset="-122"/>
-              </a:rPr>
-              <a:t>4</a:t>
-            </a:r>
-            <a:r>
-              <a:rPr lang="en-US" altLang="zh-CN" sz="2400" b="1" dirty="0" smtClean="0">
-                <a:solidFill>
-                  <a:schemeClr val="tx1">
-                    <a:lumMod val="75000"/>
-                    <a:lumOff val="25000"/>
-                  </a:schemeClr>
-                </a:solidFill>
-                <a:latin typeface="微软雅黑" pitchFamily="34" charset="-122"/>
-                <a:ea typeface="微软雅黑" pitchFamily="34" charset="-122"/>
-              </a:rPr>
-              <a:t>-a JS</a:t>
-            </a:r>
-            <a:r>
-              <a:rPr lang="zh-CN" altLang="en-US" sz="2400" b="1" dirty="0" smtClean="0">
-                <a:solidFill>
-                  <a:schemeClr val="tx1">
-                    <a:lumMod val="75000"/>
-                    <a:lumOff val="25000"/>
-                  </a:schemeClr>
-                </a:solidFill>
-                <a:latin typeface="微软雅黑" pitchFamily="34" charset="-122"/>
-                <a:ea typeface="微软雅黑" pitchFamily="34" charset="-122"/>
-              </a:rPr>
-              <a:t>动画原理</a:t>
-            </a:r>
-            <a:endParaRPr lang="en-US" altLang="zh-CN" sz="2400" b="1" dirty="0" smtClean="0">
+              <a:rPr lang="zh-CN" altLang="en-US" sz="2000" dirty="0" smtClean="0">
+                <a:solidFill>
+                  <a:schemeClr val="tx1">
+                    <a:lumMod val="75000"/>
+                    <a:lumOff val="25000"/>
+                  </a:schemeClr>
+                </a:solidFill>
+                <a:latin typeface="微软雅黑" pitchFamily="34" charset="-122"/>
+                <a:ea typeface="微软雅黑" pitchFamily="34" charset="-122"/>
+              </a:rPr>
+              <a:t>轮廓被切割后</a:t>
+            </a:r>
+            <a:endParaRPr lang="en-US" altLang="zh-CN" sz="2000" dirty="0">
               <a:solidFill>
                 <a:schemeClr val="tx1">
                   <a:lumMod val="75000"/>
@@ -6255,20 +9431,13 @@
     </p:spTree>
     <p:extLst>
       <p:ext uri="{BB962C8B-B14F-4D97-AF65-F5344CB8AC3E}">
-        <p14:creationId xmlns:p14="http://schemas.microsoft.com/office/powerpoint/2010/main" val="2288785341"/>
+        <p14:creationId xmlns:p14="http://schemas.microsoft.com/office/powerpoint/2010/main" val="1208058624"/>
       </p:ext>
     </p:extLst>
   </p:cSld>
   <p:clrMapOvr>
     <a:masterClrMapping/>
   </p:clrMapOvr>
-  <p:timing>
-    <p:tnLst>
-      <p:par>
-        <p:cTn id="1" dur="indefinite" restart="never" nodeType="tmRoot"/>
-      </p:par>
-    </p:tnLst>
-  </p:timing>
 </p:sld>
 </file>
 
@@ -6297,8 +9466,8 @@
         </p:nvSpPr>
         <p:spPr>
           <a:xfrm>
-            <a:off x="684000" y="188640"/>
-            <a:ext cx="7776000" cy="581057"/>
+            <a:off x="684000" y="44624"/>
+            <a:ext cx="7776000" cy="1754326"/>
           </a:xfrm>
           <a:prstGeom prst="rect">
             <a:avLst/>
@@ -6327,7 +9496,7 @@
                 <a:latin typeface="微软雅黑" pitchFamily="34" charset="-122"/>
                 <a:ea typeface="微软雅黑" pitchFamily="34" charset="-122"/>
               </a:rPr>
-              <a:t>4-b </a:t>
+              <a:t>3-b </a:t>
             </a:r>
             <a:r>
               <a:rPr lang="zh-CN" altLang="en-US" sz="2400" b="1" dirty="0" smtClean="0">
@@ -6340,7 +9509,7 @@
                 <a:latin typeface="微软雅黑" pitchFamily="34" charset="-122"/>
                 <a:ea typeface="微软雅黑" pitchFamily="34" charset="-122"/>
               </a:rPr>
-              <a:t>动画插值</a:t>
+              <a:t>将</a:t>
             </a:r>
             <a:r>
               <a:rPr lang="en-US" altLang="zh-CN" sz="2400" b="1" dirty="0" smtClean="0">
@@ -6353,9 +9522,81 @@
                 <a:latin typeface="微软雅黑" pitchFamily="34" charset="-122"/>
                 <a:ea typeface="微软雅黑" pitchFamily="34" charset="-122"/>
               </a:rPr>
-              <a:t> </a:t>
-            </a:r>
-            <a:endParaRPr lang="en-US" altLang="zh-CN" sz="2400" b="1" dirty="0" smtClean="0">
+              <a:t>SVG</a:t>
+            </a:r>
+            <a:r>
+              <a:rPr lang="zh-CN" altLang="en-US" sz="2400" b="1" dirty="0" smtClean="0">
+                <a:solidFill>
+                  <a:schemeClr val="tx1">
+                    <a:lumMod val="75000"/>
+                    <a:lumOff val="25000"/>
+                  </a:schemeClr>
+                </a:solidFill>
+                <a:latin typeface="微软雅黑" pitchFamily="34" charset="-122"/>
+                <a:ea typeface="微软雅黑" pitchFamily="34" charset="-122"/>
+              </a:rPr>
+              <a:t>数据导入</a:t>
+            </a:r>
+            <a:r>
+              <a:rPr lang="en-US" altLang="zh-CN" sz="2400" b="1" dirty="0" smtClean="0">
+                <a:solidFill>
+                  <a:schemeClr val="tx1">
+                    <a:lumMod val="75000"/>
+                    <a:lumOff val="25000"/>
+                  </a:schemeClr>
+                </a:solidFill>
+                <a:latin typeface="微软雅黑" pitchFamily="34" charset="-122"/>
+                <a:ea typeface="微软雅黑" pitchFamily="34" charset="-122"/>
+              </a:rPr>
+              <a:t>HTML</a:t>
+            </a:r>
+          </a:p>
+          <a:p>
+            <a:pPr>
+              <a:lnSpc>
+                <a:spcPct val="150000"/>
+              </a:lnSpc>
+            </a:pPr>
+            <a:r>
+              <a:rPr lang="zh-CN" altLang="en-US" sz="2400" dirty="0" smtClean="0">
+                <a:solidFill>
+                  <a:schemeClr val="tx1">
+                    <a:lumMod val="75000"/>
+                    <a:lumOff val="25000"/>
+                  </a:schemeClr>
+                </a:solidFill>
+                <a:latin typeface="微软雅黑" pitchFamily="34" charset="-122"/>
+                <a:ea typeface="微软雅黑" pitchFamily="34" charset="-122"/>
+              </a:rPr>
+              <a:t>文本碎片以路径的方式绘制，将这些路径（碎片）信息拷贝到我们的</a:t>
+            </a:r>
+            <a:r>
+              <a:rPr lang="en-US" altLang="zh-CN" sz="2400" dirty="0" smtClean="0">
+                <a:solidFill>
+                  <a:schemeClr val="tx1">
+                    <a:lumMod val="75000"/>
+                    <a:lumOff val="25000"/>
+                  </a:schemeClr>
+                </a:solidFill>
+                <a:latin typeface="微软雅黑" pitchFamily="34" charset="-122"/>
+                <a:ea typeface="微软雅黑" pitchFamily="34" charset="-122"/>
+              </a:rPr>
+              <a:t>HTML</a:t>
+            </a:r>
+            <a:r>
+              <a:rPr lang="zh-CN" altLang="en-US" sz="2400" dirty="0" smtClean="0">
+                <a:solidFill>
+                  <a:schemeClr val="tx1">
+                    <a:lumMod val="75000"/>
+                    <a:lumOff val="25000"/>
+                  </a:schemeClr>
+                </a:solidFill>
+                <a:latin typeface="微软雅黑" pitchFamily="34" charset="-122"/>
+                <a:ea typeface="微软雅黑" pitchFamily="34" charset="-122"/>
+              </a:rPr>
+              <a:t>文件中，以便后续操作</a:t>
+            </a:r>
+            <a:endParaRPr lang="en-US" altLang="zh-CN" sz="2400" dirty="0" smtClean="0">
               <a:solidFill>
                 <a:schemeClr val="tx1">
                   <a:lumMod val="75000"/>
@@ -6368,10 +9609,498 @@
           </a:p>
         </p:txBody>
       </p:sp>
+      <p:grpSp>
+        <p:nvGrpSpPr>
+          <p:cNvPr id="4" name="组合 3"/>
+          <p:cNvGrpSpPr/>
+          <p:nvPr/>
+        </p:nvGrpSpPr>
+        <p:grpSpPr>
+          <a:xfrm>
+            <a:off x="1056784" y="1814524"/>
+            <a:ext cx="7030431" cy="4710820"/>
+            <a:chOff x="1056784" y="1814524"/>
+            <a:chExt cx="7030431" cy="4710820"/>
+          </a:xfrm>
+        </p:grpSpPr>
+        <p:pic>
+          <p:nvPicPr>
+            <p:cNvPr id="3" name="图片 2" descr="屏幕剪辑"/>
+            <p:cNvPicPr>
+              <a:picLocks noChangeAspect="1"/>
+            </p:cNvPicPr>
+            <p:nvPr/>
+          </p:nvPicPr>
+          <p:blipFill rotWithShape="1">
+            <a:blip r:embed="rId2">
+              <a:extLst>
+                <a:ext uri="{28A0092B-C50C-407E-A947-70E740481C1C}">
+                  <a14:useLocalDpi xmlns:a14="http://schemas.microsoft.com/office/drawing/2010/main" val="0"/>
+                </a:ext>
+              </a:extLst>
+            </a:blip>
+            <a:srcRect b="21006"/>
+            <a:stretch/>
+          </p:blipFill>
+          <p:spPr>
+            <a:xfrm>
+              <a:off x="1056784" y="1814524"/>
+              <a:ext cx="7030431" cy="4710820"/>
+            </a:xfrm>
+            <a:prstGeom prst="rect">
+              <a:avLst/>
+            </a:prstGeom>
+            <a:ln>
+              <a:noFill/>
+            </a:ln>
+            <a:effectLst>
+              <a:outerShdw blurRad="292100" dist="139700" dir="2700000" algn="tl" rotWithShape="0">
+                <a:srgbClr val="333333">
+                  <a:alpha val="65000"/>
+                </a:srgbClr>
+              </a:outerShdw>
+            </a:effectLst>
+          </p:spPr>
+        </p:pic>
+        <p:sp>
+          <p:nvSpPr>
+            <p:cNvPr id="6" name="矩形 5"/>
+            <p:cNvSpPr/>
+            <p:nvPr/>
+          </p:nvSpPr>
+          <p:spPr>
+            <a:xfrm>
+              <a:off x="1547665" y="3470708"/>
+              <a:ext cx="1944216" cy="318332"/>
+            </a:xfrm>
+            <a:prstGeom prst="rect">
+              <a:avLst/>
+            </a:prstGeom>
+            <a:noFill/>
+            <a:ln w="38100">
+              <a:solidFill>
+                <a:srgbClr val="FF0000"/>
+              </a:solidFill>
+            </a:ln>
+          </p:spPr>
+          <p:style>
+            <a:lnRef idx="2">
+              <a:schemeClr val="accent1">
+                <a:shade val="50000"/>
+              </a:schemeClr>
+            </a:lnRef>
+            <a:fillRef idx="1">
+              <a:schemeClr val="accent1"/>
+            </a:fillRef>
+            <a:effectRef idx="0">
+              <a:schemeClr val="accent1"/>
+            </a:effectRef>
+            <a:fontRef idx="minor">
+              <a:schemeClr val="lt1"/>
+            </a:fontRef>
+          </p:style>
+          <p:txBody>
+            <a:bodyPr rtlCol="0" anchor="ctr"/>
+            <a:lstStyle/>
+            <a:p>
+              <a:pPr algn="ctr"/>
+              <a:endParaRPr lang="zh-CN" altLang="en-US"/>
+            </a:p>
+          </p:txBody>
+        </p:sp>
+        <p:sp>
+          <p:nvSpPr>
+            <p:cNvPr id="7" name="矩形 6"/>
+            <p:cNvSpPr/>
+            <p:nvPr/>
+          </p:nvSpPr>
+          <p:spPr>
+            <a:xfrm>
+              <a:off x="1554168" y="4736552"/>
+              <a:ext cx="1944216" cy="318332"/>
+            </a:xfrm>
+            <a:prstGeom prst="rect">
+              <a:avLst/>
+            </a:prstGeom>
+            <a:noFill/>
+            <a:ln w="38100">
+              <a:solidFill>
+                <a:srgbClr val="FF0000"/>
+              </a:solidFill>
+            </a:ln>
+          </p:spPr>
+          <p:style>
+            <a:lnRef idx="2">
+              <a:schemeClr val="accent1">
+                <a:shade val="50000"/>
+              </a:schemeClr>
+            </a:lnRef>
+            <a:fillRef idx="1">
+              <a:schemeClr val="accent1"/>
+            </a:fillRef>
+            <a:effectRef idx="0">
+              <a:schemeClr val="accent1"/>
+            </a:effectRef>
+            <a:fontRef idx="minor">
+              <a:schemeClr val="lt1"/>
+            </a:fontRef>
+          </p:style>
+          <p:txBody>
+            <a:bodyPr rtlCol="0" anchor="ctr"/>
+            <a:lstStyle/>
+            <a:p>
+              <a:pPr algn="ctr"/>
+              <a:endParaRPr lang="zh-CN" altLang="en-US"/>
+            </a:p>
+          </p:txBody>
+        </p:sp>
+        <p:sp>
+          <p:nvSpPr>
+            <p:cNvPr id="10" name="矩形 9"/>
+            <p:cNvSpPr/>
+            <p:nvPr/>
+          </p:nvSpPr>
+          <p:spPr>
+            <a:xfrm>
+              <a:off x="1547665" y="6207012"/>
+              <a:ext cx="1944216" cy="318332"/>
+            </a:xfrm>
+            <a:prstGeom prst="rect">
+              <a:avLst/>
+            </a:prstGeom>
+            <a:noFill/>
+            <a:ln w="38100">
+              <a:solidFill>
+                <a:srgbClr val="FF0000"/>
+              </a:solidFill>
+            </a:ln>
+          </p:spPr>
+          <p:style>
+            <a:lnRef idx="2">
+              <a:schemeClr val="accent1">
+                <a:shade val="50000"/>
+              </a:schemeClr>
+            </a:lnRef>
+            <a:fillRef idx="1">
+              <a:schemeClr val="accent1"/>
+            </a:fillRef>
+            <a:effectRef idx="0">
+              <a:schemeClr val="accent1"/>
+            </a:effectRef>
+            <a:fontRef idx="minor">
+              <a:schemeClr val="lt1"/>
+            </a:fontRef>
+          </p:style>
+          <p:txBody>
+            <a:bodyPr rtlCol="0" anchor="ctr"/>
+            <a:lstStyle/>
+            <a:p>
+              <a:pPr algn="ctr"/>
+              <a:endParaRPr lang="zh-CN" altLang="en-US"/>
+            </a:p>
+          </p:txBody>
+        </p:sp>
+        <p:sp>
+          <p:nvSpPr>
+            <p:cNvPr id="12" name="矩形 11"/>
+            <p:cNvSpPr/>
+            <p:nvPr/>
+          </p:nvSpPr>
+          <p:spPr>
+            <a:xfrm>
+              <a:off x="1534411" y="2822636"/>
+              <a:ext cx="1944216" cy="318332"/>
+            </a:xfrm>
+            <a:prstGeom prst="rect">
+              <a:avLst/>
+            </a:prstGeom>
+            <a:noFill/>
+            <a:ln w="38100">
+              <a:solidFill>
+                <a:srgbClr val="FF0000"/>
+              </a:solidFill>
+            </a:ln>
+          </p:spPr>
+          <p:style>
+            <a:lnRef idx="2">
+              <a:schemeClr val="accent1">
+                <a:shade val="50000"/>
+              </a:schemeClr>
+            </a:lnRef>
+            <a:fillRef idx="1">
+              <a:schemeClr val="accent1"/>
+            </a:fillRef>
+            <a:effectRef idx="0">
+              <a:schemeClr val="accent1"/>
+            </a:effectRef>
+            <a:fontRef idx="minor">
+              <a:schemeClr val="lt1"/>
+            </a:fontRef>
+          </p:style>
+          <p:txBody>
+            <a:bodyPr rtlCol="0" anchor="ctr"/>
+            <a:lstStyle/>
+            <a:p>
+              <a:pPr algn="ctr"/>
+              <a:endParaRPr lang="zh-CN" altLang="en-US"/>
+            </a:p>
+          </p:txBody>
+        </p:sp>
+        <p:sp>
+          <p:nvSpPr>
+            <p:cNvPr id="13" name="圆角矩形标注 12"/>
+            <p:cNvSpPr/>
+            <p:nvPr/>
+          </p:nvSpPr>
+          <p:spPr>
+            <a:xfrm>
+              <a:off x="3587415" y="4138140"/>
+              <a:ext cx="1344626" cy="576065"/>
+            </a:xfrm>
+            <a:prstGeom prst="wedgeRoundRectCallout">
+              <a:avLst>
+                <a:gd name="adj1" fmla="val -41006"/>
+                <a:gd name="adj2" fmla="val 89079"/>
+                <a:gd name="adj3" fmla="val 16667"/>
+              </a:avLst>
+            </a:prstGeom>
+          </p:spPr>
+          <p:style>
+            <a:lnRef idx="2">
+              <a:schemeClr val="accent5"/>
+            </a:lnRef>
+            <a:fillRef idx="1">
+              <a:schemeClr val="lt1"/>
+            </a:fillRef>
+            <a:effectRef idx="0">
+              <a:schemeClr val="accent5"/>
+            </a:effectRef>
+            <a:fontRef idx="minor">
+              <a:schemeClr val="dk1"/>
+            </a:fontRef>
+          </p:style>
+          <p:txBody>
+            <a:bodyPr rtlCol="0" anchor="ctr"/>
+            <a:lstStyle/>
+            <a:p>
+              <a:pPr>
+                <a:lnSpc>
+                  <a:spcPct val="150000"/>
+                </a:lnSpc>
+              </a:pPr>
+              <a:r>
+                <a:rPr lang="zh-CN" altLang="en-US" sz="2000" dirty="0" smtClean="0">
+                  <a:solidFill>
+                    <a:schemeClr val="tx1">
+                      <a:lumMod val="75000"/>
+                      <a:lumOff val="25000"/>
+                    </a:schemeClr>
+                  </a:solidFill>
+                  <a:latin typeface="微软雅黑" pitchFamily="34" charset="-122"/>
+                  <a:ea typeface="微软雅黑" pitchFamily="34" charset="-122"/>
+                </a:rPr>
+                <a:t>文字碎片</a:t>
+              </a:r>
+              <a:endParaRPr lang="en-US" altLang="zh-CN" sz="2000" dirty="0">
+                <a:solidFill>
+                  <a:schemeClr val="tx1">
+                    <a:lumMod val="75000"/>
+                    <a:lumOff val="25000"/>
+                  </a:schemeClr>
+                </a:solidFill>
+                <a:latin typeface="微软雅黑" pitchFamily="34" charset="-122"/>
+                <a:ea typeface="微软雅黑" pitchFamily="34" charset="-122"/>
+              </a:endParaRPr>
+            </a:p>
+          </p:txBody>
+        </p:sp>
+        <p:sp>
+          <p:nvSpPr>
+            <p:cNvPr id="14" name="圆角矩形标注 13"/>
+            <p:cNvSpPr/>
+            <p:nvPr/>
+          </p:nvSpPr>
+          <p:spPr>
+            <a:xfrm>
+              <a:off x="3798179" y="2910274"/>
+              <a:ext cx="1344626" cy="576065"/>
+            </a:xfrm>
+            <a:prstGeom prst="wedgeRoundRectCallout">
+              <a:avLst>
+                <a:gd name="adj1" fmla="val -70441"/>
+                <a:gd name="adj2" fmla="val -24640"/>
+                <a:gd name="adj3" fmla="val 16667"/>
+              </a:avLst>
+            </a:prstGeom>
+          </p:spPr>
+          <p:style>
+            <a:lnRef idx="2">
+              <a:schemeClr val="accent5"/>
+            </a:lnRef>
+            <a:fillRef idx="1">
+              <a:schemeClr val="lt1"/>
+            </a:fillRef>
+            <a:effectRef idx="0">
+              <a:schemeClr val="accent5"/>
+            </a:effectRef>
+            <a:fontRef idx="minor">
+              <a:schemeClr val="dk1"/>
+            </a:fontRef>
+          </p:style>
+          <p:txBody>
+            <a:bodyPr rtlCol="0" anchor="ctr"/>
+            <a:lstStyle/>
+            <a:p>
+              <a:pPr>
+                <a:lnSpc>
+                  <a:spcPct val="150000"/>
+                </a:lnSpc>
+              </a:pPr>
+              <a:r>
+                <a:rPr lang="zh-CN" altLang="en-US" sz="2000" dirty="0" smtClean="0">
+                  <a:solidFill>
+                    <a:schemeClr val="tx1">
+                      <a:lumMod val="75000"/>
+                      <a:lumOff val="25000"/>
+                    </a:schemeClr>
+                  </a:solidFill>
+                  <a:latin typeface="微软雅黑" pitchFamily="34" charset="-122"/>
+                  <a:ea typeface="微软雅黑" pitchFamily="34" charset="-122"/>
+                </a:rPr>
+                <a:t>文本样式</a:t>
+              </a:r>
+              <a:endParaRPr lang="en-US" altLang="zh-CN" sz="2000" dirty="0">
+                <a:solidFill>
+                  <a:schemeClr val="tx1">
+                    <a:lumMod val="75000"/>
+                    <a:lumOff val="25000"/>
+                  </a:schemeClr>
+                </a:solidFill>
+                <a:latin typeface="微软雅黑" pitchFamily="34" charset="-122"/>
+                <a:ea typeface="微软雅黑" pitchFamily="34" charset="-122"/>
+              </a:endParaRPr>
+            </a:p>
+          </p:txBody>
+        </p:sp>
+        <p:sp>
+          <p:nvSpPr>
+            <p:cNvPr id="15" name="矩形 14"/>
+            <p:cNvSpPr/>
+            <p:nvPr/>
+          </p:nvSpPr>
+          <p:spPr>
+            <a:xfrm>
+              <a:off x="2526276" y="2132856"/>
+              <a:ext cx="1944216" cy="318332"/>
+            </a:xfrm>
+            <a:prstGeom prst="rect">
+              <a:avLst/>
+            </a:prstGeom>
+            <a:noFill/>
+            <a:ln w="38100">
+              <a:solidFill>
+                <a:srgbClr val="FF0000"/>
+              </a:solidFill>
+            </a:ln>
+          </p:spPr>
+          <p:style>
+            <a:lnRef idx="2">
+              <a:schemeClr val="accent1">
+                <a:shade val="50000"/>
+              </a:schemeClr>
+            </a:lnRef>
+            <a:fillRef idx="1">
+              <a:schemeClr val="accent1"/>
+            </a:fillRef>
+            <a:effectRef idx="0">
+              <a:schemeClr val="accent1"/>
+            </a:effectRef>
+            <a:fontRef idx="minor">
+              <a:schemeClr val="lt1"/>
+            </a:fontRef>
+          </p:style>
+          <p:txBody>
+            <a:bodyPr rtlCol="0" anchor="ctr"/>
+            <a:lstStyle/>
+            <a:p>
+              <a:pPr algn="ctr"/>
+              <a:endParaRPr lang="zh-CN" altLang="en-US"/>
+            </a:p>
+          </p:txBody>
+        </p:sp>
+        <p:sp>
+          <p:nvSpPr>
+            <p:cNvPr id="16" name="圆角矩形标注 15"/>
+            <p:cNvSpPr/>
+            <p:nvPr/>
+          </p:nvSpPr>
+          <p:spPr>
+            <a:xfrm>
+              <a:off x="4932041" y="2163155"/>
+              <a:ext cx="1344626" cy="576065"/>
+            </a:xfrm>
+            <a:prstGeom prst="wedgeRoundRectCallout">
+              <a:avLst>
+                <a:gd name="adj1" fmla="val -70441"/>
+                <a:gd name="adj2" fmla="val -24640"/>
+                <a:gd name="adj3" fmla="val 16667"/>
+              </a:avLst>
+            </a:prstGeom>
+          </p:spPr>
+          <p:style>
+            <a:lnRef idx="2">
+              <a:schemeClr val="accent5"/>
+            </a:lnRef>
+            <a:fillRef idx="1">
+              <a:schemeClr val="lt1"/>
+            </a:fillRef>
+            <a:effectRef idx="0">
+              <a:schemeClr val="accent5"/>
+            </a:effectRef>
+            <a:fontRef idx="minor">
+              <a:schemeClr val="dk1"/>
+            </a:fontRef>
+          </p:style>
+          <p:txBody>
+            <a:bodyPr rtlCol="0" anchor="ctr"/>
+            <a:lstStyle/>
+            <a:p>
+              <a:pPr>
+                <a:lnSpc>
+                  <a:spcPct val="150000"/>
+                </a:lnSpc>
+              </a:pPr>
+              <a:r>
+                <a:rPr lang="zh-CN" altLang="en-US" sz="2000" dirty="0" smtClean="0">
+                  <a:solidFill>
+                    <a:schemeClr val="tx1">
+                      <a:lumMod val="75000"/>
+                      <a:lumOff val="25000"/>
+                    </a:schemeClr>
+                  </a:solidFill>
+                  <a:latin typeface="微软雅黑" pitchFamily="34" charset="-122"/>
+                  <a:ea typeface="微软雅黑" pitchFamily="34" charset="-122"/>
+                </a:rPr>
+                <a:t>设置大小</a:t>
+              </a:r>
+              <a:endParaRPr lang="en-US" altLang="zh-CN" sz="2000" dirty="0">
+                <a:solidFill>
+                  <a:schemeClr val="tx1">
+                    <a:lumMod val="75000"/>
+                    <a:lumOff val="25000"/>
+                  </a:schemeClr>
+                </a:solidFill>
+                <a:latin typeface="微软雅黑" pitchFamily="34" charset="-122"/>
+                <a:ea typeface="微软雅黑" pitchFamily="34" charset="-122"/>
+              </a:endParaRPr>
+            </a:p>
+          </p:txBody>
+        </p:sp>
+      </p:grpSp>
     </p:spTree>
     <p:extLst>
       <p:ext uri="{BB962C8B-B14F-4D97-AF65-F5344CB8AC3E}">
-        <p14:creationId xmlns:p14="http://schemas.microsoft.com/office/powerpoint/2010/main" val="1161135762"/>
+        <p14:creationId xmlns:p14="http://schemas.microsoft.com/office/powerpoint/2010/main" val="449658180"/>
       </p:ext>
     </p:extLst>
   </p:cSld>
@@ -6405,26 +10134,173 @@
           <a:chExt cx="0" cy="0"/>
         </a:xfrm>
       </p:grpSpPr>
-      <p:sp>
-        <p:nvSpPr>
-          <p:cNvPr id="5" name="TextBox 4"/>
-          <p:cNvSpPr txBox="1"/>
+      <p:pic>
+        <p:nvPicPr>
+          <p:cNvPr id="3" name="图片 2" descr="屏幕剪辑"/>
+          <p:cNvPicPr>
+            <a:picLocks noChangeAspect="1"/>
+          </p:cNvPicPr>
           <p:nvPr/>
-        </p:nvSpPr>
+        </p:nvPicPr>
+        <p:blipFill>
+          <a:blip r:embed="rId2">
+            <a:extLst>
+              <a:ext uri="{28A0092B-C50C-407E-A947-70E740481C1C}">
+                <a14:useLocalDpi xmlns:a14="http://schemas.microsoft.com/office/drawing/2010/main" val="0"/>
+              </a:ext>
+            </a:extLst>
+          </a:blip>
+          <a:stretch>
+            <a:fillRect/>
+          </a:stretch>
+        </p:blipFill>
         <p:spPr>
           <a:xfrm>
-            <a:off x="684000" y="188640"/>
-            <a:ext cx="7776000" cy="581057"/>
+            <a:off x="972228" y="188640"/>
+            <a:ext cx="7230484" cy="4105848"/>
+          </a:xfrm>
+          <a:prstGeom prst="rect">
+            <a:avLst/>
+          </a:prstGeom>
+          <a:ln>
+            <a:noFill/>
+          </a:ln>
+          <a:effectLst>
+            <a:outerShdw blurRad="292100" dist="139700" dir="2700000" algn="tl" rotWithShape="0">
+              <a:srgbClr val="333333">
+                <a:alpha val="65000"/>
+              </a:srgbClr>
+            </a:outerShdw>
+          </a:effectLst>
+        </p:spPr>
+      </p:pic>
+      <p:sp>
+        <p:nvSpPr>
+          <p:cNvPr id="5" name="矩形 4"/>
+          <p:cNvSpPr/>
+          <p:nvPr/>
+        </p:nvSpPr>
+        <p:spPr>
+          <a:xfrm>
+            <a:off x="1475657" y="836712"/>
+            <a:ext cx="1368152" cy="432048"/>
           </a:xfrm>
           <a:prstGeom prst="rect">
             <a:avLst/>
           </a:prstGeom>
           <a:noFill/>
+          <a:ln w="38100">
+            <a:solidFill>
+              <a:srgbClr val="FFFF00"/>
+            </a:solidFill>
+          </a:ln>
         </p:spPr>
-        <p:txBody>
-          <a:bodyPr wrap="square" rtlCol="0">
-            <a:spAutoFit/>
-          </a:bodyPr>
+        <p:style>
+          <a:lnRef idx="2">
+            <a:schemeClr val="accent1">
+              <a:shade val="50000"/>
+            </a:schemeClr>
+          </a:lnRef>
+          <a:fillRef idx="1">
+            <a:schemeClr val="accent1"/>
+          </a:fillRef>
+          <a:effectRef idx="0">
+            <a:schemeClr val="accent1"/>
+          </a:effectRef>
+          <a:fontRef idx="minor">
+            <a:schemeClr val="lt1"/>
+          </a:fontRef>
+        </p:style>
+        <p:txBody>
+          <a:bodyPr rtlCol="0" anchor="ctr"/>
+          <a:lstStyle/>
+          <a:p>
+            <a:pPr algn="ctr"/>
+            <a:endParaRPr lang="zh-CN" altLang="en-US"/>
+          </a:p>
+        </p:txBody>
+      </p:sp>
+      <p:sp>
+        <p:nvSpPr>
+          <p:cNvPr id="6" name="矩形 5"/>
+          <p:cNvSpPr/>
+          <p:nvPr/>
+        </p:nvSpPr>
+        <p:spPr>
+          <a:xfrm>
+            <a:off x="1763688" y="3573016"/>
+            <a:ext cx="864096" cy="432048"/>
+          </a:xfrm>
+          <a:prstGeom prst="rect">
+            <a:avLst/>
+          </a:prstGeom>
+          <a:noFill/>
+          <a:ln w="38100">
+            <a:solidFill>
+              <a:srgbClr val="FFFF00"/>
+            </a:solidFill>
+          </a:ln>
+        </p:spPr>
+        <p:style>
+          <a:lnRef idx="2">
+            <a:schemeClr val="accent1">
+              <a:shade val="50000"/>
+            </a:schemeClr>
+          </a:lnRef>
+          <a:fillRef idx="1">
+            <a:schemeClr val="accent1"/>
+          </a:fillRef>
+          <a:effectRef idx="0">
+            <a:schemeClr val="accent1"/>
+          </a:effectRef>
+          <a:fontRef idx="minor">
+            <a:schemeClr val="lt1"/>
+          </a:fontRef>
+        </p:style>
+        <p:txBody>
+          <a:bodyPr rtlCol="0" anchor="ctr"/>
+          <a:lstStyle/>
+          <a:p>
+            <a:pPr algn="ctr"/>
+            <a:endParaRPr lang="zh-CN" altLang="en-US"/>
+          </a:p>
+        </p:txBody>
+      </p:sp>
+      <p:sp>
+        <p:nvSpPr>
+          <p:cNvPr id="7" name="圆角矩形标注 6"/>
+          <p:cNvSpPr/>
+          <p:nvPr/>
+        </p:nvSpPr>
+        <p:spPr>
+          <a:xfrm>
+            <a:off x="4211960" y="2289644"/>
+            <a:ext cx="2088232" cy="576065"/>
+          </a:xfrm>
+          <a:prstGeom prst="wedgeRoundRectCallout">
+            <a:avLst>
+              <a:gd name="adj1" fmla="val -57607"/>
+              <a:gd name="adj2" fmla="val 29850"/>
+              <a:gd name="adj3" fmla="val 16667"/>
+            </a:avLst>
+          </a:prstGeom>
+        </p:spPr>
+        <p:style>
+          <a:lnRef idx="2">
+            <a:schemeClr val="accent5"/>
+          </a:lnRef>
+          <a:fillRef idx="1">
+            <a:schemeClr val="lt1"/>
+          </a:fillRef>
+          <a:effectRef idx="0">
+            <a:schemeClr val="accent5"/>
+          </a:effectRef>
+          <a:fontRef idx="minor">
+            <a:schemeClr val="dk1"/>
+          </a:fontRef>
+        </p:style>
+        <p:txBody>
+          <a:bodyPr rtlCol="0" anchor="ctr"/>
           <a:lstStyle/>
           <a:p>
             <a:pPr>
@@ -6433,45 +10309,19 @@
               </a:lnSpc>
             </a:pPr>
             <a:r>
-              <a:rPr lang="en-US" altLang="zh-CN" sz="2400" b="1" dirty="0" smtClean="0">
-                <a:solidFill>
-                  <a:schemeClr val="tx1">
-                    <a:lumMod val="75000"/>
-                    <a:lumOff val="25000"/>
-                  </a:schemeClr>
-                </a:solidFill>
-                <a:latin typeface="微软雅黑" pitchFamily="34" charset="-122"/>
-                <a:ea typeface="微软雅黑" pitchFamily="34" charset="-122"/>
-              </a:rPr>
-              <a:t>4-c </a:t>
-            </a:r>
-            <a:r>
-              <a:rPr lang="zh-CN" altLang="en-US" sz="2400" b="1" dirty="0" smtClean="0">
-                <a:solidFill>
-                  <a:schemeClr val="tx1">
-                    <a:lumMod val="75000"/>
-                    <a:lumOff val="25000"/>
-                  </a:schemeClr>
-                </a:solidFill>
-                <a:latin typeface="微软雅黑" pitchFamily="34" charset="-122"/>
-                <a:ea typeface="微软雅黑" pitchFamily="34" charset="-122"/>
-              </a:rPr>
-              <a:t>围绕中心的旋转和缩放</a:t>
-            </a:r>
-            <a:r>
-              <a:rPr lang="en-US" altLang="zh-CN" sz="2400" b="1" dirty="0" smtClean="0">
-                <a:solidFill>
-                  <a:schemeClr val="tx1">
-                    <a:lumMod val="75000"/>
-                    <a:lumOff val="25000"/>
-                  </a:schemeClr>
-                </a:solidFill>
-                <a:latin typeface="微软雅黑" pitchFamily="34" charset="-122"/>
-                <a:ea typeface="微软雅黑" pitchFamily="34" charset="-122"/>
-              </a:rPr>
-              <a:t> </a:t>
-            </a:r>
-            <a:endParaRPr lang="en-US" altLang="zh-CN" sz="2400" b="1" dirty="0" smtClean="0">
+              <a:rPr lang="zh-CN" altLang="en-US" sz="2000" dirty="0" smtClean="0">
+                <a:solidFill>
+                  <a:schemeClr val="tx1">
+                    <a:lumMod val="75000"/>
+                    <a:lumOff val="25000"/>
+                  </a:schemeClr>
+                </a:solidFill>
+                <a:latin typeface="微软雅黑" pitchFamily="34" charset="-122"/>
+                <a:ea typeface="微软雅黑" pitchFamily="34" charset="-122"/>
+              </a:rPr>
+              <a:t>碎片按字母分组</a:t>
+            </a:r>
+            <a:endParaRPr lang="en-US" altLang="zh-CN" sz="2000" dirty="0">
               <a:solidFill>
                 <a:schemeClr val="tx1">
                   <a:lumMod val="75000"/>
@@ -6484,23 +10334,84 @@
           </a:p>
         </p:txBody>
       </p:sp>
+      <p:sp>
+        <p:nvSpPr>
+          <p:cNvPr id="8" name="圆角矩形标注 7"/>
+          <p:cNvSpPr/>
+          <p:nvPr/>
+        </p:nvSpPr>
+        <p:spPr>
+          <a:xfrm>
+            <a:off x="4716016" y="908720"/>
+            <a:ext cx="1800200" cy="576065"/>
+          </a:xfrm>
+          <a:prstGeom prst="wedgeRoundRectCallout">
+            <a:avLst>
+              <a:gd name="adj1" fmla="val -24721"/>
+              <a:gd name="adj2" fmla="val 72495"/>
+              <a:gd name="adj3" fmla="val 16667"/>
+            </a:avLst>
+          </a:prstGeom>
+        </p:spPr>
+        <p:style>
+          <a:lnRef idx="2">
+            <a:schemeClr val="accent5"/>
+          </a:lnRef>
+          <a:fillRef idx="1">
+            <a:schemeClr val="lt1"/>
+          </a:fillRef>
+          <a:effectRef idx="0">
+            <a:schemeClr val="accent5"/>
+          </a:effectRef>
+          <a:fontRef idx="minor">
+            <a:schemeClr val="dk1"/>
+          </a:fontRef>
+        </p:style>
+        <p:txBody>
+          <a:bodyPr rtlCol="0" anchor="ctr"/>
+          <a:lstStyle/>
+          <a:p>
+            <a:pPr>
+              <a:lnSpc>
+                <a:spcPct val="150000"/>
+              </a:lnSpc>
+            </a:pPr>
+            <a:r>
+              <a:rPr lang="zh-CN" altLang="en-US" sz="2000" dirty="0" smtClean="0">
+                <a:solidFill>
+                  <a:schemeClr val="tx1">
+                    <a:lumMod val="75000"/>
+                    <a:lumOff val="25000"/>
+                  </a:schemeClr>
+                </a:solidFill>
+                <a:latin typeface="微软雅黑" pitchFamily="34" charset="-122"/>
+                <a:ea typeface="微软雅黑" pitchFamily="34" charset="-122"/>
+              </a:rPr>
+              <a:t>重新设置样式</a:t>
+            </a:r>
+            <a:endParaRPr lang="en-US" altLang="zh-CN" sz="2000" dirty="0">
+              <a:solidFill>
+                <a:schemeClr val="tx1">
+                  <a:lumMod val="75000"/>
+                  <a:lumOff val="25000"/>
+                </a:schemeClr>
+              </a:solidFill>
+              <a:latin typeface="微软雅黑" pitchFamily="34" charset="-122"/>
+              <a:ea typeface="微软雅黑" pitchFamily="34" charset="-122"/>
+            </a:endParaRPr>
+          </a:p>
+        </p:txBody>
+      </p:sp>
     </p:spTree>
     <p:extLst>
       <p:ext uri="{BB962C8B-B14F-4D97-AF65-F5344CB8AC3E}">
-        <p14:creationId xmlns:p14="http://schemas.microsoft.com/office/powerpoint/2010/main" val="2506553414"/>
+        <p14:creationId xmlns:p14="http://schemas.microsoft.com/office/powerpoint/2010/main" val="567529064"/>
       </p:ext>
     </p:extLst>
   </p:cSld>
   <p:clrMapOvr>
     <a:masterClrMapping/>
   </p:clrMapOvr>
-  <p:timing>
-    <p:tnLst>
-      <p:par>
-        <p:cTn id="1" dur="indefinite" restart="never" nodeType="tmRoot"/>
-      </p:par>
-    </p:tnLst>
-  </p:timing>
 </p:sld>
 </file>
 
@@ -7044,7 +10955,7 @@
   <a:extraClrSchemeLst/>
   <a:extLst>
     <a:ext uri="{05A4C25C-085E-4340-85A3-A5531E510DB2}">
-      <thm15:themeFamily xmlns:thm15="http://schemas.microsoft.com/office/thememl/2012/main" name="Office Theme" id="{62F939B6-93AF-4DB8-9C6B-D6C7DFDC589F}" vid="{4A3C46E8-61CC-4603-A589-7422A47A8E4A}"/>
+      <thm15:themeFamily xmlns:thm15="http://schemas.microsoft.com/office/thememl/2012/main" xmlns="" name="Office Theme" id="{62F939B6-93AF-4DB8-9C6B-D6C7DFDC589F}" vid="{4A3C46E8-61CC-4603-A589-7422A47A8E4A}"/>
     </a:ext>
   </a:extLst>
 </a:theme>

--- a/20-svg-explode/20.pptx
+++ b/20-svg-explode/20.pptx
@@ -5,7 +5,7 @@
     <p:sldMasterId id="2147483648" r:id="rId1"/>
   </p:sldMasterIdLst>
   <p:notesMasterIdLst>
-    <p:notesMasterId r:id="rId40"/>
+    <p:notesMasterId r:id="rId41"/>
   </p:notesMasterIdLst>
   <p:sldIdLst>
     <p:sldId id="256" r:id="rId2"/>
@@ -45,7 +45,8 @@
     <p:sldId id="460" r:id="rId36"/>
     <p:sldId id="459" r:id="rId37"/>
     <p:sldId id="461" r:id="rId38"/>
-    <p:sldId id="345" r:id="rId39"/>
+    <p:sldId id="462" r:id="rId39"/>
+    <p:sldId id="345" r:id="rId40"/>
   </p:sldIdLst>
   <p:sldSz cx="9144000" cy="6858000" type="screen4x3"/>
   <p:notesSz cx="6858000" cy="9144000"/>
@@ -146,7 +147,7 @@
   </p:defaultTextStyle>
   <p:extLst>
     <p:ext uri="{EFAFB233-063F-42B5-8137-9DF3F51BA10A}">
-      <p15:sldGuideLst xmlns:p15="http://schemas.microsoft.com/office/powerpoint/2012/main" xmlns="">
+      <p15:sldGuideLst xmlns="" xmlns:p15="http://schemas.microsoft.com/office/powerpoint/2012/main">
         <p15:guide id="1" orient="horz" pos="2160">
           <p15:clr>
             <a:srgbClr val="A4A3A4"/>
@@ -245,7 +246,7 @@
           <a:p>
             <a:fld id="{918C987C-5DAD-4601-B625-55A3208473B0}" type="datetimeFigureOut">
               <a:rPr lang="zh-CN" altLang="en-US" smtClean="0"/>
-              <a:t>2018/8/23</a:t>
+              <a:t>2018/8/24</a:t>
             </a:fld>
             <a:endParaRPr lang="zh-CN" altLang="en-US"/>
           </a:p>
@@ -694,7 +695,7 @@
           <a:p>
             <a:fld id="{17C7C8FB-1C37-4023-AA22-09D5A8E13DCF}" type="datetimeFigureOut">
               <a:rPr lang="zh-CN" altLang="en-US" smtClean="0"/>
-              <a:t>2018/8/23</a:t>
+              <a:t>2018/8/24</a:t>
             </a:fld>
             <a:endParaRPr lang="zh-CN" altLang="en-US"/>
           </a:p>
@@ -864,7 +865,7 @@
           <a:p>
             <a:fld id="{17C7C8FB-1C37-4023-AA22-09D5A8E13DCF}" type="datetimeFigureOut">
               <a:rPr lang="zh-CN" altLang="en-US" smtClean="0"/>
-              <a:t>2018/8/23</a:t>
+              <a:t>2018/8/24</a:t>
             </a:fld>
             <a:endParaRPr lang="zh-CN" altLang="en-US"/>
           </a:p>
@@ -1044,7 +1045,7 @@
           <a:p>
             <a:fld id="{17C7C8FB-1C37-4023-AA22-09D5A8E13DCF}" type="datetimeFigureOut">
               <a:rPr lang="zh-CN" altLang="en-US" smtClean="0"/>
-              <a:t>2018/8/23</a:t>
+              <a:t>2018/8/24</a:t>
             </a:fld>
             <a:endParaRPr lang="zh-CN" altLang="en-US"/>
           </a:p>
@@ -1214,7 +1215,7 @@
           <a:p>
             <a:fld id="{17C7C8FB-1C37-4023-AA22-09D5A8E13DCF}" type="datetimeFigureOut">
               <a:rPr lang="zh-CN" altLang="en-US" smtClean="0"/>
-              <a:t>2018/8/23</a:t>
+              <a:t>2018/8/24</a:t>
             </a:fld>
             <a:endParaRPr lang="zh-CN" altLang="en-US"/>
           </a:p>
@@ -1460,7 +1461,7 @@
           <a:p>
             <a:fld id="{17C7C8FB-1C37-4023-AA22-09D5A8E13DCF}" type="datetimeFigureOut">
               <a:rPr lang="zh-CN" altLang="en-US" smtClean="0"/>
-              <a:t>2018/8/23</a:t>
+              <a:t>2018/8/24</a:t>
             </a:fld>
             <a:endParaRPr lang="zh-CN" altLang="en-US"/>
           </a:p>
@@ -1748,7 +1749,7 @@
           <a:p>
             <a:fld id="{17C7C8FB-1C37-4023-AA22-09D5A8E13DCF}" type="datetimeFigureOut">
               <a:rPr lang="zh-CN" altLang="en-US" smtClean="0"/>
-              <a:t>2018/8/23</a:t>
+              <a:t>2018/8/24</a:t>
             </a:fld>
             <a:endParaRPr lang="zh-CN" altLang="en-US"/>
           </a:p>
@@ -2170,7 +2171,7 @@
           <a:p>
             <a:fld id="{17C7C8FB-1C37-4023-AA22-09D5A8E13DCF}" type="datetimeFigureOut">
               <a:rPr lang="zh-CN" altLang="en-US" smtClean="0"/>
-              <a:t>2018/8/23</a:t>
+              <a:t>2018/8/24</a:t>
             </a:fld>
             <a:endParaRPr lang="zh-CN" altLang="en-US"/>
           </a:p>
@@ -2288,7 +2289,7 @@
           <a:p>
             <a:fld id="{17C7C8FB-1C37-4023-AA22-09D5A8E13DCF}" type="datetimeFigureOut">
               <a:rPr lang="zh-CN" altLang="en-US" smtClean="0"/>
-              <a:t>2018/8/23</a:t>
+              <a:t>2018/8/24</a:t>
             </a:fld>
             <a:endParaRPr lang="zh-CN" altLang="en-US"/>
           </a:p>
@@ -2383,7 +2384,7 @@
           <a:p>
             <a:fld id="{17C7C8FB-1C37-4023-AA22-09D5A8E13DCF}" type="datetimeFigureOut">
               <a:rPr lang="zh-CN" altLang="en-US" smtClean="0"/>
-              <a:t>2018/8/23</a:t>
+              <a:t>2018/8/24</a:t>
             </a:fld>
             <a:endParaRPr lang="zh-CN" altLang="en-US"/>
           </a:p>
@@ -2660,7 +2661,7 @@
           <a:p>
             <a:fld id="{17C7C8FB-1C37-4023-AA22-09D5A8E13DCF}" type="datetimeFigureOut">
               <a:rPr lang="zh-CN" altLang="en-US" smtClean="0"/>
-              <a:t>2018/8/23</a:t>
+              <a:t>2018/8/24</a:t>
             </a:fld>
             <a:endParaRPr lang="zh-CN" altLang="en-US"/>
           </a:p>
@@ -2913,7 +2914,7 @@
           <a:p>
             <a:fld id="{17C7C8FB-1C37-4023-AA22-09D5A8E13DCF}" type="datetimeFigureOut">
               <a:rPr lang="zh-CN" altLang="en-US" smtClean="0"/>
-              <a:t>2018/8/23</a:t>
+              <a:t>2018/8/24</a:t>
             </a:fld>
             <a:endParaRPr lang="zh-CN" altLang="en-US"/>
           </a:p>
@@ -3126,7 +3127,7 @@
           <a:p>
             <a:fld id="{17C7C8FB-1C37-4023-AA22-09D5A8E13DCF}" type="datetimeFigureOut">
               <a:rPr lang="zh-CN" altLang="en-US" smtClean="0"/>
-              <a:t>2018/8/23</a:t>
+              <a:t>2018/8/24</a:t>
             </a:fld>
             <a:endParaRPr lang="zh-CN" altLang="en-US"/>
           </a:p>
@@ -3893,20 +3894,7 @@
                 <a:latin typeface="微软雅黑" pitchFamily="34" charset="-122"/>
                 <a:ea typeface="微软雅黑" pitchFamily="34" charset="-122"/>
               </a:rPr>
-              <a:t>动画</a:t>
-            </a:r>
-            <a:r>
-              <a:rPr lang="zh-CN" altLang="en-US" sz="2400" b="1" dirty="0" smtClean="0">
-                <a:solidFill>
-                  <a:schemeClr val="tx1">
-                    <a:lumMod val="75000"/>
-                    <a:lumOff val="25000"/>
-                  </a:schemeClr>
-                </a:solidFill>
-                <a:latin typeface="微软雅黑" pitchFamily="34" charset="-122"/>
-                <a:ea typeface="微软雅黑" pitchFamily="34" charset="-122"/>
-              </a:rPr>
-              <a:t>概述</a:t>
+              <a:t>动画概述</a:t>
             </a:r>
             <a:endParaRPr lang="en-US" altLang="zh-CN" sz="2400" b="1" dirty="0" smtClean="0">
               <a:solidFill>
@@ -4270,16 +4258,6 @@
               </a:rPr>
               <a:t>.</a:t>
             </a:r>
-            <a:endParaRPr lang="en-US" altLang="zh-CN" sz="2400" dirty="0" smtClean="0">
-              <a:solidFill>
-                <a:schemeClr val="tx1">
-                  <a:lumMod val="75000"/>
-                  <a:lumOff val="25000"/>
-                </a:schemeClr>
-              </a:solidFill>
-              <a:latin typeface="微软雅黑" pitchFamily="34" charset="-122"/>
-              <a:ea typeface="微软雅黑" pitchFamily="34" charset="-122"/>
-            </a:endParaRPr>
           </a:p>
         </p:txBody>
       </p:sp>
@@ -4414,7 +4392,46 @@
                 <a:latin typeface="微软雅黑" pitchFamily="34" charset="-122"/>
                 <a:ea typeface="微软雅黑" pitchFamily="34" charset="-122"/>
               </a:rPr>
-              <a:t>首先，要设置动画的基本信息，有些是公共信息，如动画的帧率，计时器索引，动画状态，碎片数组等；另外，有些个性化信息，比如，每个碎片偏移多少，旋转多少，缩放多少，透明度改变多少，持续时间，延迟时间等，个性的信息，我们存储在</a:t>
+              <a:t>首先设置动画基本</a:t>
+            </a:r>
+            <a:r>
+              <a:rPr lang="zh-CN" altLang="en-US" sz="2400" dirty="0" smtClean="0">
+                <a:solidFill>
+                  <a:schemeClr val="tx1">
+                    <a:lumMod val="75000"/>
+                    <a:lumOff val="25000"/>
+                  </a:schemeClr>
+                </a:solidFill>
+                <a:latin typeface="微软雅黑" pitchFamily="34" charset="-122"/>
+                <a:ea typeface="微软雅黑" pitchFamily="34" charset="-122"/>
+              </a:rPr>
+              <a:t>信息，有些是公共信息，如动画的帧率，计时器索引，动画状态，碎片数组等；另外，有些个性化信息，比如，每个碎片偏移多少，旋转多少，缩放多少，透明度改变多少，持续时间，延迟时间等，个性的信息</a:t>
+            </a:r>
+            <a:r>
+              <a:rPr lang="zh-CN" altLang="en-US" sz="2400" dirty="0" smtClean="0">
+                <a:solidFill>
+                  <a:schemeClr val="tx1">
+                    <a:lumMod val="75000"/>
+                    <a:lumOff val="25000"/>
+                  </a:schemeClr>
+                </a:solidFill>
+                <a:latin typeface="微软雅黑" pitchFamily="34" charset="-122"/>
+                <a:ea typeface="微软雅黑" pitchFamily="34" charset="-122"/>
+              </a:rPr>
+              <a:t>，存储</a:t>
+            </a:r>
+            <a:r>
+              <a:rPr lang="zh-CN" altLang="en-US" sz="2400" dirty="0" smtClean="0">
+                <a:solidFill>
+                  <a:schemeClr val="tx1">
+                    <a:lumMod val="75000"/>
+                    <a:lumOff val="25000"/>
+                  </a:schemeClr>
+                </a:solidFill>
+                <a:latin typeface="微软雅黑" pitchFamily="34" charset="-122"/>
+                <a:ea typeface="微软雅黑" pitchFamily="34" charset="-122"/>
+              </a:rPr>
+              <a:t>在</a:t>
             </a:r>
             <a:r>
               <a:rPr lang="zh-CN" altLang="en-US" sz="2400" dirty="0">
@@ -4453,7 +4470,7 @@
                 <a:latin typeface="微软雅黑" pitchFamily="34" charset="-122"/>
                 <a:ea typeface="微软雅黑" pitchFamily="34" charset="-122"/>
               </a:rPr>
-              <a:t>jquery</a:t>
+              <a:t>jQuery</a:t>
             </a:r>
             <a:r>
               <a:rPr lang="zh-CN" altLang="en-US" sz="2400" dirty="0" smtClean="0">
@@ -4466,7 +4483,20 @@
                 <a:latin typeface="微软雅黑" pitchFamily="34" charset="-122"/>
                 <a:ea typeface="微软雅黑" pitchFamily="34" charset="-122"/>
               </a:rPr>
-              <a:t>对象内</a:t>
+              <a:t>对象</a:t>
+            </a:r>
+            <a:r>
+              <a:rPr lang="zh-CN" altLang="en-US" sz="2400" dirty="0" smtClean="0">
+                <a:solidFill>
+                  <a:schemeClr val="tx1">
+                    <a:lumMod val="75000"/>
+                    <a:lumOff val="25000"/>
+                  </a:schemeClr>
+                </a:solidFill>
+                <a:latin typeface="微软雅黑" pitchFamily="34" charset="-122"/>
+                <a:ea typeface="微软雅黑" pitchFamily="34" charset="-122"/>
+              </a:rPr>
+              <a:t>内（属自定义属性）</a:t>
             </a:r>
             <a:endParaRPr lang="en-US" altLang="zh-CN" sz="2400" b="1" dirty="0" smtClean="0">
               <a:solidFill>
@@ -4985,7 +5015,20 @@
                 <a:latin typeface="微软雅黑" pitchFamily="34" charset="-122"/>
                 <a:ea typeface="微软雅黑" pitchFamily="34" charset="-122"/>
               </a:rPr>
-              <a:t>，第一维是字母</a:t>
+              <a:t>，第一维</a:t>
+            </a:r>
+            <a:r>
+              <a:rPr lang="zh-CN" altLang="en-US" sz="2000" dirty="0" smtClean="0">
+                <a:solidFill>
+                  <a:schemeClr val="tx1">
+                    <a:lumMod val="75000"/>
+                    <a:lumOff val="25000"/>
+                  </a:schemeClr>
+                </a:solidFill>
+                <a:latin typeface="微软雅黑" pitchFamily="34" charset="-122"/>
+                <a:ea typeface="微软雅黑" pitchFamily="34" charset="-122"/>
+              </a:rPr>
+              <a:t>是每个字母的</a:t>
             </a:r>
             <a:r>
               <a:rPr lang="zh-CN" altLang="en-US" sz="2000" b="1" dirty="0" smtClean="0">
@@ -4998,7 +5041,20 @@
                 <a:latin typeface="微软雅黑" pitchFamily="34" charset="-122"/>
                 <a:ea typeface="微软雅黑" pitchFamily="34" charset="-122"/>
               </a:rPr>
-              <a:t>碎片组</a:t>
+              <a:t>碎片</a:t>
+            </a:r>
+            <a:r>
+              <a:rPr lang="zh-CN" altLang="en-US" sz="2000" b="1" dirty="0" smtClean="0">
+                <a:solidFill>
+                  <a:schemeClr val="tx1">
+                    <a:lumMod val="75000"/>
+                    <a:lumOff val="25000"/>
+                  </a:schemeClr>
+                </a:solidFill>
+                <a:latin typeface="微软雅黑" pitchFamily="34" charset="-122"/>
+                <a:ea typeface="微软雅黑" pitchFamily="34" charset="-122"/>
+              </a:rPr>
+              <a:t>组</a:t>
             </a:r>
             <a:r>
               <a:rPr lang="zh-CN" altLang="en-US" sz="2000" dirty="0" smtClean="0">
@@ -5011,7 +5067,59 @@
                 <a:latin typeface="微软雅黑" pitchFamily="34" charset="-122"/>
                 <a:ea typeface="微软雅黑" pitchFamily="34" charset="-122"/>
               </a:rPr>
-              <a:t>，第二维是字母的</a:t>
+              <a:t>，第二维</a:t>
+            </a:r>
+            <a:r>
+              <a:rPr lang="zh-CN" altLang="en-US" sz="2000" dirty="0" smtClean="0">
+                <a:solidFill>
+                  <a:schemeClr val="tx1">
+                    <a:lumMod val="75000"/>
+                    <a:lumOff val="25000"/>
+                  </a:schemeClr>
+                </a:solidFill>
+                <a:latin typeface="微软雅黑" pitchFamily="34" charset="-122"/>
+                <a:ea typeface="微软雅黑" pitchFamily="34" charset="-122"/>
+              </a:rPr>
+              <a:t>是</a:t>
+            </a:r>
+            <a:r>
+              <a:rPr lang="zh-CN" altLang="en-US" sz="2000" dirty="0" smtClean="0">
+                <a:solidFill>
+                  <a:schemeClr val="tx1">
+                    <a:lumMod val="75000"/>
+                    <a:lumOff val="25000"/>
+                  </a:schemeClr>
+                </a:solidFill>
+                <a:latin typeface="微软雅黑" pitchFamily="34" charset="-122"/>
+                <a:ea typeface="微软雅黑" pitchFamily="34" charset="-122"/>
+              </a:rPr>
+              <a:t>某</a:t>
+            </a:r>
+            <a:r>
+              <a:rPr lang="zh-CN" altLang="en-US" sz="2000" dirty="0" smtClean="0">
+                <a:solidFill>
+                  <a:schemeClr val="tx1">
+                    <a:lumMod val="75000"/>
+                    <a:lumOff val="25000"/>
+                  </a:schemeClr>
+                </a:solidFill>
+                <a:latin typeface="微软雅黑" pitchFamily="34" charset="-122"/>
+                <a:ea typeface="微软雅黑" pitchFamily="34" charset="-122"/>
+              </a:rPr>
+              <a:t>字母</a:t>
+            </a:r>
+            <a:r>
+              <a:rPr lang="zh-CN" altLang="en-US" sz="2000" dirty="0" smtClean="0">
+                <a:solidFill>
+                  <a:schemeClr val="tx1">
+                    <a:lumMod val="75000"/>
+                    <a:lumOff val="25000"/>
+                  </a:schemeClr>
+                </a:solidFill>
+                <a:latin typeface="微软雅黑" pitchFamily="34" charset="-122"/>
+                <a:ea typeface="微软雅黑" pitchFamily="34" charset="-122"/>
+              </a:rPr>
+              <a:t>的</a:t>
             </a:r>
             <a:r>
               <a:rPr lang="zh-CN" altLang="en-US" sz="2000" b="1" dirty="0" smtClean="0">
@@ -5048,7 +5156,7 @@
         <p:spPr>
           <a:xfrm>
             <a:off x="2339752" y="64382"/>
-            <a:ext cx="2689426" cy="556306"/>
+            <a:ext cx="2880320" cy="556306"/>
           </a:xfrm>
           <a:prstGeom prst="wedgeRoundRectCallout">
             <a:avLst>
@@ -5092,7 +5200,33 @@
                 <a:latin typeface="微软雅黑" pitchFamily="34" charset="-122"/>
                 <a:ea typeface="微软雅黑" pitchFamily="34" charset="-122"/>
               </a:rPr>
-              <a:t>保存碎片</a:t>
+              <a:t>保存</a:t>
+            </a:r>
+            <a:r>
+              <a:rPr lang="zh-CN" altLang="en-US" sz="2000" b="1" dirty="0" smtClean="0">
+                <a:solidFill>
+                  <a:schemeClr val="tx1">
+                    <a:lumMod val="75000"/>
+                    <a:lumOff val="25000"/>
+                  </a:schemeClr>
+                </a:solidFill>
+                <a:latin typeface="微软雅黑" pitchFamily="34" charset="-122"/>
+                <a:ea typeface="微软雅黑" pitchFamily="34" charset="-122"/>
+              </a:rPr>
+              <a:t>碎片</a:t>
+            </a:r>
+            <a:r>
+              <a:rPr lang="zh-CN" altLang="en-US" sz="2000" b="1" dirty="0">
+                <a:solidFill>
+                  <a:schemeClr val="tx1">
+                    <a:lumMod val="75000"/>
+                    <a:lumOff val="25000"/>
+                  </a:schemeClr>
+                </a:solidFill>
+                <a:latin typeface="微软雅黑" pitchFamily="34" charset="-122"/>
+                <a:ea typeface="微软雅黑" pitchFamily="34" charset="-122"/>
+              </a:rPr>
+              <a:t>的</a:t>
             </a:r>
             <a:r>
               <a:rPr lang="en-US" altLang="zh-CN" sz="2000" b="1" dirty="0" err="1" smtClean="0">
@@ -5105,7 +5239,7 @@
                 <a:latin typeface="微软雅黑" pitchFamily="34" charset="-122"/>
                 <a:ea typeface="微软雅黑" pitchFamily="34" charset="-122"/>
               </a:rPr>
-              <a:t>jquery</a:t>
+              <a:t>jQuery</a:t>
             </a:r>
             <a:r>
               <a:rPr lang="zh-CN" altLang="en-US" sz="2000" b="1" dirty="0" smtClean="0">
@@ -5308,7 +5442,7 @@
               </a:lnSpc>
             </a:pPr>
             <a:r>
-              <a:rPr lang="zh-CN" altLang="en-US" sz="2000" dirty="0" smtClean="0">
+              <a:rPr lang="zh-CN" altLang="en-US" sz="2000" b="1" dirty="0" smtClean="0">
                 <a:solidFill>
                   <a:schemeClr val="tx1">
                     <a:lumMod val="75000"/>
@@ -5321,33 +5455,20 @@
               <a:t>获取从</a:t>
             </a:r>
             <a:r>
-              <a:rPr lang="en-US" altLang="zh-CN" sz="2000" dirty="0" smtClean="0">
-                <a:solidFill>
-                  <a:schemeClr val="tx1">
-                    <a:lumMod val="75000"/>
-                    <a:lumOff val="25000"/>
-                  </a:schemeClr>
-                </a:solidFill>
-                <a:latin typeface="微软雅黑" pitchFamily="34" charset="-122"/>
-                <a:ea typeface="微软雅黑" pitchFamily="34" charset="-122"/>
-              </a:rPr>
-              <a:t>begi</a:t>
-            </a:r>
-            <a:r>
-              <a:rPr lang="en-US" altLang="zh-CN" sz="2000" dirty="0" smtClean="0">
-                <a:solidFill>
-                  <a:schemeClr val="tx1">
-                    <a:lumMod val="75000"/>
-                    <a:lumOff val="25000"/>
-                  </a:schemeClr>
-                </a:solidFill>
-                <a:latin typeface="微软雅黑" pitchFamily="34" charset="-122"/>
-                <a:ea typeface="微软雅黑" pitchFamily="34" charset="-122"/>
-              </a:rPr>
-              <a:t>n</a:t>
-            </a:r>
-            <a:r>
-              <a:rPr lang="zh-CN" altLang="en-US" sz="2000" dirty="0" smtClean="0">
+              <a:rPr lang="en-US" altLang="zh-CN" sz="2000" b="1" dirty="0" smtClean="0">
+                <a:solidFill>
+                  <a:schemeClr val="tx1">
+                    <a:lumMod val="75000"/>
+                    <a:lumOff val="25000"/>
+                  </a:schemeClr>
+                </a:solidFill>
+                <a:latin typeface="微软雅黑" pitchFamily="34" charset="-122"/>
+                <a:ea typeface="微软雅黑" pitchFamily="34" charset="-122"/>
+              </a:rPr>
+              <a:t>begin</a:t>
+            </a:r>
+            <a:r>
+              <a:rPr lang="zh-CN" altLang="en-US" sz="2000" b="1" dirty="0" smtClean="0">
                 <a:solidFill>
                   <a:schemeClr val="tx1">
                     <a:lumMod val="75000"/>
@@ -5360,7 +5481,7 @@
               <a:t>到</a:t>
             </a:r>
             <a:r>
-              <a:rPr lang="en-US" altLang="zh-CN" sz="2000" dirty="0" smtClean="0">
+              <a:rPr lang="en-US" altLang="zh-CN" sz="2000" b="1" dirty="0" smtClean="0">
                 <a:solidFill>
                   <a:schemeClr val="tx1">
                     <a:lumMod val="75000"/>
@@ -5373,7 +5494,7 @@
               <a:t>end</a:t>
             </a:r>
             <a:r>
-              <a:rPr lang="zh-CN" altLang="en-US" sz="2000" dirty="0" smtClean="0">
+              <a:rPr lang="zh-CN" altLang="en-US" sz="2000" b="1" dirty="0" smtClean="0">
                 <a:solidFill>
                   <a:schemeClr val="tx1">
                     <a:lumMod val="75000"/>
@@ -5385,7 +5506,7 @@
               </a:rPr>
               <a:t>的范围随机数</a:t>
             </a:r>
-            <a:endParaRPr lang="en-US" altLang="zh-CN" sz="2000" dirty="0">
+            <a:endParaRPr lang="en-US" altLang="zh-CN" sz="2000" b="1" dirty="0">
               <a:solidFill>
                 <a:schemeClr val="tx1">
                   <a:lumMod val="75000"/>
@@ -5657,7 +5778,33 @@
                 <a:latin typeface="微软雅黑" pitchFamily="34" charset="-122"/>
                 <a:ea typeface="微软雅黑" pitchFamily="34" charset="-122"/>
               </a:rPr>
-              <a:t>每个属性都是一个变化的范围，放在</a:t>
+              <a:t>每个属性都是一个</a:t>
+            </a:r>
+            <a:r>
+              <a:rPr lang="zh-CN" altLang="en-US" sz="2000" dirty="0" smtClean="0">
+                <a:solidFill>
+                  <a:schemeClr val="tx1">
+                    <a:lumMod val="75000"/>
+                    <a:lumOff val="25000"/>
+                  </a:schemeClr>
+                </a:solidFill>
+                <a:latin typeface="微软雅黑" pitchFamily="34" charset="-122"/>
+                <a:ea typeface="微软雅黑" pitchFamily="34" charset="-122"/>
+              </a:rPr>
+              <a:t>变化范围</a:t>
+            </a:r>
+            <a:r>
+              <a:rPr lang="zh-CN" altLang="en-US" sz="2000" dirty="0" smtClean="0">
+                <a:solidFill>
+                  <a:schemeClr val="tx1">
+                    <a:lumMod val="75000"/>
+                    <a:lumOff val="25000"/>
+                  </a:schemeClr>
+                </a:solidFill>
+                <a:latin typeface="微软雅黑" pitchFamily="34" charset="-122"/>
+                <a:ea typeface="微软雅黑" pitchFamily="34" charset="-122"/>
+              </a:rPr>
+              <a:t>，放在</a:t>
             </a:r>
             <a:r>
               <a:rPr lang="zh-CN" altLang="en-US" sz="2000" b="1" dirty="0" smtClean="0">
@@ -5683,7 +5830,20 @@
                 <a:latin typeface="微软雅黑" pitchFamily="34" charset="-122"/>
                 <a:ea typeface="微软雅黑" pitchFamily="34" charset="-122"/>
               </a:rPr>
-              <a:t>中，结合一个</a:t>
+              <a:t>中</a:t>
+            </a:r>
+            <a:r>
+              <a:rPr lang="zh-CN" altLang="en-US" sz="2000" dirty="0" smtClean="0">
+                <a:solidFill>
+                  <a:schemeClr val="tx1">
+                    <a:lumMod val="75000"/>
+                    <a:lumOff val="25000"/>
+                  </a:schemeClr>
+                </a:solidFill>
+                <a:latin typeface="微软雅黑" pitchFamily="34" charset="-122"/>
+                <a:ea typeface="微软雅黑" pitchFamily="34" charset="-122"/>
+              </a:rPr>
+              <a:t>，和</a:t>
             </a:r>
             <a:r>
               <a:rPr lang="zh-CN" altLang="en-US" sz="2000" b="1" dirty="0" smtClean="0">
@@ -5696,7 +5856,46 @@
                 <a:latin typeface="微软雅黑" pitchFamily="34" charset="-122"/>
                 <a:ea typeface="微软雅黑" pitchFamily="34" charset="-122"/>
               </a:rPr>
-              <a:t>自定义属性名</a:t>
+              <a:t>自定义</a:t>
+            </a:r>
+            <a:r>
+              <a:rPr lang="zh-CN" altLang="en-US" sz="2000" b="1" dirty="0" smtClean="0">
+                <a:solidFill>
+                  <a:schemeClr val="tx1">
+                    <a:lumMod val="75000"/>
+                    <a:lumOff val="25000"/>
+                  </a:schemeClr>
+                </a:solidFill>
+                <a:latin typeface="微软雅黑" pitchFamily="34" charset="-122"/>
+                <a:ea typeface="微软雅黑" pitchFamily="34" charset="-122"/>
+              </a:rPr>
+              <a:t>属性</a:t>
+            </a:r>
+            <a:r>
+              <a:rPr lang="zh-CN" altLang="en-US" sz="2000" b="1" dirty="0" smtClean="0">
+                <a:solidFill>
+                  <a:schemeClr val="tx1">
+                    <a:lumMod val="75000"/>
+                    <a:lumOff val="25000"/>
+                  </a:schemeClr>
+                </a:solidFill>
+                <a:latin typeface="微软雅黑" pitchFamily="34" charset="-122"/>
+                <a:ea typeface="微软雅黑" pitchFamily="34" charset="-122"/>
+              </a:rPr>
+              <a:t>名</a:t>
+            </a:r>
+            <a:r>
+              <a:rPr lang="zh-CN" altLang="en-US" sz="2000" dirty="0">
+                <a:solidFill>
+                  <a:schemeClr val="tx1">
+                    <a:lumMod val="75000"/>
+                    <a:lumOff val="25000"/>
+                  </a:schemeClr>
+                </a:solidFill>
+                <a:latin typeface="微软雅黑" pitchFamily="34" charset="-122"/>
+                <a:ea typeface="微软雅黑" pitchFamily="34" charset="-122"/>
+              </a:rPr>
+              <a:t>一起</a:t>
             </a:r>
             <a:r>
               <a:rPr lang="zh-CN" altLang="en-US" sz="2000" dirty="0" smtClean="0">
@@ -5709,7 +5908,20 @@
                 <a:latin typeface="微软雅黑" pitchFamily="34" charset="-122"/>
                 <a:ea typeface="微软雅黑" pitchFamily="34" charset="-122"/>
               </a:rPr>
-              <a:t>，放在</a:t>
+              <a:t>放</a:t>
+            </a:r>
+            <a:r>
+              <a:rPr lang="zh-CN" altLang="en-US" sz="2000" dirty="0" smtClean="0">
+                <a:solidFill>
+                  <a:schemeClr val="tx1">
+                    <a:lumMod val="75000"/>
+                    <a:lumOff val="25000"/>
+                  </a:schemeClr>
+                </a:solidFill>
+                <a:latin typeface="微软雅黑" pitchFamily="34" charset="-122"/>
+                <a:ea typeface="微软雅黑" pitchFamily="34" charset="-122"/>
+              </a:rPr>
+              <a:t>在</a:t>
             </a:r>
             <a:r>
               <a:rPr lang="zh-CN" altLang="en-US" sz="2000" b="1" dirty="0" smtClean="0">
@@ -5735,7 +5947,20 @@
                 <a:latin typeface="微软雅黑" pitchFamily="34" charset="-122"/>
                 <a:ea typeface="微软雅黑" pitchFamily="34" charset="-122"/>
               </a:rPr>
-              <a:t>，传递给另外的函数，</a:t>
+              <a:t>，传递给</a:t>
+            </a:r>
+            <a:r>
+              <a:rPr lang="zh-CN" altLang="en-US" sz="2000" dirty="0" smtClean="0">
+                <a:solidFill>
+                  <a:schemeClr val="tx1">
+                    <a:lumMod val="75000"/>
+                    <a:lumOff val="25000"/>
+                  </a:schemeClr>
+                </a:solidFill>
+                <a:latin typeface="微软雅黑" pitchFamily="34" charset="-122"/>
+                <a:ea typeface="微软雅黑" pitchFamily="34" charset="-122"/>
+              </a:rPr>
+              <a:t>另外的函数，以</a:t>
             </a:r>
             <a:r>
               <a:rPr lang="zh-CN" altLang="en-US" sz="2000" b="1" dirty="0" smtClean="0">
@@ -5748,7 +5973,20 @@
                 <a:latin typeface="微软雅黑" pitchFamily="34" charset="-122"/>
                 <a:ea typeface="微软雅黑" pitchFamily="34" charset="-122"/>
               </a:rPr>
-              <a:t>保存到对象中</a:t>
+              <a:t>保存</a:t>
+            </a:r>
+            <a:r>
+              <a:rPr lang="zh-CN" altLang="en-US" sz="2000" b="1" dirty="0" smtClean="0">
+                <a:solidFill>
+                  <a:schemeClr val="tx1">
+                    <a:lumMod val="75000"/>
+                    <a:lumOff val="25000"/>
+                  </a:schemeClr>
+                </a:solidFill>
+                <a:latin typeface="微软雅黑" pitchFamily="34" charset="-122"/>
+                <a:ea typeface="微软雅黑" pitchFamily="34" charset="-122"/>
+              </a:rPr>
+              <a:t>到对象中</a:t>
             </a:r>
             <a:endParaRPr lang="en-US" altLang="zh-CN" sz="2000" b="1" dirty="0">
               <a:solidFill>
@@ -5806,6 +6044,19 @@
               </a:lnSpc>
             </a:pPr>
             <a:r>
+              <a:rPr lang="zh-CN" altLang="en-US" sz="2000" dirty="0">
+                <a:solidFill>
+                  <a:schemeClr val="tx1">
+                    <a:lumMod val="75000"/>
+                    <a:lumOff val="25000"/>
+                  </a:schemeClr>
+                </a:solidFill>
+                <a:latin typeface="微软雅黑" pitchFamily="34" charset="-122"/>
+                <a:ea typeface="微软雅黑" pitchFamily="34" charset="-122"/>
+              </a:rPr>
+              <a:t>每组</a:t>
+            </a:r>
+            <a:r>
               <a:rPr lang="zh-CN" altLang="en-US" sz="2000" dirty="0" smtClean="0">
                 <a:solidFill>
                   <a:schemeClr val="tx1">
@@ -5816,7 +6067,20 @@
                 <a:latin typeface="微软雅黑" pitchFamily="34" charset="-122"/>
                 <a:ea typeface="微软雅黑" pitchFamily="34" charset="-122"/>
               </a:rPr>
-              <a:t>所有属性配置放在</a:t>
+              <a:t>属性</a:t>
+            </a:r>
+            <a:r>
+              <a:rPr lang="zh-CN" altLang="en-US" sz="2000" dirty="0" smtClean="0">
+                <a:solidFill>
+                  <a:schemeClr val="tx1">
+                    <a:lumMod val="75000"/>
+                    <a:lumOff val="25000"/>
+                  </a:schemeClr>
+                </a:solidFill>
+                <a:latin typeface="微软雅黑" pitchFamily="34" charset="-122"/>
+                <a:ea typeface="微软雅黑" pitchFamily="34" charset="-122"/>
+              </a:rPr>
+              <a:t>配置放在</a:t>
             </a:r>
             <a:r>
               <a:rPr lang="zh-CN" altLang="en-US" sz="2000" b="1" dirty="0" smtClean="0">
@@ -6185,13 +6449,13 @@
         </p:nvSpPr>
         <p:spPr>
           <a:xfrm>
-            <a:off x="5990573" y="2779536"/>
-            <a:ext cx="1872208" cy="1421941"/>
+            <a:off x="5990573" y="2275480"/>
+            <a:ext cx="1893796" cy="1925997"/>
           </a:xfrm>
           <a:prstGeom prst="wedgeRoundRectCallout">
             <a:avLst>
-              <a:gd name="adj1" fmla="val -25469"/>
-              <a:gd name="adj2" fmla="val 64597"/>
+              <a:gd name="adj1" fmla="val -26116"/>
+              <a:gd name="adj2" fmla="val 56802"/>
               <a:gd name="adj3" fmla="val 16667"/>
             </a:avLst>
           </a:prstGeom>
@@ -6230,7 +6494,33 @@
                 <a:latin typeface="微软雅黑" pitchFamily="34" charset="-122"/>
                 <a:ea typeface="微软雅黑" pitchFamily="34" charset="-122"/>
               </a:rPr>
-              <a:t>将区间（开始结束）配置数组逐个保存</a:t>
+              <a:t>将区间（开始结束）配置</a:t>
+            </a:r>
+            <a:r>
+              <a:rPr lang="zh-CN" altLang="en-US" sz="2000" dirty="0" smtClean="0">
+                <a:solidFill>
+                  <a:schemeClr val="tx1">
+                    <a:lumMod val="75000"/>
+                    <a:lumOff val="25000"/>
+                  </a:schemeClr>
+                </a:solidFill>
+                <a:latin typeface="微软雅黑" pitchFamily="34" charset="-122"/>
+                <a:ea typeface="微软雅黑" pitchFamily="34" charset="-122"/>
+              </a:rPr>
+              <a:t>数组，以给定名称逐个</a:t>
+            </a:r>
+            <a:r>
+              <a:rPr lang="zh-CN" altLang="en-US" sz="2000" dirty="0" smtClean="0">
+                <a:solidFill>
+                  <a:schemeClr val="tx1">
+                    <a:lumMod val="75000"/>
+                    <a:lumOff val="25000"/>
+                  </a:schemeClr>
+                </a:solidFill>
+                <a:latin typeface="微软雅黑" pitchFamily="34" charset="-122"/>
+                <a:ea typeface="微软雅黑" pitchFamily="34" charset="-122"/>
+              </a:rPr>
+              <a:t>保存</a:t>
             </a:r>
             <a:endParaRPr lang="en-US" altLang="zh-CN" sz="2000" dirty="0">
               <a:solidFill>
@@ -6366,20 +6656,7 @@
                 <a:latin typeface="微软雅黑" pitchFamily="34" charset="-122"/>
                 <a:ea typeface="微软雅黑" pitchFamily="34" charset="-122"/>
               </a:rPr>
-              <a:t>刷新</a:t>
-            </a:r>
-            <a:r>
-              <a:rPr lang="zh-CN" altLang="en-US" sz="2400" b="1" dirty="0" smtClean="0">
-                <a:solidFill>
-                  <a:schemeClr val="tx1">
-                    <a:lumMod val="75000"/>
-                    <a:lumOff val="25000"/>
-                  </a:schemeClr>
-                </a:solidFill>
-                <a:latin typeface="微软雅黑" pitchFamily="34" charset="-122"/>
-                <a:ea typeface="微软雅黑" pitchFamily="34" charset="-122"/>
-              </a:rPr>
-              <a:t>动画</a:t>
+              <a:t>刷新动画</a:t>
             </a:r>
             <a:endParaRPr lang="en-US" altLang="zh-CN" sz="2400" b="1" dirty="0" smtClean="0">
               <a:solidFill>
@@ -6608,8 +6885,8 @@
         </p:nvSpPr>
         <p:spPr>
           <a:xfrm>
-            <a:off x="3504747" y="6237312"/>
-            <a:ext cx="1312007" cy="432048"/>
+            <a:off x="2987824" y="6237312"/>
+            <a:ext cx="2592288" cy="432048"/>
           </a:xfrm>
           <a:prstGeom prst="wedgeRoundRectCallout">
             <a:avLst>
@@ -6653,7 +6930,46 @@
                 <a:latin typeface="微软雅黑" pitchFamily="34" charset="-122"/>
                 <a:ea typeface="微软雅黑" pitchFamily="34" charset="-122"/>
               </a:rPr>
-              <a:t>刷新间隔</a:t>
+              <a:t>刷新</a:t>
+            </a:r>
+            <a:r>
+              <a:rPr lang="zh-CN" altLang="en-US" sz="2000" dirty="0" smtClean="0">
+                <a:solidFill>
+                  <a:schemeClr val="tx1">
+                    <a:lumMod val="75000"/>
+                    <a:lumOff val="25000"/>
+                  </a:schemeClr>
+                </a:solidFill>
+                <a:latin typeface="微软雅黑" pitchFamily="34" charset="-122"/>
+                <a:ea typeface="微软雅黑" pitchFamily="34" charset="-122"/>
+              </a:rPr>
+              <a:t>间隔</a:t>
+            </a:r>
+            <a:r>
+              <a:rPr lang="en-US" altLang="zh-CN" sz="2000" dirty="0" smtClean="0">
+                <a:solidFill>
+                  <a:schemeClr val="tx1">
+                    <a:lumMod val="75000"/>
+                    <a:lumOff val="25000"/>
+                  </a:schemeClr>
+                </a:solidFill>
+                <a:latin typeface="微软雅黑" pitchFamily="34" charset="-122"/>
+                <a:ea typeface="微软雅黑" pitchFamily="34" charset="-122"/>
+              </a:rPr>
+              <a:t>/</a:t>
+            </a:r>
+            <a:r>
+              <a:rPr lang="zh-CN" altLang="en-US" sz="2000" dirty="0" smtClean="0">
+                <a:solidFill>
+                  <a:schemeClr val="tx1">
+                    <a:lumMod val="75000"/>
+                    <a:lumOff val="25000"/>
+                  </a:schemeClr>
+                </a:solidFill>
+                <a:latin typeface="微软雅黑" pitchFamily="34" charset="-122"/>
+                <a:ea typeface="微软雅黑" pitchFamily="34" charset="-122"/>
+              </a:rPr>
+              <a:t>每帧间隔</a:t>
             </a:r>
             <a:endParaRPr lang="en-US" altLang="zh-CN" sz="2000" dirty="0">
               <a:solidFill>
@@ -6789,20 +7105,7 @@
                 <a:latin typeface="微软雅黑" pitchFamily="34" charset="-122"/>
                 <a:ea typeface="微软雅黑" pitchFamily="34" charset="-122"/>
               </a:rPr>
-              <a:t>动画结束，计数器</a:t>
-            </a:r>
-            <a:r>
-              <a:rPr lang="zh-CN" altLang="en-US" sz="2000" dirty="0" smtClean="0">
-                <a:solidFill>
-                  <a:schemeClr val="tx1">
-                    <a:lumMod val="75000"/>
-                    <a:lumOff val="25000"/>
-                  </a:schemeClr>
-                </a:solidFill>
-                <a:latin typeface="微软雅黑" pitchFamily="34" charset="-122"/>
-                <a:ea typeface="微软雅黑" pitchFamily="34" charset="-122"/>
-              </a:rPr>
-              <a:t>减</a:t>
+              <a:t>动画结束，计数器减</a:t>
             </a:r>
             <a:r>
               <a:rPr lang="en-US" altLang="zh-CN" sz="2000" dirty="0" smtClean="0">
@@ -7179,7 +7482,7 @@
         <p:spPr>
           <a:xfrm>
             <a:off x="3301322" y="4725144"/>
-            <a:ext cx="2386541" cy="792088"/>
+            <a:ext cx="3358910" cy="792088"/>
           </a:xfrm>
           <a:prstGeom prst="wedgeRoundRectCallout">
             <a:avLst>
@@ -7223,7 +7526,7 @@
                 <a:latin typeface="微软雅黑" pitchFamily="34" charset="-122"/>
                 <a:ea typeface="微软雅黑" pitchFamily="34" charset="-122"/>
               </a:rPr>
-              <a:t>动画时间到了，关闭动画</a:t>
+              <a:t>动画时间到了</a:t>
             </a:r>
             <a:r>
               <a:rPr lang="zh-CN" altLang="en-US" sz="2000" dirty="0" smtClean="0">
@@ -7236,7 +7539,33 @@
                 <a:latin typeface="微软雅黑" pitchFamily="34" charset="-122"/>
                 <a:ea typeface="微软雅黑" pitchFamily="34" charset="-122"/>
               </a:rPr>
-              <a:t>返回</a:t>
+              <a:t>，设置关闭标识为</a:t>
+            </a:r>
+            <a:r>
+              <a:rPr lang="en-US" altLang="zh-CN" sz="2000" dirty="0" smtClean="0">
+                <a:solidFill>
+                  <a:schemeClr val="tx1">
+                    <a:lumMod val="75000"/>
+                    <a:lumOff val="25000"/>
+                  </a:schemeClr>
+                </a:solidFill>
+                <a:latin typeface="微软雅黑" pitchFamily="34" charset="-122"/>
+                <a:ea typeface="微软雅黑" pitchFamily="34" charset="-122"/>
+              </a:rPr>
+              <a:t>false</a:t>
+            </a:r>
+            <a:r>
+              <a:rPr lang="zh-CN" altLang="en-US" sz="2000" dirty="0" smtClean="0">
+                <a:solidFill>
+                  <a:schemeClr val="tx1">
+                    <a:lumMod val="75000"/>
+                    <a:lumOff val="25000"/>
+                  </a:schemeClr>
+                </a:solidFill>
+                <a:latin typeface="微软雅黑" pitchFamily="34" charset="-122"/>
+                <a:ea typeface="微软雅黑" pitchFamily="34" charset="-122"/>
+              </a:rPr>
+              <a:t>并返回</a:t>
             </a:r>
             <a:r>
               <a:rPr lang="en-US" altLang="zh-CN" sz="2000" dirty="0" smtClean="0">
@@ -7499,7 +7828,7 @@
                 <a:latin typeface="微软雅黑" pitchFamily="34" charset="-122"/>
                 <a:ea typeface="微软雅黑" pitchFamily="34" charset="-122"/>
               </a:rPr>
-              <a:t>根据累计时间</a:t>
+              <a:t>根据累计时间，设置此时</a:t>
             </a:r>
             <a:r>
               <a:rPr lang="zh-CN" altLang="en-US" sz="2000" dirty="0" smtClean="0">
@@ -7512,7 +7841,46 @@
                 <a:latin typeface="微软雅黑" pitchFamily="34" charset="-122"/>
                 <a:ea typeface="微软雅黑" pitchFamily="34" charset="-122"/>
               </a:rPr>
-              <a:t>，设置此时此刻动画应该呈现的样式</a:t>
+              <a:t>此刻</a:t>
+            </a:r>
+            <a:r>
+              <a:rPr lang="zh-CN" altLang="en-US" sz="2000" dirty="0">
+                <a:solidFill>
+                  <a:schemeClr val="tx1">
+                    <a:lumMod val="75000"/>
+                    <a:lumOff val="25000"/>
+                  </a:schemeClr>
+                </a:solidFill>
+                <a:latin typeface="微软雅黑" pitchFamily="34" charset="-122"/>
+                <a:ea typeface="微软雅黑" pitchFamily="34" charset="-122"/>
+              </a:rPr>
+              <a:t>碎片</a:t>
+            </a:r>
+            <a:r>
+              <a:rPr lang="zh-CN" altLang="en-US" sz="2000" dirty="0" smtClean="0">
+                <a:solidFill>
+                  <a:schemeClr val="tx1">
+                    <a:lumMod val="75000"/>
+                    <a:lumOff val="25000"/>
+                  </a:schemeClr>
+                </a:solidFill>
+                <a:latin typeface="微软雅黑" pitchFamily="34" charset="-122"/>
+                <a:ea typeface="微软雅黑" pitchFamily="34" charset="-122"/>
+              </a:rPr>
+              <a:t>应该</a:t>
+            </a:r>
+            <a:r>
+              <a:rPr lang="zh-CN" altLang="en-US" sz="2000" dirty="0" smtClean="0">
+                <a:solidFill>
+                  <a:schemeClr val="tx1">
+                    <a:lumMod val="75000"/>
+                    <a:lumOff val="25000"/>
+                  </a:schemeClr>
+                </a:solidFill>
+                <a:latin typeface="微软雅黑" pitchFamily="34" charset="-122"/>
+                <a:ea typeface="微软雅黑" pitchFamily="34" charset="-122"/>
+              </a:rPr>
+              <a:t>呈现的样式</a:t>
             </a:r>
             <a:endParaRPr lang="en-US" altLang="zh-CN" sz="2000" dirty="0">
               <a:solidFill>
@@ -7623,16 +7991,6 @@
               </a:rPr>
               <a:t> </a:t>
             </a:r>
-            <a:endParaRPr lang="en-US" altLang="zh-CN" sz="2400" b="1" dirty="0" smtClean="0">
-              <a:solidFill>
-                <a:schemeClr val="tx1">
-                  <a:lumMod val="75000"/>
-                  <a:lumOff val="25000"/>
-                </a:schemeClr>
-              </a:solidFill>
-              <a:latin typeface="微软雅黑" pitchFamily="34" charset="-122"/>
-              <a:ea typeface="微软雅黑" pitchFamily="34" charset="-122"/>
-            </a:endParaRPr>
           </a:p>
         </p:txBody>
       </p:sp>
@@ -7902,7 +8260,7 @@
         </p:blipFill>
         <p:spPr>
           <a:xfrm>
-            <a:off x="899592" y="4509120"/>
+            <a:off x="899592" y="5224466"/>
             <a:ext cx="4801270" cy="1352739"/>
           </a:xfrm>
           <a:prstGeom prst="rect">
@@ -7928,7 +8286,7 @@
         </p:nvSpPr>
         <p:spPr>
           <a:xfrm>
-            <a:off x="5669404" y="4676698"/>
+            <a:off x="5669404" y="5585110"/>
             <a:ext cx="1566892" cy="840534"/>
           </a:xfrm>
           <a:prstGeom prst="wedgeRoundRectCallout">
@@ -7996,13 +8354,13 @@
         </p:nvSpPr>
         <p:spPr>
           <a:xfrm>
-            <a:off x="2339752" y="5607464"/>
+            <a:off x="2339752" y="6232578"/>
             <a:ext cx="2844578" cy="508790"/>
           </a:xfrm>
           <a:prstGeom prst="wedgeRoundRectCallout">
             <a:avLst>
-              <a:gd name="adj1" fmla="val -28996"/>
-              <a:gd name="adj2" fmla="val -82036"/>
+              <a:gd name="adj1" fmla="val -24678"/>
+              <a:gd name="adj2" fmla="val -84718"/>
               <a:gd name="adj3" fmla="val 16667"/>
             </a:avLst>
           </a:prstGeom>
@@ -8044,6 +8402,142 @@
               <a:t>插值函数，马上详解</a:t>
             </a:r>
             <a:endParaRPr lang="en-US" altLang="zh-CN" sz="2000" dirty="0">
+              <a:solidFill>
+                <a:schemeClr val="tx1">
+                  <a:lumMod val="75000"/>
+                  <a:lumOff val="25000"/>
+                </a:schemeClr>
+              </a:solidFill>
+              <a:latin typeface="微软雅黑" pitchFamily="34" charset="-122"/>
+              <a:ea typeface="微软雅黑" pitchFamily="34" charset="-122"/>
+            </a:endParaRPr>
+          </a:p>
+        </p:txBody>
+      </p:sp>
+      <p:sp>
+        <p:nvSpPr>
+          <p:cNvPr id="10" name="圆角矩形标注 9"/>
+          <p:cNvSpPr/>
+          <p:nvPr/>
+        </p:nvSpPr>
+        <p:spPr>
+          <a:xfrm>
+            <a:off x="4427984" y="568438"/>
+            <a:ext cx="1872208" cy="556306"/>
+          </a:xfrm>
+          <a:prstGeom prst="wedgeRoundRectCallout">
+            <a:avLst>
+              <a:gd name="adj1" fmla="val -54500"/>
+              <a:gd name="adj2" fmla="val 43236"/>
+              <a:gd name="adj3" fmla="val 16667"/>
+            </a:avLst>
+          </a:prstGeom>
+        </p:spPr>
+        <p:style>
+          <a:lnRef idx="2">
+            <a:schemeClr val="accent6"/>
+          </a:lnRef>
+          <a:fillRef idx="1">
+            <a:schemeClr val="lt1"/>
+          </a:fillRef>
+          <a:effectRef idx="0">
+            <a:schemeClr val="accent6"/>
+          </a:effectRef>
+          <a:fontRef idx="minor">
+            <a:schemeClr val="dk1"/>
+          </a:fontRef>
+        </p:style>
+        <p:txBody>
+          <a:bodyPr rtlCol="0" anchor="ctr"/>
+          <a:lstStyle/>
+          <a:p>
+            <a:pPr>
+              <a:lnSpc>
+                <a:spcPct val="150000"/>
+              </a:lnSpc>
+            </a:pPr>
+            <a:r>
+              <a:rPr lang="zh-CN" altLang="en-US" sz="2000" b="1" dirty="0" smtClean="0">
+                <a:solidFill>
+                  <a:schemeClr val="tx1">
+                    <a:lumMod val="75000"/>
+                    <a:lumOff val="25000"/>
+                  </a:schemeClr>
+                </a:solidFill>
+                <a:latin typeface="微软雅黑" pitchFamily="34" charset="-122"/>
+                <a:ea typeface="微软雅黑" pitchFamily="34" charset="-122"/>
+              </a:rPr>
+              <a:t>设置碎片样式</a:t>
+            </a:r>
+            <a:endParaRPr lang="en-US" altLang="zh-CN" sz="2000" b="1" dirty="0">
+              <a:solidFill>
+                <a:schemeClr val="tx1">
+                  <a:lumMod val="75000"/>
+                  <a:lumOff val="25000"/>
+                </a:schemeClr>
+              </a:solidFill>
+              <a:latin typeface="微软雅黑" pitchFamily="34" charset="-122"/>
+              <a:ea typeface="微软雅黑" pitchFamily="34" charset="-122"/>
+            </a:endParaRPr>
+          </a:p>
+        </p:txBody>
+      </p:sp>
+      <p:sp>
+        <p:nvSpPr>
+          <p:cNvPr id="12" name="圆角矩形标注 11"/>
+          <p:cNvSpPr/>
+          <p:nvPr/>
+        </p:nvSpPr>
+        <p:spPr>
+          <a:xfrm>
+            <a:off x="2915816" y="4528878"/>
+            <a:ext cx="2160240" cy="556306"/>
+          </a:xfrm>
+          <a:prstGeom prst="wedgeRoundRectCallout">
+            <a:avLst>
+              <a:gd name="adj1" fmla="val -25341"/>
+              <a:gd name="adj2" fmla="val 82488"/>
+              <a:gd name="adj3" fmla="val 16667"/>
+            </a:avLst>
+          </a:prstGeom>
+        </p:spPr>
+        <p:style>
+          <a:lnRef idx="2">
+            <a:schemeClr val="accent6"/>
+          </a:lnRef>
+          <a:fillRef idx="1">
+            <a:schemeClr val="lt1"/>
+          </a:fillRef>
+          <a:effectRef idx="0">
+            <a:schemeClr val="accent6"/>
+          </a:effectRef>
+          <a:fontRef idx="minor">
+            <a:schemeClr val="dk1"/>
+          </a:fontRef>
+        </p:style>
+        <p:txBody>
+          <a:bodyPr rtlCol="0" anchor="ctr"/>
+          <a:lstStyle/>
+          <a:p>
+            <a:pPr>
+              <a:lnSpc>
+                <a:spcPct val="150000"/>
+              </a:lnSpc>
+            </a:pPr>
+            <a:r>
+              <a:rPr lang="zh-CN" altLang="en-US" sz="2000" b="1" dirty="0" smtClean="0">
+                <a:solidFill>
+                  <a:schemeClr val="tx1">
+                    <a:lumMod val="75000"/>
+                    <a:lumOff val="25000"/>
+                  </a:schemeClr>
+                </a:solidFill>
+                <a:latin typeface="微软雅黑" pitchFamily="34" charset="-122"/>
+                <a:ea typeface="微软雅黑" pitchFamily="34" charset="-122"/>
+              </a:rPr>
+              <a:t>获取透明度样式</a:t>
+            </a:r>
+            <a:endParaRPr lang="en-US" altLang="zh-CN" sz="2000" b="1" dirty="0">
               <a:solidFill>
                 <a:schemeClr val="tx1">
                   <a:lumMod val="75000"/>
@@ -8115,7 +8609,7 @@
         </p:blipFill>
         <p:spPr>
           <a:xfrm>
-            <a:off x="971599" y="2348880"/>
+            <a:off x="971599" y="3139294"/>
             <a:ext cx="5134692" cy="3458058"/>
           </a:xfrm>
           <a:prstGeom prst="rect">
@@ -8155,7 +8649,7 @@
         </p:blipFill>
         <p:spPr>
           <a:xfrm>
-            <a:off x="971599" y="184674"/>
+            <a:off x="971599" y="759064"/>
             <a:ext cx="5220429" cy="1790950"/>
           </a:xfrm>
           <a:prstGeom prst="rect">
@@ -8181,7 +8675,7 @@
         </p:nvSpPr>
         <p:spPr>
           <a:xfrm>
-            <a:off x="6106291" y="555494"/>
+            <a:off x="6106291" y="1129884"/>
             <a:ext cx="1850085" cy="913610"/>
           </a:xfrm>
           <a:prstGeom prst="wedgeRoundRectCallout">
@@ -8275,7 +8769,7 @@
         </p:nvSpPr>
         <p:spPr>
           <a:xfrm>
-            <a:off x="5938665" y="2852936"/>
+            <a:off x="5938665" y="3643350"/>
             <a:ext cx="2185335" cy="1872208"/>
           </a:xfrm>
           <a:prstGeom prst="wedgeRoundRectCallout">
@@ -8369,7 +8863,7 @@
         </p:nvSpPr>
         <p:spPr>
           <a:xfrm>
-            <a:off x="2339752" y="2775372"/>
+            <a:off x="2339752" y="3565786"/>
             <a:ext cx="2160240" cy="653627"/>
           </a:xfrm>
           <a:prstGeom prst="rect">
@@ -8415,7 +8909,7 @@
         </p:nvSpPr>
         <p:spPr>
           <a:xfrm>
-            <a:off x="2339752" y="560370"/>
+            <a:off x="2339752" y="1134760"/>
             <a:ext cx="2160240" cy="653627"/>
           </a:xfrm>
           <a:prstGeom prst="rect">
@@ -8450,6 +8944,142 @@
           <a:p>
             <a:pPr algn="ctr"/>
             <a:endParaRPr lang="zh-CN" altLang="en-US"/>
+          </a:p>
+        </p:txBody>
+      </p:sp>
+      <p:sp>
+        <p:nvSpPr>
+          <p:cNvPr id="9" name="圆角矩形标注 8"/>
+          <p:cNvSpPr/>
+          <p:nvPr/>
+        </p:nvSpPr>
+        <p:spPr>
+          <a:xfrm>
+            <a:off x="2771800" y="200579"/>
+            <a:ext cx="1872208" cy="556306"/>
+          </a:xfrm>
+          <a:prstGeom prst="wedgeRoundRectCallout">
+            <a:avLst>
+              <a:gd name="adj1" fmla="val -25341"/>
+              <a:gd name="adj2" fmla="val 82488"/>
+              <a:gd name="adj3" fmla="val 16667"/>
+            </a:avLst>
+          </a:prstGeom>
+        </p:spPr>
+        <p:style>
+          <a:lnRef idx="2">
+            <a:schemeClr val="accent6"/>
+          </a:lnRef>
+          <a:fillRef idx="1">
+            <a:schemeClr val="lt1"/>
+          </a:fillRef>
+          <a:effectRef idx="0">
+            <a:schemeClr val="accent6"/>
+          </a:effectRef>
+          <a:fontRef idx="minor">
+            <a:schemeClr val="dk1"/>
+          </a:fontRef>
+        </p:style>
+        <p:txBody>
+          <a:bodyPr rtlCol="0" anchor="ctr"/>
+          <a:lstStyle/>
+          <a:p>
+            <a:pPr>
+              <a:lnSpc>
+                <a:spcPct val="150000"/>
+              </a:lnSpc>
+            </a:pPr>
+            <a:r>
+              <a:rPr lang="zh-CN" altLang="en-US" sz="2000" b="1" dirty="0" smtClean="0">
+                <a:solidFill>
+                  <a:schemeClr val="tx1">
+                    <a:lumMod val="75000"/>
+                    <a:lumOff val="25000"/>
+                  </a:schemeClr>
+                </a:solidFill>
+                <a:latin typeface="微软雅黑" pitchFamily="34" charset="-122"/>
+                <a:ea typeface="微软雅黑" pitchFamily="34" charset="-122"/>
+              </a:rPr>
+              <a:t>获取平移样式</a:t>
+            </a:r>
+            <a:endParaRPr lang="en-US" altLang="zh-CN" sz="2000" b="1" dirty="0">
+              <a:solidFill>
+                <a:schemeClr val="tx1">
+                  <a:lumMod val="75000"/>
+                  <a:lumOff val="25000"/>
+                </a:schemeClr>
+              </a:solidFill>
+              <a:latin typeface="微软雅黑" pitchFamily="34" charset="-122"/>
+              <a:ea typeface="微软雅黑" pitchFamily="34" charset="-122"/>
+            </a:endParaRPr>
+          </a:p>
+        </p:txBody>
+      </p:sp>
+      <p:sp>
+        <p:nvSpPr>
+          <p:cNvPr id="10" name="圆角矩形标注 9"/>
+          <p:cNvSpPr/>
+          <p:nvPr/>
+        </p:nvSpPr>
+        <p:spPr>
+          <a:xfrm>
+            <a:off x="2822622" y="2420888"/>
+            <a:ext cx="1389338" cy="556306"/>
+          </a:xfrm>
+          <a:prstGeom prst="wedgeRoundRectCallout">
+            <a:avLst>
+              <a:gd name="adj1" fmla="val -25341"/>
+              <a:gd name="adj2" fmla="val 82488"/>
+              <a:gd name="adj3" fmla="val 16667"/>
+            </a:avLst>
+          </a:prstGeom>
+        </p:spPr>
+        <p:style>
+          <a:lnRef idx="2">
+            <a:schemeClr val="accent6"/>
+          </a:lnRef>
+          <a:fillRef idx="1">
+            <a:schemeClr val="lt1"/>
+          </a:fillRef>
+          <a:effectRef idx="0">
+            <a:schemeClr val="accent6"/>
+          </a:effectRef>
+          <a:fontRef idx="minor">
+            <a:schemeClr val="dk1"/>
+          </a:fontRef>
+        </p:style>
+        <p:txBody>
+          <a:bodyPr rtlCol="0" anchor="ctr"/>
+          <a:lstStyle/>
+          <a:p>
+            <a:pPr>
+              <a:lnSpc>
+                <a:spcPct val="150000"/>
+              </a:lnSpc>
+            </a:pPr>
+            <a:r>
+              <a:rPr lang="zh-CN" altLang="en-US" sz="2000" b="1" dirty="0" smtClean="0">
+                <a:solidFill>
+                  <a:schemeClr val="tx1">
+                    <a:lumMod val="75000"/>
+                    <a:lumOff val="25000"/>
+                  </a:schemeClr>
+                </a:solidFill>
+                <a:latin typeface="微软雅黑" pitchFamily="34" charset="-122"/>
+                <a:ea typeface="微软雅黑" pitchFamily="34" charset="-122"/>
+              </a:rPr>
+              <a:t>获取样式</a:t>
+            </a:r>
+            <a:endParaRPr lang="en-US" altLang="zh-CN" sz="2000" b="1" dirty="0">
+              <a:solidFill>
+                <a:schemeClr val="tx1">
+                  <a:lumMod val="75000"/>
+                  <a:lumOff val="25000"/>
+                </a:schemeClr>
+              </a:solidFill>
+              <a:latin typeface="微软雅黑" pitchFamily="34" charset="-122"/>
+              <a:ea typeface="微软雅黑" pitchFamily="34" charset="-122"/>
+            </a:endParaRPr>
           </a:p>
         </p:txBody>
       </p:sp>
@@ -8505,7 +9135,7 @@
         </p:blipFill>
         <p:spPr>
           <a:xfrm>
-            <a:off x="1043608" y="332656"/>
+            <a:off x="1043608" y="752326"/>
             <a:ext cx="5496692" cy="2810267"/>
           </a:xfrm>
           <a:prstGeom prst="rect">
@@ -8531,7 +9161,7 @@
         </p:nvSpPr>
         <p:spPr>
           <a:xfrm>
-            <a:off x="6084168" y="332656"/>
+            <a:off x="6084168" y="752326"/>
             <a:ext cx="2185335" cy="1872208"/>
           </a:xfrm>
           <a:prstGeom prst="wedgeRoundRectCallout">
@@ -8665,7 +9295,7 @@
         </p:blipFill>
         <p:spPr>
           <a:xfrm>
-            <a:off x="1187624" y="3573016"/>
+            <a:off x="1187624" y="4182307"/>
             <a:ext cx="6315956" cy="1467055"/>
           </a:xfrm>
           <a:prstGeom prst="rect">
@@ -8691,7 +9321,7 @@
         </p:nvSpPr>
         <p:spPr>
           <a:xfrm>
-            <a:off x="4985530" y="4149080"/>
+            <a:off x="4985530" y="4758371"/>
             <a:ext cx="2160240" cy="326813"/>
           </a:xfrm>
           <a:prstGeom prst="rect">
@@ -8737,7 +9367,7 @@
         </p:nvSpPr>
         <p:spPr>
           <a:xfrm>
-            <a:off x="4211960" y="4797152"/>
+            <a:off x="4211960" y="5406443"/>
             <a:ext cx="1584176" cy="326813"/>
           </a:xfrm>
           <a:prstGeom prst="rect">
@@ -8783,7 +9413,7 @@
         </p:nvSpPr>
         <p:spPr>
           <a:xfrm>
-            <a:off x="2411760" y="4797152"/>
+            <a:off x="2411760" y="5406443"/>
             <a:ext cx="1800200" cy="326813"/>
           </a:xfrm>
           <a:prstGeom prst="rect">
@@ -8829,26 +9459,26 @@
         </p:nvSpPr>
         <p:spPr>
           <a:xfrm>
-            <a:off x="2869438" y="5288829"/>
+            <a:off x="2810684" y="3620267"/>
             <a:ext cx="2952328" cy="456805"/>
           </a:xfrm>
           <a:prstGeom prst="wedgeRoundRectCallout">
             <a:avLst>
-              <a:gd name="adj1" fmla="val -29405"/>
-              <a:gd name="adj2" fmla="val -73944"/>
+              <a:gd name="adj1" fmla="val -28018"/>
+              <a:gd name="adj2" fmla="val 75439"/>
               <a:gd name="adj3" fmla="val 16667"/>
             </a:avLst>
           </a:prstGeom>
         </p:spPr>
         <p:style>
           <a:lnRef idx="2">
-            <a:schemeClr val="accent5"/>
+            <a:schemeClr val="accent6"/>
           </a:lnRef>
           <a:fillRef idx="1">
             <a:schemeClr val="lt1"/>
           </a:fillRef>
           <a:effectRef idx="0">
-            <a:schemeClr val="accent5"/>
+            <a:schemeClr val="accent6"/>
           </a:effectRef>
           <a:fontRef idx="minor">
             <a:schemeClr val="dk1"/>
@@ -8864,7 +9494,7 @@
               </a:lnSpc>
             </a:pPr>
             <a:r>
-              <a:rPr lang="zh-CN" altLang="en-US" sz="2000" dirty="0" smtClean="0">
+              <a:rPr lang="zh-CN" altLang="en-US" sz="2000" b="1" dirty="0" smtClean="0">
                 <a:solidFill>
                   <a:schemeClr val="tx1">
                     <a:lumMod val="75000"/>
@@ -8876,7 +9506,75 @@
               </a:rPr>
               <a:t>某碎片，某瞬间的样式</a:t>
             </a:r>
-            <a:endParaRPr lang="en-US" altLang="zh-CN" sz="2000" dirty="0">
+            <a:endParaRPr lang="en-US" altLang="zh-CN" sz="2000" b="1" dirty="0">
+              <a:solidFill>
+                <a:schemeClr val="tx1">
+                  <a:lumMod val="75000"/>
+                  <a:lumOff val="25000"/>
+                </a:schemeClr>
+              </a:solidFill>
+              <a:latin typeface="微软雅黑" pitchFamily="34" charset="-122"/>
+              <a:ea typeface="微软雅黑" pitchFamily="34" charset="-122"/>
+            </a:endParaRPr>
+          </a:p>
+        </p:txBody>
+      </p:sp>
+      <p:sp>
+        <p:nvSpPr>
+          <p:cNvPr id="9" name="圆角矩形标注 8"/>
+          <p:cNvSpPr/>
+          <p:nvPr/>
+        </p:nvSpPr>
+        <p:spPr>
+          <a:xfrm>
+            <a:off x="2822622" y="44624"/>
+            <a:ext cx="1872208" cy="556306"/>
+          </a:xfrm>
+          <a:prstGeom prst="wedgeRoundRectCallout">
+            <a:avLst>
+              <a:gd name="adj1" fmla="val -25341"/>
+              <a:gd name="adj2" fmla="val 82488"/>
+              <a:gd name="adj3" fmla="val 16667"/>
+            </a:avLst>
+          </a:prstGeom>
+        </p:spPr>
+        <p:style>
+          <a:lnRef idx="2">
+            <a:schemeClr val="accent6"/>
+          </a:lnRef>
+          <a:fillRef idx="1">
+            <a:schemeClr val="lt1"/>
+          </a:fillRef>
+          <a:effectRef idx="0">
+            <a:schemeClr val="accent6"/>
+          </a:effectRef>
+          <a:fontRef idx="minor">
+            <a:schemeClr val="dk1"/>
+          </a:fontRef>
+        </p:style>
+        <p:txBody>
+          <a:bodyPr rtlCol="0" anchor="ctr"/>
+          <a:lstStyle/>
+          <a:p>
+            <a:pPr>
+              <a:lnSpc>
+                <a:spcPct val="150000"/>
+              </a:lnSpc>
+            </a:pPr>
+            <a:r>
+              <a:rPr lang="zh-CN" altLang="en-US" sz="2000" b="1" dirty="0" smtClean="0">
+                <a:solidFill>
+                  <a:schemeClr val="tx1">
+                    <a:lumMod val="75000"/>
+                    <a:lumOff val="25000"/>
+                  </a:schemeClr>
+                </a:solidFill>
+                <a:latin typeface="微软雅黑" pitchFamily="34" charset="-122"/>
+                <a:ea typeface="微软雅黑" pitchFamily="34" charset="-122"/>
+              </a:rPr>
+              <a:t>获取旋转样式</a:t>
+            </a:r>
+            <a:endParaRPr lang="en-US" altLang="zh-CN" sz="2000" b="1" dirty="0">
               <a:solidFill>
                 <a:schemeClr val="tx1">
                   <a:lumMod val="75000"/>
@@ -9083,7 +9781,59 @@
                 <a:latin typeface="微软雅黑" pitchFamily="34" charset="-122"/>
                 <a:ea typeface="微软雅黑" pitchFamily="34" charset="-122"/>
               </a:rPr>
-              <a:t>本期我们的目标是使用制作文字逐个炸裂成碎片，然后再从碎片还原成文字的动画！碎片会随机乱飞，旋转，变成透明，然后再还原</a:t>
+              <a:t>本期我们的目标</a:t>
+            </a:r>
+            <a:r>
+              <a:rPr lang="zh-CN" altLang="en-US" sz="2400" dirty="0" smtClean="0">
+                <a:solidFill>
+                  <a:schemeClr val="tx1">
+                    <a:lumMod val="75000"/>
+                    <a:lumOff val="25000"/>
+                  </a:schemeClr>
+                </a:solidFill>
+                <a:latin typeface="微软雅黑" pitchFamily="34" charset="-122"/>
+                <a:ea typeface="微软雅黑" pitchFamily="34" charset="-122"/>
+              </a:rPr>
+              <a:t>是制作文字爆炸动画</a:t>
+            </a:r>
+            <a:r>
+              <a:rPr lang="en-US" altLang="zh-CN" sz="2400" dirty="0" smtClean="0">
+                <a:solidFill>
+                  <a:schemeClr val="tx1">
+                    <a:lumMod val="75000"/>
+                    <a:lumOff val="25000"/>
+                  </a:schemeClr>
+                </a:solidFill>
+                <a:latin typeface="微软雅黑" pitchFamily="34" charset="-122"/>
+                <a:ea typeface="微软雅黑" pitchFamily="34" charset="-122"/>
+              </a:rPr>
+              <a:t>.</a:t>
+            </a:r>
+            <a:r>
+              <a:rPr lang="zh-CN" altLang="en-US" sz="2400" dirty="0" smtClean="0">
+                <a:solidFill>
+                  <a:schemeClr val="tx1">
+                    <a:lumMod val="75000"/>
+                    <a:lumOff val="25000"/>
+                  </a:schemeClr>
+                </a:solidFill>
+                <a:latin typeface="微软雅黑" pitchFamily="34" charset="-122"/>
+                <a:ea typeface="微软雅黑" pitchFamily="34" charset="-122"/>
+              </a:rPr>
+              <a:t>文字逐个</a:t>
+            </a:r>
+            <a:r>
+              <a:rPr lang="zh-CN" altLang="en-US" sz="2400" dirty="0" smtClean="0">
+                <a:solidFill>
+                  <a:schemeClr val="tx1">
+                    <a:lumMod val="75000"/>
+                    <a:lumOff val="25000"/>
+                  </a:schemeClr>
+                </a:solidFill>
+                <a:latin typeface="微软雅黑" pitchFamily="34" charset="-122"/>
+                <a:ea typeface="微软雅黑" pitchFamily="34" charset="-122"/>
+              </a:rPr>
+              <a:t>炸裂成碎片，然后再从碎片还原成文字的动画！碎片会随机乱飞，旋转，变成透明，然后再还原</a:t>
             </a:r>
             <a:r>
               <a:rPr lang="en-US" altLang="zh-CN" sz="2400" dirty="0" smtClean="0">
@@ -9286,20 +10036,7 @@
                 <a:latin typeface="微软雅黑" pitchFamily="34" charset="-122"/>
                 <a:ea typeface="微软雅黑" pitchFamily="34" charset="-122"/>
               </a:rPr>
-              <a:t>5</a:t>
-            </a:r>
-            <a:r>
-              <a:rPr lang="en-US" altLang="zh-CN" sz="2400" b="1" dirty="0" smtClean="0">
-                <a:solidFill>
-                  <a:schemeClr val="tx1">
-                    <a:lumMod val="75000"/>
-                    <a:lumOff val="25000"/>
-                  </a:schemeClr>
-                </a:solidFill>
-                <a:latin typeface="微软雅黑" pitchFamily="34" charset="-122"/>
-                <a:ea typeface="微软雅黑" pitchFamily="34" charset="-122"/>
-              </a:rPr>
-              <a:t>-a </a:t>
+              <a:t>5-a </a:t>
             </a:r>
             <a:r>
               <a:rPr lang="zh-CN" altLang="en-US" sz="2400" b="1" dirty="0" smtClean="0">
@@ -9312,20 +10049,7 @@
                 <a:latin typeface="微软雅黑" pitchFamily="34" charset="-122"/>
                 <a:ea typeface="微软雅黑" pitchFamily="34" charset="-122"/>
               </a:rPr>
-              <a:t>动画</a:t>
-            </a:r>
-            <a:r>
-              <a:rPr lang="zh-CN" altLang="en-US" sz="2400" b="1" dirty="0" smtClean="0">
-                <a:solidFill>
-                  <a:schemeClr val="tx1">
-                    <a:lumMod val="75000"/>
-                    <a:lumOff val="25000"/>
-                  </a:schemeClr>
-                </a:solidFill>
-                <a:latin typeface="微软雅黑" pitchFamily="34" charset="-122"/>
-                <a:ea typeface="微软雅黑" pitchFamily="34" charset="-122"/>
-              </a:rPr>
-              <a:t>插值</a:t>
+              <a:t>动画插值</a:t>
             </a:r>
             <a:endParaRPr lang="en-US" altLang="zh-CN" sz="2400" b="1" dirty="0" smtClean="0">
               <a:solidFill>
@@ -9355,20 +10079,7 @@
                 <a:latin typeface="微软雅黑" pitchFamily="34" charset="-122"/>
                 <a:ea typeface="微软雅黑" pitchFamily="34" charset="-122"/>
               </a:rPr>
-              <a:t>本例实现线性插值，什么是插值呢</a:t>
-            </a:r>
-            <a:r>
-              <a:rPr lang="zh-CN" altLang="en-US" sz="2400" dirty="0" smtClean="0">
-                <a:solidFill>
-                  <a:schemeClr val="tx1">
-                    <a:lumMod val="75000"/>
-                    <a:lumOff val="25000"/>
-                  </a:schemeClr>
-                </a:solidFill>
-                <a:latin typeface="微软雅黑" pitchFamily="34" charset="-122"/>
-                <a:ea typeface="微软雅黑" pitchFamily="34" charset="-122"/>
-              </a:rPr>
-              <a:t>？插值就是根据动画运行的时间比例，来决定动画的效果数值。如果是线性插值，如果动画时长</a:t>
+              <a:t>本例实现线性插值，什么是插值呢？插值就是根据动画运行的时间比例，来决定动画的效果数值。如果是线性插值，如果动画时长</a:t>
             </a:r>
             <a:r>
               <a:rPr lang="en-US" altLang="zh-CN" sz="2400" dirty="0" smtClean="0">
@@ -9499,6 +10210,19 @@
               </a:lnSpc>
             </a:pPr>
             <a:r>
+              <a:rPr lang="zh-CN" altLang="en-US" sz="2400" b="1" dirty="0" smtClean="0">
+                <a:solidFill>
+                  <a:schemeClr val="tx1">
+                    <a:lumMod val="75000"/>
+                    <a:lumOff val="25000"/>
+                  </a:schemeClr>
+                </a:solidFill>
+                <a:latin typeface="微软雅黑" pitchFamily="34" charset="-122"/>
+                <a:ea typeface="微软雅黑" pitchFamily="34" charset="-122"/>
+              </a:rPr>
+              <a:t>时间运行比例和动画数值改变比例相同</a:t>
+            </a:r>
+            <a:r>
               <a:rPr lang="zh-CN" altLang="en-US" sz="2400" dirty="0" smtClean="0">
                 <a:solidFill>
                   <a:schemeClr val="tx1">
@@ -9509,7 +10233,7 @@
                 <a:latin typeface="微软雅黑" pitchFamily="34" charset="-122"/>
                 <a:ea typeface="微软雅黑" pitchFamily="34" charset="-122"/>
               </a:rPr>
-              <a:t>时间运行比例和动画数值改变比例相同，就是线性插值，写成公式就是</a:t>
+              <a:t>，就是线性插值，写成公式就是</a:t>
             </a:r>
             <a:endParaRPr lang="en-US" altLang="zh-CN" sz="2400" dirty="0" smtClean="0">
               <a:solidFill>
@@ -9624,7 +10348,85 @@
                 <a:latin typeface="微软雅黑" pitchFamily="34" charset="-122"/>
                 <a:ea typeface="微软雅黑" pitchFamily="34" charset="-122"/>
               </a:rPr>
-              <a:t>的问题，想让动画反向就把</a:t>
+              <a:t>的问题，想让动画</a:t>
+            </a:r>
+            <a:r>
+              <a:rPr lang="zh-CN" altLang="en-US" sz="2400" b="1" dirty="0" smtClean="0">
+                <a:solidFill>
+                  <a:schemeClr val="tx1">
+                    <a:lumMod val="75000"/>
+                    <a:lumOff val="25000"/>
+                  </a:schemeClr>
+                </a:solidFill>
+                <a:latin typeface="微软雅黑" pitchFamily="34" charset="-122"/>
+                <a:ea typeface="微软雅黑" pitchFamily="34" charset="-122"/>
+              </a:rPr>
+              <a:t>反向</a:t>
+            </a:r>
+            <a:r>
+              <a:rPr lang="zh-CN" altLang="en-US" sz="2400" dirty="0" smtClean="0">
+                <a:solidFill>
+                  <a:schemeClr val="tx1">
+                    <a:lumMod val="75000"/>
+                    <a:lumOff val="25000"/>
+                  </a:schemeClr>
+                </a:solidFill>
+                <a:latin typeface="微软雅黑" pitchFamily="34" charset="-122"/>
+                <a:ea typeface="微软雅黑" pitchFamily="34" charset="-122"/>
+              </a:rPr>
+              <a:t>就把</a:t>
+            </a:r>
+            <a:r>
+              <a:rPr lang="en-US" altLang="zh-CN" sz="2400" b="1" dirty="0" smtClean="0">
+                <a:solidFill>
+                  <a:schemeClr val="tx1">
+                    <a:lumMod val="75000"/>
+                    <a:lumOff val="25000"/>
+                  </a:schemeClr>
+                </a:solidFill>
+                <a:latin typeface="微软雅黑" pitchFamily="34" charset="-122"/>
+                <a:ea typeface="微软雅黑" pitchFamily="34" charset="-122"/>
+              </a:rPr>
+              <a:t>begin </a:t>
+            </a:r>
+            <a:r>
+              <a:rPr lang="zh-CN" altLang="en-US" sz="2400" b="1" dirty="0" smtClean="0">
+                <a:solidFill>
+                  <a:schemeClr val="tx1">
+                    <a:lumMod val="75000"/>
+                    <a:lumOff val="25000"/>
+                  </a:schemeClr>
+                </a:solidFill>
+                <a:latin typeface="微软雅黑" pitchFamily="34" charset="-122"/>
+                <a:ea typeface="微软雅黑" pitchFamily="34" charset="-122"/>
+              </a:rPr>
+              <a:t>和 </a:t>
+            </a:r>
+            <a:r>
+              <a:rPr lang="en-US" altLang="zh-CN" sz="2400" b="1" dirty="0" smtClean="0">
+                <a:solidFill>
+                  <a:schemeClr val="tx1">
+                    <a:lumMod val="75000"/>
+                    <a:lumOff val="25000"/>
+                  </a:schemeClr>
+                </a:solidFill>
+                <a:latin typeface="微软雅黑" pitchFamily="34" charset="-122"/>
+                <a:ea typeface="微软雅黑" pitchFamily="34" charset="-122"/>
+              </a:rPr>
+              <a:t>end </a:t>
+            </a:r>
+            <a:r>
+              <a:rPr lang="zh-CN" altLang="en-US" sz="2400" b="1" dirty="0" smtClean="0">
+                <a:solidFill>
+                  <a:schemeClr val="tx1">
+                    <a:lumMod val="75000"/>
+                    <a:lumOff val="25000"/>
+                  </a:schemeClr>
+                </a:solidFill>
+                <a:latin typeface="微软雅黑" pitchFamily="34" charset="-122"/>
+                <a:ea typeface="微软雅黑" pitchFamily="34" charset="-122"/>
+              </a:rPr>
+              <a:t>对调</a:t>
             </a:r>
             <a:r>
               <a:rPr lang="en-US" altLang="zh-CN" sz="2400" dirty="0" smtClean="0">
@@ -9637,70 +10439,8 @@
                 <a:latin typeface="微软雅黑" pitchFamily="34" charset="-122"/>
                 <a:ea typeface="微软雅黑" pitchFamily="34" charset="-122"/>
               </a:rPr>
-              <a:t>begin </a:t>
-            </a:r>
-            <a:r>
-              <a:rPr lang="zh-CN" altLang="en-US" sz="2400" dirty="0" smtClean="0">
-                <a:solidFill>
-                  <a:schemeClr val="tx1">
-                    <a:lumMod val="75000"/>
-                    <a:lumOff val="25000"/>
-                  </a:schemeClr>
-                </a:solidFill>
-                <a:latin typeface="微软雅黑" pitchFamily="34" charset="-122"/>
-                <a:ea typeface="微软雅黑" pitchFamily="34" charset="-122"/>
-              </a:rPr>
-              <a:t>和 </a:t>
-            </a:r>
-            <a:r>
-              <a:rPr lang="en-US" altLang="zh-CN" sz="2400" dirty="0" smtClean="0">
-                <a:solidFill>
-                  <a:schemeClr val="tx1">
-                    <a:lumMod val="75000"/>
-                    <a:lumOff val="25000"/>
-                  </a:schemeClr>
-                </a:solidFill>
-                <a:latin typeface="微软雅黑" pitchFamily="34" charset="-122"/>
-                <a:ea typeface="微软雅黑" pitchFamily="34" charset="-122"/>
-              </a:rPr>
-              <a:t>end </a:t>
-            </a:r>
-            <a:r>
-              <a:rPr lang="zh-CN" altLang="en-US" sz="2400" dirty="0" smtClean="0">
-                <a:solidFill>
-                  <a:schemeClr val="tx1">
-                    <a:lumMod val="75000"/>
-                    <a:lumOff val="25000"/>
-                  </a:schemeClr>
-                </a:solidFill>
-                <a:latin typeface="微软雅黑" pitchFamily="34" charset="-122"/>
-                <a:ea typeface="微软雅黑" pitchFamily="34" charset="-122"/>
-              </a:rPr>
-              <a:t>对调</a:t>
-            </a:r>
-            <a:r>
-              <a:rPr lang="en-US" altLang="zh-CN" sz="2400" dirty="0" smtClean="0">
-                <a:solidFill>
-                  <a:schemeClr val="tx1">
-                    <a:lumMod val="75000"/>
-                    <a:lumOff val="25000"/>
-                  </a:schemeClr>
-                </a:solidFill>
-                <a:latin typeface="微软雅黑" pitchFamily="34" charset="-122"/>
-                <a:ea typeface="微软雅黑" pitchFamily="34" charset="-122"/>
-              </a:rPr>
               <a:t>.</a:t>
             </a:r>
-            <a:endParaRPr lang="en-US" altLang="zh-CN" sz="2400" dirty="0" smtClean="0">
-              <a:solidFill>
-                <a:schemeClr val="tx1">
-                  <a:lumMod val="75000"/>
-                  <a:lumOff val="25000"/>
-                </a:schemeClr>
-              </a:solidFill>
-              <a:latin typeface="微软雅黑" pitchFamily="34" charset="-122"/>
-              <a:ea typeface="微软雅黑" pitchFamily="34" charset="-122"/>
-            </a:endParaRPr>
           </a:p>
           <a:p>
             <a:pPr>
@@ -10101,7 +10841,33 @@
                 <a:latin typeface="微软雅黑" pitchFamily="34" charset="-122"/>
                 <a:ea typeface="微软雅黑" pitchFamily="34" charset="-122"/>
               </a:rPr>
-              <a:t>如果距离（或超出）动画结束时间小于一帧时间，那要直接设置为最终数值</a:t>
+              <a:t>如果距离（或超出）动画结束时间小于一帧时间</a:t>
+            </a:r>
+            <a:r>
+              <a:rPr lang="zh-CN" altLang="en-US" sz="2000" dirty="0" smtClean="0">
+                <a:solidFill>
+                  <a:schemeClr val="tx1">
+                    <a:lumMod val="75000"/>
+                    <a:lumOff val="25000"/>
+                  </a:schemeClr>
+                </a:solidFill>
+                <a:latin typeface="微软雅黑" pitchFamily="34" charset="-122"/>
+                <a:ea typeface="微软雅黑" pitchFamily="34" charset="-122"/>
+              </a:rPr>
+              <a:t>，直接</a:t>
+            </a:r>
+            <a:r>
+              <a:rPr lang="zh-CN" altLang="en-US" sz="2000" dirty="0" smtClean="0">
+                <a:solidFill>
+                  <a:schemeClr val="tx1">
+                    <a:lumMod val="75000"/>
+                    <a:lumOff val="25000"/>
+                  </a:schemeClr>
+                </a:solidFill>
+                <a:latin typeface="微软雅黑" pitchFamily="34" charset="-122"/>
+                <a:ea typeface="微软雅黑" pitchFamily="34" charset="-122"/>
+              </a:rPr>
+              <a:t>设置为最终数值</a:t>
             </a:r>
             <a:endParaRPr lang="en-US" altLang="zh-CN" sz="2000" dirty="0">
               <a:solidFill>
@@ -10382,20 +11148,59 @@
                 <a:latin typeface="微软雅黑" pitchFamily="34" charset="-122"/>
                 <a:ea typeface="微软雅黑" pitchFamily="34" charset="-122"/>
               </a:rPr>
-              <a:t>插值要特别注意终点的数值，因为如果数值有偏差，文本也不会严丝合缝，会有位置，角度，透明度的偏差，会很难看的</a:t>
-            </a:r>
-            <a:r>
-              <a:rPr lang="en-US" altLang="zh-CN" sz="2400" dirty="0" smtClean="0">
-                <a:solidFill>
-                  <a:schemeClr val="tx1">
-                    <a:lumMod val="75000"/>
-                    <a:lumOff val="25000"/>
-                  </a:schemeClr>
-                </a:solidFill>
-                <a:latin typeface="微软雅黑" pitchFamily="34" charset="-122"/>
-                <a:ea typeface="微软雅黑" pitchFamily="34" charset="-122"/>
-              </a:rPr>
-              <a:t>.</a:t>
+              <a:t>插值要特别注意终点的数值，因为如果数值有偏差，</a:t>
+            </a:r>
+            <a:r>
+              <a:rPr lang="zh-CN" altLang="en-US" sz="2400" dirty="0" smtClean="0">
+                <a:solidFill>
+                  <a:schemeClr val="tx1">
+                    <a:lumMod val="75000"/>
+                    <a:lumOff val="25000"/>
+                  </a:schemeClr>
+                </a:solidFill>
+                <a:latin typeface="微软雅黑" pitchFamily="34" charset="-122"/>
+                <a:ea typeface="微软雅黑" pitchFamily="34" charset="-122"/>
+              </a:rPr>
+              <a:t>文本碎片就不会</a:t>
+            </a:r>
+            <a:r>
+              <a:rPr lang="zh-CN" altLang="en-US" sz="2400" dirty="0" smtClean="0">
+                <a:solidFill>
+                  <a:schemeClr val="tx1">
+                    <a:lumMod val="75000"/>
+                    <a:lumOff val="25000"/>
+                  </a:schemeClr>
+                </a:solidFill>
+                <a:latin typeface="微软雅黑" pitchFamily="34" charset="-122"/>
+                <a:ea typeface="微软雅黑" pitchFamily="34" charset="-122"/>
+              </a:rPr>
+              <a:t>严丝合缝，会有位置，角度，透明度的偏差，会很难看</a:t>
+            </a:r>
+            <a:r>
+              <a:rPr lang="zh-CN" altLang="en-US" sz="2400" dirty="0" smtClean="0">
+                <a:solidFill>
+                  <a:schemeClr val="tx1">
+                    <a:lumMod val="75000"/>
+                    <a:lumOff val="25000"/>
+                  </a:schemeClr>
+                </a:solidFill>
+                <a:latin typeface="微软雅黑" pitchFamily="34" charset="-122"/>
+                <a:ea typeface="微软雅黑" pitchFamily="34" charset="-122"/>
+              </a:rPr>
+              <a:t>的</a:t>
+            </a:r>
+            <a:r>
+              <a:rPr lang="zh-CN" altLang="en-US" sz="2400" dirty="0" smtClean="0">
+                <a:solidFill>
+                  <a:schemeClr val="tx1">
+                    <a:lumMod val="75000"/>
+                    <a:lumOff val="25000"/>
+                  </a:schemeClr>
+                </a:solidFill>
+                <a:latin typeface="微软雅黑" pitchFamily="34" charset="-122"/>
+                <a:ea typeface="微软雅黑" pitchFamily="34" charset="-122"/>
+              </a:rPr>
+              <a:t>，所以终点数值要严格相等</a:t>
             </a:r>
             <a:endParaRPr lang="en-US" altLang="zh-CN" sz="2400" dirty="0" smtClean="0">
               <a:solidFill>
@@ -10478,20 +11283,7 @@
                 <a:latin typeface="微软雅黑" pitchFamily="34" charset="-122"/>
                 <a:ea typeface="微软雅黑" pitchFamily="34" charset="-122"/>
               </a:rPr>
-              <a:t>5</a:t>
-            </a:r>
-            <a:r>
-              <a:rPr lang="en-US" altLang="zh-CN" sz="2400" b="1" dirty="0" smtClean="0">
-                <a:solidFill>
-                  <a:schemeClr val="tx1">
-                    <a:lumMod val="75000"/>
-                    <a:lumOff val="25000"/>
-                  </a:schemeClr>
-                </a:solidFill>
-                <a:latin typeface="微软雅黑" pitchFamily="34" charset="-122"/>
-                <a:ea typeface="微软雅黑" pitchFamily="34" charset="-122"/>
-              </a:rPr>
-              <a:t>-b </a:t>
+              <a:t>5-b </a:t>
             </a:r>
             <a:r>
               <a:rPr lang="zh-CN" altLang="en-US" sz="2400" b="1" dirty="0" smtClean="0">
@@ -10531,7 +11323,7 @@
         <p:spPr>
           <a:xfrm>
             <a:off x="684000" y="915099"/>
-            <a:ext cx="7776000" cy="1135054"/>
+            <a:ext cx="7776000" cy="1200329"/>
           </a:xfrm>
           <a:prstGeom prst="rect">
             <a:avLst/>
@@ -10560,7 +11352,20 @@
                 <a:latin typeface="微软雅黑" pitchFamily="34" charset="-122"/>
                 <a:ea typeface="微软雅黑" pitchFamily="34" charset="-122"/>
               </a:rPr>
-              <a:t>我们用一个矩形和一个与矩形中心重合的小圆点来作为例子做说明</a:t>
+              <a:t>我们用一个矩形和一个</a:t>
+            </a:r>
+            <a:r>
+              <a:rPr lang="zh-CN" altLang="en-US" sz="2400" dirty="0" smtClean="0">
+                <a:solidFill>
+                  <a:schemeClr val="tx1">
+                    <a:lumMod val="75000"/>
+                    <a:lumOff val="25000"/>
+                  </a:schemeClr>
+                </a:solidFill>
+                <a:latin typeface="微软雅黑" pitchFamily="34" charset="-122"/>
+                <a:ea typeface="微软雅黑" pitchFamily="34" charset="-122"/>
+              </a:rPr>
+              <a:t>与小圆点来作说明</a:t>
             </a:r>
             <a:r>
               <a:rPr lang="en-US" altLang="zh-CN" sz="2400" dirty="0" smtClean="0">
@@ -10586,7 +11391,59 @@
                 <a:latin typeface="微软雅黑" pitchFamily="34" charset="-122"/>
                 <a:ea typeface="微软雅黑" pitchFamily="34" charset="-122"/>
               </a:rPr>
-              <a:t>小圆点的作用是确定巨型的中心点位置</a:t>
+              <a:t>小圆点的作用</a:t>
+            </a:r>
+            <a:r>
+              <a:rPr lang="zh-CN" altLang="en-US" sz="2400" dirty="0" smtClean="0">
+                <a:solidFill>
+                  <a:schemeClr val="tx1">
+                    <a:lumMod val="75000"/>
+                    <a:lumOff val="25000"/>
+                  </a:schemeClr>
+                </a:solidFill>
+                <a:latin typeface="微软雅黑" pitchFamily="34" charset="-122"/>
+                <a:ea typeface="微软雅黑" pitchFamily="34" charset="-122"/>
+              </a:rPr>
+              <a:t>是</a:t>
+            </a:r>
+            <a:r>
+              <a:rPr lang="zh-CN" altLang="en-US" sz="2400" dirty="0" smtClean="0">
+                <a:solidFill>
+                  <a:schemeClr val="tx1">
+                    <a:lumMod val="75000"/>
+                    <a:lumOff val="25000"/>
+                  </a:schemeClr>
+                </a:solidFill>
+                <a:latin typeface="微软雅黑" pitchFamily="34" charset="-122"/>
+                <a:ea typeface="微软雅黑" pitchFamily="34" charset="-122"/>
+              </a:rPr>
+              <a:t>标记矩形</a:t>
+            </a:r>
+            <a:r>
+              <a:rPr lang="zh-CN" altLang="en-US" sz="2400" dirty="0" smtClean="0">
+                <a:solidFill>
+                  <a:schemeClr val="tx1">
+                    <a:lumMod val="75000"/>
+                    <a:lumOff val="25000"/>
+                  </a:schemeClr>
+                </a:solidFill>
+                <a:latin typeface="微软雅黑" pitchFamily="34" charset="-122"/>
+                <a:ea typeface="微软雅黑" pitchFamily="34" charset="-122"/>
+              </a:rPr>
+              <a:t>的</a:t>
+            </a:r>
+            <a:r>
+              <a:rPr lang="zh-CN" altLang="en-US" sz="2400" dirty="0" smtClean="0">
+                <a:solidFill>
+                  <a:schemeClr val="tx1">
+                    <a:lumMod val="75000"/>
+                    <a:lumOff val="25000"/>
+                  </a:schemeClr>
+                </a:solidFill>
+                <a:latin typeface="微软雅黑" pitchFamily="34" charset="-122"/>
+                <a:ea typeface="微软雅黑" pitchFamily="34" charset="-122"/>
+              </a:rPr>
+              <a:t>中心点位置</a:t>
             </a:r>
             <a:endParaRPr lang="en-US" altLang="zh-CN" sz="2400" dirty="0" smtClean="0">
               <a:solidFill>
@@ -10861,7 +11718,20 @@
                 <a:latin typeface="微软雅黑" pitchFamily="34" charset="-122"/>
                 <a:ea typeface="微软雅黑" pitchFamily="34" charset="-122"/>
               </a:rPr>
-              <a:t>一切正常，中心点不变</a:t>
+              <a:t>一切正常，中心点</a:t>
+            </a:r>
+            <a:r>
+              <a:rPr lang="zh-CN" altLang="en-US" sz="2000" dirty="0" smtClean="0">
+                <a:solidFill>
+                  <a:schemeClr val="tx1">
+                    <a:lumMod val="75000"/>
+                    <a:lumOff val="25000"/>
+                  </a:schemeClr>
+                </a:solidFill>
+                <a:latin typeface="微软雅黑" pitchFamily="34" charset="-122"/>
+                <a:ea typeface="微软雅黑" pitchFamily="34" charset="-122"/>
+              </a:rPr>
+              <a:t>不变，无难度</a:t>
             </a:r>
             <a:endParaRPr lang="en-US" altLang="zh-CN" sz="2000" dirty="0">
               <a:solidFill>
@@ -10873,6 +11743,98 @@
               <a:latin typeface="微软雅黑" pitchFamily="34" charset="-122"/>
               <a:ea typeface="微软雅黑" pitchFamily="34" charset="-122"/>
             </a:endParaRPr>
+          </a:p>
+        </p:txBody>
+      </p:sp>
+      <p:sp>
+        <p:nvSpPr>
+          <p:cNvPr id="11" name="矩形 10"/>
+          <p:cNvSpPr/>
+          <p:nvPr/>
+        </p:nvSpPr>
+        <p:spPr>
+          <a:xfrm>
+            <a:off x="1187624" y="2243019"/>
+            <a:ext cx="799638" cy="326813"/>
+          </a:xfrm>
+          <a:prstGeom prst="rect">
+            <a:avLst/>
+          </a:prstGeom>
+          <a:noFill/>
+          <a:ln w="38100">
+            <a:solidFill>
+              <a:srgbClr val="FFFF00"/>
+            </a:solidFill>
+          </a:ln>
+        </p:spPr>
+        <p:style>
+          <a:lnRef idx="2">
+            <a:schemeClr val="accent1">
+              <a:shade val="50000"/>
+            </a:schemeClr>
+          </a:lnRef>
+          <a:fillRef idx="1">
+            <a:schemeClr val="accent1"/>
+          </a:fillRef>
+          <a:effectRef idx="0">
+            <a:schemeClr val="accent1"/>
+          </a:effectRef>
+          <a:fontRef idx="minor">
+            <a:schemeClr val="lt1"/>
+          </a:fontRef>
+        </p:style>
+        <p:txBody>
+          <a:bodyPr rtlCol="0" anchor="ctr"/>
+          <a:lstStyle/>
+          <a:p>
+            <a:pPr algn="ctr"/>
+            <a:endParaRPr lang="zh-CN" altLang="en-US"/>
+          </a:p>
+        </p:txBody>
+      </p:sp>
+      <p:sp>
+        <p:nvSpPr>
+          <p:cNvPr id="12" name="矩形 11"/>
+          <p:cNvSpPr/>
+          <p:nvPr/>
+        </p:nvSpPr>
+        <p:spPr>
+          <a:xfrm>
+            <a:off x="1331640" y="3246203"/>
+            <a:ext cx="799638" cy="326813"/>
+          </a:xfrm>
+          <a:prstGeom prst="rect">
+            <a:avLst/>
+          </a:prstGeom>
+          <a:noFill/>
+          <a:ln w="38100">
+            <a:solidFill>
+              <a:srgbClr val="FFFF00"/>
+            </a:solidFill>
+          </a:ln>
+        </p:spPr>
+        <p:style>
+          <a:lnRef idx="2">
+            <a:schemeClr val="accent1">
+              <a:shade val="50000"/>
+            </a:schemeClr>
+          </a:lnRef>
+          <a:fillRef idx="1">
+            <a:schemeClr val="accent1"/>
+          </a:fillRef>
+          <a:effectRef idx="0">
+            <a:schemeClr val="accent1"/>
+          </a:effectRef>
+          <a:fontRef idx="minor">
+            <a:schemeClr val="lt1"/>
+          </a:fontRef>
+        </p:style>
+        <p:txBody>
+          <a:bodyPr rtlCol="0" anchor="ctr"/>
+          <a:lstStyle/>
+          <a:p>
+            <a:pPr algn="ctr"/>
+            <a:endParaRPr lang="zh-CN" altLang="en-US"/>
           </a:p>
         </p:txBody>
       </p:sp>
@@ -11153,7 +12115,20 @@
                 <a:latin typeface="微软雅黑" pitchFamily="34" charset="-122"/>
                 <a:ea typeface="微软雅黑" pitchFamily="34" charset="-122"/>
               </a:rPr>
-              <a:t>已偏离原中新点</a:t>
+              <a:t>已偏离原</a:t>
+            </a:r>
+            <a:r>
+              <a:rPr lang="zh-CN" altLang="en-US" sz="2000" dirty="0" smtClean="0">
+                <a:solidFill>
+                  <a:schemeClr val="tx1">
+                    <a:lumMod val="75000"/>
+                    <a:lumOff val="25000"/>
+                  </a:schemeClr>
+                </a:solidFill>
+                <a:latin typeface="微软雅黑" pitchFamily="34" charset="-122"/>
+                <a:ea typeface="微软雅黑" pitchFamily="34" charset="-122"/>
+              </a:rPr>
+              <a:t>中心点</a:t>
             </a:r>
             <a:endParaRPr lang="en-US" altLang="zh-CN" sz="2000" dirty="0">
               <a:solidFill>
@@ -11297,7 +12272,20 @@
                 <a:latin typeface="微软雅黑" pitchFamily="34" charset="-122"/>
                 <a:ea typeface="微软雅黑" pitchFamily="34" charset="-122"/>
               </a:rPr>
-              <a:t>已偏离原中新点</a:t>
+              <a:t>已偏离原</a:t>
+            </a:r>
+            <a:r>
+              <a:rPr lang="zh-CN" altLang="en-US" sz="2000" dirty="0" smtClean="0">
+                <a:solidFill>
+                  <a:schemeClr val="tx1">
+                    <a:lumMod val="75000"/>
+                    <a:lumOff val="25000"/>
+                  </a:schemeClr>
+                </a:solidFill>
+                <a:latin typeface="微软雅黑" pitchFamily="34" charset="-122"/>
+                <a:ea typeface="微软雅黑" pitchFamily="34" charset="-122"/>
+              </a:rPr>
+              <a:t>中心点</a:t>
             </a:r>
             <a:endParaRPr lang="en-US" altLang="zh-CN" sz="2000" dirty="0">
               <a:solidFill>
@@ -11622,7 +12610,59 @@
                 <a:latin typeface="微软雅黑" pitchFamily="34" charset="-122"/>
                 <a:ea typeface="微软雅黑" pitchFamily="34" charset="-122"/>
               </a:rPr>
-              <a:t>画布的左上角为远点的，而不是像</a:t>
+              <a:t>画布的左上角</a:t>
+            </a:r>
+            <a:r>
+              <a:rPr lang="zh-CN" altLang="en-US" sz="2400" dirty="0" smtClean="0">
+                <a:solidFill>
+                  <a:schemeClr val="tx1">
+                    <a:lumMod val="75000"/>
+                    <a:lumOff val="25000"/>
+                  </a:schemeClr>
+                </a:solidFill>
+                <a:latin typeface="微软雅黑" pitchFamily="34" charset="-122"/>
+                <a:ea typeface="微软雅黑" pitchFamily="34" charset="-122"/>
+              </a:rPr>
+              <a:t>为</a:t>
+            </a:r>
+            <a:r>
+              <a:rPr lang="zh-CN" altLang="en-US" sz="2400" dirty="0">
+                <a:solidFill>
+                  <a:schemeClr val="tx1">
+                    <a:lumMod val="75000"/>
+                    <a:lumOff val="25000"/>
+                  </a:schemeClr>
+                </a:solidFill>
+                <a:latin typeface="微软雅黑" pitchFamily="34" charset="-122"/>
+                <a:ea typeface="微软雅黑" pitchFamily="34" charset="-122"/>
+              </a:rPr>
+              <a:t>原点</a:t>
+            </a:r>
+            <a:r>
+              <a:rPr lang="zh-CN" altLang="en-US" sz="2400" dirty="0" smtClean="0">
+                <a:solidFill>
+                  <a:schemeClr val="tx1">
+                    <a:lumMod val="75000"/>
+                    <a:lumOff val="25000"/>
+                  </a:schemeClr>
+                </a:solidFill>
+                <a:latin typeface="微软雅黑" pitchFamily="34" charset="-122"/>
+                <a:ea typeface="微软雅黑" pitchFamily="34" charset="-122"/>
+              </a:rPr>
+              <a:t>的</a:t>
+            </a:r>
+            <a:r>
+              <a:rPr lang="zh-CN" altLang="en-US" sz="2400" dirty="0" smtClean="0">
+                <a:solidFill>
+                  <a:schemeClr val="tx1">
+                    <a:lumMod val="75000"/>
+                    <a:lumOff val="25000"/>
+                  </a:schemeClr>
+                </a:solidFill>
+                <a:latin typeface="微软雅黑" pitchFamily="34" charset="-122"/>
+                <a:ea typeface="微软雅黑" pitchFamily="34" charset="-122"/>
+              </a:rPr>
+              <a:t>，而不是像</a:t>
             </a:r>
             <a:r>
               <a:rPr lang="en-US" altLang="zh-CN" sz="2400" dirty="0" smtClean="0">
@@ -11648,7 +12688,59 @@
                 <a:latin typeface="微软雅黑" pitchFamily="34" charset="-122"/>
                 <a:ea typeface="微软雅黑" pitchFamily="34" charset="-122"/>
               </a:rPr>
-              <a:t>一样，以元素中心为远点的。所以放大会往右下偏移，缩小会往左上偏移，必须进行反向偏移，来抵消这种缩放带来的副作用</a:t>
+              <a:t>一样，以元素中心</a:t>
+            </a:r>
+            <a:r>
+              <a:rPr lang="zh-CN" altLang="en-US" sz="2400" dirty="0" smtClean="0">
+                <a:solidFill>
+                  <a:schemeClr val="tx1">
+                    <a:lumMod val="75000"/>
+                    <a:lumOff val="25000"/>
+                  </a:schemeClr>
+                </a:solidFill>
+                <a:latin typeface="微软雅黑" pitchFamily="34" charset="-122"/>
+                <a:ea typeface="微软雅黑" pitchFamily="34" charset="-122"/>
+              </a:rPr>
+              <a:t>为原点的</a:t>
+            </a:r>
+            <a:r>
+              <a:rPr lang="en-US" altLang="zh-CN" sz="2400" dirty="0" smtClean="0">
+                <a:solidFill>
+                  <a:schemeClr val="tx1">
+                    <a:lumMod val="75000"/>
+                    <a:lumOff val="25000"/>
+                  </a:schemeClr>
+                </a:solidFill>
+                <a:latin typeface="微软雅黑" pitchFamily="34" charset="-122"/>
+                <a:ea typeface="微软雅黑" pitchFamily="34" charset="-122"/>
+              </a:rPr>
+              <a:t>. </a:t>
+            </a:r>
+            <a:r>
+              <a:rPr lang="zh-CN" altLang="en-US" sz="2400" dirty="0" smtClean="0">
+                <a:solidFill>
+                  <a:schemeClr val="tx1">
+                    <a:lumMod val="75000"/>
+                    <a:lumOff val="25000"/>
+                  </a:schemeClr>
+                </a:solidFill>
+                <a:latin typeface="微软雅黑" pitchFamily="34" charset="-122"/>
+                <a:ea typeface="微软雅黑" pitchFamily="34" charset="-122"/>
+              </a:rPr>
+              <a:t>所以</a:t>
+            </a:r>
+            <a:r>
+              <a:rPr lang="zh-CN" altLang="en-US" sz="2400" dirty="0" smtClean="0">
+                <a:solidFill>
+                  <a:schemeClr val="tx1">
+                    <a:lumMod val="75000"/>
+                    <a:lumOff val="25000"/>
+                  </a:schemeClr>
+                </a:solidFill>
+                <a:latin typeface="微软雅黑" pitchFamily="34" charset="-122"/>
+                <a:ea typeface="微软雅黑" pitchFamily="34" charset="-122"/>
+              </a:rPr>
+              <a:t>放大会往右下偏移，缩小会往左上偏移，必须进行反向偏移，来抵消这种缩放带来的副作用</a:t>
             </a:r>
             <a:endParaRPr lang="en-US" altLang="zh-CN" sz="2400" dirty="0">
               <a:solidFill>
@@ -12169,6 +13261,52 @@
           </a:p>
         </p:txBody>
       </p:sp>
+      <p:sp>
+        <p:nvSpPr>
+          <p:cNvPr id="6" name="矩形 5"/>
+          <p:cNvSpPr/>
+          <p:nvPr/>
+        </p:nvSpPr>
+        <p:spPr>
+          <a:xfrm>
+            <a:off x="2963001" y="2924944"/>
+            <a:ext cx="3085161" cy="341158"/>
+          </a:xfrm>
+          <a:prstGeom prst="rect">
+            <a:avLst/>
+          </a:prstGeom>
+          <a:noFill/>
+          <a:ln w="38100">
+            <a:solidFill>
+              <a:srgbClr val="FFFF00"/>
+            </a:solidFill>
+          </a:ln>
+        </p:spPr>
+        <p:style>
+          <a:lnRef idx="2">
+            <a:schemeClr val="accent1">
+              <a:shade val="50000"/>
+            </a:schemeClr>
+          </a:lnRef>
+          <a:fillRef idx="1">
+            <a:schemeClr val="accent1"/>
+          </a:fillRef>
+          <a:effectRef idx="0">
+            <a:schemeClr val="accent1"/>
+          </a:effectRef>
+          <a:fontRef idx="minor">
+            <a:schemeClr val="lt1"/>
+          </a:fontRef>
+        </p:style>
+        <p:txBody>
+          <a:bodyPr rtlCol="0" anchor="ctr"/>
+          <a:lstStyle/>
+          <a:p>
+            <a:pPr algn="ctr"/>
+            <a:endParaRPr lang="zh-CN" altLang="en-US"/>
+          </a:p>
+        </p:txBody>
+      </p:sp>
     </p:spTree>
     <p:extLst>
       <p:ext uri="{BB962C8B-B14F-4D97-AF65-F5344CB8AC3E}">
@@ -12221,7 +13359,7 @@
         </p:blipFill>
         <p:spPr>
           <a:xfrm>
-            <a:off x="1115616" y="1920088"/>
+            <a:off x="1028205" y="1920088"/>
             <a:ext cx="3543795" cy="1971950"/>
           </a:xfrm>
           <a:prstGeom prst="rect">
@@ -12428,7 +13566,7 @@
         </p:nvSpPr>
         <p:spPr>
           <a:xfrm>
-            <a:off x="1835696" y="2511777"/>
+            <a:off x="1763688" y="2583785"/>
             <a:ext cx="720080" cy="629191"/>
           </a:xfrm>
           <a:prstGeom prst="ellipse">
@@ -12909,7 +14047,33 @@
                 <a:latin typeface="微软雅黑" pitchFamily="34" charset="-122"/>
                 <a:ea typeface="微软雅黑" pitchFamily="34" charset="-122"/>
               </a:rPr>
-              <a:t>如果想要平移，缩放旋转，我们只需要将以上三者按顺序叠加即可，“</a:t>
+              <a:t>如果想要平移，</a:t>
+            </a:r>
+            <a:r>
+              <a:rPr lang="zh-CN" altLang="en-US" sz="2400" dirty="0" smtClean="0">
+                <a:solidFill>
+                  <a:schemeClr val="tx1">
+                    <a:lumMod val="75000"/>
+                    <a:lumOff val="25000"/>
+                  </a:schemeClr>
+                </a:solidFill>
+                <a:latin typeface="微软雅黑" pitchFamily="34" charset="-122"/>
+                <a:ea typeface="微软雅黑" pitchFamily="34" charset="-122"/>
+              </a:rPr>
+              <a:t>缩放，旋转，只需</a:t>
+            </a:r>
+            <a:r>
+              <a:rPr lang="zh-CN" altLang="en-US" sz="2400" dirty="0" smtClean="0">
+                <a:solidFill>
+                  <a:schemeClr val="tx1">
+                    <a:lumMod val="75000"/>
+                    <a:lumOff val="25000"/>
+                  </a:schemeClr>
+                </a:solidFill>
+                <a:latin typeface="微软雅黑" pitchFamily="34" charset="-122"/>
+                <a:ea typeface="微软雅黑" pitchFamily="34" charset="-122"/>
+              </a:rPr>
+              <a:t>要将以上三者按顺序叠加即可，“</a:t>
             </a:r>
             <a:r>
               <a:rPr lang="en-US" altLang="zh-CN" sz="2400" b="1" dirty="0" smtClean="0">
@@ -12961,7 +14125,59 @@
                 <a:latin typeface="微软雅黑" pitchFamily="34" charset="-122"/>
                 <a:ea typeface="微软雅黑" pitchFamily="34" charset="-122"/>
               </a:rPr>
-              <a:t>讲到的设置动画属性就是根据这样的原理实现的</a:t>
+              <a:t>讲到的</a:t>
+            </a:r>
+            <a:r>
+              <a:rPr lang="zh-CN" altLang="en-US" sz="2400" dirty="0" smtClean="0">
+                <a:solidFill>
+                  <a:schemeClr val="tx1">
+                    <a:lumMod val="75000"/>
+                    <a:lumOff val="25000"/>
+                  </a:schemeClr>
+                </a:solidFill>
+                <a:latin typeface="微软雅黑" pitchFamily="34" charset="-122"/>
+                <a:ea typeface="微软雅黑" pitchFamily="34" charset="-122"/>
+              </a:rPr>
+              <a:t>设置</a:t>
+            </a:r>
+            <a:r>
+              <a:rPr lang="zh-CN" altLang="en-US" sz="2400" dirty="0" smtClean="0">
+                <a:solidFill>
+                  <a:schemeClr val="tx1">
+                    <a:lumMod val="75000"/>
+                    <a:lumOff val="25000"/>
+                  </a:schemeClr>
+                </a:solidFill>
+                <a:latin typeface="微软雅黑" pitchFamily="34" charset="-122"/>
+                <a:ea typeface="微软雅黑" pitchFamily="34" charset="-122"/>
+              </a:rPr>
+              <a:t>碎片的样式，</a:t>
+            </a:r>
+            <a:r>
+              <a:rPr lang="zh-CN" altLang="en-US" sz="2400" dirty="0" smtClean="0">
+                <a:solidFill>
+                  <a:schemeClr val="tx1">
+                    <a:lumMod val="75000"/>
+                    <a:lumOff val="25000"/>
+                  </a:schemeClr>
+                </a:solidFill>
+                <a:latin typeface="微软雅黑" pitchFamily="34" charset="-122"/>
+                <a:ea typeface="微软雅黑" pitchFamily="34" charset="-122"/>
+              </a:rPr>
+              <a:t>就是</a:t>
+            </a:r>
+            <a:r>
+              <a:rPr lang="zh-CN" altLang="en-US" sz="2400" dirty="0" smtClean="0">
+                <a:solidFill>
+                  <a:schemeClr val="tx1">
+                    <a:lumMod val="75000"/>
+                    <a:lumOff val="25000"/>
+                  </a:schemeClr>
+                </a:solidFill>
+                <a:latin typeface="微软雅黑" pitchFamily="34" charset="-122"/>
+                <a:ea typeface="微软雅黑" pitchFamily="34" charset="-122"/>
+              </a:rPr>
+              <a:t>根据这样的原理实现的</a:t>
             </a:r>
             <a:endParaRPr lang="en-US" altLang="zh-CN" sz="2400" dirty="0">
               <a:solidFill>
@@ -13120,6 +14336,98 @@
           </a:p>
         </p:txBody>
       </p:sp>
+      <p:sp>
+        <p:nvSpPr>
+          <p:cNvPr id="6" name="矩形 5"/>
+          <p:cNvSpPr/>
+          <p:nvPr/>
+        </p:nvSpPr>
+        <p:spPr>
+          <a:xfrm>
+            <a:off x="2555777" y="404664"/>
+            <a:ext cx="2880320" cy="341158"/>
+          </a:xfrm>
+          <a:prstGeom prst="rect">
+            <a:avLst/>
+          </a:prstGeom>
+          <a:noFill/>
+          <a:ln w="38100">
+            <a:solidFill>
+              <a:srgbClr val="FFFF00"/>
+            </a:solidFill>
+          </a:ln>
+        </p:spPr>
+        <p:style>
+          <a:lnRef idx="2">
+            <a:schemeClr val="accent1">
+              <a:shade val="50000"/>
+            </a:schemeClr>
+          </a:lnRef>
+          <a:fillRef idx="1">
+            <a:schemeClr val="accent1"/>
+          </a:fillRef>
+          <a:effectRef idx="0">
+            <a:schemeClr val="accent1"/>
+          </a:effectRef>
+          <a:fontRef idx="minor">
+            <a:schemeClr val="lt1"/>
+          </a:fontRef>
+        </p:style>
+        <p:txBody>
+          <a:bodyPr rtlCol="0" anchor="ctr"/>
+          <a:lstStyle/>
+          <a:p>
+            <a:pPr algn="ctr"/>
+            <a:endParaRPr lang="zh-CN" altLang="en-US"/>
+          </a:p>
+        </p:txBody>
+      </p:sp>
+      <p:sp>
+        <p:nvSpPr>
+          <p:cNvPr id="7" name="矩形 6"/>
+          <p:cNvSpPr/>
+          <p:nvPr/>
+        </p:nvSpPr>
+        <p:spPr>
+          <a:xfrm>
+            <a:off x="1835696" y="783586"/>
+            <a:ext cx="3024336" cy="341158"/>
+          </a:xfrm>
+          <a:prstGeom prst="rect">
+            <a:avLst/>
+          </a:prstGeom>
+          <a:noFill/>
+          <a:ln w="38100">
+            <a:solidFill>
+              <a:srgbClr val="FFFF00"/>
+            </a:solidFill>
+          </a:ln>
+        </p:spPr>
+        <p:style>
+          <a:lnRef idx="2">
+            <a:schemeClr val="accent1">
+              <a:shade val="50000"/>
+            </a:schemeClr>
+          </a:lnRef>
+          <a:fillRef idx="1">
+            <a:schemeClr val="accent1"/>
+          </a:fillRef>
+          <a:effectRef idx="0">
+            <a:schemeClr val="accent1"/>
+          </a:effectRef>
+          <a:fontRef idx="minor">
+            <a:schemeClr val="lt1"/>
+          </a:fontRef>
+        </p:style>
+        <p:txBody>
+          <a:bodyPr rtlCol="0" anchor="ctr"/>
+          <a:lstStyle/>
+          <a:p>
+            <a:pPr algn="ctr"/>
+            <a:endParaRPr lang="zh-CN" altLang="en-US"/>
+          </a:p>
+        </p:txBody>
+      </p:sp>
     </p:spTree>
     <p:extLst>
       <p:ext uri="{BB962C8B-B14F-4D97-AF65-F5344CB8AC3E}">
@@ -13159,7 +14467,7 @@
         <p:spPr>
           <a:xfrm>
             <a:off x="684000" y="188640"/>
-            <a:ext cx="7776000" cy="3970318"/>
+            <a:ext cx="7776000" cy="4524315"/>
           </a:xfrm>
           <a:prstGeom prst="rect">
             <a:avLst/>
@@ -13227,20 +14535,7 @@
                 <a:latin typeface="微软雅黑" pitchFamily="34" charset="-122"/>
                 <a:ea typeface="微软雅黑" pitchFamily="34" charset="-122"/>
               </a:rPr>
-              <a:t>获取</a:t>
-            </a:r>
-            <a:r>
-              <a:rPr lang="zh-CN" altLang="en-US" sz="2400" b="1" dirty="0" smtClean="0">
-                <a:solidFill>
-                  <a:schemeClr val="tx1">
-                    <a:lumMod val="75000"/>
-                    <a:lumOff val="25000"/>
-                  </a:schemeClr>
-                </a:solidFill>
-                <a:latin typeface="微软雅黑" pitchFamily="34" charset="-122"/>
-                <a:ea typeface="微软雅黑" pitchFamily="34" charset="-122"/>
-              </a:rPr>
-              <a:t>中心点</a:t>
+              <a:t>获取中心点</a:t>
             </a:r>
             <a:endParaRPr lang="en-US" altLang="zh-CN" sz="2400" b="1" dirty="0" smtClean="0">
               <a:solidFill>
@@ -13309,7 +14604,20 @@
                 <a:latin typeface="微软雅黑" pitchFamily="34" charset="-122"/>
                 <a:ea typeface="微软雅黑" pitchFamily="34" charset="-122"/>
               </a:rPr>
-              <a:t>直线，曲线的端点求和，再计算平均值</a:t>
+              <a:t>直线，曲线的</a:t>
+            </a:r>
+            <a:r>
+              <a:rPr lang="zh-CN" altLang="en-US" sz="2400" b="1" dirty="0" smtClean="0">
+                <a:solidFill>
+                  <a:schemeClr val="tx1">
+                    <a:lumMod val="75000"/>
+                    <a:lumOff val="25000"/>
+                  </a:schemeClr>
+                </a:solidFill>
+                <a:latin typeface="微软雅黑" pitchFamily="34" charset="-122"/>
+                <a:ea typeface="微软雅黑" pitchFamily="34" charset="-122"/>
+              </a:rPr>
+              <a:t>端点坐标求和再除以数量，就得到平均值</a:t>
             </a:r>
             <a:r>
               <a:rPr lang="zh-CN" altLang="en-US" sz="2400" dirty="0" smtClean="0">
@@ -13322,20 +14630,7 @@
                 <a:latin typeface="微软雅黑" pitchFamily="34" charset="-122"/>
                 <a:ea typeface="微软雅黑" pitchFamily="34" charset="-122"/>
               </a:rPr>
-              <a:t>，就近似得到了几何中心！</a:t>
-            </a:r>
-            <a:r>
-              <a:rPr lang="zh-CN" altLang="en-US" sz="2400" dirty="0" smtClean="0">
-                <a:solidFill>
-                  <a:schemeClr val="tx1">
-                    <a:lumMod val="75000"/>
-                    <a:lumOff val="25000"/>
-                  </a:schemeClr>
-                </a:solidFill>
-                <a:latin typeface="微软雅黑" pitchFamily="34" charset="-122"/>
-                <a:ea typeface="微软雅黑" pitchFamily="34" charset="-122"/>
-              </a:rPr>
-              <a:t>问题的关键在于，如何得到</a:t>
+              <a:t>，就近似得到了几何中心！问题的关键在于，如何得到</a:t>
             </a:r>
             <a:r>
               <a:rPr lang="en-US" altLang="zh-CN" sz="2400" dirty="0" smtClean="0">
@@ -13487,7 +14782,7 @@
         </p:blipFill>
         <p:spPr>
           <a:xfrm>
-            <a:off x="851968" y="260648"/>
+            <a:off x="851968" y="692695"/>
             <a:ext cx="7440063" cy="5153744"/>
           </a:xfrm>
           <a:prstGeom prst="rect">
@@ -13513,7 +14808,7 @@
         </p:nvSpPr>
         <p:spPr>
           <a:xfrm>
-            <a:off x="3275856" y="1338092"/>
+            <a:off x="3275856" y="1770139"/>
             <a:ext cx="2664296" cy="483069"/>
           </a:xfrm>
           <a:prstGeom prst="wedgeRoundRectCallout">
@@ -13581,13 +14876,13 @@
         </p:nvSpPr>
         <p:spPr>
           <a:xfrm>
-            <a:off x="5004048" y="2348880"/>
-            <a:ext cx="3312368" cy="771101"/>
+            <a:off x="5148064" y="2780927"/>
+            <a:ext cx="3143967" cy="864097"/>
           </a:xfrm>
           <a:prstGeom prst="wedgeRoundRectCallout">
             <a:avLst>
-              <a:gd name="adj1" fmla="val -22311"/>
-              <a:gd name="adj2" fmla="val 78566"/>
+              <a:gd name="adj1" fmla="val -22745"/>
+              <a:gd name="adj2" fmla="val 70669"/>
               <a:gd name="adj3" fmla="val 16667"/>
             </a:avLst>
           </a:prstGeom>
@@ -13626,7 +14921,33 @@
                 <a:latin typeface="微软雅黑" pitchFamily="34" charset="-122"/>
                 <a:ea typeface="微软雅黑" pitchFamily="34" charset="-122"/>
               </a:rPr>
-              <a:t>将每个指令拆分成单个成员，其中有包含指令字母和坐标</a:t>
+              <a:t>将每个指令拆分成</a:t>
+            </a:r>
+            <a:r>
+              <a:rPr lang="zh-CN" altLang="en-US" sz="2000" dirty="0" smtClean="0">
+                <a:solidFill>
+                  <a:schemeClr val="tx1">
+                    <a:lumMod val="75000"/>
+                    <a:lumOff val="25000"/>
+                  </a:schemeClr>
+                </a:solidFill>
+                <a:latin typeface="微软雅黑" pitchFamily="34" charset="-122"/>
+                <a:ea typeface="微软雅黑" pitchFamily="34" charset="-122"/>
+              </a:rPr>
+              <a:t>单个数据，包含</a:t>
+            </a:r>
+            <a:r>
+              <a:rPr lang="zh-CN" altLang="en-US" sz="2000" dirty="0" smtClean="0">
+                <a:solidFill>
+                  <a:schemeClr val="tx1">
+                    <a:lumMod val="75000"/>
+                    <a:lumOff val="25000"/>
+                  </a:schemeClr>
+                </a:solidFill>
+                <a:latin typeface="微软雅黑" pitchFamily="34" charset="-122"/>
+                <a:ea typeface="微软雅黑" pitchFamily="34" charset="-122"/>
+              </a:rPr>
+              <a:t>指令字母和坐标</a:t>
             </a:r>
             <a:endParaRPr lang="en-US" altLang="zh-CN" sz="2000" dirty="0">
               <a:solidFill>
@@ -13649,7 +14970,7 @@
         </p:nvSpPr>
         <p:spPr>
           <a:xfrm>
-            <a:off x="2627784" y="5229201"/>
+            <a:off x="2627784" y="5661248"/>
             <a:ext cx="3600400" cy="504056"/>
           </a:xfrm>
           <a:prstGeom prst="wedgeRoundRectCallout">
@@ -13695,6 +15016,142 @@
                 <a:ea typeface="微软雅黑" pitchFamily="34" charset="-122"/>
               </a:rPr>
               <a:t>获取指令中直线，曲线的端点</a:t>
+            </a:r>
+            <a:endParaRPr lang="en-US" altLang="zh-CN" sz="2000" dirty="0">
+              <a:solidFill>
+                <a:schemeClr val="tx1">
+                  <a:lumMod val="75000"/>
+                  <a:lumOff val="25000"/>
+                </a:schemeClr>
+              </a:solidFill>
+              <a:latin typeface="微软雅黑" pitchFamily="34" charset="-122"/>
+              <a:ea typeface="微软雅黑" pitchFamily="34" charset="-122"/>
+            </a:endParaRPr>
+          </a:p>
+        </p:txBody>
+      </p:sp>
+      <p:sp>
+        <p:nvSpPr>
+          <p:cNvPr id="8" name="圆角矩形标注 7"/>
+          <p:cNvSpPr/>
+          <p:nvPr/>
+        </p:nvSpPr>
+        <p:spPr>
+          <a:xfrm>
+            <a:off x="2339752" y="23158"/>
+            <a:ext cx="2088232" cy="556306"/>
+          </a:xfrm>
+          <a:prstGeom prst="wedgeRoundRectCallout">
+            <a:avLst>
+              <a:gd name="adj1" fmla="val -25341"/>
+              <a:gd name="adj2" fmla="val 82488"/>
+              <a:gd name="adj3" fmla="val 16667"/>
+            </a:avLst>
+          </a:prstGeom>
+        </p:spPr>
+        <p:style>
+          <a:lnRef idx="2">
+            <a:schemeClr val="accent6"/>
+          </a:lnRef>
+          <a:fillRef idx="1">
+            <a:schemeClr val="lt1"/>
+          </a:fillRef>
+          <a:effectRef idx="0">
+            <a:schemeClr val="accent6"/>
+          </a:effectRef>
+          <a:fontRef idx="minor">
+            <a:schemeClr val="dk1"/>
+          </a:fontRef>
+        </p:style>
+        <p:txBody>
+          <a:bodyPr rtlCol="0" anchor="ctr"/>
+          <a:lstStyle/>
+          <a:p>
+            <a:pPr>
+              <a:lnSpc>
+                <a:spcPct val="150000"/>
+              </a:lnSpc>
+            </a:pPr>
+            <a:r>
+              <a:rPr lang="zh-CN" altLang="en-US" sz="2000" b="1" dirty="0" smtClean="0">
+                <a:solidFill>
+                  <a:schemeClr val="tx1">
+                    <a:lumMod val="75000"/>
+                    <a:lumOff val="25000"/>
+                  </a:schemeClr>
+                </a:solidFill>
+                <a:latin typeface="微软雅黑" pitchFamily="34" charset="-122"/>
+                <a:ea typeface="微软雅黑" pitchFamily="34" charset="-122"/>
+              </a:rPr>
+              <a:t>获取路径中心点</a:t>
+            </a:r>
+            <a:endParaRPr lang="en-US" altLang="zh-CN" sz="2000" b="1" dirty="0">
+              <a:solidFill>
+                <a:schemeClr val="tx1">
+                  <a:lumMod val="75000"/>
+                  <a:lumOff val="25000"/>
+                </a:schemeClr>
+              </a:solidFill>
+              <a:latin typeface="微软雅黑" pitchFamily="34" charset="-122"/>
+              <a:ea typeface="微软雅黑" pitchFamily="34" charset="-122"/>
+            </a:endParaRPr>
+          </a:p>
+        </p:txBody>
+      </p:sp>
+      <p:sp>
+        <p:nvSpPr>
+          <p:cNvPr id="9" name="圆角矩形标注 8"/>
+          <p:cNvSpPr/>
+          <p:nvPr/>
+        </p:nvSpPr>
+        <p:spPr>
+          <a:xfrm>
+            <a:off x="4283968" y="4437112"/>
+            <a:ext cx="2088232" cy="483069"/>
+          </a:xfrm>
+          <a:prstGeom prst="wedgeRoundRectCallout">
+            <a:avLst>
+              <a:gd name="adj1" fmla="val -55852"/>
+              <a:gd name="adj2" fmla="val 17841"/>
+              <a:gd name="adj3" fmla="val 16667"/>
+            </a:avLst>
+          </a:prstGeom>
+        </p:spPr>
+        <p:style>
+          <a:lnRef idx="2">
+            <a:schemeClr val="accent5"/>
+          </a:lnRef>
+          <a:fillRef idx="1">
+            <a:schemeClr val="lt1"/>
+          </a:fillRef>
+          <a:effectRef idx="0">
+            <a:schemeClr val="accent5"/>
+          </a:effectRef>
+          <a:fontRef idx="minor">
+            <a:schemeClr val="dk1"/>
+          </a:fontRef>
+        </p:style>
+        <p:txBody>
+          <a:bodyPr rtlCol="0" anchor="ctr"/>
+          <a:lstStyle/>
+          <a:p>
+            <a:pPr>
+              <a:lnSpc>
+                <a:spcPct val="150000"/>
+              </a:lnSpc>
+            </a:pPr>
+            <a:r>
+              <a:rPr lang="zh-CN" altLang="en-US" sz="2000" dirty="0" smtClean="0">
+                <a:solidFill>
+                  <a:schemeClr val="tx1">
+                    <a:lumMod val="75000"/>
+                    <a:lumOff val="25000"/>
+                  </a:schemeClr>
+                </a:solidFill>
+                <a:latin typeface="微软雅黑" pitchFamily="34" charset="-122"/>
+                <a:ea typeface="微软雅黑" pitchFamily="34" charset="-122"/>
+              </a:rPr>
+              <a:t>转字符串为数值</a:t>
             </a:r>
             <a:endParaRPr lang="en-US" altLang="zh-CN" sz="2000" dirty="0">
               <a:solidFill>
@@ -13965,7 +15422,7 @@
                 <a:latin typeface="微软雅黑" pitchFamily="34" charset="-122"/>
                 <a:ea typeface="微软雅黑" pitchFamily="34" charset="-122"/>
               </a:rPr>
-              <a:t>《</a:t>
+              <a:t>《SVG</a:t>
             </a:r>
             <a:r>
               <a:rPr lang="zh-CN" altLang="en-US" sz="2400" dirty="0" smtClean="0">
@@ -13978,7 +15435,20 @@
                 <a:latin typeface="微软雅黑" pitchFamily="34" charset="-122"/>
                 <a:ea typeface="微软雅黑" pitchFamily="34" charset="-122"/>
               </a:rPr>
-              <a:t>基础绘图指令</a:t>
+              <a:t>基础</a:t>
+            </a:r>
+            <a:r>
+              <a:rPr lang="zh-CN" altLang="en-US" sz="2400" dirty="0" smtClean="0">
+                <a:solidFill>
+                  <a:schemeClr val="tx1">
+                    <a:lumMod val="75000"/>
+                    <a:lumOff val="25000"/>
+                  </a:schemeClr>
+                </a:solidFill>
+                <a:latin typeface="微软雅黑" pitchFamily="34" charset="-122"/>
+                <a:ea typeface="微软雅黑" pitchFamily="34" charset="-122"/>
+              </a:rPr>
+              <a:t>绘图指令</a:t>
             </a:r>
             <a:r>
               <a:rPr lang="en-US" altLang="zh-CN" sz="2400" dirty="0" smtClean="0">
@@ -14239,13 +15709,13 @@
         </p:nvSpPr>
         <p:spPr>
           <a:xfrm>
-            <a:off x="5148064" y="325745"/>
-            <a:ext cx="2689127" cy="2294860"/>
+            <a:off x="5364088" y="325745"/>
+            <a:ext cx="2448272" cy="2294860"/>
           </a:xfrm>
           <a:prstGeom prst="wedgeRoundRectCallout">
             <a:avLst>
-              <a:gd name="adj1" fmla="val -54596"/>
-              <a:gd name="adj2" fmla="val 20821"/>
+              <a:gd name="adj1" fmla="val -55711"/>
+              <a:gd name="adj2" fmla="val 16063"/>
               <a:gd name="adj3" fmla="val 16667"/>
             </a:avLst>
           </a:prstGeom>
@@ -14284,7 +15754,33 @@
                 <a:latin typeface="微软雅黑" pitchFamily="34" charset="-122"/>
                 <a:ea typeface="微软雅黑" pitchFamily="34" charset="-122"/>
               </a:rPr>
-              <a:t>拿到前一个端点，因为有些指令是小写，也就是相对坐标，需要在前一个端点基础上累加</a:t>
+              <a:t>拿到前一个端点，因为有些指令是小写，也就是相对坐标，</a:t>
+            </a:r>
+            <a:r>
+              <a:rPr lang="zh-CN" altLang="en-US" sz="2000" dirty="0" smtClean="0">
+                <a:solidFill>
+                  <a:schemeClr val="tx1">
+                    <a:lumMod val="75000"/>
+                    <a:lumOff val="25000"/>
+                  </a:schemeClr>
+                </a:solidFill>
+                <a:latin typeface="微软雅黑" pitchFamily="34" charset="-122"/>
+                <a:ea typeface="微软雅黑" pitchFamily="34" charset="-122"/>
+              </a:rPr>
+              <a:t>需在</a:t>
+            </a:r>
+            <a:r>
+              <a:rPr lang="zh-CN" altLang="en-US" sz="2000" dirty="0" smtClean="0">
+                <a:solidFill>
+                  <a:schemeClr val="tx1">
+                    <a:lumMod val="75000"/>
+                    <a:lumOff val="25000"/>
+                  </a:schemeClr>
+                </a:solidFill>
+                <a:latin typeface="微软雅黑" pitchFamily="34" charset="-122"/>
+                <a:ea typeface="微软雅黑" pitchFamily="34" charset="-122"/>
+              </a:rPr>
+              <a:t>前一个端点基础上累加</a:t>
             </a:r>
             <a:endParaRPr lang="en-US" altLang="zh-CN" sz="2000" dirty="0">
               <a:solidFill>
@@ -14572,7 +16068,7 @@
         </p:nvSpPr>
         <p:spPr>
           <a:xfrm>
-            <a:off x="3995936" y="5821974"/>
+            <a:off x="3851920" y="5821974"/>
             <a:ext cx="1656184" cy="504056"/>
           </a:xfrm>
           <a:prstGeom prst="wedgeRoundRectCallout">
@@ -14715,16 +16211,6 @@
               </a:rPr>
               <a:t>.</a:t>
             </a:r>
-            <a:endParaRPr lang="en-US" altLang="zh-CN" sz="2400" dirty="0" smtClean="0">
-              <a:solidFill>
-                <a:schemeClr val="tx1">
-                  <a:lumMod val="75000"/>
-                  <a:lumOff val="25000"/>
-                </a:schemeClr>
-              </a:solidFill>
-              <a:latin typeface="微软雅黑" pitchFamily="34" charset="-122"/>
-              <a:ea typeface="微软雅黑" pitchFamily="34" charset="-122"/>
-            </a:endParaRPr>
           </a:p>
         </p:txBody>
       </p:sp>
@@ -14777,7 +16263,7 @@
         <p:spPr>
           <a:xfrm>
             <a:off x="684000" y="2444695"/>
-            <a:ext cx="7776000" cy="4524315"/>
+            <a:ext cx="7776000" cy="3970318"/>
           </a:xfrm>
           <a:prstGeom prst="rect">
             <a:avLst/>
@@ -14822,6 +16308,19 @@
               <a:t> 	</a:t>
             </a:r>
             <a:r>
+              <a:rPr lang="en-US" altLang="zh-CN" sz="2400" dirty="0" smtClean="0">
+                <a:solidFill>
+                  <a:schemeClr val="tx1">
+                    <a:lumMod val="75000"/>
+                    <a:lumOff val="25000"/>
+                  </a:schemeClr>
+                </a:solidFill>
+                <a:latin typeface="微软雅黑" pitchFamily="34" charset="-122"/>
+                <a:ea typeface="微软雅黑" pitchFamily="34" charset="-122"/>
+              </a:rPr>
+              <a:t>	</a:t>
+            </a:r>
+            <a:r>
               <a:rPr lang="zh-CN" altLang="en-US" sz="2400" dirty="0" smtClean="0">
                 <a:solidFill>
                   <a:schemeClr val="tx1">
@@ -14832,7 +16331,20 @@
                 <a:latin typeface="微软雅黑" pitchFamily="34" charset="-122"/>
                 <a:ea typeface="微软雅黑" pitchFamily="34" charset="-122"/>
               </a:rPr>
-              <a:t>两端的斜线之间存放正则表达式</a:t>
+              <a:t>两端</a:t>
+            </a:r>
+            <a:r>
+              <a:rPr lang="zh-CN" altLang="en-US" sz="2400" dirty="0" smtClean="0">
+                <a:solidFill>
+                  <a:schemeClr val="tx1">
+                    <a:lumMod val="75000"/>
+                    <a:lumOff val="25000"/>
+                  </a:schemeClr>
+                </a:solidFill>
+                <a:latin typeface="微软雅黑" pitchFamily="34" charset="-122"/>
+                <a:ea typeface="微软雅黑" pitchFamily="34" charset="-122"/>
+              </a:rPr>
+              <a:t>的斜线之间存放正则表达式</a:t>
             </a:r>
             <a:endParaRPr lang="en-US" altLang="zh-CN" sz="2400" dirty="0" smtClean="0">
               <a:solidFill>
@@ -14878,6 +16390,19 @@
               <a:t>   	</a:t>
             </a:r>
             <a:r>
+              <a:rPr lang="en-US" altLang="zh-CN" sz="2400" dirty="0" smtClean="0">
+                <a:solidFill>
+                  <a:schemeClr val="tx1">
+                    <a:lumMod val="75000"/>
+                    <a:lumOff val="25000"/>
+                  </a:schemeClr>
+                </a:solidFill>
+                <a:latin typeface="微软雅黑" pitchFamily="34" charset="-122"/>
+                <a:ea typeface="微软雅黑" pitchFamily="34" charset="-122"/>
+              </a:rPr>
+              <a:t>	</a:t>
+            </a:r>
+            <a:r>
               <a:rPr lang="zh-CN" altLang="en-US" sz="2400" dirty="0" smtClean="0">
                 <a:solidFill>
                   <a:schemeClr val="tx1">
@@ -14888,7 +16413,72 @@
                 <a:latin typeface="微软雅黑" pitchFamily="34" charset="-122"/>
                 <a:ea typeface="微软雅黑" pitchFamily="34" charset="-122"/>
               </a:rPr>
-              <a:t>表示要全局查找匹配正则表达式的字符串，而不</a:t>
+              <a:t>全局</a:t>
+            </a:r>
+            <a:r>
+              <a:rPr lang="zh-CN" altLang="en-US" sz="2400" dirty="0" smtClean="0">
+                <a:solidFill>
+                  <a:schemeClr val="tx1">
+                    <a:lumMod val="75000"/>
+                    <a:lumOff val="25000"/>
+                  </a:schemeClr>
+                </a:solidFill>
+                <a:latin typeface="微软雅黑" pitchFamily="34" charset="-122"/>
+                <a:ea typeface="微软雅黑" pitchFamily="34" charset="-122"/>
+              </a:rPr>
+              <a:t>查找</a:t>
+            </a:r>
+            <a:r>
+              <a:rPr lang="zh-CN" altLang="en-US" sz="2400" dirty="0" smtClean="0">
+                <a:solidFill>
+                  <a:schemeClr val="tx1">
+                    <a:lumMod val="75000"/>
+                    <a:lumOff val="25000"/>
+                  </a:schemeClr>
+                </a:solidFill>
+                <a:latin typeface="微软雅黑" pitchFamily="34" charset="-122"/>
+                <a:ea typeface="微软雅黑" pitchFamily="34" charset="-122"/>
+              </a:rPr>
+              <a:t>匹配的</a:t>
+            </a:r>
+            <a:r>
+              <a:rPr lang="zh-CN" altLang="en-US" sz="2400" dirty="0" smtClean="0">
+                <a:solidFill>
+                  <a:schemeClr val="tx1">
+                    <a:lumMod val="75000"/>
+                    <a:lumOff val="25000"/>
+                  </a:schemeClr>
+                </a:solidFill>
+                <a:latin typeface="微软雅黑" pitchFamily="34" charset="-122"/>
+                <a:ea typeface="微软雅黑" pitchFamily="34" charset="-122"/>
+              </a:rPr>
+              <a:t>字符串，而</a:t>
+            </a:r>
+            <a:r>
+              <a:rPr lang="zh-CN" altLang="en-US" sz="2400" dirty="0" smtClean="0">
+                <a:solidFill>
+                  <a:schemeClr val="tx1">
+                    <a:lumMod val="75000"/>
+                    <a:lumOff val="25000"/>
+                  </a:schemeClr>
+                </a:solidFill>
+                <a:latin typeface="微软雅黑" pitchFamily="34" charset="-122"/>
+                <a:ea typeface="微软雅黑" pitchFamily="34" charset="-122"/>
+              </a:rPr>
+              <a:t>不仅找第一</a:t>
+            </a:r>
+            <a:r>
+              <a:rPr lang="zh-CN" altLang="en-US" sz="2400" dirty="0" smtClean="0">
+                <a:solidFill>
+                  <a:schemeClr val="tx1">
+                    <a:lumMod val="75000"/>
+                    <a:lumOff val="25000"/>
+                  </a:schemeClr>
+                </a:solidFill>
+                <a:latin typeface="微软雅黑" pitchFamily="34" charset="-122"/>
+                <a:ea typeface="微软雅黑" pitchFamily="34" charset="-122"/>
+              </a:rPr>
+              <a:t>个</a:t>
             </a:r>
             <a:endParaRPr lang="en-US" altLang="zh-CN" sz="2400" dirty="0" smtClean="0">
               <a:solidFill>
@@ -14908,7 +16498,46 @@
               </a:lnSpc>
             </a:pPr>
             <a:r>
-              <a:rPr lang="en-US" altLang="zh-CN" sz="2400" dirty="0">
+              <a:rPr lang="en-US" altLang="zh-CN" sz="2400" b="1" dirty="0" smtClean="0">
+                <a:solidFill>
+                  <a:schemeClr val="tx1">
+                    <a:lumMod val="75000"/>
+                    <a:lumOff val="25000"/>
+                  </a:schemeClr>
+                </a:solidFill>
+                <a:latin typeface="微软雅黑" pitchFamily="34" charset="-122"/>
+                <a:ea typeface="微软雅黑" pitchFamily="34" charset="-122"/>
+              </a:rPr>
+              <a:t>[a-</a:t>
+            </a:r>
+            <a:r>
+              <a:rPr lang="en-US" altLang="zh-CN" sz="2400" b="1" dirty="0" err="1" smtClean="0">
+                <a:solidFill>
+                  <a:schemeClr val="tx1">
+                    <a:lumMod val="75000"/>
+                    <a:lumOff val="25000"/>
+                  </a:schemeClr>
+                </a:solidFill>
+                <a:latin typeface="微软雅黑" pitchFamily="34" charset="-122"/>
+                <a:ea typeface="微软雅黑" pitchFamily="34" charset="-122"/>
+              </a:rPr>
+              <a:t>zA</a:t>
+            </a:r>
+            <a:r>
+              <a:rPr lang="en-US" altLang="zh-CN" sz="2400" b="1" dirty="0" smtClean="0">
+                <a:solidFill>
+                  <a:schemeClr val="tx1">
+                    <a:lumMod val="75000"/>
+                    <a:lumOff val="25000"/>
+                  </a:schemeClr>
+                </a:solidFill>
+                <a:latin typeface="微软雅黑" pitchFamily="34" charset="-122"/>
+                <a:ea typeface="微软雅黑" pitchFamily="34" charset="-122"/>
+              </a:rPr>
+              <a:t>-Z]  </a:t>
+            </a:r>
+            <a:r>
+              <a:rPr lang="en-US" altLang="zh-CN" sz="2400" b="1" dirty="0" smtClean="0">
                 <a:solidFill>
                   <a:schemeClr val="tx1">
                     <a:lumMod val="75000"/>
@@ -14931,7 +16560,20 @@
                 <a:latin typeface="微软雅黑" pitchFamily="34" charset="-122"/>
                 <a:ea typeface="微软雅黑" pitchFamily="34" charset="-122"/>
               </a:rPr>
-              <a:t>是仅仅找到第一个</a:t>
+              <a:t>匹配</a:t>
+            </a:r>
+            <a:r>
+              <a:rPr lang="zh-CN" altLang="en-US" sz="2400" dirty="0" smtClean="0">
+                <a:solidFill>
+                  <a:schemeClr val="tx1">
+                    <a:lumMod val="75000"/>
+                    <a:lumOff val="25000"/>
+                  </a:schemeClr>
+                </a:solidFill>
+                <a:latin typeface="微软雅黑" pitchFamily="34" charset="-122"/>
+                <a:ea typeface="微软雅黑" pitchFamily="34" charset="-122"/>
+              </a:rPr>
+              <a:t>一个大写或者小写的字母</a:t>
             </a:r>
             <a:endParaRPr lang="en-US" altLang="zh-CN" sz="2400" dirty="0" smtClean="0">
               <a:solidFill>
@@ -14961,7 +16603,7 @@
                 <a:latin typeface="微软雅黑" pitchFamily="34" charset="-122"/>
                 <a:ea typeface="微软雅黑" pitchFamily="34" charset="-122"/>
               </a:rPr>
-              <a:t>[a-</a:t>
+              <a:t>[^a-</a:t>
             </a:r>
             <a:r>
               <a:rPr lang="en-US" altLang="zh-CN" sz="2400" b="1" dirty="0" err="1" smtClean="0">
@@ -14987,7 +16629,20 @@
                 <a:latin typeface="微软雅黑" pitchFamily="34" charset="-122"/>
                 <a:ea typeface="微软雅黑" pitchFamily="34" charset="-122"/>
               </a:rPr>
-              <a:t>-Z]  </a:t>
+              <a:t>-Z] </a:t>
+            </a:r>
+            <a:r>
+              <a:rPr lang="en-US" altLang="zh-CN" sz="2400" dirty="0" smtClean="0">
+                <a:solidFill>
+                  <a:schemeClr val="tx1">
+                    <a:lumMod val="75000"/>
+                    <a:lumOff val="25000"/>
+                  </a:schemeClr>
+                </a:solidFill>
+                <a:latin typeface="微软雅黑" pitchFamily="34" charset="-122"/>
+                <a:ea typeface="微软雅黑" pitchFamily="34" charset="-122"/>
+              </a:rPr>
+              <a:t>	</a:t>
             </a:r>
             <a:r>
               <a:rPr lang="zh-CN" altLang="en-US" sz="2400" dirty="0" smtClean="0">
@@ -15000,7 +16655,115 @@
                 <a:latin typeface="微软雅黑" pitchFamily="34" charset="-122"/>
                 <a:ea typeface="微软雅黑" pitchFamily="34" charset="-122"/>
               </a:rPr>
-              <a:t>表示匹配一个大写或者小写的字母</a:t>
+              <a:t>匹配</a:t>
+            </a:r>
+            <a:r>
+              <a:rPr lang="zh-CN" altLang="en-US" sz="2400" dirty="0" smtClean="0">
+                <a:solidFill>
+                  <a:schemeClr val="tx1">
+                    <a:lumMod val="75000"/>
+                    <a:lumOff val="25000"/>
+                  </a:schemeClr>
+                </a:solidFill>
+                <a:latin typeface="微软雅黑" pitchFamily="34" charset="-122"/>
+                <a:ea typeface="微软雅黑" pitchFamily="34" charset="-122"/>
+              </a:rPr>
+              <a:t>非字母的字符，</a:t>
+            </a:r>
+            <a:endParaRPr lang="en-US" altLang="zh-CN" sz="2400" dirty="0">
+              <a:solidFill>
+                <a:schemeClr val="tx1">
+                  <a:lumMod val="75000"/>
+                  <a:lumOff val="25000"/>
+                </a:schemeClr>
+              </a:solidFill>
+              <a:latin typeface="微软雅黑" pitchFamily="34" charset="-122"/>
+              <a:ea typeface="微软雅黑" pitchFamily="34" charset="-122"/>
+            </a:endParaRPr>
+          </a:p>
+          <a:p>
+            <a:pPr>
+              <a:lnSpc>
+                <a:spcPct val="150000"/>
+              </a:lnSpc>
+            </a:pPr>
+            <a:r>
+              <a:rPr lang="zh-CN" altLang="en-US" sz="2400" b="1" dirty="0" smtClean="0">
+                <a:solidFill>
+                  <a:schemeClr val="tx1">
+                    <a:lumMod val="75000"/>
+                    <a:lumOff val="25000"/>
+                  </a:schemeClr>
+                </a:solidFill>
+                <a:latin typeface="微软雅黑" pitchFamily="34" charset="-122"/>
+                <a:ea typeface="微软雅黑" pitchFamily="34" charset="-122"/>
+              </a:rPr>
+              <a:t>*</a:t>
+            </a:r>
+            <a:r>
+              <a:rPr lang="en-US" altLang="zh-CN" sz="2400" dirty="0" smtClean="0">
+                <a:solidFill>
+                  <a:schemeClr val="tx1">
+                    <a:lumMod val="75000"/>
+                    <a:lumOff val="25000"/>
+                  </a:schemeClr>
+                </a:solidFill>
+                <a:latin typeface="微软雅黑" pitchFamily="34" charset="-122"/>
+                <a:ea typeface="微软雅黑" pitchFamily="34" charset="-122"/>
+              </a:rPr>
+              <a:t>	</a:t>
+            </a:r>
+            <a:r>
+              <a:rPr lang="en-US" altLang="zh-CN" sz="2400" dirty="0" smtClean="0">
+                <a:solidFill>
+                  <a:schemeClr val="tx1">
+                    <a:lumMod val="75000"/>
+                    <a:lumOff val="25000"/>
+                  </a:schemeClr>
+                </a:solidFill>
+                <a:latin typeface="微软雅黑" pitchFamily="34" charset="-122"/>
+                <a:ea typeface="微软雅黑" pitchFamily="34" charset="-122"/>
+              </a:rPr>
+              <a:t>	</a:t>
+            </a:r>
+            <a:r>
+              <a:rPr lang="zh-CN" altLang="en-US" sz="2400" dirty="0" smtClean="0">
+                <a:solidFill>
+                  <a:schemeClr val="tx1">
+                    <a:lumMod val="75000"/>
+                    <a:lumOff val="25000"/>
+                  </a:schemeClr>
+                </a:solidFill>
+                <a:latin typeface="微软雅黑" pitchFamily="34" charset="-122"/>
+                <a:ea typeface="微软雅黑" pitchFamily="34" charset="-122"/>
+              </a:rPr>
+              <a:t>匹配</a:t>
+            </a:r>
+            <a:r>
+              <a:rPr lang="en-US" altLang="zh-CN" sz="2400" dirty="0" smtClean="0">
+                <a:solidFill>
+                  <a:schemeClr val="tx1">
+                    <a:lumMod val="75000"/>
+                    <a:lumOff val="25000"/>
+                  </a:schemeClr>
+                </a:solidFill>
+                <a:latin typeface="微软雅黑" pitchFamily="34" charset="-122"/>
+                <a:ea typeface="微软雅黑" pitchFamily="34" charset="-122"/>
+              </a:rPr>
+              <a:t>0</a:t>
+            </a:r>
+            <a:r>
+              <a:rPr lang="zh-CN" altLang="en-US" sz="2400" dirty="0" smtClean="0">
+                <a:solidFill>
+                  <a:schemeClr val="tx1">
+                    <a:lumMod val="75000"/>
+                    <a:lumOff val="25000"/>
+                  </a:schemeClr>
+                </a:solidFill>
+                <a:latin typeface="微软雅黑" pitchFamily="34" charset="-122"/>
+                <a:ea typeface="微软雅黑" pitchFamily="34" charset="-122"/>
+              </a:rPr>
+              <a:t>个或者多个</a:t>
             </a:r>
             <a:endParaRPr lang="en-US" altLang="zh-CN" sz="2400" dirty="0" smtClean="0">
               <a:solidFill>
@@ -15020,58 +16783,6 @@
               </a:lnSpc>
             </a:pPr>
             <a:r>
-              <a:rPr lang="en-US" altLang="zh-CN" sz="2400" b="1" dirty="0" smtClean="0">
-                <a:solidFill>
-                  <a:schemeClr val="tx1">
-                    <a:lumMod val="75000"/>
-                    <a:lumOff val="25000"/>
-                  </a:schemeClr>
-                </a:solidFill>
-                <a:latin typeface="微软雅黑" pitchFamily="34" charset="-122"/>
-                <a:ea typeface="微软雅黑" pitchFamily="34" charset="-122"/>
-              </a:rPr>
-              <a:t>[^a-</a:t>
-            </a:r>
-            <a:r>
-              <a:rPr lang="en-US" altLang="zh-CN" sz="2400" b="1" dirty="0" err="1" smtClean="0">
-                <a:solidFill>
-                  <a:schemeClr val="tx1">
-                    <a:lumMod val="75000"/>
-                    <a:lumOff val="25000"/>
-                  </a:schemeClr>
-                </a:solidFill>
-                <a:latin typeface="微软雅黑" pitchFamily="34" charset="-122"/>
-                <a:ea typeface="微软雅黑" pitchFamily="34" charset="-122"/>
-              </a:rPr>
-              <a:t>zA</a:t>
-            </a:r>
-            <a:r>
-              <a:rPr lang="en-US" altLang="zh-CN" sz="2400" b="1" dirty="0" smtClean="0">
-                <a:solidFill>
-                  <a:schemeClr val="tx1">
-                    <a:lumMod val="75000"/>
-                    <a:lumOff val="25000"/>
-                  </a:schemeClr>
-                </a:solidFill>
-                <a:latin typeface="微软雅黑" pitchFamily="34" charset="-122"/>
-                <a:ea typeface="微软雅黑" pitchFamily="34" charset="-122"/>
-              </a:rPr>
-              <a:t>-Z] </a:t>
-            </a:r>
-            <a:r>
-              <a:rPr lang="en-US" altLang="zh-CN" sz="2400" dirty="0" smtClean="0">
-                <a:solidFill>
-                  <a:schemeClr val="tx1">
-                    <a:lumMod val="75000"/>
-                    <a:lumOff val="25000"/>
-                  </a:schemeClr>
-                </a:solidFill>
-                <a:latin typeface="微软雅黑" pitchFamily="34" charset="-122"/>
-                <a:ea typeface="微软雅黑" pitchFamily="34" charset="-122"/>
-              </a:rPr>
-              <a:t>	</a:t>
-            </a:r>
-            <a:r>
               <a:rPr lang="zh-CN" altLang="en-US" sz="2400" dirty="0" smtClean="0">
                 <a:solidFill>
                   <a:schemeClr val="tx1">
@@ -15082,145 +16793,7 @@
                 <a:latin typeface="微软雅黑" pitchFamily="34" charset="-122"/>
                 <a:ea typeface="微软雅黑" pitchFamily="34" charset="-122"/>
               </a:rPr>
-              <a:t>表示匹配非字母的字符，</a:t>
-            </a:r>
-            <a:endParaRPr lang="en-US" altLang="zh-CN" sz="2400" dirty="0">
-              <a:solidFill>
-                <a:schemeClr val="tx1">
-                  <a:lumMod val="75000"/>
-                  <a:lumOff val="25000"/>
-                </a:schemeClr>
-              </a:solidFill>
-              <a:latin typeface="微软雅黑" pitchFamily="34" charset="-122"/>
-              <a:ea typeface="微软雅黑" pitchFamily="34" charset="-122"/>
-            </a:endParaRPr>
-          </a:p>
-          <a:p>
-            <a:pPr>
-              <a:lnSpc>
-                <a:spcPct val="150000"/>
-              </a:lnSpc>
-            </a:pPr>
-            <a:r>
-              <a:rPr lang="zh-CN" altLang="en-US" sz="2400" b="1" dirty="0" smtClean="0">
-                <a:solidFill>
-                  <a:schemeClr val="tx1">
-                    <a:lumMod val="75000"/>
-                    <a:lumOff val="25000"/>
-                  </a:schemeClr>
-                </a:solidFill>
-                <a:latin typeface="微软雅黑" pitchFamily="34" charset="-122"/>
-                <a:ea typeface="微软雅黑" pitchFamily="34" charset="-122"/>
-              </a:rPr>
-              <a:t>*</a:t>
-            </a:r>
-            <a:r>
-              <a:rPr lang="en-US" altLang="zh-CN" sz="2400" dirty="0" smtClean="0">
-                <a:solidFill>
-                  <a:schemeClr val="tx1">
-                    <a:lumMod val="75000"/>
-                    <a:lumOff val="25000"/>
-                  </a:schemeClr>
-                </a:solidFill>
-                <a:latin typeface="微软雅黑" pitchFamily="34" charset="-122"/>
-                <a:ea typeface="微软雅黑" pitchFamily="34" charset="-122"/>
-              </a:rPr>
-              <a:t>	</a:t>
-            </a:r>
-            <a:r>
-              <a:rPr lang="zh-CN" altLang="en-US" sz="2400" dirty="0" smtClean="0">
-                <a:solidFill>
-                  <a:schemeClr val="tx1">
-                    <a:lumMod val="75000"/>
-                    <a:lumOff val="25000"/>
-                  </a:schemeClr>
-                </a:solidFill>
-                <a:latin typeface="微软雅黑" pitchFamily="34" charset="-122"/>
-                <a:ea typeface="微软雅黑" pitchFamily="34" charset="-122"/>
-              </a:rPr>
-              <a:t>表示匹配</a:t>
-            </a:r>
-            <a:r>
-              <a:rPr lang="en-US" altLang="zh-CN" sz="2400" dirty="0" smtClean="0">
-                <a:solidFill>
-                  <a:schemeClr val="tx1">
-                    <a:lumMod val="75000"/>
-                    <a:lumOff val="25000"/>
-                  </a:schemeClr>
-                </a:solidFill>
-                <a:latin typeface="微软雅黑" pitchFamily="34" charset="-122"/>
-                <a:ea typeface="微软雅黑" pitchFamily="34" charset="-122"/>
-              </a:rPr>
-              <a:t>0</a:t>
-            </a:r>
-            <a:r>
-              <a:rPr lang="zh-CN" altLang="en-US" sz="2400" dirty="0" smtClean="0">
-                <a:solidFill>
-                  <a:schemeClr val="tx1">
-                    <a:lumMod val="75000"/>
-                    <a:lumOff val="25000"/>
-                  </a:schemeClr>
-                </a:solidFill>
-                <a:latin typeface="微软雅黑" pitchFamily="34" charset="-122"/>
-                <a:ea typeface="微软雅黑" pitchFamily="34" charset="-122"/>
-              </a:rPr>
-              <a:t>个或者多个</a:t>
-            </a:r>
-            <a:endParaRPr lang="en-US" altLang="zh-CN" sz="2400" dirty="0" smtClean="0">
-              <a:solidFill>
-                <a:schemeClr val="tx1">
-                  <a:lumMod val="75000"/>
-                  <a:lumOff val="25000"/>
-                </a:schemeClr>
-              </a:solidFill>
-              <a:latin typeface="微软雅黑" pitchFamily="34" charset="-122"/>
-              <a:ea typeface="微软雅黑" pitchFamily="34" charset="-122"/>
-            </a:endParaRPr>
-          </a:p>
-          <a:p>
-            <a:pPr>
-              <a:lnSpc>
-                <a:spcPct val="150000"/>
-              </a:lnSpc>
-            </a:pPr>
-            <a:r>
-              <a:rPr lang="zh-CN" altLang="en-US" sz="2400" dirty="0" smtClean="0">
-                <a:solidFill>
-                  <a:schemeClr val="tx1">
-                    <a:lumMod val="75000"/>
-                    <a:lumOff val="25000"/>
-                  </a:schemeClr>
-                </a:solidFill>
-                <a:latin typeface="微软雅黑" pitchFamily="34" charset="-122"/>
-                <a:ea typeface="微软雅黑" pitchFamily="34" charset="-122"/>
-              </a:rPr>
-              <a:t>综合来看，就是匹配以字母开头的，之后跟随若干个非字母（其实就是坐标，也不</a:t>
-            </a:r>
-            <a:r>
-              <a:rPr lang="zh-CN" altLang="en-US" sz="2400" dirty="0" smtClean="0">
-                <a:solidFill>
-                  <a:schemeClr val="tx1">
-                    <a:lumMod val="75000"/>
-                    <a:lumOff val="25000"/>
-                  </a:schemeClr>
-                </a:solidFill>
-                <a:latin typeface="微软雅黑" pitchFamily="34" charset="-122"/>
-                <a:ea typeface="微软雅黑" pitchFamily="34" charset="-122"/>
-              </a:rPr>
-              <a:t>会有别的</a:t>
-            </a:r>
-            <a:r>
-              <a:rPr lang="zh-CN" altLang="en-US" sz="2400" dirty="0" smtClean="0">
-                <a:solidFill>
-                  <a:schemeClr val="tx1">
-                    <a:lumMod val="75000"/>
-                    <a:lumOff val="25000"/>
-                  </a:schemeClr>
-                </a:solidFill>
-                <a:latin typeface="微软雅黑" pitchFamily="34" charset="-122"/>
-                <a:ea typeface="微软雅黑" pitchFamily="34" charset="-122"/>
-              </a:rPr>
-              <a:t>）的指令</a:t>
+              <a:t>综合来看，就是匹配以字母开头的，之后跟随若干个非字母（其实就是坐标，也不会有别的）的指令</a:t>
             </a:r>
             <a:endParaRPr lang="en-US" altLang="zh-CN" sz="2400" dirty="0" smtClean="0">
               <a:solidFill>
@@ -15376,7 +16949,20 @@
                 <a:latin typeface="微软雅黑" pitchFamily="34" charset="-122"/>
                 <a:ea typeface="微软雅黑" pitchFamily="34" charset="-122"/>
               </a:rPr>
-              <a:t>表示或，满足</a:t>
+              <a:t>表示或，</a:t>
+            </a:r>
+            <a:r>
+              <a:rPr lang="zh-CN" altLang="en-US" sz="2400" dirty="0" smtClean="0">
+                <a:solidFill>
+                  <a:schemeClr val="tx1">
+                    <a:lumMod val="75000"/>
+                    <a:lumOff val="25000"/>
+                  </a:schemeClr>
+                </a:solidFill>
+                <a:latin typeface="微软雅黑" pitchFamily="34" charset="-122"/>
+                <a:ea typeface="微软雅黑" pitchFamily="34" charset="-122"/>
+              </a:rPr>
+              <a:t>满足 条件</a:t>
             </a:r>
             <a:r>
               <a:rPr lang="en-US" altLang="zh-CN" sz="2400" dirty="0" smtClean="0">
@@ -15389,20 +16975,33 @@
                 <a:latin typeface="微软雅黑" pitchFamily="34" charset="-122"/>
                 <a:ea typeface="微软雅黑" pitchFamily="34" charset="-122"/>
               </a:rPr>
-              <a:t>[a-</a:t>
-            </a:r>
-            <a:r>
-              <a:rPr lang="en-US" altLang="zh-CN" sz="2400" dirty="0" err="1" smtClean="0">
-                <a:solidFill>
-                  <a:schemeClr val="tx1">
-                    <a:lumMod val="75000"/>
-                    <a:lumOff val="25000"/>
-                  </a:schemeClr>
-                </a:solidFill>
-                <a:latin typeface="微软雅黑" pitchFamily="34" charset="-122"/>
-                <a:ea typeface="微软雅黑" pitchFamily="34" charset="-122"/>
-              </a:rPr>
-              <a:t>zA</a:t>
+              <a:t>A</a:t>
+            </a:r>
+            <a:r>
+              <a:rPr lang="zh-CN" altLang="en-US" sz="2400" b="1" dirty="0" smtClean="0">
+                <a:solidFill>
+                  <a:schemeClr val="tx1">
+                    <a:lumMod val="75000"/>
+                    <a:lumOff val="25000"/>
+                  </a:schemeClr>
+                </a:solidFill>
+                <a:latin typeface="微软雅黑" pitchFamily="34" charset="-122"/>
+                <a:ea typeface="微软雅黑" pitchFamily="34" charset="-122"/>
+              </a:rPr>
+              <a:t>或</a:t>
+            </a:r>
+            <a:r>
+              <a:rPr lang="zh-CN" altLang="en-US" sz="2400" dirty="0" smtClean="0">
+                <a:solidFill>
+                  <a:schemeClr val="tx1">
+                    <a:lumMod val="75000"/>
+                    <a:lumOff val="25000"/>
+                  </a:schemeClr>
+                </a:solidFill>
+                <a:latin typeface="微软雅黑" pitchFamily="34" charset="-122"/>
+                <a:ea typeface="微软雅黑" pitchFamily="34" charset="-122"/>
+              </a:rPr>
+              <a:t>条件</a:t>
             </a:r>
             <a:r>
               <a:rPr lang="en-US" altLang="zh-CN" sz="2400" dirty="0" smtClean="0">
@@ -15415,46 +17014,7 @@
                 <a:latin typeface="微软雅黑" pitchFamily="34" charset="-122"/>
                 <a:ea typeface="微软雅黑" pitchFamily="34" charset="-122"/>
               </a:rPr>
-              <a:t>-Z]</a:t>
-            </a:r>
-            <a:r>
-              <a:rPr lang="zh-CN" altLang="en-US" sz="2400" dirty="0" smtClean="0">
-                <a:solidFill>
-                  <a:schemeClr val="tx1">
-                    <a:lumMod val="75000"/>
-                    <a:lumOff val="25000"/>
-                  </a:schemeClr>
-                </a:solidFill>
-                <a:latin typeface="微软雅黑" pitchFamily="34" charset="-122"/>
-                <a:ea typeface="微软雅黑" pitchFamily="34" charset="-122"/>
-              </a:rPr>
-              <a:t>（</a:t>
-            </a:r>
-            <a:r>
-              <a:rPr lang="zh-CN" altLang="en-US" sz="2400" dirty="0">
-                <a:solidFill>
-                  <a:schemeClr val="tx1">
-                    <a:lumMod val="75000"/>
-                    <a:lumOff val="25000"/>
-                  </a:schemeClr>
-                </a:solidFill>
-                <a:latin typeface="微软雅黑" pitchFamily="34" charset="-122"/>
-                <a:ea typeface="微软雅黑" pitchFamily="34" charset="-122"/>
-              </a:rPr>
-              <a:t>一</a:t>
-            </a:r>
-            <a:r>
-              <a:rPr lang="zh-CN" altLang="en-US" sz="2400" dirty="0" smtClean="0">
-                <a:solidFill>
-                  <a:schemeClr val="tx1">
-                    <a:lumMod val="75000"/>
-                    <a:lumOff val="25000"/>
-                  </a:schemeClr>
-                </a:solidFill>
-                <a:latin typeface="微软雅黑" pitchFamily="34" charset="-122"/>
-                <a:ea typeface="微软雅黑" pitchFamily="34" charset="-122"/>
-              </a:rPr>
-              <a:t>个字母）或之后条件</a:t>
+              <a:t>B</a:t>
             </a:r>
             <a:endParaRPr lang="en-US" altLang="zh-CN" sz="2400" dirty="0" smtClean="0">
               <a:solidFill>
@@ -15549,7 +17109,33 @@
                 <a:latin typeface="微软雅黑" pitchFamily="34" charset="-122"/>
                 <a:ea typeface="微软雅黑" pitchFamily="34" charset="-122"/>
               </a:rPr>
-              <a:t>一个可能有的负号</a:t>
+              <a:t>一个可能</a:t>
+            </a:r>
+            <a:r>
+              <a:rPr lang="zh-CN" altLang="en-US" sz="2400" dirty="0" smtClean="0">
+                <a:solidFill>
+                  <a:schemeClr val="tx1">
+                    <a:lumMod val="75000"/>
+                    <a:lumOff val="25000"/>
+                  </a:schemeClr>
+                </a:solidFill>
+                <a:latin typeface="微软雅黑" pitchFamily="34" charset="-122"/>
+                <a:ea typeface="微软雅黑" pitchFamily="34" charset="-122"/>
+              </a:rPr>
+              <a:t>有（也可能没有）的</a:t>
+            </a:r>
+            <a:r>
+              <a:rPr lang="zh-CN" altLang="en-US" sz="2400" dirty="0" smtClean="0">
+                <a:solidFill>
+                  <a:schemeClr val="tx1">
+                    <a:lumMod val="75000"/>
+                    <a:lumOff val="25000"/>
+                  </a:schemeClr>
+                </a:solidFill>
+                <a:latin typeface="微软雅黑" pitchFamily="34" charset="-122"/>
+                <a:ea typeface="微软雅黑" pitchFamily="34" charset="-122"/>
+              </a:rPr>
+              <a:t>负号</a:t>
             </a:r>
             <a:endParaRPr lang="en-US" altLang="zh-CN" sz="2400" dirty="0" smtClean="0">
               <a:solidFill>
@@ -15618,7 +17204,46 @@
                 <a:latin typeface="微软雅黑" pitchFamily="34" charset="-122"/>
                 <a:ea typeface="微软雅黑" pitchFamily="34" charset="-122"/>
               </a:rPr>
-              <a:t>匹配除了字母，逗号，空白符号（</a:t>
+              <a:t>匹配</a:t>
+            </a:r>
+            <a:r>
+              <a:rPr lang="zh-CN" altLang="en-US" sz="2400" b="1" dirty="0" smtClean="0">
+                <a:solidFill>
+                  <a:schemeClr val="tx1">
+                    <a:lumMod val="75000"/>
+                    <a:lumOff val="25000"/>
+                  </a:schemeClr>
+                </a:solidFill>
+                <a:latin typeface="微软雅黑" pitchFamily="34" charset="-122"/>
+                <a:ea typeface="微软雅黑" pitchFamily="34" charset="-122"/>
+              </a:rPr>
+              <a:t>除</a:t>
+            </a:r>
+            <a:r>
+              <a:rPr lang="zh-CN" altLang="en-US" sz="2400" dirty="0" smtClean="0">
+                <a:solidFill>
+                  <a:schemeClr val="tx1">
+                    <a:lumMod val="75000"/>
+                    <a:lumOff val="25000"/>
+                  </a:schemeClr>
+                </a:solidFill>
+                <a:latin typeface="微软雅黑" pitchFamily="34" charset="-122"/>
+                <a:ea typeface="微软雅黑" pitchFamily="34" charset="-122"/>
+              </a:rPr>
+              <a:t>字母</a:t>
+            </a:r>
+            <a:r>
+              <a:rPr lang="zh-CN" altLang="en-US" sz="2400" dirty="0" smtClean="0">
+                <a:solidFill>
+                  <a:schemeClr val="tx1">
+                    <a:lumMod val="75000"/>
+                    <a:lumOff val="25000"/>
+                  </a:schemeClr>
+                </a:solidFill>
+                <a:latin typeface="微软雅黑" pitchFamily="34" charset="-122"/>
+                <a:ea typeface="微软雅黑" pitchFamily="34" charset="-122"/>
+              </a:rPr>
+              <a:t>，逗号，空白符号（</a:t>
             </a:r>
             <a:r>
               <a:rPr lang="en-US" altLang="zh-CN" sz="2400" dirty="0" smtClean="0">
@@ -15658,19 +17283,6 @@
                 <a:ea typeface="微软雅黑" pitchFamily="34" charset="-122"/>
               </a:rPr>
               <a:t>	</a:t>
-            </a:r>
-            <a:r>
-              <a:rPr lang="zh-CN" altLang="en-US" sz="2400" dirty="0" smtClean="0">
-                <a:solidFill>
-                  <a:schemeClr val="tx1">
-                    <a:lumMod val="75000"/>
-                    <a:lumOff val="25000"/>
-                  </a:schemeClr>
-                </a:solidFill>
-                <a:latin typeface="微软雅黑" pitchFamily="34" charset="-122"/>
-                <a:ea typeface="微软雅黑" pitchFamily="34" charset="-122"/>
-              </a:rPr>
-              <a:t>示），负号意外的其他字符</a:t>
             </a:r>
             <a:endParaRPr lang="en-US" altLang="zh-CN" sz="2400" dirty="0" smtClean="0">
               <a:solidFill>
@@ -15690,17 +17302,17 @@
               </a:lnSpc>
             </a:pPr>
             <a:r>
-              <a:rPr lang="en-US" altLang="zh-CN" sz="2400" b="1" dirty="0" smtClean="0">
-                <a:solidFill>
-                  <a:schemeClr val="tx1">
-                    <a:lumMod val="75000"/>
-                    <a:lumOff val="25000"/>
-                  </a:schemeClr>
-                </a:solidFill>
-                <a:latin typeface="微软雅黑" pitchFamily="34" charset="-122"/>
-                <a:ea typeface="微软雅黑" pitchFamily="34" charset="-122"/>
-              </a:rPr>
-              <a:t>+</a:t>
+              <a:rPr lang="en-US" altLang="zh-CN" sz="2400" dirty="0">
+                <a:solidFill>
+                  <a:schemeClr val="tx1">
+                    <a:lumMod val="75000"/>
+                    <a:lumOff val="25000"/>
+                  </a:schemeClr>
+                </a:solidFill>
+                <a:latin typeface="微软雅黑" pitchFamily="34" charset="-122"/>
+                <a:ea typeface="微软雅黑" pitchFamily="34" charset="-122"/>
+              </a:rPr>
+              <a:t>	</a:t>
             </a:r>
             <a:r>
               <a:rPr lang="en-US" altLang="zh-CN" sz="2400" dirty="0" smtClean="0">
@@ -15713,7 +17325,7 @@
                 <a:latin typeface="微软雅黑" pitchFamily="34" charset="-122"/>
                 <a:ea typeface="微软雅黑" pitchFamily="34" charset="-122"/>
               </a:rPr>
-              <a:t>	</a:t>
+              <a:t>	     </a:t>
             </a:r>
             <a:r>
               <a:rPr lang="zh-CN" altLang="en-US" sz="2400" dirty="0" smtClean="0">
@@ -15726,20 +17338,7 @@
                 <a:latin typeface="微软雅黑" pitchFamily="34" charset="-122"/>
                 <a:ea typeface="微软雅黑" pitchFamily="34" charset="-122"/>
               </a:rPr>
-              <a:t>匹配</a:t>
-            </a:r>
-            <a:r>
-              <a:rPr lang="en-US" altLang="zh-CN" sz="2400" dirty="0" smtClean="0">
-                <a:solidFill>
-                  <a:schemeClr val="tx1">
-                    <a:lumMod val="75000"/>
-                    <a:lumOff val="25000"/>
-                  </a:schemeClr>
-                </a:solidFill>
-                <a:latin typeface="微软雅黑" pitchFamily="34" charset="-122"/>
-                <a:ea typeface="微软雅黑" pitchFamily="34" charset="-122"/>
-              </a:rPr>
-              <a:t>1</a:t>
+              <a:t>示</a:t>
             </a:r>
             <a:r>
               <a:rPr lang="zh-CN" altLang="en-US" sz="2400" dirty="0" smtClean="0">
@@ -15752,7 +17351,46 @@
                 <a:latin typeface="微软雅黑" pitchFamily="34" charset="-122"/>
                 <a:ea typeface="微软雅黑" pitchFamily="34" charset="-122"/>
               </a:rPr>
-              <a:t>个或者多个这样的字符</a:t>
+              <a:t>），</a:t>
+            </a:r>
+            <a:r>
+              <a:rPr lang="zh-CN" altLang="en-US" sz="2400" dirty="0" smtClean="0">
+                <a:solidFill>
+                  <a:schemeClr val="tx1">
+                    <a:lumMod val="75000"/>
+                    <a:lumOff val="25000"/>
+                  </a:schemeClr>
+                </a:solidFill>
+                <a:latin typeface="微软雅黑" pitchFamily="34" charset="-122"/>
+                <a:ea typeface="微软雅黑" pitchFamily="34" charset="-122"/>
+              </a:rPr>
+              <a:t>负号</a:t>
+            </a:r>
+            <a:r>
+              <a:rPr lang="zh-CN" altLang="en-US" sz="2400" b="1" dirty="0" smtClean="0">
+                <a:solidFill>
+                  <a:schemeClr val="tx1">
+                    <a:lumMod val="75000"/>
+                    <a:lumOff val="25000"/>
+                  </a:schemeClr>
+                </a:solidFill>
+                <a:latin typeface="微软雅黑" pitchFamily="34" charset="-122"/>
+                <a:ea typeface="微软雅黑" pitchFamily="34" charset="-122"/>
+              </a:rPr>
+              <a:t>之外</a:t>
+            </a:r>
+            <a:r>
+              <a:rPr lang="zh-CN" altLang="en-US" sz="2400" dirty="0" smtClean="0">
+                <a:solidFill>
+                  <a:schemeClr val="tx1">
+                    <a:lumMod val="75000"/>
+                    <a:lumOff val="25000"/>
+                  </a:schemeClr>
+                </a:solidFill>
+                <a:latin typeface="微软雅黑" pitchFamily="34" charset="-122"/>
+                <a:ea typeface="微软雅黑" pitchFamily="34" charset="-122"/>
+              </a:rPr>
+              <a:t>的其他字符</a:t>
             </a:r>
             <a:endParaRPr lang="en-US" altLang="zh-CN" sz="2400" dirty="0" smtClean="0">
               <a:solidFill>
@@ -15772,6 +17410,101 @@
               </a:lnSpc>
             </a:pPr>
             <a:r>
+              <a:rPr lang="en-US" altLang="zh-CN" sz="2400" b="1" dirty="0" smtClean="0">
+                <a:solidFill>
+                  <a:schemeClr val="tx1">
+                    <a:lumMod val="75000"/>
+                    <a:lumOff val="25000"/>
+                  </a:schemeClr>
+                </a:solidFill>
+                <a:latin typeface="微软雅黑" pitchFamily="34" charset="-122"/>
+                <a:ea typeface="微软雅黑" pitchFamily="34" charset="-122"/>
+              </a:rPr>
+              <a:t>+</a:t>
+            </a:r>
+            <a:r>
+              <a:rPr lang="en-US" altLang="zh-CN" sz="2400" dirty="0" smtClean="0">
+                <a:solidFill>
+                  <a:schemeClr val="tx1">
+                    <a:lumMod val="75000"/>
+                    <a:lumOff val="25000"/>
+                  </a:schemeClr>
+                </a:solidFill>
+                <a:latin typeface="微软雅黑" pitchFamily="34" charset="-122"/>
+                <a:ea typeface="微软雅黑" pitchFamily="34" charset="-122"/>
+              </a:rPr>
+              <a:t>	</a:t>
+            </a:r>
+            <a:r>
+              <a:rPr lang="zh-CN" altLang="en-US" sz="2400" dirty="0" smtClean="0">
+                <a:solidFill>
+                  <a:schemeClr val="tx1">
+                    <a:lumMod val="75000"/>
+                    <a:lumOff val="25000"/>
+                  </a:schemeClr>
+                </a:solidFill>
+                <a:latin typeface="微软雅黑" pitchFamily="34" charset="-122"/>
+                <a:ea typeface="微软雅黑" pitchFamily="34" charset="-122"/>
+              </a:rPr>
+              <a:t>匹配</a:t>
+            </a:r>
+            <a:r>
+              <a:rPr lang="en-US" altLang="zh-CN" sz="2400" dirty="0" smtClean="0">
+                <a:solidFill>
+                  <a:schemeClr val="tx1">
+                    <a:lumMod val="75000"/>
+                    <a:lumOff val="25000"/>
+                  </a:schemeClr>
+                </a:solidFill>
+                <a:latin typeface="微软雅黑" pitchFamily="34" charset="-122"/>
+                <a:ea typeface="微软雅黑" pitchFamily="34" charset="-122"/>
+              </a:rPr>
+              <a:t>1</a:t>
+            </a:r>
+            <a:r>
+              <a:rPr lang="zh-CN" altLang="en-US" sz="2400" dirty="0" smtClean="0">
+                <a:solidFill>
+                  <a:schemeClr val="tx1">
+                    <a:lumMod val="75000"/>
+                    <a:lumOff val="25000"/>
+                  </a:schemeClr>
+                </a:solidFill>
+                <a:latin typeface="微软雅黑" pitchFamily="34" charset="-122"/>
+                <a:ea typeface="微软雅黑" pitchFamily="34" charset="-122"/>
+              </a:rPr>
+              <a:t>个或者多</a:t>
+            </a:r>
+            <a:r>
+              <a:rPr lang="zh-CN" altLang="en-US" sz="2400" dirty="0" smtClean="0">
+                <a:solidFill>
+                  <a:schemeClr val="tx1">
+                    <a:lumMod val="75000"/>
+                    <a:lumOff val="25000"/>
+                  </a:schemeClr>
+                </a:solidFill>
+                <a:latin typeface="微软雅黑" pitchFamily="34" charset="-122"/>
+                <a:ea typeface="微软雅黑" pitchFamily="34" charset="-122"/>
+              </a:rPr>
+              <a:t>个</a:t>
+            </a:r>
+            <a:endParaRPr lang="en-US" altLang="zh-CN" sz="2400" dirty="0" smtClean="0">
+              <a:solidFill>
+                <a:schemeClr val="tx1">
+                  <a:lumMod val="75000"/>
+                  <a:lumOff val="25000"/>
+                </a:schemeClr>
+              </a:solidFill>
+              <a:latin typeface="微软雅黑" pitchFamily="34" charset="-122"/>
+              <a:ea typeface="微软雅黑" pitchFamily="34" charset="-122"/>
+            </a:endParaRPr>
+          </a:p>
+          <a:p>
+            <a:pPr>
+              <a:lnSpc>
+                <a:spcPct val="150000"/>
+              </a:lnSpc>
+            </a:pPr>
+            <a:r>
               <a:rPr lang="zh-CN" altLang="en-US" sz="2400" dirty="0" smtClean="0">
                 <a:solidFill>
                   <a:schemeClr val="tx1">
@@ -15890,7 +17623,72 @@
                 <a:latin typeface="微软雅黑" pitchFamily="34" charset="-122"/>
                 <a:ea typeface="微软雅黑" pitchFamily="34" charset="-122"/>
               </a:rPr>
-              <a:t>随便找个一指令进行测试，结果如下：</a:t>
+              <a:t>随便找个</a:t>
+            </a:r>
+            <a:r>
+              <a:rPr lang="zh-CN" altLang="en-US" sz="2400" dirty="0" smtClean="0">
+                <a:solidFill>
+                  <a:schemeClr val="tx1">
+                    <a:lumMod val="75000"/>
+                    <a:lumOff val="25000"/>
+                  </a:schemeClr>
+                </a:solidFill>
+                <a:latin typeface="微软雅黑" pitchFamily="34" charset="-122"/>
+                <a:ea typeface="微软雅黑" pitchFamily="34" charset="-122"/>
+              </a:rPr>
+              <a:t>一</a:t>
+            </a:r>
+            <a:r>
+              <a:rPr lang="en-US" altLang="zh-CN" sz="2400" dirty="0" smtClean="0">
+                <a:solidFill>
+                  <a:schemeClr val="tx1">
+                    <a:lumMod val="75000"/>
+                    <a:lumOff val="25000"/>
+                  </a:schemeClr>
+                </a:solidFill>
+                <a:latin typeface="微软雅黑" pitchFamily="34" charset="-122"/>
+                <a:ea typeface="微软雅黑" pitchFamily="34" charset="-122"/>
+              </a:rPr>
+              <a:t>&lt;path&gt;</a:t>
+            </a:r>
+            <a:r>
+              <a:rPr lang="zh-CN" altLang="en-US" sz="2400" dirty="0" smtClean="0">
+                <a:solidFill>
+                  <a:schemeClr val="tx1">
+                    <a:lumMod val="75000"/>
+                    <a:lumOff val="25000"/>
+                  </a:schemeClr>
+                </a:solidFill>
+                <a:latin typeface="微软雅黑" pitchFamily="34" charset="-122"/>
+                <a:ea typeface="微软雅黑" pitchFamily="34" charset="-122"/>
+              </a:rPr>
+              <a:t>碎片</a:t>
+            </a:r>
+            <a:r>
+              <a:rPr lang="zh-CN" altLang="en-US" sz="2400" dirty="0" smtClean="0">
+                <a:solidFill>
+                  <a:schemeClr val="tx1">
+                    <a:lumMod val="75000"/>
+                    <a:lumOff val="25000"/>
+                  </a:schemeClr>
+                </a:solidFill>
+                <a:latin typeface="微软雅黑" pitchFamily="34" charset="-122"/>
+                <a:ea typeface="微软雅黑" pitchFamily="34" charset="-122"/>
+              </a:rPr>
+              <a:t>进行</a:t>
+            </a:r>
+            <a:r>
+              <a:rPr lang="zh-CN" altLang="en-US" sz="2400" dirty="0" smtClean="0">
+                <a:solidFill>
+                  <a:schemeClr val="tx1">
+                    <a:lumMod val="75000"/>
+                    <a:lumOff val="25000"/>
+                  </a:schemeClr>
+                </a:solidFill>
+                <a:latin typeface="微软雅黑" pitchFamily="34" charset="-122"/>
+                <a:ea typeface="微软雅黑" pitchFamily="34" charset="-122"/>
+              </a:rPr>
+              <a:t>测试，结果如下：</a:t>
             </a:r>
             <a:endParaRPr lang="en-US" altLang="zh-CN" sz="2400" dirty="0" smtClean="0">
               <a:solidFill>
@@ -16098,6 +17896,19 @@
               </a:lnSpc>
             </a:pPr>
             <a:r>
+              <a:rPr lang="zh-CN" altLang="en-US" sz="2000" dirty="0">
+                <a:solidFill>
+                  <a:schemeClr val="tx1">
+                    <a:lumMod val="75000"/>
+                    <a:lumOff val="25000"/>
+                  </a:schemeClr>
+                </a:solidFill>
+                <a:latin typeface="微软雅黑" pitchFamily="34" charset="-122"/>
+                <a:ea typeface="微软雅黑" pitchFamily="34" charset="-122"/>
+              </a:rPr>
+              <a:t>每个</a:t>
+            </a:r>
+            <a:r>
               <a:rPr lang="zh-CN" altLang="en-US" sz="2000" dirty="0" smtClean="0">
                 <a:solidFill>
                   <a:schemeClr val="tx1">
@@ -16108,7 +17919,33 @@
                 <a:latin typeface="微软雅黑" pitchFamily="34" charset="-122"/>
                 <a:ea typeface="微软雅黑" pitchFamily="34" charset="-122"/>
               </a:rPr>
-              <a:t>单个指令被拆分成指令字符，和坐标的数组</a:t>
+              <a:t>指令</a:t>
+            </a:r>
+            <a:r>
+              <a:rPr lang="zh-CN" altLang="en-US" sz="2000" dirty="0" smtClean="0">
+                <a:solidFill>
+                  <a:schemeClr val="tx1">
+                    <a:lumMod val="75000"/>
+                    <a:lumOff val="25000"/>
+                  </a:schemeClr>
+                </a:solidFill>
+                <a:latin typeface="微软雅黑" pitchFamily="34" charset="-122"/>
+                <a:ea typeface="微软雅黑" pitchFamily="34" charset="-122"/>
+              </a:rPr>
+              <a:t>被拆分</a:t>
+            </a:r>
+            <a:r>
+              <a:rPr lang="zh-CN" altLang="en-US" sz="2000" dirty="0" smtClean="0">
+                <a:solidFill>
+                  <a:schemeClr val="tx1">
+                    <a:lumMod val="75000"/>
+                    <a:lumOff val="25000"/>
+                  </a:schemeClr>
+                </a:solidFill>
+                <a:latin typeface="微软雅黑" pitchFamily="34" charset="-122"/>
+                <a:ea typeface="微软雅黑" pitchFamily="34" charset="-122"/>
+              </a:rPr>
+              <a:t>成单个数据（指令字母和坐标）</a:t>
             </a:r>
             <a:endParaRPr lang="en-US" altLang="zh-CN" sz="2000" dirty="0">
               <a:solidFill>
@@ -16346,7 +18183,33 @@
                 <a:latin typeface="微软雅黑" pitchFamily="34" charset="-122"/>
                 <a:ea typeface="微软雅黑" pitchFamily="34" charset="-122"/>
               </a:rPr>
-              <a:t>最后我们说说动画的总体控制，点击鼠标的时，判断动画是否在运行，如果未运行，启动动画</a:t>
+              <a:t>最后我们说说动画的总体控制</a:t>
+            </a:r>
+            <a:r>
+              <a:rPr lang="zh-CN" altLang="en-US" sz="2400" dirty="0" smtClean="0">
+                <a:solidFill>
+                  <a:schemeClr val="tx1">
+                    <a:lumMod val="75000"/>
+                    <a:lumOff val="25000"/>
+                  </a:schemeClr>
+                </a:solidFill>
+                <a:latin typeface="微软雅黑" pitchFamily="34" charset="-122"/>
+                <a:ea typeface="微软雅黑" pitchFamily="34" charset="-122"/>
+              </a:rPr>
+              <a:t>，鼠标点击文本时</a:t>
+            </a:r>
+            <a:r>
+              <a:rPr lang="zh-CN" altLang="en-US" sz="2400" dirty="0" smtClean="0">
+                <a:solidFill>
+                  <a:schemeClr val="tx1">
+                    <a:lumMod val="75000"/>
+                    <a:lumOff val="25000"/>
+                  </a:schemeClr>
+                </a:solidFill>
+                <a:latin typeface="微软雅黑" pitchFamily="34" charset="-122"/>
+                <a:ea typeface="微软雅黑" pitchFamily="34" charset="-122"/>
+              </a:rPr>
+              <a:t>，判断动画是否在运行，如果未运行，启动动画</a:t>
             </a:r>
             <a:r>
               <a:rPr lang="en-US" altLang="zh-CN" sz="2400" dirty="0" smtClean="0">
@@ -16372,7 +18235,85 @@
                 <a:latin typeface="微软雅黑" pitchFamily="34" charset="-122"/>
                 <a:ea typeface="微软雅黑" pitchFamily="34" charset="-122"/>
               </a:rPr>
-              <a:t>动画正向（爆炸）运行结束，反向（聚合）运行，最后进入等待下一次点击启动的状态。整个动画通过状态计数器控制，未运行为</a:t>
+              <a:t>动画正向（爆炸）</a:t>
+            </a:r>
+            <a:r>
+              <a:rPr lang="zh-CN" altLang="en-US" sz="2400" dirty="0" smtClean="0">
+                <a:solidFill>
+                  <a:schemeClr val="tx1">
+                    <a:lumMod val="75000"/>
+                    <a:lumOff val="25000"/>
+                  </a:schemeClr>
+                </a:solidFill>
+                <a:latin typeface="微软雅黑" pitchFamily="34" charset="-122"/>
+                <a:ea typeface="微软雅黑" pitchFamily="34" charset="-122"/>
+              </a:rPr>
+              <a:t>运行，结束后，反向</a:t>
+            </a:r>
+            <a:r>
+              <a:rPr lang="zh-CN" altLang="en-US" sz="2400" dirty="0" smtClean="0">
+                <a:solidFill>
+                  <a:schemeClr val="tx1">
+                    <a:lumMod val="75000"/>
+                    <a:lumOff val="25000"/>
+                  </a:schemeClr>
+                </a:solidFill>
+                <a:latin typeface="微软雅黑" pitchFamily="34" charset="-122"/>
+                <a:ea typeface="微软雅黑" pitchFamily="34" charset="-122"/>
+              </a:rPr>
+              <a:t>（聚合）运行，最后进入</a:t>
+            </a:r>
+            <a:r>
+              <a:rPr lang="zh-CN" altLang="en-US" sz="2400" dirty="0" smtClean="0">
+                <a:solidFill>
+                  <a:schemeClr val="tx1">
+                    <a:lumMod val="75000"/>
+                    <a:lumOff val="25000"/>
+                  </a:schemeClr>
+                </a:solidFill>
+                <a:latin typeface="微软雅黑" pitchFamily="34" charset="-122"/>
+                <a:ea typeface="微软雅黑" pitchFamily="34" charset="-122"/>
+              </a:rPr>
+              <a:t>等待阶段，等待下</a:t>
+            </a:r>
+            <a:r>
+              <a:rPr lang="zh-CN" altLang="en-US" sz="2400" dirty="0" smtClean="0">
+                <a:solidFill>
+                  <a:schemeClr val="tx1">
+                    <a:lumMod val="75000"/>
+                    <a:lumOff val="25000"/>
+                  </a:schemeClr>
+                </a:solidFill>
+                <a:latin typeface="微软雅黑" pitchFamily="34" charset="-122"/>
+                <a:ea typeface="微软雅黑" pitchFamily="34" charset="-122"/>
+              </a:rPr>
+              <a:t>一次</a:t>
+            </a:r>
+            <a:r>
+              <a:rPr lang="zh-CN" altLang="en-US" sz="2400" dirty="0" smtClean="0">
+                <a:solidFill>
+                  <a:schemeClr val="tx1">
+                    <a:lumMod val="75000"/>
+                    <a:lumOff val="25000"/>
+                  </a:schemeClr>
+                </a:solidFill>
+                <a:latin typeface="微软雅黑" pitchFamily="34" charset="-122"/>
+                <a:ea typeface="微软雅黑" pitchFamily="34" charset="-122"/>
+              </a:rPr>
+              <a:t>点击。</a:t>
+            </a:r>
+            <a:r>
+              <a:rPr lang="zh-CN" altLang="en-US" sz="2400" dirty="0" smtClean="0">
+                <a:solidFill>
+                  <a:schemeClr val="tx1">
+                    <a:lumMod val="75000"/>
+                    <a:lumOff val="25000"/>
+                  </a:schemeClr>
+                </a:solidFill>
+                <a:latin typeface="微软雅黑" pitchFamily="34" charset="-122"/>
+                <a:ea typeface="微软雅黑" pitchFamily="34" charset="-122"/>
+              </a:rPr>
+              <a:t>整个动画通过状态计数器控制，未运行为</a:t>
             </a:r>
             <a:r>
               <a:rPr lang="en-US" altLang="zh-CN" sz="2400" dirty="0" smtClean="0">
@@ -16528,7 +18469,33 @@
                 <a:latin typeface="微软雅黑" pitchFamily="34" charset="-122"/>
                 <a:ea typeface="微软雅黑" pitchFamily="34" charset="-122"/>
               </a:rPr>
-              <a:t>函数管理，点击，动画运行结束，都会调用该函数来更改状态计数器，进而推动动画的状态改变</a:t>
+              <a:t>函数管理，点击，动画运行结束，都会调用该函数来更改状态计数器，进而推动动画的</a:t>
+            </a:r>
+            <a:r>
+              <a:rPr lang="zh-CN" altLang="en-US" sz="2400" dirty="0" smtClean="0">
+                <a:solidFill>
+                  <a:schemeClr val="tx1">
+                    <a:lumMod val="75000"/>
+                    <a:lumOff val="25000"/>
+                  </a:schemeClr>
+                </a:solidFill>
+                <a:latin typeface="微软雅黑" pitchFamily="34" charset="-122"/>
+                <a:ea typeface="微软雅黑" pitchFamily="34" charset="-122"/>
+              </a:rPr>
+              <a:t>状态</a:t>
+            </a:r>
+            <a:r>
+              <a:rPr lang="zh-CN" altLang="en-US" sz="2400" dirty="0">
+                <a:solidFill>
+                  <a:schemeClr val="tx1">
+                    <a:lumMod val="75000"/>
+                    <a:lumOff val="25000"/>
+                  </a:schemeClr>
+                </a:solidFill>
+                <a:latin typeface="微软雅黑" pitchFamily="34" charset="-122"/>
+                <a:ea typeface="微软雅黑" pitchFamily="34" charset="-122"/>
+              </a:rPr>
+              <a:t>切换</a:t>
             </a:r>
             <a:r>
               <a:rPr lang="en-US" altLang="zh-CN" sz="2400" dirty="0" smtClean="0">
@@ -16676,7 +18643,7 @@
               </a:lnSpc>
             </a:pPr>
             <a:r>
-              <a:rPr lang="zh-CN" altLang="en-US" sz="2000" dirty="0" smtClean="0">
+              <a:rPr lang="zh-CN" altLang="en-US" sz="2000" b="1" dirty="0" smtClean="0">
                 <a:solidFill>
                   <a:schemeClr val="tx1">
                     <a:lumMod val="75000"/>
@@ -16688,7 +18655,7 @@
               </a:rPr>
               <a:t>点击后，尝试启动动画</a:t>
             </a:r>
-            <a:endParaRPr lang="en-US" altLang="zh-CN" sz="2000" dirty="0">
+            <a:endParaRPr lang="en-US" altLang="zh-CN" sz="2000" b="1" dirty="0">
               <a:solidFill>
                 <a:schemeClr val="tx1">
                   <a:lumMod val="75000"/>
@@ -16882,7 +18849,7 @@
               </a:lnSpc>
             </a:pPr>
             <a:r>
-              <a:rPr lang="zh-CN" altLang="en-US" sz="2000" dirty="0" smtClean="0">
+              <a:rPr lang="zh-CN" altLang="en-US" sz="2000" b="1" dirty="0" smtClean="0">
                 <a:solidFill>
                   <a:schemeClr val="tx1">
                     <a:lumMod val="75000"/>
@@ -16894,7 +18861,7 @@
               </a:rPr>
               <a:t>启动动画</a:t>
             </a:r>
-            <a:endParaRPr lang="en-US" altLang="zh-CN" sz="2000" dirty="0">
+            <a:endParaRPr lang="en-US" altLang="zh-CN" sz="2000" b="1" dirty="0">
               <a:solidFill>
                 <a:schemeClr val="tx1">
                   <a:lumMod val="75000"/>
@@ -17190,7 +19157,7 @@
         <p:spPr>
           <a:xfrm>
             <a:off x="2051720" y="260648"/>
-            <a:ext cx="1368152" cy="504056"/>
+            <a:ext cx="1872208" cy="504056"/>
           </a:xfrm>
           <a:prstGeom prst="wedgeRoundRectCallout">
             <a:avLst>
@@ -17224,19 +19191,19 @@
               </a:lnSpc>
             </a:pPr>
             <a:r>
-              <a:rPr lang="zh-CN" altLang="en-US" sz="2000" dirty="0" smtClean="0">
-                <a:solidFill>
-                  <a:schemeClr val="tx1">
-                    <a:lumMod val="75000"/>
-                    <a:lumOff val="25000"/>
-                  </a:schemeClr>
-                </a:solidFill>
-                <a:latin typeface="微软雅黑" pitchFamily="34" charset="-122"/>
-                <a:ea typeface="微软雅黑" pitchFamily="34" charset="-122"/>
-              </a:rPr>
-              <a:t>启动动画</a:t>
-            </a:r>
-            <a:endParaRPr lang="en-US" altLang="zh-CN" sz="2000" dirty="0">
+              <a:rPr lang="zh-CN" altLang="en-US" sz="2000" b="1" dirty="0" smtClean="0">
+                <a:solidFill>
+                  <a:schemeClr val="tx1">
+                    <a:lumMod val="75000"/>
+                    <a:lumOff val="25000"/>
+                  </a:schemeClr>
+                </a:solidFill>
+                <a:latin typeface="微软雅黑" pitchFamily="34" charset="-122"/>
+                <a:ea typeface="微软雅黑" pitchFamily="34" charset="-122"/>
+              </a:rPr>
+              <a:t>动画状态切换</a:t>
+            </a:r>
+            <a:endParaRPr lang="en-US" altLang="zh-CN" sz="2000" b="1" dirty="0">
               <a:solidFill>
                 <a:schemeClr val="tx1">
                   <a:lumMod val="75000"/>
@@ -17480,6 +19447,140 @@
 </file>
 
 <file path=ppt/slides/slide38.xml><?xml version="1.0" encoding="utf-8"?>
+<p:sld xmlns:a="http://schemas.openxmlformats.org/drawingml/2006/main" xmlns:r="http://schemas.openxmlformats.org/officeDocument/2006/relationships" xmlns:p="http://schemas.openxmlformats.org/presentationml/2006/main">
+  <p:cSld>
+    <p:spTree>
+      <p:nvGrpSpPr>
+        <p:cNvPr id="1" name=""/>
+        <p:cNvGrpSpPr/>
+        <p:nvPr/>
+      </p:nvGrpSpPr>
+      <p:grpSpPr>
+        <a:xfrm>
+          <a:off x="0" y="0"/>
+          <a:ext cx="0" cy="0"/>
+          <a:chOff x="0" y="0"/>
+          <a:chExt cx="0" cy="0"/>
+        </a:xfrm>
+      </p:grpSpPr>
+      <p:pic>
+        <p:nvPicPr>
+          <p:cNvPr id="2" name="图片 1" descr="屏幕剪辑"/>
+          <p:cNvPicPr>
+            <a:picLocks noChangeAspect="1"/>
+          </p:cNvPicPr>
+          <p:nvPr/>
+        </p:nvPicPr>
+        <p:blipFill>
+          <a:blip r:embed="rId2">
+            <a:extLst>
+              <a:ext uri="{28A0092B-C50C-407E-A947-70E740481C1C}">
+                <a14:useLocalDpi xmlns:a14="http://schemas.microsoft.com/office/drawing/2010/main" val="0"/>
+              </a:ext>
+            </a:extLst>
+          </a:blip>
+          <a:stretch>
+            <a:fillRect/>
+          </a:stretch>
+        </p:blipFill>
+        <p:spPr>
+          <a:xfrm>
+            <a:off x="1691680" y="1052736"/>
+            <a:ext cx="3600953" cy="1333686"/>
+          </a:xfrm>
+          <a:prstGeom prst="rect">
+            <a:avLst/>
+          </a:prstGeom>
+          <a:ln>
+            <a:noFill/>
+          </a:ln>
+          <a:effectLst>
+            <a:softEdge rad="112500"/>
+          </a:effectLst>
+        </p:spPr>
+      </p:pic>
+      <p:sp>
+        <p:nvSpPr>
+          <p:cNvPr id="3" name="圆角矩形标注 2"/>
+          <p:cNvSpPr/>
+          <p:nvPr/>
+        </p:nvSpPr>
+        <p:spPr>
+          <a:xfrm>
+            <a:off x="2411760" y="548680"/>
+            <a:ext cx="1656184" cy="504056"/>
+          </a:xfrm>
+          <a:prstGeom prst="wedgeRoundRectCallout">
+            <a:avLst>
+              <a:gd name="adj1" fmla="val 17242"/>
+              <a:gd name="adj2" fmla="val 73291"/>
+              <a:gd name="adj3" fmla="val 16667"/>
+            </a:avLst>
+          </a:prstGeom>
+        </p:spPr>
+        <p:style>
+          <a:lnRef idx="2">
+            <a:schemeClr val="accent6"/>
+          </a:lnRef>
+          <a:fillRef idx="1">
+            <a:schemeClr val="lt1"/>
+          </a:fillRef>
+          <a:effectRef idx="0">
+            <a:schemeClr val="accent6"/>
+          </a:effectRef>
+          <a:fontRef idx="minor">
+            <a:schemeClr val="dk1"/>
+          </a:fontRef>
+        </p:style>
+        <p:txBody>
+          <a:bodyPr rtlCol="0" anchor="ctr"/>
+          <a:lstStyle/>
+          <a:p>
+            <a:pPr>
+              <a:lnSpc>
+                <a:spcPct val="150000"/>
+              </a:lnSpc>
+            </a:pPr>
+            <a:r>
+              <a:rPr lang="zh-CN" altLang="en-US" sz="2000" b="1" dirty="0" smtClean="0">
+                <a:solidFill>
+                  <a:schemeClr val="tx1">
+                    <a:lumMod val="75000"/>
+                    <a:lumOff val="25000"/>
+                  </a:schemeClr>
+                </a:solidFill>
+                <a:latin typeface="微软雅黑" pitchFamily="34" charset="-122"/>
+                <a:ea typeface="微软雅黑" pitchFamily="34" charset="-122"/>
+              </a:rPr>
+              <a:t>大功告成！</a:t>
+            </a:r>
+            <a:endParaRPr lang="en-US" altLang="zh-CN" sz="2000" b="1" dirty="0">
+              <a:solidFill>
+                <a:schemeClr val="tx1">
+                  <a:lumMod val="75000"/>
+                  <a:lumOff val="25000"/>
+                </a:schemeClr>
+              </a:solidFill>
+              <a:latin typeface="微软雅黑" pitchFamily="34" charset="-122"/>
+              <a:ea typeface="微软雅黑" pitchFamily="34" charset="-122"/>
+            </a:endParaRPr>
+          </a:p>
+        </p:txBody>
+      </p:sp>
+    </p:spTree>
+    <p:extLst>
+      <p:ext uri="{BB962C8B-B14F-4D97-AF65-F5344CB8AC3E}">
+        <p14:creationId xmlns:p14="http://schemas.microsoft.com/office/powerpoint/2010/main" val="800652931"/>
+      </p:ext>
+    </p:extLst>
+  </p:cSld>
+  <p:clrMapOvr>
+    <a:masterClrMapping/>
+  </p:clrMapOvr>
+</p:sld>
+</file>
+
+<file path=ppt/slides/slide39.xml><?xml version="1.0" encoding="utf-8"?>
 <p:sld xmlns:a="http://schemas.openxmlformats.org/drawingml/2006/main" xmlns:r="http://schemas.openxmlformats.org/officeDocument/2006/relationships" xmlns:p="http://schemas.openxmlformats.org/presentationml/2006/main">
   <p:cSld>
     <p:spTree>
@@ -18391,7 +20492,33 @@
                 <a:latin typeface="微软雅黑" pitchFamily="34" charset="-122"/>
                 <a:ea typeface="微软雅黑" pitchFamily="34" charset="-122"/>
               </a:rPr>
-              <a:t>，这个过程比较复杂，但能获得</a:t>
+              <a:t>，这个过程</a:t>
+            </a:r>
+            <a:r>
+              <a:rPr lang="zh-CN" altLang="en-US" sz="2400" b="1" dirty="0" smtClean="0">
+                <a:solidFill>
+                  <a:schemeClr val="tx1">
+                    <a:lumMod val="75000"/>
+                    <a:lumOff val="25000"/>
+                  </a:schemeClr>
+                </a:solidFill>
+                <a:latin typeface="微软雅黑" pitchFamily="34" charset="-122"/>
+                <a:ea typeface="微软雅黑" pitchFamily="34" charset="-122"/>
+              </a:rPr>
+              <a:t>比较复杂</a:t>
+            </a:r>
+            <a:r>
+              <a:rPr lang="zh-CN" altLang="en-US" sz="2400" dirty="0" smtClean="0">
+                <a:solidFill>
+                  <a:schemeClr val="tx1">
+                    <a:lumMod val="75000"/>
+                    <a:lumOff val="25000"/>
+                  </a:schemeClr>
+                </a:solidFill>
+                <a:latin typeface="微软雅黑" pitchFamily="34" charset="-122"/>
+                <a:ea typeface="微软雅黑" pitchFamily="34" charset="-122"/>
+              </a:rPr>
+              <a:t>，但能获得</a:t>
             </a:r>
             <a:r>
               <a:rPr lang="zh-CN" altLang="en-US" sz="2400" b="1" dirty="0" smtClean="0">
@@ -18568,33 +20695,7 @@
                 <a:latin typeface="微软雅黑" pitchFamily="34" charset="-122"/>
                 <a:ea typeface="微软雅黑" pitchFamily="34" charset="-122"/>
               </a:rPr>
-              <a:t>制作</a:t>
-            </a:r>
-            <a:r>
-              <a:rPr lang="zh-CN" altLang="en-US" sz="2400" b="1" dirty="0" smtClean="0">
-                <a:solidFill>
-                  <a:schemeClr val="tx1">
-                    <a:lumMod val="75000"/>
-                    <a:lumOff val="25000"/>
-                  </a:schemeClr>
-                </a:solidFill>
-                <a:latin typeface="微软雅黑" pitchFamily="34" charset="-122"/>
-                <a:ea typeface="微软雅黑" pitchFamily="34" charset="-122"/>
-              </a:rPr>
-              <a:t>文本</a:t>
-            </a:r>
-            <a:r>
-              <a:rPr lang="zh-CN" altLang="en-US" sz="2400" b="1" dirty="0" smtClean="0">
-                <a:solidFill>
-                  <a:schemeClr val="tx1">
-                    <a:lumMod val="75000"/>
-                    <a:lumOff val="25000"/>
-                  </a:schemeClr>
-                </a:solidFill>
-                <a:latin typeface="微软雅黑" pitchFamily="34" charset="-122"/>
-                <a:ea typeface="微软雅黑" pitchFamily="34" charset="-122"/>
-              </a:rPr>
-              <a:t>碎片</a:t>
+              <a:t>制作文本碎片</a:t>
             </a:r>
             <a:endParaRPr lang="en-US" altLang="zh-CN" sz="2400" b="1" dirty="0" smtClean="0">
               <a:solidFill>
@@ -19176,15 +21277,6 @@
                 <a:headEnd/>
                 <a:tailEnd/>
               </a14:hiddenLine>
-            </a:ext>
-            <a:ext uri="{AF507438-7753-43E0-B8FC-AC1667EBCBE1}">
-              <a14:hiddenEffects xmlns:a14="http://schemas.microsoft.com/office/drawing/2010/main">
-                <a:effectLst>
-                  <a:outerShdw dist="35921" dir="2700000" algn="ctr" rotWithShape="0">
-                    <a:schemeClr val="bg2"/>
-                  </a:outerShdw>
-                </a:effectLst>
-              </a14:hiddenEffects>
             </a:ext>
           </a:extLst>
         </p:spPr>
@@ -20003,9 +22095,9 @@
         <p:grpSpPr>
           <a:xfrm>
             <a:off x="1056784" y="1814524"/>
-            <a:ext cx="7030431" cy="4710820"/>
+            <a:ext cx="7403216" cy="4710820"/>
             <a:chOff x="1056784" y="1814524"/>
-            <a:chExt cx="7030431" cy="4710820"/>
+            <a:chExt cx="7403216" cy="4710820"/>
           </a:xfrm>
         </p:grpSpPr>
         <p:pic>
@@ -20481,6 +22573,87 @@
             </a:p>
           </p:txBody>
         </p:sp>
+        <p:sp>
+          <p:nvSpPr>
+            <p:cNvPr id="17" name="圆角矩形标注 16"/>
+            <p:cNvSpPr/>
+            <p:nvPr/>
+          </p:nvSpPr>
+          <p:spPr>
+            <a:xfrm>
+              <a:off x="7115374" y="3850107"/>
+              <a:ext cx="1344626" cy="576065"/>
+            </a:xfrm>
+            <a:prstGeom prst="wedgeRoundRectCallout">
+              <a:avLst>
+                <a:gd name="adj1" fmla="val -70441"/>
+                <a:gd name="adj2" fmla="val -24640"/>
+                <a:gd name="adj3" fmla="val 16667"/>
+              </a:avLst>
+            </a:prstGeom>
+          </p:spPr>
+          <p:style>
+            <a:lnRef idx="2">
+              <a:schemeClr val="accent6"/>
+            </a:lnRef>
+            <a:fillRef idx="1">
+              <a:schemeClr val="lt1"/>
+            </a:fillRef>
+            <a:effectRef idx="0">
+              <a:schemeClr val="accent6"/>
+            </a:effectRef>
+            <a:fontRef idx="minor">
+              <a:schemeClr val="dk1"/>
+            </a:fontRef>
+          </p:style>
+          <p:txBody>
+            <a:bodyPr rtlCol="0" anchor="ctr"/>
+            <a:lstStyle/>
+            <a:p>
+              <a:pPr>
+                <a:lnSpc>
+                  <a:spcPct val="150000"/>
+                </a:lnSpc>
+              </a:pPr>
+              <a:r>
+                <a:rPr lang="zh-CN" altLang="en-US" sz="2000" dirty="0" smtClean="0">
+                  <a:solidFill>
+                    <a:schemeClr val="tx1">
+                      <a:lumMod val="75000"/>
+                      <a:lumOff val="25000"/>
+                    </a:schemeClr>
+                  </a:solidFill>
+                  <a:latin typeface="微软雅黑" pitchFamily="34" charset="-122"/>
+                  <a:ea typeface="微软雅黑" pitchFamily="34" charset="-122"/>
+                </a:rPr>
+                <a:t>原始</a:t>
+              </a:r>
+              <a:r>
+                <a:rPr lang="en-US" altLang="zh-CN" sz="2000" dirty="0" smtClean="0">
+                  <a:solidFill>
+                    <a:schemeClr val="tx1">
+                      <a:lumMod val="75000"/>
+                      <a:lumOff val="25000"/>
+                    </a:schemeClr>
+                  </a:solidFill>
+                  <a:latin typeface="微软雅黑" pitchFamily="34" charset="-122"/>
+                  <a:ea typeface="微软雅黑" pitchFamily="34" charset="-122"/>
+                </a:rPr>
+                <a:t>SVG</a:t>
+              </a:r>
+              <a:endParaRPr lang="en-US" altLang="zh-CN" sz="2000" dirty="0">
+                <a:solidFill>
+                  <a:schemeClr val="tx1">
+                    <a:lumMod val="75000"/>
+                    <a:lumOff val="25000"/>
+                  </a:schemeClr>
+                </a:solidFill>
+                <a:latin typeface="微软雅黑" pitchFamily="34" charset="-122"/>
+                <a:ea typeface="微软雅黑" pitchFamily="34" charset="-122"/>
+              </a:endParaRPr>
+            </a:p>
+          </p:txBody>
+        </p:sp>
       </p:grpSp>
     </p:spTree>
     <p:extLst>
@@ -20541,7 +22714,7 @@
         </p:blipFill>
         <p:spPr>
           <a:xfrm>
-            <a:off x="972228" y="188640"/>
+            <a:off x="972228" y="775644"/>
             <a:ext cx="7230484" cy="4105848"/>
           </a:xfrm>
           <a:prstGeom prst="rect">
@@ -20567,7 +22740,7 @@
         </p:nvSpPr>
         <p:spPr>
           <a:xfrm>
-            <a:off x="1475657" y="836712"/>
+            <a:off x="1475657" y="1423716"/>
             <a:ext cx="1368152" cy="432048"/>
           </a:xfrm>
           <a:prstGeom prst="rect">
@@ -20613,7 +22786,7 @@
         </p:nvSpPr>
         <p:spPr>
           <a:xfrm>
-            <a:off x="1763688" y="3573016"/>
+            <a:off x="1763688" y="4160020"/>
             <a:ext cx="864096" cy="432048"/>
           </a:xfrm>
           <a:prstGeom prst="rect">
@@ -20659,7 +22832,7 @@
         </p:nvSpPr>
         <p:spPr>
           <a:xfrm>
-            <a:off x="4211960" y="2289644"/>
+            <a:off x="4211960" y="2876648"/>
             <a:ext cx="2088232" cy="576065"/>
           </a:xfrm>
           <a:prstGeom prst="wedgeRoundRectCallout">
@@ -20727,7 +22900,7 @@
         </p:nvSpPr>
         <p:spPr>
           <a:xfrm>
-            <a:off x="4716016" y="908720"/>
+            <a:off x="4716016" y="1495724"/>
             <a:ext cx="1800200" cy="576065"/>
           </a:xfrm>
           <a:prstGeom prst="wedgeRoundRectCallout">
@@ -20773,6 +22946,100 @@
                 <a:ea typeface="微软雅黑" pitchFamily="34" charset="-122"/>
               </a:rPr>
               <a:t>重新设置样式</a:t>
+            </a:r>
+            <a:endParaRPr lang="en-US" altLang="zh-CN" sz="2000" dirty="0">
+              <a:solidFill>
+                <a:schemeClr val="tx1">
+                  <a:lumMod val="75000"/>
+                  <a:lumOff val="25000"/>
+                </a:schemeClr>
+              </a:solidFill>
+              <a:latin typeface="微软雅黑" pitchFamily="34" charset="-122"/>
+              <a:ea typeface="微软雅黑" pitchFamily="34" charset="-122"/>
+            </a:endParaRPr>
+          </a:p>
+        </p:txBody>
+      </p:sp>
+      <p:sp>
+        <p:nvSpPr>
+          <p:cNvPr id="9" name="圆角矩形标注 8"/>
+          <p:cNvSpPr/>
+          <p:nvPr/>
+        </p:nvSpPr>
+        <p:spPr>
+          <a:xfrm>
+            <a:off x="1763688" y="178704"/>
+            <a:ext cx="2448272" cy="576065"/>
+          </a:xfrm>
+          <a:prstGeom prst="wedgeRoundRectCallout">
+            <a:avLst>
+              <a:gd name="adj1" fmla="val -6497"/>
+              <a:gd name="adj2" fmla="val 67756"/>
+              <a:gd name="adj3" fmla="val 16667"/>
+            </a:avLst>
+          </a:prstGeom>
+        </p:spPr>
+        <p:style>
+          <a:lnRef idx="2">
+            <a:schemeClr val="accent6"/>
+          </a:lnRef>
+          <a:fillRef idx="1">
+            <a:schemeClr val="lt1"/>
+          </a:fillRef>
+          <a:effectRef idx="0">
+            <a:schemeClr val="accent6"/>
+          </a:effectRef>
+          <a:fontRef idx="minor">
+            <a:schemeClr val="dk1"/>
+          </a:fontRef>
+        </p:style>
+        <p:txBody>
+          <a:bodyPr rtlCol="0" anchor="ctr"/>
+          <a:lstStyle/>
+          <a:p>
+            <a:pPr>
+              <a:lnSpc>
+                <a:spcPct val="150000"/>
+              </a:lnSpc>
+            </a:pPr>
+            <a:r>
+              <a:rPr lang="en-US" altLang="zh-CN" sz="2000" dirty="0" smtClean="0">
+                <a:solidFill>
+                  <a:schemeClr val="tx1">
+                    <a:lumMod val="75000"/>
+                    <a:lumOff val="25000"/>
+                  </a:schemeClr>
+                </a:solidFill>
+                <a:latin typeface="微软雅黑" pitchFamily="34" charset="-122"/>
+                <a:ea typeface="微软雅黑" pitchFamily="34" charset="-122"/>
+              </a:rPr>
+              <a:t>Html </a:t>
+            </a:r>
+            <a:r>
+              <a:rPr lang="zh-CN" altLang="en-US" sz="2000" dirty="0" smtClean="0">
+                <a:solidFill>
+                  <a:schemeClr val="tx1">
+                    <a:lumMod val="75000"/>
+                    <a:lumOff val="25000"/>
+                  </a:schemeClr>
+                </a:solidFill>
+                <a:latin typeface="微软雅黑" pitchFamily="34" charset="-122"/>
+                <a:ea typeface="微软雅黑" pitchFamily="34" charset="-122"/>
+              </a:rPr>
+              <a:t>中嵌入</a:t>
+            </a:r>
+            <a:r>
+              <a:rPr lang="en-US" altLang="zh-CN" sz="2000" dirty="0" smtClean="0">
+                <a:solidFill>
+                  <a:schemeClr val="tx1">
+                    <a:lumMod val="75000"/>
+                    <a:lumOff val="25000"/>
+                  </a:schemeClr>
+                </a:solidFill>
+                <a:latin typeface="微软雅黑" pitchFamily="34" charset="-122"/>
+                <a:ea typeface="微软雅黑" pitchFamily="34" charset="-122"/>
+              </a:rPr>
+              <a:t>SVG</a:t>
             </a:r>
             <a:endParaRPr lang="en-US" altLang="zh-CN" sz="2000" dirty="0">
               <a:solidFill>
@@ -21340,7 +23607,7 @@
   <a:extraClrSchemeLst/>
   <a:extLst>
     <a:ext uri="{05A4C25C-085E-4340-85A3-A5531E510DB2}">
-      <thm15:themeFamily xmlns:thm15="http://schemas.microsoft.com/office/thememl/2012/main" xmlns="" name="Office Theme" id="{62F939B6-93AF-4DB8-9C6B-D6C7DFDC589F}" vid="{4A3C46E8-61CC-4603-A589-7422A47A8E4A}"/>
+      <thm15:themeFamily xmlns="" xmlns:thm15="http://schemas.microsoft.com/office/thememl/2012/main" name="Office Theme" id="{62F939B6-93AF-4DB8-9C6B-D6C7DFDC589F}" vid="{4A3C46E8-61CC-4603-A589-7422A47A8E4A}"/>
     </a:ext>
   </a:extLst>
 </a:theme>
